--- a/new_SE401/Lectures/8-Integration, System and Regression Testing/System Testing.pptx
+++ b/new_SE401/Lectures/8-Integration, System and Regression Testing/System Testing.pptx
@@ -5,7 +5,7 @@
     <p:sldMasterId id="2147483648" r:id="rId1"/>
   </p:sldMasterIdLst>
   <p:notesMasterIdLst>
-    <p:notesMasterId r:id="rId80"/>
+    <p:notesMasterId r:id="rId68"/>
   </p:notesMasterIdLst>
   <p:sldIdLst>
     <p:sldId id="256" r:id="rId2"/>
@@ -39,53 +39,41 @@
     <p:sldId id="284" r:id="rId30"/>
     <p:sldId id="285" r:id="rId31"/>
     <p:sldId id="286" r:id="rId32"/>
-    <p:sldId id="287" r:id="rId33"/>
-    <p:sldId id="288" r:id="rId34"/>
-    <p:sldId id="289" r:id="rId35"/>
-    <p:sldId id="290" r:id="rId36"/>
-    <p:sldId id="291" r:id="rId37"/>
-    <p:sldId id="292" r:id="rId38"/>
-    <p:sldId id="293" r:id="rId39"/>
-    <p:sldId id="294" r:id="rId40"/>
-    <p:sldId id="295" r:id="rId41"/>
-    <p:sldId id="296" r:id="rId42"/>
-    <p:sldId id="297" r:id="rId43"/>
-    <p:sldId id="298" r:id="rId44"/>
-    <p:sldId id="299" r:id="rId45"/>
-    <p:sldId id="300" r:id="rId46"/>
-    <p:sldId id="301" r:id="rId47"/>
-    <p:sldId id="302" r:id="rId48"/>
-    <p:sldId id="303" r:id="rId49"/>
-    <p:sldId id="304" r:id="rId50"/>
-    <p:sldId id="305" r:id="rId51"/>
-    <p:sldId id="306" r:id="rId52"/>
-    <p:sldId id="307" r:id="rId53"/>
-    <p:sldId id="308" r:id="rId54"/>
-    <p:sldId id="309" r:id="rId55"/>
-    <p:sldId id="310" r:id="rId56"/>
-    <p:sldId id="311" r:id="rId57"/>
-    <p:sldId id="312" r:id="rId58"/>
-    <p:sldId id="313" r:id="rId59"/>
-    <p:sldId id="314" r:id="rId60"/>
-    <p:sldId id="315" r:id="rId61"/>
-    <p:sldId id="316" r:id="rId62"/>
-    <p:sldId id="317" r:id="rId63"/>
-    <p:sldId id="318" r:id="rId64"/>
-    <p:sldId id="319" r:id="rId65"/>
-    <p:sldId id="320" r:id="rId66"/>
-    <p:sldId id="321" r:id="rId67"/>
-    <p:sldId id="322" r:id="rId68"/>
-    <p:sldId id="323" r:id="rId69"/>
-    <p:sldId id="324" r:id="rId70"/>
-    <p:sldId id="325" r:id="rId71"/>
-    <p:sldId id="326" r:id="rId72"/>
-    <p:sldId id="327" r:id="rId73"/>
-    <p:sldId id="328" r:id="rId74"/>
-    <p:sldId id="329" r:id="rId75"/>
-    <p:sldId id="330" r:id="rId76"/>
-    <p:sldId id="331" r:id="rId77"/>
-    <p:sldId id="332" r:id="rId78"/>
-    <p:sldId id="333" r:id="rId79"/>
+    <p:sldId id="299" r:id="rId33"/>
+    <p:sldId id="300" r:id="rId34"/>
+    <p:sldId id="301" r:id="rId35"/>
+    <p:sldId id="302" r:id="rId36"/>
+    <p:sldId id="303" r:id="rId37"/>
+    <p:sldId id="304" r:id="rId38"/>
+    <p:sldId id="305" r:id="rId39"/>
+    <p:sldId id="306" r:id="rId40"/>
+    <p:sldId id="307" r:id="rId41"/>
+    <p:sldId id="308" r:id="rId42"/>
+    <p:sldId id="309" r:id="rId43"/>
+    <p:sldId id="310" r:id="rId44"/>
+    <p:sldId id="311" r:id="rId45"/>
+    <p:sldId id="312" r:id="rId46"/>
+    <p:sldId id="313" r:id="rId47"/>
+    <p:sldId id="314" r:id="rId48"/>
+    <p:sldId id="315" r:id="rId49"/>
+    <p:sldId id="316" r:id="rId50"/>
+    <p:sldId id="317" r:id="rId51"/>
+    <p:sldId id="318" r:id="rId52"/>
+    <p:sldId id="319" r:id="rId53"/>
+    <p:sldId id="320" r:id="rId54"/>
+    <p:sldId id="321" r:id="rId55"/>
+    <p:sldId id="322" r:id="rId56"/>
+    <p:sldId id="323" r:id="rId57"/>
+    <p:sldId id="324" r:id="rId58"/>
+    <p:sldId id="325" r:id="rId59"/>
+    <p:sldId id="326" r:id="rId60"/>
+    <p:sldId id="327" r:id="rId61"/>
+    <p:sldId id="328" r:id="rId62"/>
+    <p:sldId id="329" r:id="rId63"/>
+    <p:sldId id="330" r:id="rId64"/>
+    <p:sldId id="331" r:id="rId65"/>
+    <p:sldId id="332" r:id="rId66"/>
+    <p:sldId id="333" r:id="rId67"/>
   </p:sldIdLst>
   <p:sldSz cx="12192000" cy="6858000"/>
   <p:notesSz cx="6858000" cy="9144000"/>
@@ -274,7 +262,7 @@
           <a:p>
             <a:fld id="{F3B0ED5F-57F7-41A3-9ACC-D2FCCFA7696D}" type="datetimeFigureOut">
               <a:rPr lang="en-US" smtClean="0"/>
-              <a:t>10/18/2021</a:t>
+              <a:t>11/14/2021</a:t>
             </a:fld>
             <a:endParaRPr lang="en-US"/>
           </a:p>
@@ -867,7 +855,7 @@
               <a:pPr>
                 <a:defRPr/>
               </a:pPr>
-              <a:t>54</a:t>
+              <a:t>42</a:t>
             </a:fld>
             <a:r>
               <a:rPr lang="en-US" smtClean="0"/>
@@ -1043,7 +1031,7 @@
               <a:pPr>
                 <a:defRPr/>
               </a:pPr>
-              <a:t>55</a:t>
+              <a:t>43</a:t>
             </a:fld>
             <a:r>
               <a:rPr lang="en-US" smtClean="0"/>
@@ -1219,7 +1207,7 @@
               <a:pPr>
                 <a:defRPr/>
               </a:pPr>
-              <a:t>56</a:t>
+              <a:t>44</a:t>
             </a:fld>
             <a:r>
               <a:rPr lang="en-US" smtClean="0"/>
@@ -1391,7 +1379,7 @@
               <a:pPr>
                 <a:defRPr/>
               </a:pPr>
-              <a:t>57</a:t>
+              <a:t>45</a:t>
             </a:fld>
             <a:r>
               <a:rPr lang="en-US" smtClean="0"/>
@@ -1563,7 +1551,7 @@
               <a:pPr>
                 <a:defRPr/>
               </a:pPr>
-              <a:t>59</a:t>
+              <a:t>47</a:t>
             </a:fld>
             <a:r>
               <a:rPr lang="en-US" smtClean="0"/>
@@ -1735,7 +1723,7 @@
               <a:pPr>
                 <a:defRPr/>
               </a:pPr>
-              <a:t>60</a:t>
+              <a:t>48</a:t>
             </a:fld>
             <a:r>
               <a:rPr lang="en-US" smtClean="0"/>
@@ -1907,7 +1895,7 @@
               <a:pPr>
                 <a:defRPr/>
               </a:pPr>
-              <a:t>61</a:t>
+              <a:t>49</a:t>
             </a:fld>
             <a:r>
               <a:rPr lang="en-US" smtClean="0"/>
@@ -2079,7 +2067,7 @@
               <a:pPr>
                 <a:defRPr/>
               </a:pPr>
-              <a:t>62</a:t>
+              <a:t>50</a:t>
             </a:fld>
             <a:r>
               <a:rPr lang="en-US" smtClean="0"/>
@@ -2251,7 +2239,7 @@
               <a:pPr>
                 <a:defRPr/>
               </a:pPr>
-              <a:t>63</a:t>
+              <a:t>51</a:t>
             </a:fld>
             <a:r>
               <a:rPr lang="en-US" smtClean="0"/>
@@ -2423,7 +2411,7 @@
               <a:pPr>
                 <a:defRPr/>
               </a:pPr>
-              <a:t>64</a:t>
+              <a:t>52</a:t>
             </a:fld>
             <a:r>
               <a:rPr lang="en-US" smtClean="0"/>
@@ -2485,14 +2473,14 @@
           </a:ln>
           <a:extLst>
             <a:ext uri="{909E8E84-426E-40dd-AFC4-6F175D3DCCD1}">
-              <a14:hiddenFill xmlns:a14="http://schemas.microsoft.com/office/drawing/2010/main" xmlns="">
+              <a14:hiddenFill xmlns="" xmlns:a14="http://schemas.microsoft.com/office/drawing/2010/main">
                 <a:solidFill>
                   <a:srgbClr val="FFFFFF"/>
                 </a:solidFill>
               </a14:hiddenFill>
             </a:ext>
             <a:ext uri="{91240B29-F687-4f45-9708-019B960494DF}">
-              <a14:hiddenLine xmlns:a14="http://schemas.microsoft.com/office/drawing/2010/main" xmlns="" w="9525">
+              <a14:hiddenLine xmlns="" xmlns:a14="http://schemas.microsoft.com/office/drawing/2010/main" w="9525">
                 <a:solidFill>
                   <a:srgbClr val="000000"/>
                 </a:solidFill>
@@ -2668,14 +2656,14 @@
           </a:ln>
           <a:extLst>
             <a:ext uri="{909E8E84-426E-40dd-AFC4-6F175D3DCCD1}">
-              <a14:hiddenFill xmlns:a14="http://schemas.microsoft.com/office/drawing/2010/main" xmlns="">
+              <a14:hiddenFill xmlns="" xmlns:a14="http://schemas.microsoft.com/office/drawing/2010/main">
                 <a:solidFill>
                   <a:srgbClr val="FFFFFF"/>
                 </a:solidFill>
               </a14:hiddenFill>
             </a:ext>
             <a:ext uri="{FAA26D3D-D897-4be2-8F04-BA451C77F1D7}">
-              <ma14:placeholderFlag xmlns:ma14="http://schemas.microsoft.com/office/mac/drawingml/2011/main" xmlns="" val="1"/>
+              <ma14:placeholderFlag xmlns="" xmlns:ma14="http://schemas.microsoft.com/office/mac/drawingml/2011/main" val="1"/>
             </a:ext>
           </a:extLst>
         </p:spPr>
@@ -2963,7 +2951,7 @@
               <a:pPr>
                 <a:defRPr/>
               </a:pPr>
-              <a:t>65</a:t>
+              <a:t>53</a:t>
             </a:fld>
             <a:r>
               <a:rPr lang="en-US" smtClean="0"/>
@@ -3135,7 +3123,7 @@
               <a:pPr>
                 <a:defRPr/>
               </a:pPr>
-              <a:t>66</a:t>
+              <a:t>54</a:t>
             </a:fld>
             <a:r>
               <a:rPr lang="en-US" smtClean="0"/>
@@ -3307,7 +3295,7 @@
               <a:pPr>
                 <a:defRPr/>
               </a:pPr>
-              <a:t>67</a:t>
+              <a:t>55</a:t>
             </a:fld>
             <a:r>
               <a:rPr lang="en-US" smtClean="0"/>
@@ -3387,7 +3375,7 @@
           </a:ln>
           <a:extLst>
             <a:ext uri="{909E8E84-426E-40dd-AFC4-6F175D3DCCD1}">
-              <a14:hiddenFill xmlns:a14="http://schemas.microsoft.com/office/drawing/2010/main" xmlns="">
+              <a14:hiddenFill xmlns="" xmlns:a14="http://schemas.microsoft.com/office/drawing/2010/main">
                 <a:solidFill>
                   <a:srgbClr val="FFFFFF"/>
                 </a:solidFill>
@@ -3569,7 +3557,7 @@
               <a:pPr>
                 <a:defRPr/>
               </a:pPr>
-              <a:t>68</a:t>
+              <a:t>56</a:t>
             </a:fld>
             <a:r>
               <a:rPr lang="en-US" smtClean="0"/>
@@ -3741,7 +3729,7 @@
               <a:pPr>
                 <a:defRPr/>
               </a:pPr>
-              <a:t>69</a:t>
+              <a:t>57</a:t>
             </a:fld>
             <a:r>
               <a:rPr lang="en-US" smtClean="0"/>
@@ -3913,7 +3901,7 @@
               <a:pPr>
                 <a:defRPr/>
               </a:pPr>
-              <a:t>70</a:t>
+              <a:t>58</a:t>
             </a:fld>
             <a:r>
               <a:rPr lang="en-US" smtClean="0"/>
@@ -3993,7 +3981,7 @@
           </a:ln>
           <a:extLst>
             <a:ext uri="{909E8E84-426E-40dd-AFC4-6F175D3DCCD1}">
-              <a14:hiddenFill xmlns:a14="http://schemas.microsoft.com/office/drawing/2010/main" xmlns="">
+              <a14:hiddenFill xmlns="" xmlns:a14="http://schemas.microsoft.com/office/drawing/2010/main">
                 <a:solidFill>
                   <a:srgbClr val="FFFFFF"/>
                 </a:solidFill>
@@ -4208,7 +4196,7 @@
               <a:pPr>
                 <a:defRPr/>
               </a:pPr>
-              <a:t>71</a:t>
+              <a:t>59</a:t>
             </a:fld>
             <a:r>
               <a:rPr lang="en-US" smtClean="0"/>
@@ -4287,7 +4275,7 @@
           </a:ln>
           <a:extLst>
             <a:ext uri="{AF507438-7753-43e0-B8FC-AC1667EBCBE1}">
-              <a14:hiddenEffects xmlns:a14="http://schemas.microsoft.com/office/drawing/2010/main" xmlns="">
+              <a14:hiddenEffects xmlns="" xmlns:a14="http://schemas.microsoft.com/office/drawing/2010/main">
                 <a:effectLst>
                   <a:outerShdw blurRad="63500" dist="38099" dir="2700000" algn="ctr" rotWithShape="0">
                     <a:srgbClr val="000000">
@@ -4322,14 +4310,14 @@
           <a:ln/>
           <a:extLst>
             <a:ext uri="{909E8E84-426E-40dd-AFC4-6F175D3DCCD1}">
-              <a14:hiddenFill xmlns:a14="http://schemas.microsoft.com/office/drawing/2010/main" xmlns="">
+              <a14:hiddenFill xmlns="" xmlns:a14="http://schemas.microsoft.com/office/drawing/2010/main">
                 <a:solidFill>
                   <a:srgbClr val="FFFFFF"/>
                 </a:solidFill>
               </a14:hiddenFill>
             </a:ext>
             <a:ext uri="{91240B29-F687-4f45-9708-019B960494DF}">
-              <a14:hiddenLine xmlns:a14="http://schemas.microsoft.com/office/drawing/2010/main" xmlns="" w="9525">
+              <a14:hiddenLine xmlns="" xmlns:a14="http://schemas.microsoft.com/office/drawing/2010/main" w="9525">
                 <a:solidFill>
                   <a:srgbClr val="000000"/>
                 </a:solidFill>
@@ -4339,7 +4327,7 @@
               </a14:hiddenLine>
             </a:ext>
             <a:ext uri="{AF507438-7753-43e0-B8FC-AC1667EBCBE1}">
-              <a14:hiddenEffects xmlns:a14="http://schemas.microsoft.com/office/drawing/2010/main" xmlns="">
+              <a14:hiddenEffects xmlns="" xmlns:a14="http://schemas.microsoft.com/office/drawing/2010/main">
                 <a:effectLst>
                   <a:outerShdw blurRad="63500" dist="38099" dir="2700000" algn="ctr" rotWithShape="0">
                     <a:srgbClr val="000000">
@@ -4723,7 +4711,7 @@
               <a:pPr>
                 <a:defRPr/>
               </a:pPr>
-              <a:t>76</a:t>
+              <a:t>64</a:t>
             </a:fld>
             <a:r>
               <a:rPr lang="en-US" smtClean="0"/>
@@ -4785,14 +4773,14 @@
           </a:ln>
           <a:extLst>
             <a:ext uri="{909E8E84-426E-40dd-AFC4-6F175D3DCCD1}">
-              <a14:hiddenFill xmlns:a14="http://schemas.microsoft.com/office/drawing/2010/main" xmlns="">
+              <a14:hiddenFill xmlns="" xmlns:a14="http://schemas.microsoft.com/office/drawing/2010/main">
                 <a:solidFill>
                   <a:srgbClr val="FFFFFF"/>
                 </a:solidFill>
               </a14:hiddenFill>
             </a:ext>
             <a:ext uri="{91240B29-F687-4f45-9708-019B960494DF}">
-              <a14:hiddenLine xmlns:a14="http://schemas.microsoft.com/office/drawing/2010/main" xmlns="" w="9525">
+              <a14:hiddenLine xmlns="" xmlns:a14="http://schemas.microsoft.com/office/drawing/2010/main" w="9525">
                 <a:solidFill>
                   <a:srgbClr val="000000"/>
                 </a:solidFill>
@@ -4920,7 +4908,7 @@
                 <a:latin typeface="Verdana" charset="0"/>
               </a:rPr>
               <a:pPr algn="r" eaLnBrk="1" hangingPunct="1"/>
-              <a:t>78</a:t>
+              <a:t>66</a:t>
             </a:fld>
             <a:endParaRPr lang="en-US" sz="1200" dirty="0">
               <a:latin typeface="Verdana" charset="0"/>
@@ -4968,14 +4956,14 @@
           </a:ln>
           <a:extLst>
             <a:ext uri="{909E8E84-426E-40dd-AFC4-6F175D3DCCD1}">
-              <a14:hiddenFill xmlns:a14="http://schemas.microsoft.com/office/drawing/2010/main" xmlns="">
+              <a14:hiddenFill xmlns="" xmlns:a14="http://schemas.microsoft.com/office/drawing/2010/main">
                 <a:solidFill>
                   <a:srgbClr val="FFFFFF"/>
                 </a:solidFill>
               </a14:hiddenFill>
             </a:ext>
             <a:ext uri="{FAA26D3D-D897-4be2-8F04-BA451C77F1D7}">
-              <ma14:placeholderFlag xmlns:ma14="http://schemas.microsoft.com/office/mac/drawingml/2011/main" xmlns="" val="1"/>
+              <ma14:placeholderFlag xmlns="" xmlns:ma14="http://schemas.microsoft.com/office/mac/drawingml/2011/main" val="1"/>
             </a:ext>
           </a:extLst>
         </p:spPr>
@@ -5091,7 +5079,7 @@
               <a:pPr>
                 <a:defRPr/>
               </a:pPr>
-              <a:t>78</a:t>
+              <a:t>66</a:t>
             </a:fld>
             <a:r>
               <a:rPr lang="en-US" smtClean="0"/>
@@ -5854,7 +5842,7 @@
               <a:pPr>
                 <a:defRPr/>
               </a:pPr>
-              <a:t>49</a:t>
+              <a:t>37</a:t>
             </a:fld>
             <a:r>
               <a:rPr lang="en-US" smtClean="0"/>
@@ -6026,7 +6014,7 @@
               <a:pPr>
                 <a:defRPr/>
               </a:pPr>
-              <a:t>50</a:t>
+              <a:t>38</a:t>
             </a:fld>
             <a:r>
               <a:rPr lang="en-US" smtClean="0"/>
@@ -6198,7 +6186,7 @@
               <a:pPr>
                 <a:defRPr/>
               </a:pPr>
-              <a:t>51</a:t>
+              <a:t>39</a:t>
             </a:fld>
             <a:r>
               <a:rPr lang="en-US" smtClean="0"/>
@@ -6374,7 +6362,7 @@
               <a:pPr>
                 <a:defRPr/>
               </a:pPr>
-              <a:t>53</a:t>
+              <a:t>41</a:t>
             </a:fld>
             <a:r>
               <a:rPr lang="en-US" smtClean="0"/>
@@ -6534,7 +6522,7 @@
           <a:p>
             <a:fld id="{07EADAF6-6359-4FCF-8BC0-9A0720EA00B0}" type="datetime1">
               <a:rPr lang="en-US" smtClean="0"/>
-              <a:t>10/18/2021</a:t>
+              <a:t>11/14/2021</a:t>
             </a:fld>
             <a:endParaRPr lang="en-US"/>
           </a:p>
@@ -6785,7 +6773,7 @@
           <a:p>
             <a:fld id="{A64567A6-4995-4947-A952-4EF970386EDF}" type="datetime1">
               <a:rPr lang="en-US" smtClean="0"/>
-              <a:t>10/18/2021</a:t>
+              <a:t>11/14/2021</a:t>
             </a:fld>
             <a:endParaRPr lang="en-US"/>
           </a:p>
@@ -6965,7 +6953,7 @@
           <a:p>
             <a:fld id="{A870013D-6DFB-459E-A41F-12CA7AF0BA96}" type="datetime1">
               <a:rPr lang="en-US" smtClean="0"/>
-              <a:t>10/18/2021</a:t>
+              <a:t>11/14/2021</a:t>
             </a:fld>
             <a:endParaRPr lang="en-US"/>
           </a:p>
@@ -7221,7 +7209,7 @@
           <a:p>
             <a:fld id="{F7E5739F-ED22-4640-B3FF-0E0A98DC997D}" type="datetime1">
               <a:rPr lang="en-US" smtClean="0"/>
-              <a:t>10/18/2021</a:t>
+              <a:t>11/14/2021</a:t>
             </a:fld>
             <a:endParaRPr lang="en-US"/>
           </a:p>
@@ -7566,7 +7554,7 @@
           <a:p>
             <a:fld id="{F88DA124-B393-41F9-85BB-B47AB78CBC1B}" type="datetime1">
               <a:rPr lang="en-US" smtClean="0"/>
-              <a:t>10/18/2021</a:t>
+              <a:t>11/14/2021</a:t>
             </a:fld>
             <a:endParaRPr lang="en-US"/>
           </a:p>
@@ -7798,7 +7786,7 @@
           <a:p>
             <a:fld id="{5DB555D1-C4BB-432E-89A5-5CADFB67BBBF}" type="datetime1">
               <a:rPr lang="en-US" smtClean="0"/>
-              <a:t>10/18/2021</a:t>
+              <a:t>11/14/2021</a:t>
             </a:fld>
             <a:endParaRPr lang="en-US"/>
           </a:p>
@@ -8165,7 +8153,7 @@
           <a:p>
             <a:fld id="{F5013F14-7F6D-4787-9C7A-30F40D3EE374}" type="datetime1">
               <a:rPr lang="en-US" smtClean="0"/>
-              <a:t>10/18/2021</a:t>
+              <a:t>11/14/2021</a:t>
             </a:fld>
             <a:endParaRPr lang="en-US"/>
           </a:p>
@@ -8260,7 +8248,7 @@
           <a:p>
             <a:fld id="{50443B19-A811-42B9-B4A1-00A4783FEB53}" type="datetime1">
               <a:rPr lang="en-US" smtClean="0"/>
-              <a:t>10/18/2021</a:t>
+              <a:t>11/14/2021</a:t>
             </a:fld>
             <a:endParaRPr lang="en-US"/>
           </a:p>
@@ -8483,7 +8471,7 @@
             <a:fld id="{B2F5E2FA-C428-4CE7-95B0-168D3259A5BB}" type="datetimeFigureOut">
               <a:rPr lang="en-US" smtClean="0"/>
               <a:pPr/>
-              <a:t>10/18/2021</a:t>
+              <a:t>11/14/2021</a:t>
             </a:fld>
             <a:endParaRPr lang="en-US"/>
           </a:p>
@@ -8654,7 +8642,7 @@
           <a:p>
             <a:fld id="{7BB3CAE7-223D-4385-9623-B7547F404ABD}" type="datetime1">
               <a:rPr lang="en-US" smtClean="0"/>
-              <a:t>10/18/2021</a:t>
+              <a:t>11/14/2021</a:t>
             </a:fld>
             <a:endParaRPr lang="en-US"/>
           </a:p>
@@ -8931,7 +8919,7 @@
           <a:p>
             <a:fld id="{1600372F-63A8-4906-8DE2-46500DF4434B}" type="datetime1">
               <a:rPr lang="en-US" smtClean="0"/>
-              <a:t>10/18/2021</a:t>
+              <a:t>11/14/2021</a:t>
             </a:fld>
             <a:endParaRPr lang="en-US"/>
           </a:p>
@@ -9184,7 +9172,7 @@
           <a:p>
             <a:fld id="{96617AD2-F699-4620-9C80-1A23D669CB5F}" type="datetime1">
               <a:rPr lang="en-US" smtClean="0"/>
-              <a:t>10/18/2021</a:t>
+              <a:t>11/14/2021</a:t>
             </a:fld>
             <a:endParaRPr lang="en-US"/>
           </a:p>
@@ -9397,7 +9385,7 @@
           <a:p>
             <a:fld id="{AA00B3B3-C61C-4552-AFE7-BE78BC38F2E7}" type="datetime1">
               <a:rPr lang="en-US" smtClean="0"/>
-              <a:t>10/18/2021</a:t>
+              <a:t>11/14/2021</a:t>
             </a:fld>
             <a:endParaRPr lang="en-US"/>
           </a:p>
@@ -9822,7 +9810,6 @@
               <a:rPr lang="en-US" dirty="0"/>
               <a:t>System Testing</a:t>
             </a:r>
-            <a:endParaRPr lang="en-US" dirty="0"/>
           </a:p>
         </p:txBody>
       </p:sp>
@@ -13142,22 +13129,13 @@
             <a:pPr lvl="1"/>
             <a:r>
               <a:rPr lang="en-US" sz="2200" dirty="0" smtClean="0"/>
-              <a:t>How to continuously monitor usability from early design to delivery</a:t>
-            </a:r>
-          </a:p>
-          <a:p>
-            <a:r>
-              <a:rPr lang="en-US" sz="2600" dirty="0" smtClean="0"/>
-              <a:t>Understand basic regression testing approaches</a:t>
-            </a:r>
-          </a:p>
-          <a:p>
-            <a:pPr lvl="1"/>
+              <a:t>How to continuously monitor usability from early design to </a:t>
+            </a:r>
             <a:r>
               <a:rPr lang="en-US" sz="2200" dirty="0" smtClean="0"/>
-              <a:t>Preventing accidental changes</a:t>
-            </a:r>
-            <a:endParaRPr lang="en-US" sz="2200" dirty="0"/>
+              <a:t>delivery</a:t>
+            </a:r>
+            <a:endParaRPr lang="en-US" sz="2200" dirty="0" smtClean="0"/>
           </a:p>
         </p:txBody>
       </p:sp>
@@ -13530,47 +13508,79 @@
           <a:p>
             <a:r>
               <a:rPr lang="en-US" dirty="0" smtClean="0"/>
-              <a:t>Integration Version: </a:t>
-            </a:r>
-            <a:r>
-              <a:rPr lang="en-US" dirty="0" err="1" smtClean="0"/>
-              <a:t>NextDate</a:t>
-            </a:r>
-            <a:r>
-              <a:rPr lang="en-US" dirty="0" smtClean="0"/>
-              <a:t> Pseudo-Code</a:t>
-            </a:r>
-            <a:endParaRPr lang="en-US" dirty="0"/>
-          </a:p>
-        </p:txBody>
-      </p:sp>
-      <p:pic>
-        <p:nvPicPr>
-          <p:cNvPr id="4" name="Picture 3"/>
-          <p:cNvPicPr>
-            <a:picLocks noChangeAspect="1"/>
-          </p:cNvPicPr>
-          <p:nvPr/>
-        </p:nvPicPr>
-        <p:blipFill>
-          <a:blip r:embed="rId2"/>
-          <a:stretch>
-            <a:fillRect/>
-          </a:stretch>
-        </p:blipFill>
-        <p:spPr>
-          <a:xfrm>
-            <a:off x="2436417" y="1777378"/>
-            <a:ext cx="6525536" cy="3982006"/>
-          </a:xfrm>
-          <a:prstGeom prst="rect">
-            <a:avLst/>
-          </a:prstGeom>
-        </p:spPr>
-      </p:pic>
-      <p:sp>
-        <p:nvSpPr>
-          <p:cNvPr id="3" name="Slide Number Placeholder 2"/>
+              <a:t>Metrics for System Testing</a:t>
+            </a:r>
+            <a:endParaRPr lang="en-US" dirty="0"/>
+          </a:p>
+        </p:txBody>
+      </p:sp>
+      <p:sp>
+        <p:nvSpPr>
+          <p:cNvPr id="3" name="Content Placeholder 2"/>
+          <p:cNvSpPr>
+            <a:spLocks noGrp="1"/>
+          </p:cNvSpPr>
+          <p:nvPr>
+            <p:ph idx="1"/>
+          </p:nvPr>
+        </p:nvSpPr>
+        <p:spPr/>
+        <p:txBody>
+          <a:bodyPr>
+            <a:normAutofit/>
+          </a:bodyPr>
+          <a:lstStyle/>
+          <a:p>
+            <a:r>
+              <a:rPr lang="en-US" dirty="0" smtClean="0"/>
+              <a:t>In PIN Entry, for a given PIN, there are 156 distinct paths from the First PIN Try state to the two successor states.</a:t>
+            </a:r>
+          </a:p>
+          <a:p>
+            <a:r>
+              <a:rPr lang="en-US" dirty="0" smtClean="0"/>
+              <a:t>Of these, 31 correspond to eventually correct PIN entries.</a:t>
+            </a:r>
+          </a:p>
+          <a:p>
+            <a:pPr lvl="1"/>
+            <a:r>
+              <a:rPr lang="en-US" dirty="0" smtClean="0"/>
+              <a:t>1 on the first try</a:t>
+            </a:r>
+          </a:p>
+          <a:p>
+            <a:pPr lvl="1"/>
+            <a:r>
+              <a:rPr lang="en-US" dirty="0" smtClean="0"/>
+              <a:t>5 on the second try</a:t>
+            </a:r>
+          </a:p>
+          <a:p>
+            <a:pPr lvl="1"/>
+            <a:r>
+              <a:rPr lang="en-US" dirty="0" smtClean="0"/>
+              <a:t>25 on the third try</a:t>
+            </a:r>
+          </a:p>
+          <a:p>
+            <a:r>
+              <a:rPr lang="en-US" dirty="0" smtClean="0"/>
+              <a:t>The other 125 paths correspond to failed PIN attempts/</a:t>
+            </a:r>
+          </a:p>
+          <a:p>
+            <a:r>
+              <a:rPr lang="en-US" dirty="0" smtClean="0"/>
+              <a:t>Model-based coverage metrics can control this.</a:t>
+            </a:r>
+            <a:endParaRPr lang="en-US" dirty="0"/>
+          </a:p>
+        </p:txBody>
+      </p:sp>
+      <p:sp>
+        <p:nvSpPr>
+          <p:cNvPr id="4" name="Slide Number Placeholder 3"/>
           <p:cNvSpPr>
             <a:spLocks noGrp="1"/>
           </p:cNvSpPr>
@@ -13595,7 +13605,7 @@
     </p:spTree>
     <p:extLst>
       <p:ext uri="{BB962C8B-B14F-4D97-AF65-F5344CB8AC3E}">
-        <p14:creationId xmlns:p14="http://schemas.microsoft.com/office/powerpoint/2010/main" val="1910681075"/>
+        <p14:creationId xmlns:p14="http://schemas.microsoft.com/office/powerpoint/2010/main" val="3313377232"/>
       </p:ext>
     </p:extLst>
   </p:cSld>
@@ -13638,44 +13648,123 @@
           <a:lstStyle/>
           <a:p>
             <a:r>
-              <a:rPr lang="en-US" dirty="0" err="1" smtClean="0"/>
-              <a:t>NextDate</a:t>
-            </a:r>
-            <a:r>
-              <a:rPr lang="en-US" dirty="0" smtClean="0"/>
-              <a:t> Pseudo-Code (continued) </a:t>
-            </a:r>
-            <a:endParaRPr lang="en-US" dirty="0"/>
-          </a:p>
-        </p:txBody>
-      </p:sp>
-      <p:pic>
-        <p:nvPicPr>
-          <p:cNvPr id="4" name="Picture 3"/>
-          <p:cNvPicPr>
-            <a:picLocks noChangeAspect="1"/>
-          </p:cNvPicPr>
-          <p:nvPr/>
-        </p:nvPicPr>
-        <p:blipFill>
-          <a:blip r:embed="rId2"/>
-          <a:stretch>
-            <a:fillRect/>
-          </a:stretch>
-        </p:blipFill>
-        <p:spPr>
-          <a:xfrm>
-            <a:off x="3152492" y="1837498"/>
-            <a:ext cx="4058216" cy="3896269"/>
-          </a:xfrm>
-          <a:prstGeom prst="rect">
-            <a:avLst/>
-          </a:prstGeom>
-        </p:spPr>
-      </p:pic>
-      <p:sp>
-        <p:nvSpPr>
-          <p:cNvPr id="3" name="Slide Number Placeholder 2"/>
+              <a:rPr lang="en-US" dirty="0" smtClean="0"/>
+              <a:t>Model-Based Coverage Metrics</a:t>
+            </a:r>
+            <a:endParaRPr lang="en-US" dirty="0"/>
+          </a:p>
+        </p:txBody>
+      </p:sp>
+      <p:sp>
+        <p:nvSpPr>
+          <p:cNvPr id="3" name="Content Placeholder 2"/>
+          <p:cNvSpPr>
+            <a:spLocks noGrp="1"/>
+          </p:cNvSpPr>
+          <p:nvPr>
+            <p:ph idx="1"/>
+          </p:nvPr>
+        </p:nvSpPr>
+        <p:spPr/>
+        <p:txBody>
+          <a:bodyPr>
+            <a:normAutofit fontScale="92500" lnSpcReduction="10000"/>
+          </a:bodyPr>
+          <a:lstStyle/>
+          <a:p>
+            <a:r>
+              <a:rPr lang="en-US" dirty="0" smtClean="0"/>
+              <a:t>Decision table metrics</a:t>
+            </a:r>
+          </a:p>
+          <a:p>
+            <a:pPr lvl="1"/>
+            <a:r>
+              <a:rPr lang="en-US" dirty="0" smtClean="0"/>
+              <a:t>every condition</a:t>
+            </a:r>
+          </a:p>
+          <a:p>
+            <a:pPr lvl="1"/>
+            <a:r>
+              <a:rPr lang="en-US" dirty="0" smtClean="0"/>
+              <a:t>every action</a:t>
+            </a:r>
+          </a:p>
+          <a:p>
+            <a:pPr lvl="1"/>
+            <a:r>
+              <a:rPr lang="en-US" dirty="0" smtClean="0"/>
+              <a:t>every rule</a:t>
+            </a:r>
+          </a:p>
+          <a:p>
+            <a:r>
+              <a:rPr lang="en-US" dirty="0" smtClean="0"/>
+              <a:t>Finite state machine metrics</a:t>
+            </a:r>
+          </a:p>
+          <a:p>
+            <a:pPr lvl="1"/>
+            <a:r>
+              <a:rPr lang="en-US" dirty="0" smtClean="0"/>
+              <a:t>every state</a:t>
+            </a:r>
+          </a:p>
+          <a:p>
+            <a:pPr lvl="1"/>
+            <a:r>
+              <a:rPr lang="en-US" dirty="0" smtClean="0"/>
+              <a:t>every transition</a:t>
+            </a:r>
+          </a:p>
+          <a:p>
+            <a:pPr lvl="1"/>
+            <a:r>
+              <a:rPr lang="en-US" dirty="0" smtClean="0"/>
+              <a:t>every path (cycles need to be addressed as in code coverage metrics)</a:t>
+            </a:r>
+          </a:p>
+          <a:p>
+            <a:r>
+              <a:rPr lang="en-US" dirty="0" smtClean="0"/>
+              <a:t>Petri net metrics</a:t>
+            </a:r>
+          </a:p>
+          <a:p>
+            <a:pPr lvl="1"/>
+            <a:r>
+              <a:rPr lang="en-US" dirty="0" smtClean="0"/>
+              <a:t>every place</a:t>
+            </a:r>
+          </a:p>
+          <a:p>
+            <a:pPr lvl="1"/>
+            <a:r>
+              <a:rPr lang="en-US" dirty="0" smtClean="0"/>
+              <a:t>every port event</a:t>
+            </a:r>
+          </a:p>
+          <a:p>
+            <a:pPr lvl="1"/>
+            <a:r>
+              <a:rPr lang="en-US" dirty="0" smtClean="0"/>
+              <a:t>every transition</a:t>
+            </a:r>
+          </a:p>
+          <a:p>
+            <a:pPr lvl="1"/>
+            <a:r>
+              <a:rPr lang="en-US" dirty="0" smtClean="0"/>
+              <a:t>every marking </a:t>
+            </a:r>
+            <a:endParaRPr lang="en-US" dirty="0"/>
+          </a:p>
+        </p:txBody>
+      </p:sp>
+      <p:sp>
+        <p:nvSpPr>
+          <p:cNvPr id="4" name="Slide Number Placeholder 3"/>
           <p:cNvSpPr>
             <a:spLocks noGrp="1"/>
           </p:cNvSpPr>
@@ -13700,7 +13789,7 @@
     </p:spTree>
     <p:extLst>
       <p:ext uri="{BB962C8B-B14F-4D97-AF65-F5344CB8AC3E}">
-        <p14:creationId xmlns:p14="http://schemas.microsoft.com/office/powerpoint/2010/main" val="1600919225"/>
+        <p14:creationId xmlns:p14="http://schemas.microsoft.com/office/powerpoint/2010/main" val="115698940"/>
       </p:ext>
     </p:extLst>
   </p:cSld>
@@ -13743,44 +13832,79 @@
           <a:lstStyle/>
           <a:p>
             <a:r>
-              <a:rPr lang="en-US" dirty="0" err="1" smtClean="0"/>
-              <a:t>NextDate</a:t>
-            </a:r>
-            <a:r>
-              <a:rPr lang="en-US" dirty="0" smtClean="0"/>
-              <a:t> Pseudo-Code (continued)</a:t>
-            </a:r>
-            <a:endParaRPr lang="en-US" dirty="0"/>
-          </a:p>
-        </p:txBody>
-      </p:sp>
-      <p:pic>
-        <p:nvPicPr>
-          <p:cNvPr id="4" name="Picture 3"/>
-          <p:cNvPicPr>
-            <a:picLocks noChangeAspect="1"/>
-          </p:cNvPicPr>
-          <p:nvPr/>
-        </p:nvPicPr>
-        <p:blipFill>
-          <a:blip r:embed="rId2"/>
-          <a:stretch>
-            <a:fillRect/>
-          </a:stretch>
-        </p:blipFill>
-        <p:spPr>
-          <a:xfrm>
-            <a:off x="3060391" y="1804015"/>
-            <a:ext cx="5277587" cy="3629532"/>
-          </a:xfrm>
-          <a:prstGeom prst="rect">
-            <a:avLst/>
-          </a:prstGeom>
-        </p:spPr>
-      </p:pic>
-      <p:sp>
-        <p:nvSpPr>
-          <p:cNvPr id="3" name="Slide Number Placeholder 2"/>
+              <a:rPr lang="en-US" dirty="0" smtClean="0"/>
+              <a:t>Risk-Based System Testing</a:t>
+            </a:r>
+            <a:endParaRPr lang="en-US" dirty="0"/>
+          </a:p>
+        </p:txBody>
+      </p:sp>
+      <p:sp>
+        <p:nvSpPr>
+          <p:cNvPr id="3" name="Content Placeholder 2"/>
+          <p:cNvSpPr>
+            <a:spLocks noGrp="1"/>
+          </p:cNvSpPr>
+          <p:nvPr>
+            <p:ph idx="1"/>
+          </p:nvPr>
+        </p:nvSpPr>
+        <p:spPr/>
+        <p:txBody>
+          <a:bodyPr/>
+          <a:lstStyle/>
+          <a:p>
+            <a:r>
+              <a:rPr lang="en-US" dirty="0" smtClean="0"/>
+              <a:t>Risk = Cost * (Probability of occurrence)</a:t>
+            </a:r>
+          </a:p>
+          <a:p>
+            <a:r>
+              <a:rPr lang="en-US" dirty="0" smtClean="0"/>
+              <a:t>Hans Schaefer’s risk categories</a:t>
+            </a:r>
+          </a:p>
+          <a:p>
+            <a:pPr lvl="1"/>
+            <a:r>
+              <a:rPr lang="en-US" dirty="0" smtClean="0"/>
+              <a:t>Catastrophic: deposits, invalid withdrawals</a:t>
+            </a:r>
+          </a:p>
+          <a:p>
+            <a:pPr lvl="1"/>
+            <a:r>
+              <a:rPr lang="en-US" dirty="0" smtClean="0"/>
+              <a:t>Damaging: normal withdrawals</a:t>
+            </a:r>
+          </a:p>
+          <a:p>
+            <a:pPr lvl="1"/>
+            <a:r>
+              <a:rPr lang="en-US" dirty="0" smtClean="0"/>
+              <a:t>Hindering: invalid ATM card, PIN entry failure</a:t>
+            </a:r>
+          </a:p>
+          <a:p>
+            <a:pPr lvl="1"/>
+            <a:r>
+              <a:rPr lang="en-US" dirty="0" smtClean="0"/>
+              <a:t>Annoying: balance inquiries</a:t>
+            </a:r>
+          </a:p>
+          <a:p>
+            <a:r>
+              <a:rPr lang="en-US" dirty="0" smtClean="0"/>
+              <a:t>Logarithmic weighting (low = 1, medium = 3, high = 10) </a:t>
+            </a:r>
+            <a:endParaRPr lang="en-US" dirty="0"/>
+          </a:p>
+        </p:txBody>
+      </p:sp>
+      <p:sp>
+        <p:nvSpPr>
+          <p:cNvPr id="4" name="Slide Number Placeholder 3"/>
           <p:cNvSpPr>
             <a:spLocks noGrp="1"/>
           </p:cNvSpPr>
@@ -13805,7 +13929,7 @@
     </p:spTree>
     <p:extLst>
       <p:ext uri="{BB962C8B-B14F-4D97-AF65-F5344CB8AC3E}">
-        <p14:creationId xmlns:p14="http://schemas.microsoft.com/office/powerpoint/2010/main" val="1637529294"/>
+        <p14:creationId xmlns:p14="http://schemas.microsoft.com/office/powerpoint/2010/main" val="638945655"/>
       </p:ext>
     </p:extLst>
   </p:cSld>
@@ -13848,14 +13972,29 @@
           <a:lstStyle/>
           <a:p>
             <a:r>
-              <a:rPr lang="en-US" dirty="0" err="1" smtClean="0"/>
-              <a:t>NextDate</a:t>
-            </a:r>
-            <a:r>
-              <a:rPr lang="en-US" dirty="0" smtClean="0"/>
-              <a:t> Pseudo-Code (continued)</a:t>
-            </a:r>
-            <a:endParaRPr lang="en-US" dirty="0"/>
+              <a:rPr lang="en-US" dirty="0" smtClean="0"/>
+              <a:t>Selected Path Risks</a:t>
+            </a:r>
+            <a:endParaRPr lang="en-US" dirty="0"/>
+          </a:p>
+        </p:txBody>
+      </p:sp>
+      <p:sp>
+        <p:nvSpPr>
+          <p:cNvPr id="3" name="Content Placeholder 2"/>
+          <p:cNvSpPr>
+            <a:spLocks noGrp="1"/>
+          </p:cNvSpPr>
+          <p:nvPr>
+            <p:ph idx="1"/>
+          </p:nvPr>
+        </p:nvSpPr>
+        <p:spPr/>
+        <p:txBody>
+          <a:bodyPr/>
+          <a:lstStyle/>
+          <a:p>
+            <a:endParaRPr lang="en-US"/>
           </a:p>
         </p:txBody>
       </p:sp>
@@ -13875,8 +14014,8 @@
         </p:blipFill>
         <p:spPr>
           <a:xfrm>
-            <a:off x="2462450" y="1532327"/>
-            <a:ext cx="6887536" cy="4677428"/>
+            <a:off x="2728442" y="1984007"/>
+            <a:ext cx="6735115" cy="3562847"/>
           </a:xfrm>
           <a:prstGeom prst="rect">
             <a:avLst/>
@@ -13885,7 +14024,7 @@
       </p:pic>
       <p:sp>
         <p:nvSpPr>
-          <p:cNvPr id="3" name="Slide Number Placeholder 2"/>
+          <p:cNvPr id="5" name="Slide Number Placeholder 4"/>
           <p:cNvSpPr>
             <a:spLocks noGrp="1"/>
           </p:cNvSpPr>
@@ -13910,7 +14049,7 @@
     </p:spTree>
     <p:extLst>
       <p:ext uri="{BB962C8B-B14F-4D97-AF65-F5344CB8AC3E}">
-        <p14:creationId xmlns:p14="http://schemas.microsoft.com/office/powerpoint/2010/main" val="3598779233"/>
+        <p14:creationId xmlns:p14="http://schemas.microsoft.com/office/powerpoint/2010/main" val="2239751175"/>
       </p:ext>
     </p:extLst>
   </p:cSld>
@@ -13953,44 +14092,65 @@
           <a:lstStyle/>
           <a:p>
             <a:r>
-              <a:rPr lang="en-US" dirty="0" err="1" smtClean="0"/>
-              <a:t>ValidDate</a:t>
-            </a:r>
-            <a:r>
-              <a:rPr lang="en-US" dirty="0" smtClean="0"/>
-              <a:t> Pseudo-Code </a:t>
-            </a:r>
-            <a:endParaRPr lang="en-US" dirty="0"/>
-          </a:p>
-        </p:txBody>
-      </p:sp>
-      <p:pic>
-        <p:nvPicPr>
-          <p:cNvPr id="4" name="Picture 3"/>
-          <p:cNvPicPr>
-            <a:picLocks noChangeAspect="1"/>
-          </p:cNvPicPr>
-          <p:nvPr/>
-        </p:nvPicPr>
-        <p:blipFill>
-          <a:blip r:embed="rId2"/>
-          <a:stretch>
-            <a:fillRect/>
-          </a:stretch>
-        </p:blipFill>
-        <p:spPr>
-          <a:xfrm>
-            <a:off x="2416356" y="1352956"/>
-            <a:ext cx="6701766" cy="5082173"/>
-          </a:xfrm>
-          <a:prstGeom prst="rect">
-            <a:avLst/>
-          </a:prstGeom>
-        </p:spPr>
-      </p:pic>
-      <p:sp>
-        <p:nvSpPr>
-          <p:cNvPr id="3" name="Slide Number Placeholder 2"/>
+              <a:rPr lang="en-US" dirty="0" smtClean="0"/>
+              <a:t>Conclusions and Observations</a:t>
+            </a:r>
+            <a:endParaRPr lang="en-US" dirty="0"/>
+          </a:p>
+        </p:txBody>
+      </p:sp>
+      <p:sp>
+        <p:nvSpPr>
+          <p:cNvPr id="3" name="Content Placeholder 2"/>
+          <p:cNvSpPr>
+            <a:spLocks noGrp="1"/>
+          </p:cNvSpPr>
+          <p:nvPr>
+            <p:ph idx="1"/>
+          </p:nvPr>
+        </p:nvSpPr>
+        <p:spPr/>
+        <p:txBody>
+          <a:bodyPr/>
+          <a:lstStyle/>
+          <a:p>
+            <a:r>
+              <a:rPr lang="en-US" dirty="0" smtClean="0"/>
+              <a:t>System testing is based on threads</a:t>
+            </a:r>
+          </a:p>
+          <a:p>
+            <a:pPr lvl="1"/>
+            <a:r>
+              <a:rPr lang="en-US" dirty="0" smtClean="0"/>
+              <a:t>thread identification is the hard part</a:t>
+            </a:r>
+          </a:p>
+          <a:p>
+            <a:pPr lvl="1"/>
+            <a:r>
+              <a:rPr lang="en-US" dirty="0" smtClean="0"/>
+              <a:t>automated thread execution is a good idea</a:t>
+            </a:r>
+          </a:p>
+          <a:p>
+            <a:r>
+              <a:rPr lang="en-US" dirty="0" smtClean="0"/>
+              <a:t>Model-Based system testing works well</a:t>
+            </a:r>
+          </a:p>
+          <a:p>
+            <a:r>
+              <a:rPr lang="en-US" dirty="0" smtClean="0"/>
+              <a:t>Helpful to have system level coverage metrics</a:t>
+            </a:r>
+            <a:endParaRPr lang="en-US" dirty="0"/>
+          </a:p>
+        </p:txBody>
+      </p:sp>
+      <p:sp>
+        <p:nvSpPr>
+          <p:cNvPr id="4" name="Slide Number Placeholder 3"/>
           <p:cNvSpPr>
             <a:spLocks noGrp="1"/>
           </p:cNvSpPr>
@@ -14015,7 +14175,7 @@
     </p:spTree>
     <p:extLst>
       <p:ext uri="{BB962C8B-B14F-4D97-AF65-F5344CB8AC3E}">
-        <p14:creationId xmlns:p14="http://schemas.microsoft.com/office/powerpoint/2010/main" val="5605666"/>
+        <p14:creationId xmlns:p14="http://schemas.microsoft.com/office/powerpoint/2010/main" val="2996122966"/>
       </p:ext>
     </p:extLst>
   </p:cSld>
@@ -14058,44 +14218,109 @@
           <a:lstStyle/>
           <a:p>
             <a:r>
-              <a:rPr lang="en-US" dirty="0" err="1" smtClean="0"/>
-              <a:t>ValidDate</a:t>
-            </a:r>
-            <a:r>
-              <a:rPr lang="en-US" dirty="0" smtClean="0"/>
-              <a:t> Pseudo-Code (continued)</a:t>
-            </a:r>
-            <a:endParaRPr lang="en-US" dirty="0"/>
-          </a:p>
-        </p:txBody>
-      </p:sp>
-      <p:pic>
-        <p:nvPicPr>
-          <p:cNvPr id="4" name="Picture 3"/>
-          <p:cNvPicPr>
-            <a:picLocks noChangeAspect="1"/>
-          </p:cNvPicPr>
-          <p:nvPr/>
-        </p:nvPicPr>
-        <p:blipFill>
-          <a:blip r:embed="rId2"/>
-          <a:stretch>
-            <a:fillRect/>
-          </a:stretch>
-        </p:blipFill>
-        <p:spPr>
-          <a:xfrm>
-            <a:off x="2972109" y="1989932"/>
-            <a:ext cx="5868219" cy="3620005"/>
-          </a:xfrm>
-          <a:prstGeom prst="rect">
-            <a:avLst/>
-          </a:prstGeom>
-        </p:spPr>
-      </p:pic>
-      <p:sp>
-        <p:nvSpPr>
-          <p:cNvPr id="3" name="Slide Number Placeholder 2"/>
+              <a:rPr lang="en-US" dirty="0" smtClean="0"/>
+              <a:t>Performance Testing </a:t>
+            </a:r>
+            <a:endParaRPr lang="en-US" dirty="0"/>
+          </a:p>
+        </p:txBody>
+      </p:sp>
+      <p:sp>
+        <p:nvSpPr>
+          <p:cNvPr id="3" name="Content Placeholder 2"/>
+          <p:cNvSpPr>
+            <a:spLocks noGrp="1"/>
+          </p:cNvSpPr>
+          <p:nvPr>
+            <p:ph idx="1"/>
+          </p:nvPr>
+        </p:nvSpPr>
+        <p:spPr/>
+        <p:txBody>
+          <a:bodyPr>
+            <a:normAutofit lnSpcReduction="10000"/>
+          </a:bodyPr>
+          <a:lstStyle/>
+          <a:p>
+            <a:r>
+              <a:rPr lang="en-US" dirty="0" smtClean="0"/>
+              <a:t>Stress Testing </a:t>
+            </a:r>
+          </a:p>
+          <a:p>
+            <a:pPr lvl="1"/>
+            <a:r>
+              <a:rPr lang="en-US" dirty="0" smtClean="0"/>
+              <a:t>Checks if the system can respond to many simultaneous requests</a:t>
+            </a:r>
+            <a:br>
+              <a:rPr lang="en-US" dirty="0" smtClean="0"/>
+            </a:br>
+            <a:r>
+              <a:rPr lang="en-US" dirty="0" smtClean="0"/>
+              <a:t>(maximum # of users, peak demands) </a:t>
+            </a:r>
+          </a:p>
+          <a:p>
+            <a:r>
+              <a:rPr lang="en-US" dirty="0" smtClean="0"/>
+              <a:t>Volume testing</a:t>
+            </a:r>
+          </a:p>
+          <a:p>
+            <a:pPr lvl="1"/>
+            <a:r>
+              <a:rPr lang="en-US" dirty="0" smtClean="0"/>
+              <a:t>Test what happens if large amounts of data are handled</a:t>
+            </a:r>
+          </a:p>
+          <a:p>
+            <a:r>
+              <a:rPr lang="en-US" dirty="0" smtClean="0"/>
+              <a:t>Configuration testing </a:t>
+            </a:r>
+          </a:p>
+          <a:p>
+            <a:pPr lvl="1"/>
+            <a:r>
+              <a:rPr lang="en-US" dirty="0" smtClean="0"/>
+              <a:t>Test the various software and hardware configurations </a:t>
+            </a:r>
+          </a:p>
+          <a:p>
+            <a:r>
+              <a:rPr lang="en-US" dirty="0" smtClean="0"/>
+              <a:t>Compatibility test</a:t>
+            </a:r>
+          </a:p>
+          <a:p>
+            <a:pPr lvl="1"/>
+            <a:r>
+              <a:rPr lang="en-US" dirty="0" smtClean="0"/>
+              <a:t>Test backward compatibility with existing systems </a:t>
+            </a:r>
+          </a:p>
+          <a:p>
+            <a:r>
+              <a:rPr lang="en-US" dirty="0" smtClean="0"/>
+              <a:t>Security testing </a:t>
+            </a:r>
+          </a:p>
+          <a:p>
+            <a:pPr lvl="1"/>
+            <a:r>
+              <a:rPr lang="en-US" dirty="0" smtClean="0"/>
+              <a:t>Try to violate security requirements </a:t>
+            </a:r>
+          </a:p>
+          <a:p>
+            <a:endParaRPr lang="en-US" dirty="0"/>
+          </a:p>
+        </p:txBody>
+      </p:sp>
+      <p:sp>
+        <p:nvSpPr>
+          <p:cNvPr id="4" name="Slide Number Placeholder 3"/>
           <p:cNvSpPr>
             <a:spLocks noGrp="1"/>
           </p:cNvSpPr>
@@ -14108,25 +14333,31 @@
           <a:bodyPr/>
           <a:lstStyle/>
           <a:p>
-            <a:fld id="{B8DACC02-A2BD-4578-8E03-6D891060A695}" type="slidenum">
-              <a:rPr lang="en-US" smtClean="0"/>
-              <a:pPr/>
+            <a:fld id="{B543A0FD-1CA6-4228-86A2-78061B4844C8}" type="slidenum">
+              <a:rPr lang="en-US" smtClean="0"/>
               <a:t>37</a:t>
             </a:fld>
-            <a:endParaRPr lang="en-US" dirty="0"/>
+            <a:endParaRPr lang="en-US"/>
           </a:p>
         </p:txBody>
       </p:sp>
     </p:spTree>
     <p:extLst>
       <p:ext uri="{BB962C8B-B14F-4D97-AF65-F5344CB8AC3E}">
-        <p14:creationId xmlns:p14="http://schemas.microsoft.com/office/powerpoint/2010/main" val="1907393236"/>
+        <p14:creationId xmlns:p14="http://schemas.microsoft.com/office/powerpoint/2010/main" val="2352415844"/>
       </p:ext>
     </p:extLst>
   </p:cSld>
   <p:clrMapOvr>
     <a:masterClrMapping/>
   </p:clrMapOvr>
+  <p:timing>
+    <p:tnLst>
+      <p:par>
+        <p:cTn id="1" dur="indefinite" restart="never" nodeType="tmRoot"/>
+      </p:par>
+    </p:tnLst>
+  </p:timing>
 </p:sld>
 </file>
 
@@ -14163,44 +14394,102 @@
           <a:lstStyle/>
           <a:p>
             <a:r>
-              <a:rPr lang="en-US" dirty="0" err="1" smtClean="0"/>
-              <a:t>NextDate</a:t>
-            </a:r>
-            <a:r>
-              <a:rPr lang="en-US" dirty="0" smtClean="0"/>
-              <a:t> Pseudo-Code (continued) </a:t>
-            </a:r>
-            <a:endParaRPr lang="en-US" dirty="0"/>
-          </a:p>
-        </p:txBody>
-      </p:sp>
-      <p:pic>
-        <p:nvPicPr>
-          <p:cNvPr id="4" name="Picture 3"/>
-          <p:cNvPicPr>
-            <a:picLocks noChangeAspect="1"/>
-          </p:cNvPicPr>
-          <p:nvPr/>
-        </p:nvPicPr>
-        <p:blipFill>
-          <a:blip r:embed="rId2"/>
-          <a:stretch>
-            <a:fillRect/>
-          </a:stretch>
-        </p:blipFill>
-        <p:spPr>
-          <a:xfrm>
-            <a:off x="2551942" y="1828886"/>
-            <a:ext cx="7001852" cy="3924848"/>
-          </a:xfrm>
-          <a:prstGeom prst="rect">
-            <a:avLst/>
-          </a:prstGeom>
-        </p:spPr>
-      </p:pic>
-      <p:sp>
-        <p:nvSpPr>
-          <p:cNvPr id="3" name="Slide Number Placeholder 2"/>
+              <a:rPr lang="en-US" dirty="0" smtClean="0"/>
+              <a:t>Performance Testing </a:t>
+            </a:r>
+            <a:endParaRPr lang="en-US" dirty="0"/>
+          </a:p>
+        </p:txBody>
+      </p:sp>
+      <p:sp>
+        <p:nvSpPr>
+          <p:cNvPr id="3" name="Content Placeholder 2"/>
+          <p:cNvSpPr>
+            <a:spLocks noGrp="1"/>
+          </p:cNvSpPr>
+          <p:nvPr>
+            <p:ph idx="1"/>
+          </p:nvPr>
+        </p:nvSpPr>
+        <p:spPr/>
+        <p:txBody>
+          <a:bodyPr>
+            <a:normAutofit/>
+          </a:bodyPr>
+          <a:lstStyle/>
+          <a:p>
+            <a:r>
+              <a:rPr lang="en-US" dirty="0" smtClean="0"/>
+              <a:t>Timing testing</a:t>
+            </a:r>
+          </a:p>
+          <a:p>
+            <a:pPr lvl="1"/>
+            <a:r>
+              <a:rPr lang="en-US" dirty="0" smtClean="0"/>
+              <a:t>Evaluate response times and time to perform a function </a:t>
+            </a:r>
+          </a:p>
+          <a:p>
+            <a:r>
+              <a:rPr lang="en-US" dirty="0" smtClean="0"/>
+              <a:t>Environmental test </a:t>
+            </a:r>
+          </a:p>
+          <a:p>
+            <a:pPr lvl="1"/>
+            <a:r>
+              <a:rPr lang="en-US" dirty="0" smtClean="0"/>
+              <a:t>Test tolerances for heat, humidity, motion, portability </a:t>
+            </a:r>
+          </a:p>
+          <a:p>
+            <a:r>
+              <a:rPr lang="en-US" dirty="0" smtClean="0"/>
+              <a:t>Quality testing</a:t>
+            </a:r>
+          </a:p>
+          <a:p>
+            <a:pPr lvl="1"/>
+            <a:r>
+              <a:rPr lang="en-US" dirty="0" smtClean="0"/>
+              <a:t>Test reliability, maintainability &amp; availability of the system</a:t>
+            </a:r>
+          </a:p>
+          <a:p>
+            <a:r>
+              <a:rPr lang="en-US" dirty="0" smtClean="0"/>
+              <a:t>Recovery testing </a:t>
+            </a:r>
+          </a:p>
+          <a:p>
+            <a:pPr lvl="1"/>
+            <a:r>
+              <a:rPr lang="en-US" dirty="0" smtClean="0"/>
+              <a:t>Tests system’s response to presence of errors or loss of data. </a:t>
+            </a:r>
+          </a:p>
+          <a:p>
+            <a:r>
+              <a:rPr lang="en-US" dirty="0" smtClean="0"/>
+              <a:t>Human factors testing</a:t>
+            </a:r>
+          </a:p>
+          <a:p>
+            <a:pPr lvl="1"/>
+            <a:r>
+              <a:rPr lang="en-US" dirty="0" smtClean="0"/>
+              <a:t>Tests user interface with user </a:t>
+            </a:r>
+          </a:p>
+          <a:p>
+            <a:endParaRPr lang="en-US" dirty="0"/>
+          </a:p>
+        </p:txBody>
+      </p:sp>
+      <p:sp>
+        <p:nvSpPr>
+          <p:cNvPr id="4" name="Slide Number Placeholder 3"/>
           <p:cNvSpPr>
             <a:spLocks noGrp="1"/>
           </p:cNvSpPr>
@@ -14213,25 +14502,31 @@
           <a:bodyPr/>
           <a:lstStyle/>
           <a:p>
-            <a:fld id="{B8DACC02-A2BD-4578-8E03-6D891060A695}" type="slidenum">
-              <a:rPr lang="en-US" smtClean="0"/>
-              <a:pPr/>
+            <a:fld id="{B543A0FD-1CA6-4228-86A2-78061B4844C8}" type="slidenum">
+              <a:rPr lang="en-US" smtClean="0"/>
               <a:t>38</a:t>
             </a:fld>
-            <a:endParaRPr lang="en-US" dirty="0"/>
+            <a:endParaRPr lang="en-US"/>
           </a:p>
         </p:txBody>
       </p:sp>
     </p:spTree>
     <p:extLst>
       <p:ext uri="{BB962C8B-B14F-4D97-AF65-F5344CB8AC3E}">
-        <p14:creationId xmlns:p14="http://schemas.microsoft.com/office/powerpoint/2010/main" val="2096249607"/>
+        <p14:creationId xmlns:p14="http://schemas.microsoft.com/office/powerpoint/2010/main" val="2727535138"/>
       </p:ext>
     </p:extLst>
   </p:cSld>
   <p:clrMapOvr>
     <a:masterClrMapping/>
   </p:clrMapOvr>
+  <p:timing>
+    <p:tnLst>
+      <p:par>
+        <p:cTn id="1" dur="indefinite" restart="never" nodeType="tmRoot"/>
+      </p:par>
+    </p:tnLst>
+  </p:timing>
 </p:sld>
 </file>
 
@@ -14268,41 +14563,173 @@
           <a:lstStyle/>
           <a:p>
             <a:r>
-              <a:rPr lang="en-US" dirty="0" err="1" smtClean="0"/>
-              <a:t>NextDate</a:t>
-            </a:r>
-            <a:r>
-              <a:rPr lang="en-US" dirty="0" smtClean="0"/>
-              <a:t> Input and Output Events </a:t>
-            </a:r>
-            <a:endParaRPr lang="en-US" dirty="0"/>
-          </a:p>
-        </p:txBody>
-      </p:sp>
-      <p:pic>
-        <p:nvPicPr>
-          <p:cNvPr id="4" name="Picture 3"/>
-          <p:cNvPicPr>
-            <a:picLocks noChangeAspect="1"/>
-          </p:cNvPicPr>
-          <p:nvPr/>
-        </p:nvPicPr>
-        <p:blipFill>
-          <a:blip r:embed="rId2"/>
-          <a:stretch>
-            <a:fillRect/>
-          </a:stretch>
-        </p:blipFill>
-        <p:spPr>
-          <a:xfrm>
-            <a:off x="2884572" y="1345631"/>
-            <a:ext cx="6077798" cy="5010849"/>
-          </a:xfrm>
-          <a:prstGeom prst="rect">
-            <a:avLst/>
-          </a:prstGeom>
-        </p:spPr>
-      </p:pic>
+              <a:rPr lang="en-US" sz="4000" dirty="0"/>
+              <a:t>Test Cases for Performance Testing </a:t>
+            </a:r>
+          </a:p>
+        </p:txBody>
+      </p:sp>
+      <p:sp>
+        <p:nvSpPr>
+          <p:cNvPr id="11" name="Content Placeholder 10"/>
+          <p:cNvSpPr>
+            <a:spLocks noGrp="1"/>
+          </p:cNvSpPr>
+          <p:nvPr>
+            <p:ph idx="1"/>
+          </p:nvPr>
+        </p:nvSpPr>
+        <p:spPr/>
+        <p:txBody>
+          <a:bodyPr>
+            <a:normAutofit fontScale="92500" lnSpcReduction="10000"/>
+          </a:bodyPr>
+          <a:lstStyle/>
+          <a:p>
+            <a:r>
+              <a:rPr lang="en-US" dirty="0"/>
+              <a:t>Goal: Try to violate non-functional </a:t>
+            </a:r>
+            <a:r>
+              <a:rPr lang="en-US" dirty="0" smtClean="0"/>
+              <a:t>requirements</a:t>
+            </a:r>
+          </a:p>
+          <a:p>
+            <a:r>
+              <a:rPr lang="en-US" dirty="0" smtClean="0"/>
+              <a:t>Push </a:t>
+            </a:r>
+            <a:r>
+              <a:rPr lang="en-US" dirty="0"/>
+              <a:t>the (integrated) system to its limits. </a:t>
+            </a:r>
+          </a:p>
+          <a:p>
+            <a:r>
+              <a:rPr lang="en-US" dirty="0" smtClean="0"/>
+              <a:t>Goal</a:t>
+            </a:r>
+            <a:r>
+              <a:rPr lang="en-US" dirty="0"/>
+              <a:t>: Try to break the subsystem </a:t>
+            </a:r>
+          </a:p>
+          <a:p>
+            <a:r>
+              <a:rPr lang="en-US" dirty="0" smtClean="0"/>
+              <a:t>Test </a:t>
+            </a:r>
+            <a:r>
+              <a:rPr lang="en-US" dirty="0"/>
+              <a:t>how the system behaves when overloaded</a:t>
+            </a:r>
+            <a:r>
+              <a:rPr lang="en-US" dirty="0" smtClean="0"/>
+              <a:t>.</a:t>
+            </a:r>
+          </a:p>
+          <a:p>
+            <a:pPr lvl="1"/>
+            <a:r>
+              <a:rPr lang="en-US" dirty="0" smtClean="0"/>
+              <a:t>Can </a:t>
+            </a:r>
+            <a:r>
+              <a:rPr lang="en-US" dirty="0"/>
+              <a:t>bottlenecks be identified? (First candidates for redesign in </a:t>
+            </a:r>
+            <a:r>
+              <a:rPr lang="en-US" dirty="0" smtClean="0"/>
+              <a:t>the </a:t>
+            </a:r>
+            <a:r>
+              <a:rPr lang="en-US" dirty="0"/>
+              <a:t>next </a:t>
+            </a:r>
+            <a:r>
+              <a:rPr lang="en-US" dirty="0" smtClean="0"/>
+              <a:t>iteration)</a:t>
+            </a:r>
+          </a:p>
+          <a:p>
+            <a:r>
+              <a:rPr lang="en-US" dirty="0" smtClean="0"/>
+              <a:t>Try </a:t>
+            </a:r>
+            <a:r>
+              <a:rPr lang="en-US" dirty="0"/>
+              <a:t>unusual orders of execution </a:t>
+            </a:r>
+          </a:p>
+          <a:p>
+            <a:pPr lvl="1"/>
+            <a:r>
+              <a:rPr lang="en-US" dirty="0" smtClean="0"/>
+              <a:t>Call a receive</a:t>
+            </a:r>
+            <a:r>
+              <a:rPr lang="en-US" dirty="0"/>
+              <a:t>() </a:t>
+            </a:r>
+            <a:r>
+              <a:rPr lang="en-US" dirty="0" smtClean="0"/>
+              <a:t>before send</a:t>
+            </a:r>
+            <a:r>
+              <a:rPr lang="en-US" dirty="0"/>
+              <a:t>(</a:t>
+            </a:r>
+            <a:r>
+              <a:rPr lang="en-US" dirty="0" smtClean="0"/>
+              <a:t>)</a:t>
+            </a:r>
+            <a:endParaRPr lang="en-US" dirty="0"/>
+          </a:p>
+          <a:p>
+            <a:r>
+              <a:rPr lang="en-US" dirty="0" smtClean="0"/>
+              <a:t>Check </a:t>
+            </a:r>
+            <a:r>
+              <a:rPr lang="en-US" dirty="0"/>
+              <a:t>the system’s response to large volumes of data </a:t>
+            </a:r>
+          </a:p>
+          <a:p>
+            <a:pPr lvl="1"/>
+            <a:r>
+              <a:rPr lang="en-US" dirty="0"/>
+              <a:t>If the system is supposed to handle 1000 items, try it with 1001 items. </a:t>
+            </a:r>
+          </a:p>
+          <a:p>
+            <a:r>
+              <a:rPr lang="en-US" dirty="0" smtClean="0"/>
+              <a:t>What </a:t>
+            </a:r>
+            <a:r>
+              <a:rPr lang="en-US" dirty="0"/>
+              <a:t>is the amount of time spent in different use cases? </a:t>
+            </a:r>
+            <a:endParaRPr lang="en-US" dirty="0" smtClean="0"/>
+          </a:p>
+          <a:p>
+            <a:pPr lvl="1"/>
+            <a:r>
+              <a:rPr lang="en-US" dirty="0" smtClean="0"/>
+              <a:t>Are </a:t>
+            </a:r>
+            <a:r>
+              <a:rPr lang="en-US" dirty="0"/>
+              <a:t>typical cases executed in a timely fashion? </a:t>
+            </a:r>
+          </a:p>
+          <a:p>
+            <a:endParaRPr lang="en-US" dirty="0"/>
+          </a:p>
+        </p:txBody>
+      </p:sp>
       <p:sp>
         <p:nvSpPr>
           <p:cNvPr id="3" name="Slide Number Placeholder 2"/>
@@ -14318,25 +14745,39 @@
           <a:bodyPr/>
           <a:lstStyle/>
           <a:p>
-            <a:fld id="{B8DACC02-A2BD-4578-8E03-6D891060A695}" type="slidenum">
-              <a:rPr lang="en-US" smtClean="0"/>
-              <a:pPr/>
+            <a:fld id="{B543A0FD-1CA6-4228-86A2-78061B4844C8}" type="slidenum">
+              <a:rPr lang="en-US" smtClean="0"/>
               <a:t>39</a:t>
             </a:fld>
-            <a:endParaRPr lang="en-US" dirty="0"/>
+            <a:endParaRPr lang="en-US"/>
           </a:p>
         </p:txBody>
       </p:sp>
     </p:spTree>
     <p:extLst>
       <p:ext uri="{BB962C8B-B14F-4D97-AF65-F5344CB8AC3E}">
-        <p14:creationId xmlns:p14="http://schemas.microsoft.com/office/powerpoint/2010/main" val="3608877956"/>
+        <p14:creationId xmlns:p14="http://schemas.microsoft.com/office/powerpoint/2010/main" val="2996060211"/>
       </p:ext>
     </p:extLst>
   </p:cSld>
   <p:clrMapOvr>
     <a:masterClrMapping/>
   </p:clrMapOvr>
+  <mc:AlternateContent xmlns:mc="http://schemas.openxmlformats.org/markup-compatibility/2006" xmlns:p14="http://schemas.microsoft.com/office/powerpoint/2010/main">
+    <mc:Choice Requires="p14">
+      <p:transition spd="slow" p14:dur="2000"/>
+    </mc:Choice>
+    <mc:Fallback xmlns="">
+      <p:transition xmlns:p14="http://schemas.microsoft.com/office/powerpoint/2010/main" spd="slow"/>
+    </mc:Fallback>
+  </mc:AlternateContent>
+  <p:timing>
+    <p:tnLst>
+      <p:par>
+        <p:cTn id="1" dur="indefinite" restart="never" nodeType="tmRoot"/>
+      </p:par>
+    </p:tnLst>
+  </p:timing>
 </p:sld>
 </file>
 
@@ -14565,7 +15006,7 @@
       </p:grpSpPr>
       <p:sp>
         <p:nvSpPr>
-          <p:cNvPr id="2" name="Title 1"/>
+          <p:cNvPr id="4" name="Title 3"/>
           <p:cNvSpPr>
             <a:spLocks noGrp="1"/>
           </p:cNvSpPr>
@@ -14579,44 +15020,35 @@
           <a:lstStyle/>
           <a:p>
             <a:r>
-              <a:rPr lang="en-US" dirty="0" err="1" smtClean="0"/>
-              <a:t>NextDate</a:t>
-            </a:r>
-            <a:r>
-              <a:rPr lang="en-US" dirty="0" smtClean="0"/>
-              <a:t> ASFs (first attempt) </a:t>
-            </a:r>
-            <a:endParaRPr lang="en-US" dirty="0"/>
-          </a:p>
-        </p:txBody>
-      </p:sp>
-      <p:pic>
-        <p:nvPicPr>
-          <p:cNvPr id="4" name="Picture 3"/>
-          <p:cNvPicPr>
-            <a:picLocks noChangeAspect="1"/>
-          </p:cNvPicPr>
-          <p:nvPr/>
-        </p:nvPicPr>
-        <p:blipFill>
-          <a:blip r:embed="rId2"/>
-          <a:stretch>
-            <a:fillRect/>
-          </a:stretch>
-        </p:blipFill>
-        <p:spPr>
-          <a:xfrm>
-            <a:off x="2978517" y="1767216"/>
-            <a:ext cx="5458587" cy="4105848"/>
-          </a:xfrm>
-          <a:prstGeom prst="rect">
-            <a:avLst/>
-          </a:prstGeom>
-        </p:spPr>
-      </p:pic>
-      <p:sp>
-        <p:nvSpPr>
-          <p:cNvPr id="3" name="Slide Number Placeholder 2"/>
+              <a:rPr lang="en-US" dirty="0" smtClean="0"/>
+              <a:t>Acceptance Testing</a:t>
+            </a:r>
+            <a:endParaRPr lang="en-US" dirty="0"/>
+          </a:p>
+        </p:txBody>
+      </p:sp>
+      <p:sp>
+        <p:nvSpPr>
+          <p:cNvPr id="3" name="Text Placeholder 2"/>
+          <p:cNvSpPr>
+            <a:spLocks noGrp="1"/>
+          </p:cNvSpPr>
+          <p:nvPr>
+            <p:ph type="body" idx="1"/>
+          </p:nvPr>
+        </p:nvSpPr>
+        <p:spPr/>
+        <p:txBody>
+          <a:bodyPr/>
+          <a:lstStyle/>
+          <a:p>
+            <a:endParaRPr lang="en-US"/>
+          </a:p>
+        </p:txBody>
+      </p:sp>
+      <p:sp>
+        <p:nvSpPr>
+          <p:cNvPr id="2" name="Slide Number Placeholder 1"/>
           <p:cNvSpPr>
             <a:spLocks noGrp="1"/>
           </p:cNvSpPr>
@@ -14629,25 +15061,31 @@
           <a:bodyPr/>
           <a:lstStyle/>
           <a:p>
-            <a:fld id="{B8DACC02-A2BD-4578-8E03-6D891060A695}" type="slidenum">
-              <a:rPr lang="en-US" smtClean="0"/>
-              <a:pPr/>
+            <a:fld id="{B543A0FD-1CA6-4228-86A2-78061B4844C8}" type="slidenum">
+              <a:rPr lang="en-US" smtClean="0"/>
               <a:t>40</a:t>
             </a:fld>
-            <a:endParaRPr lang="en-US" dirty="0"/>
+            <a:endParaRPr lang="en-US"/>
           </a:p>
         </p:txBody>
       </p:sp>
     </p:spTree>
     <p:extLst>
       <p:ext uri="{BB962C8B-B14F-4D97-AF65-F5344CB8AC3E}">
-        <p14:creationId xmlns:p14="http://schemas.microsoft.com/office/powerpoint/2010/main" val="2625835358"/>
+        <p14:creationId xmlns:p14="http://schemas.microsoft.com/office/powerpoint/2010/main" val="612141756"/>
       </p:ext>
     </p:extLst>
   </p:cSld>
   <p:clrMapOvr>
     <a:masterClrMapping/>
   </p:clrMapOvr>
+  <p:timing>
+    <p:tnLst>
+      <p:par>
+        <p:cTn id="1" dur="indefinite" restart="never" nodeType="tmRoot"/>
+      </p:par>
+    </p:tnLst>
+  </p:timing>
 </p:sld>
 </file>
 
@@ -14670,1891 +15108,6 @@
       </p:grpSpPr>
       <p:sp>
         <p:nvSpPr>
-          <p:cNvPr id="2" name="Title 1"/>
-          <p:cNvSpPr>
-            <a:spLocks noGrp="1"/>
-          </p:cNvSpPr>
-          <p:nvPr>
-            <p:ph type="title"/>
-          </p:nvPr>
-        </p:nvSpPr>
-        <p:spPr/>
-        <p:txBody>
-          <a:bodyPr/>
-          <a:lstStyle/>
-          <a:p>
-            <a:r>
-              <a:rPr lang="en-US" dirty="0" err="1" smtClean="0"/>
-              <a:t>NextDate</a:t>
-            </a:r>
-            <a:r>
-              <a:rPr lang="en-US" dirty="0" smtClean="0"/>
-              <a:t> ASF Graph </a:t>
-            </a:r>
-            <a:br>
-              <a:rPr lang="en-US" dirty="0" smtClean="0"/>
-            </a:br>
-            <a:r>
-              <a:rPr lang="en-US" sz="2000" dirty="0" smtClean="0"/>
-              <a:t>(transitions to ASF-8 and ASF-10 require memory)</a:t>
-            </a:r>
-            <a:endParaRPr lang="en-US" dirty="0"/>
-          </a:p>
-        </p:txBody>
-      </p:sp>
-      <p:pic>
-        <p:nvPicPr>
-          <p:cNvPr id="4" name="Picture 3"/>
-          <p:cNvPicPr>
-            <a:picLocks noChangeAspect="1"/>
-          </p:cNvPicPr>
-          <p:nvPr/>
-        </p:nvPicPr>
-        <p:blipFill>
-          <a:blip r:embed="rId2"/>
-          <a:stretch>
-            <a:fillRect/>
-          </a:stretch>
-        </p:blipFill>
-        <p:spPr>
-          <a:xfrm>
-            <a:off x="4276953" y="1681105"/>
-            <a:ext cx="3172268" cy="4467849"/>
-          </a:xfrm>
-          <a:prstGeom prst="rect">
-            <a:avLst/>
-          </a:prstGeom>
-        </p:spPr>
-      </p:pic>
-      <p:sp>
-        <p:nvSpPr>
-          <p:cNvPr id="3" name="Slide Number Placeholder 2"/>
-          <p:cNvSpPr>
-            <a:spLocks noGrp="1"/>
-          </p:cNvSpPr>
-          <p:nvPr>
-            <p:ph type="sldNum" sz="quarter" idx="12"/>
-          </p:nvPr>
-        </p:nvSpPr>
-        <p:spPr/>
-        <p:txBody>
-          <a:bodyPr/>
-          <a:lstStyle/>
-          <a:p>
-            <a:fld id="{B8DACC02-A2BD-4578-8E03-6D891060A695}" type="slidenum">
-              <a:rPr lang="en-US" smtClean="0"/>
-              <a:pPr/>
-              <a:t>41</a:t>
-            </a:fld>
-            <a:endParaRPr lang="en-US" dirty="0"/>
-          </a:p>
-        </p:txBody>
-      </p:sp>
-    </p:spTree>
-    <p:extLst>
-      <p:ext uri="{BB962C8B-B14F-4D97-AF65-F5344CB8AC3E}">
-        <p14:creationId xmlns:p14="http://schemas.microsoft.com/office/powerpoint/2010/main" val="2808666843"/>
-      </p:ext>
-    </p:extLst>
-  </p:cSld>
-  <p:clrMapOvr>
-    <a:masterClrMapping/>
-  </p:clrMapOvr>
-</p:sld>
-</file>
-
-<file path=ppt/slides/slide42.xml><?xml version="1.0" encoding="utf-8"?>
-<p:sld xmlns:a="http://schemas.openxmlformats.org/drawingml/2006/main" xmlns:r="http://schemas.openxmlformats.org/officeDocument/2006/relationships" xmlns:p="http://schemas.openxmlformats.org/presentationml/2006/main">
-  <p:cSld>
-    <p:spTree>
-      <p:nvGrpSpPr>
-        <p:cNvPr id="1" name=""/>
-        <p:cNvGrpSpPr/>
-        <p:nvPr/>
-      </p:nvGrpSpPr>
-      <p:grpSpPr>
-        <a:xfrm>
-          <a:off x="0" y="0"/>
-          <a:ext cx="0" cy="0"/>
-          <a:chOff x="0" y="0"/>
-          <a:chExt cx="0" cy="0"/>
-        </a:xfrm>
-      </p:grpSpPr>
-      <p:sp>
-        <p:nvSpPr>
-          <p:cNvPr id="2" name="Title 1"/>
-          <p:cNvSpPr>
-            <a:spLocks noGrp="1"/>
-          </p:cNvSpPr>
-          <p:nvPr>
-            <p:ph type="title"/>
-          </p:nvPr>
-        </p:nvSpPr>
-        <p:spPr/>
-        <p:txBody>
-          <a:bodyPr/>
-          <a:lstStyle/>
-          <a:p>
-            <a:r>
-              <a:rPr lang="en-US" dirty="0" err="1" smtClean="0"/>
-              <a:t>NextDate</a:t>
-            </a:r>
-            <a:r>
-              <a:rPr lang="en-US" dirty="0" smtClean="0"/>
-              <a:t> ASFs (second attempt)</a:t>
-            </a:r>
-            <a:endParaRPr lang="en-US" dirty="0"/>
-          </a:p>
-        </p:txBody>
-      </p:sp>
-      <p:pic>
-        <p:nvPicPr>
-          <p:cNvPr id="4" name="Picture 3"/>
-          <p:cNvPicPr>
-            <a:picLocks noChangeAspect="1"/>
-          </p:cNvPicPr>
-          <p:nvPr/>
-        </p:nvPicPr>
-        <p:blipFill>
-          <a:blip r:embed="rId2"/>
-          <a:stretch>
-            <a:fillRect/>
-          </a:stretch>
-        </p:blipFill>
-        <p:spPr>
-          <a:xfrm>
-            <a:off x="2083087" y="1635843"/>
-            <a:ext cx="7887801" cy="4534533"/>
-          </a:xfrm>
-          <a:prstGeom prst="rect">
-            <a:avLst/>
-          </a:prstGeom>
-        </p:spPr>
-      </p:pic>
-      <p:sp>
-        <p:nvSpPr>
-          <p:cNvPr id="3" name="Slide Number Placeholder 2"/>
-          <p:cNvSpPr>
-            <a:spLocks noGrp="1"/>
-          </p:cNvSpPr>
-          <p:nvPr>
-            <p:ph type="sldNum" sz="quarter" idx="12"/>
-          </p:nvPr>
-        </p:nvSpPr>
-        <p:spPr/>
-        <p:txBody>
-          <a:bodyPr/>
-          <a:lstStyle/>
-          <a:p>
-            <a:fld id="{B8DACC02-A2BD-4578-8E03-6D891060A695}" type="slidenum">
-              <a:rPr lang="en-US" smtClean="0"/>
-              <a:pPr/>
-              <a:t>42</a:t>
-            </a:fld>
-            <a:endParaRPr lang="en-US" dirty="0"/>
-          </a:p>
-        </p:txBody>
-      </p:sp>
-    </p:spTree>
-    <p:extLst>
-      <p:ext uri="{BB962C8B-B14F-4D97-AF65-F5344CB8AC3E}">
-        <p14:creationId xmlns:p14="http://schemas.microsoft.com/office/powerpoint/2010/main" val="2421687012"/>
-      </p:ext>
-    </p:extLst>
-  </p:cSld>
-  <p:clrMapOvr>
-    <a:masterClrMapping/>
-  </p:clrMapOvr>
-</p:sld>
-</file>
-
-<file path=ppt/slides/slide43.xml><?xml version="1.0" encoding="utf-8"?>
-<p:sld xmlns:a="http://schemas.openxmlformats.org/drawingml/2006/main" xmlns:r="http://schemas.openxmlformats.org/officeDocument/2006/relationships" xmlns:p="http://schemas.openxmlformats.org/presentationml/2006/main">
-  <p:cSld>
-    <p:spTree>
-      <p:nvGrpSpPr>
-        <p:cNvPr id="1" name=""/>
-        <p:cNvGrpSpPr/>
-        <p:nvPr/>
-      </p:nvGrpSpPr>
-      <p:grpSpPr>
-        <a:xfrm>
-          <a:off x="0" y="0"/>
-          <a:ext cx="0" cy="0"/>
-          <a:chOff x="0" y="0"/>
-          <a:chExt cx="0" cy="0"/>
-        </a:xfrm>
-      </p:grpSpPr>
-      <p:sp>
-        <p:nvSpPr>
-          <p:cNvPr id="2" name="Title 1"/>
-          <p:cNvSpPr>
-            <a:spLocks noGrp="1"/>
-          </p:cNvSpPr>
-          <p:nvPr>
-            <p:ph type="title"/>
-          </p:nvPr>
-        </p:nvSpPr>
-        <p:spPr/>
-        <p:txBody>
-          <a:bodyPr>
-            <a:normAutofit/>
-          </a:bodyPr>
-          <a:lstStyle/>
-          <a:p>
-            <a:r>
-              <a:rPr lang="en-US" dirty="0" smtClean="0"/>
-              <a:t>Improved </a:t>
-            </a:r>
-            <a:r>
-              <a:rPr lang="en-US" dirty="0" err="1" smtClean="0"/>
-              <a:t>NextDate</a:t>
-            </a:r>
-            <a:r>
-              <a:rPr lang="en-US" dirty="0" smtClean="0"/>
-              <a:t> ASF Graph</a:t>
-            </a:r>
-            <a:br>
-              <a:rPr lang="en-US" dirty="0" smtClean="0"/>
-            </a:br>
-            <a:r>
-              <a:rPr lang="en-US" sz="2400" dirty="0" smtClean="0"/>
-              <a:t>(Very incomplete: can transit from most ASFs to most other ASFs.)</a:t>
-            </a:r>
-            <a:endParaRPr lang="en-US" sz="2400" dirty="0"/>
-          </a:p>
-        </p:txBody>
-      </p:sp>
-      <p:pic>
-        <p:nvPicPr>
-          <p:cNvPr id="4" name="Picture 3"/>
-          <p:cNvPicPr>
-            <a:picLocks noChangeAspect="1"/>
-          </p:cNvPicPr>
-          <p:nvPr/>
-        </p:nvPicPr>
-        <p:blipFill>
-          <a:blip r:embed="rId2"/>
-          <a:stretch>
-            <a:fillRect/>
-          </a:stretch>
-        </p:blipFill>
-        <p:spPr>
-          <a:xfrm>
-            <a:off x="3614391" y="2099595"/>
-            <a:ext cx="4963218" cy="3124636"/>
-          </a:xfrm>
-          <a:prstGeom prst="rect">
-            <a:avLst/>
-          </a:prstGeom>
-        </p:spPr>
-      </p:pic>
-      <p:sp>
-        <p:nvSpPr>
-          <p:cNvPr id="3" name="Slide Number Placeholder 2"/>
-          <p:cNvSpPr>
-            <a:spLocks noGrp="1"/>
-          </p:cNvSpPr>
-          <p:nvPr>
-            <p:ph type="sldNum" sz="quarter" idx="12"/>
-          </p:nvPr>
-        </p:nvSpPr>
-        <p:spPr/>
-        <p:txBody>
-          <a:bodyPr/>
-          <a:lstStyle/>
-          <a:p>
-            <a:fld id="{B8DACC02-A2BD-4578-8E03-6D891060A695}" type="slidenum">
-              <a:rPr lang="en-US" smtClean="0"/>
-              <a:pPr/>
-              <a:t>43</a:t>
-            </a:fld>
-            <a:endParaRPr lang="en-US" dirty="0"/>
-          </a:p>
-        </p:txBody>
-      </p:sp>
-    </p:spTree>
-    <p:extLst>
-      <p:ext uri="{BB962C8B-B14F-4D97-AF65-F5344CB8AC3E}">
-        <p14:creationId xmlns:p14="http://schemas.microsoft.com/office/powerpoint/2010/main" val="2836850444"/>
-      </p:ext>
-    </p:extLst>
-  </p:cSld>
-  <p:clrMapOvr>
-    <a:masterClrMapping/>
-  </p:clrMapOvr>
-</p:sld>
-</file>
-
-<file path=ppt/slides/slide44.xml><?xml version="1.0" encoding="utf-8"?>
-<p:sld xmlns:a="http://schemas.openxmlformats.org/drawingml/2006/main" xmlns:r="http://schemas.openxmlformats.org/officeDocument/2006/relationships" xmlns:p="http://schemas.openxmlformats.org/presentationml/2006/main">
-  <p:cSld>
-    <p:spTree>
-      <p:nvGrpSpPr>
-        <p:cNvPr id="1" name=""/>
-        <p:cNvGrpSpPr/>
-        <p:nvPr/>
-      </p:nvGrpSpPr>
-      <p:grpSpPr>
-        <a:xfrm>
-          <a:off x="0" y="0"/>
-          <a:ext cx="0" cy="0"/>
-          <a:chOff x="0" y="0"/>
-          <a:chExt cx="0" cy="0"/>
-        </a:xfrm>
-      </p:grpSpPr>
-      <p:sp>
-        <p:nvSpPr>
-          <p:cNvPr id="2" name="Title 1"/>
-          <p:cNvSpPr>
-            <a:spLocks noGrp="1"/>
-          </p:cNvSpPr>
-          <p:nvPr>
-            <p:ph type="title"/>
-          </p:nvPr>
-        </p:nvSpPr>
-        <p:spPr/>
-        <p:txBody>
-          <a:bodyPr/>
-          <a:lstStyle/>
-          <a:p>
-            <a:r>
-              <a:rPr lang="en-US" dirty="0" smtClean="0"/>
-              <a:t>Metrics for System Testing</a:t>
-            </a:r>
-            <a:endParaRPr lang="en-US" dirty="0"/>
-          </a:p>
-        </p:txBody>
-      </p:sp>
-      <p:sp>
-        <p:nvSpPr>
-          <p:cNvPr id="3" name="Content Placeholder 2"/>
-          <p:cNvSpPr>
-            <a:spLocks noGrp="1"/>
-          </p:cNvSpPr>
-          <p:nvPr>
-            <p:ph idx="1"/>
-          </p:nvPr>
-        </p:nvSpPr>
-        <p:spPr/>
-        <p:txBody>
-          <a:bodyPr>
-            <a:normAutofit/>
-          </a:bodyPr>
-          <a:lstStyle/>
-          <a:p>
-            <a:r>
-              <a:rPr lang="en-US" dirty="0" smtClean="0"/>
-              <a:t>In PIN Entry, for a given PIN, there are 156 distinct paths from the First PIN Try state to the two successor states.</a:t>
-            </a:r>
-          </a:p>
-          <a:p>
-            <a:r>
-              <a:rPr lang="en-US" dirty="0" smtClean="0"/>
-              <a:t>Of these, 31 correspond to eventually correct PIN entries.</a:t>
-            </a:r>
-          </a:p>
-          <a:p>
-            <a:pPr lvl="1"/>
-            <a:r>
-              <a:rPr lang="en-US" dirty="0" smtClean="0"/>
-              <a:t>1 on the first try</a:t>
-            </a:r>
-          </a:p>
-          <a:p>
-            <a:pPr lvl="1"/>
-            <a:r>
-              <a:rPr lang="en-US" dirty="0" smtClean="0"/>
-              <a:t>5 on the second try</a:t>
-            </a:r>
-          </a:p>
-          <a:p>
-            <a:pPr lvl="1"/>
-            <a:r>
-              <a:rPr lang="en-US" dirty="0" smtClean="0"/>
-              <a:t>25 on the third try</a:t>
-            </a:r>
-          </a:p>
-          <a:p>
-            <a:r>
-              <a:rPr lang="en-US" dirty="0" smtClean="0"/>
-              <a:t>The other 125 paths correspond to failed PIN attempts/</a:t>
-            </a:r>
-          </a:p>
-          <a:p>
-            <a:r>
-              <a:rPr lang="en-US" dirty="0" smtClean="0"/>
-              <a:t>Model-based coverage metrics can control this.</a:t>
-            </a:r>
-            <a:endParaRPr lang="en-US" dirty="0"/>
-          </a:p>
-        </p:txBody>
-      </p:sp>
-      <p:sp>
-        <p:nvSpPr>
-          <p:cNvPr id="4" name="Slide Number Placeholder 3"/>
-          <p:cNvSpPr>
-            <a:spLocks noGrp="1"/>
-          </p:cNvSpPr>
-          <p:nvPr>
-            <p:ph type="sldNum" sz="quarter" idx="12"/>
-          </p:nvPr>
-        </p:nvSpPr>
-        <p:spPr/>
-        <p:txBody>
-          <a:bodyPr/>
-          <a:lstStyle/>
-          <a:p>
-            <a:fld id="{B8DACC02-A2BD-4578-8E03-6D891060A695}" type="slidenum">
-              <a:rPr lang="en-US" smtClean="0"/>
-              <a:pPr/>
-              <a:t>44</a:t>
-            </a:fld>
-            <a:endParaRPr lang="en-US" dirty="0"/>
-          </a:p>
-        </p:txBody>
-      </p:sp>
-    </p:spTree>
-    <p:extLst>
-      <p:ext uri="{BB962C8B-B14F-4D97-AF65-F5344CB8AC3E}">
-        <p14:creationId xmlns:p14="http://schemas.microsoft.com/office/powerpoint/2010/main" val="3313377232"/>
-      </p:ext>
-    </p:extLst>
-  </p:cSld>
-  <p:clrMapOvr>
-    <a:masterClrMapping/>
-  </p:clrMapOvr>
-</p:sld>
-</file>
-
-<file path=ppt/slides/slide45.xml><?xml version="1.0" encoding="utf-8"?>
-<p:sld xmlns:a="http://schemas.openxmlformats.org/drawingml/2006/main" xmlns:r="http://schemas.openxmlformats.org/officeDocument/2006/relationships" xmlns:p="http://schemas.openxmlformats.org/presentationml/2006/main">
-  <p:cSld>
-    <p:spTree>
-      <p:nvGrpSpPr>
-        <p:cNvPr id="1" name=""/>
-        <p:cNvGrpSpPr/>
-        <p:nvPr/>
-      </p:nvGrpSpPr>
-      <p:grpSpPr>
-        <a:xfrm>
-          <a:off x="0" y="0"/>
-          <a:ext cx="0" cy="0"/>
-          <a:chOff x="0" y="0"/>
-          <a:chExt cx="0" cy="0"/>
-        </a:xfrm>
-      </p:grpSpPr>
-      <p:sp>
-        <p:nvSpPr>
-          <p:cNvPr id="2" name="Title 1"/>
-          <p:cNvSpPr>
-            <a:spLocks noGrp="1"/>
-          </p:cNvSpPr>
-          <p:nvPr>
-            <p:ph type="title"/>
-          </p:nvPr>
-        </p:nvSpPr>
-        <p:spPr/>
-        <p:txBody>
-          <a:bodyPr/>
-          <a:lstStyle/>
-          <a:p>
-            <a:r>
-              <a:rPr lang="en-US" dirty="0" smtClean="0"/>
-              <a:t>Model-Based Coverage Metrics</a:t>
-            </a:r>
-            <a:endParaRPr lang="en-US" dirty="0"/>
-          </a:p>
-        </p:txBody>
-      </p:sp>
-      <p:sp>
-        <p:nvSpPr>
-          <p:cNvPr id="3" name="Content Placeholder 2"/>
-          <p:cNvSpPr>
-            <a:spLocks noGrp="1"/>
-          </p:cNvSpPr>
-          <p:nvPr>
-            <p:ph idx="1"/>
-          </p:nvPr>
-        </p:nvSpPr>
-        <p:spPr/>
-        <p:txBody>
-          <a:bodyPr>
-            <a:normAutofit fontScale="92500" lnSpcReduction="10000"/>
-          </a:bodyPr>
-          <a:lstStyle/>
-          <a:p>
-            <a:r>
-              <a:rPr lang="en-US" dirty="0" smtClean="0"/>
-              <a:t>Decision table metrics</a:t>
-            </a:r>
-          </a:p>
-          <a:p>
-            <a:pPr lvl="1"/>
-            <a:r>
-              <a:rPr lang="en-US" dirty="0" smtClean="0"/>
-              <a:t>every condition</a:t>
-            </a:r>
-          </a:p>
-          <a:p>
-            <a:pPr lvl="1"/>
-            <a:r>
-              <a:rPr lang="en-US" dirty="0" smtClean="0"/>
-              <a:t>every action</a:t>
-            </a:r>
-          </a:p>
-          <a:p>
-            <a:pPr lvl="1"/>
-            <a:r>
-              <a:rPr lang="en-US" dirty="0" smtClean="0"/>
-              <a:t>every rule</a:t>
-            </a:r>
-          </a:p>
-          <a:p>
-            <a:r>
-              <a:rPr lang="en-US" dirty="0" smtClean="0"/>
-              <a:t>Finite state machine metrics</a:t>
-            </a:r>
-          </a:p>
-          <a:p>
-            <a:pPr lvl="1"/>
-            <a:r>
-              <a:rPr lang="en-US" dirty="0" smtClean="0"/>
-              <a:t>every state</a:t>
-            </a:r>
-          </a:p>
-          <a:p>
-            <a:pPr lvl="1"/>
-            <a:r>
-              <a:rPr lang="en-US" dirty="0" smtClean="0"/>
-              <a:t>every transition</a:t>
-            </a:r>
-          </a:p>
-          <a:p>
-            <a:pPr lvl="1"/>
-            <a:r>
-              <a:rPr lang="en-US" dirty="0" smtClean="0"/>
-              <a:t>every path (cycles need to be addressed as in code coverage metrics)</a:t>
-            </a:r>
-          </a:p>
-          <a:p>
-            <a:r>
-              <a:rPr lang="en-US" dirty="0" smtClean="0"/>
-              <a:t>Petri net metrics</a:t>
-            </a:r>
-          </a:p>
-          <a:p>
-            <a:pPr lvl="1"/>
-            <a:r>
-              <a:rPr lang="en-US" dirty="0" smtClean="0"/>
-              <a:t>every place</a:t>
-            </a:r>
-          </a:p>
-          <a:p>
-            <a:pPr lvl="1"/>
-            <a:r>
-              <a:rPr lang="en-US" dirty="0" smtClean="0"/>
-              <a:t>every port event</a:t>
-            </a:r>
-          </a:p>
-          <a:p>
-            <a:pPr lvl="1"/>
-            <a:r>
-              <a:rPr lang="en-US" dirty="0" smtClean="0"/>
-              <a:t>every transition</a:t>
-            </a:r>
-          </a:p>
-          <a:p>
-            <a:pPr lvl="1"/>
-            <a:r>
-              <a:rPr lang="en-US" dirty="0" smtClean="0"/>
-              <a:t>every marking </a:t>
-            </a:r>
-            <a:endParaRPr lang="en-US" dirty="0"/>
-          </a:p>
-        </p:txBody>
-      </p:sp>
-      <p:sp>
-        <p:nvSpPr>
-          <p:cNvPr id="4" name="Slide Number Placeholder 3"/>
-          <p:cNvSpPr>
-            <a:spLocks noGrp="1"/>
-          </p:cNvSpPr>
-          <p:nvPr>
-            <p:ph type="sldNum" sz="quarter" idx="12"/>
-          </p:nvPr>
-        </p:nvSpPr>
-        <p:spPr/>
-        <p:txBody>
-          <a:bodyPr/>
-          <a:lstStyle/>
-          <a:p>
-            <a:fld id="{B8DACC02-A2BD-4578-8E03-6D891060A695}" type="slidenum">
-              <a:rPr lang="en-US" smtClean="0"/>
-              <a:pPr/>
-              <a:t>45</a:t>
-            </a:fld>
-            <a:endParaRPr lang="en-US" dirty="0"/>
-          </a:p>
-        </p:txBody>
-      </p:sp>
-    </p:spTree>
-    <p:extLst>
-      <p:ext uri="{BB962C8B-B14F-4D97-AF65-F5344CB8AC3E}">
-        <p14:creationId xmlns:p14="http://schemas.microsoft.com/office/powerpoint/2010/main" val="115698940"/>
-      </p:ext>
-    </p:extLst>
-  </p:cSld>
-  <p:clrMapOvr>
-    <a:masterClrMapping/>
-  </p:clrMapOvr>
-</p:sld>
-</file>
-
-<file path=ppt/slides/slide46.xml><?xml version="1.0" encoding="utf-8"?>
-<p:sld xmlns:a="http://schemas.openxmlformats.org/drawingml/2006/main" xmlns:r="http://schemas.openxmlformats.org/officeDocument/2006/relationships" xmlns:p="http://schemas.openxmlformats.org/presentationml/2006/main">
-  <p:cSld>
-    <p:spTree>
-      <p:nvGrpSpPr>
-        <p:cNvPr id="1" name=""/>
-        <p:cNvGrpSpPr/>
-        <p:nvPr/>
-      </p:nvGrpSpPr>
-      <p:grpSpPr>
-        <a:xfrm>
-          <a:off x="0" y="0"/>
-          <a:ext cx="0" cy="0"/>
-          <a:chOff x="0" y="0"/>
-          <a:chExt cx="0" cy="0"/>
-        </a:xfrm>
-      </p:grpSpPr>
-      <p:sp>
-        <p:nvSpPr>
-          <p:cNvPr id="2" name="Title 1"/>
-          <p:cNvSpPr>
-            <a:spLocks noGrp="1"/>
-          </p:cNvSpPr>
-          <p:nvPr>
-            <p:ph type="title"/>
-          </p:nvPr>
-        </p:nvSpPr>
-        <p:spPr/>
-        <p:txBody>
-          <a:bodyPr/>
-          <a:lstStyle/>
-          <a:p>
-            <a:r>
-              <a:rPr lang="en-US" dirty="0" smtClean="0"/>
-              <a:t>Risk-Based System Testing</a:t>
-            </a:r>
-            <a:endParaRPr lang="en-US" dirty="0"/>
-          </a:p>
-        </p:txBody>
-      </p:sp>
-      <p:sp>
-        <p:nvSpPr>
-          <p:cNvPr id="3" name="Content Placeholder 2"/>
-          <p:cNvSpPr>
-            <a:spLocks noGrp="1"/>
-          </p:cNvSpPr>
-          <p:nvPr>
-            <p:ph idx="1"/>
-          </p:nvPr>
-        </p:nvSpPr>
-        <p:spPr/>
-        <p:txBody>
-          <a:bodyPr/>
-          <a:lstStyle/>
-          <a:p>
-            <a:r>
-              <a:rPr lang="en-US" dirty="0" smtClean="0"/>
-              <a:t>Risk = Cost * (Probability of occurrence)</a:t>
-            </a:r>
-          </a:p>
-          <a:p>
-            <a:r>
-              <a:rPr lang="en-US" dirty="0" smtClean="0"/>
-              <a:t>Hans Schaefer’s risk categories</a:t>
-            </a:r>
-          </a:p>
-          <a:p>
-            <a:pPr lvl="1"/>
-            <a:r>
-              <a:rPr lang="en-US" dirty="0" smtClean="0"/>
-              <a:t>Catastrophic: deposits, invalid withdrawals</a:t>
-            </a:r>
-          </a:p>
-          <a:p>
-            <a:pPr lvl="1"/>
-            <a:r>
-              <a:rPr lang="en-US" dirty="0" smtClean="0"/>
-              <a:t>Damaging: normal withdrawals</a:t>
-            </a:r>
-          </a:p>
-          <a:p>
-            <a:pPr lvl="1"/>
-            <a:r>
-              <a:rPr lang="en-US" dirty="0" smtClean="0"/>
-              <a:t>Hindering: invalid ATM card, PIN entry failure</a:t>
-            </a:r>
-          </a:p>
-          <a:p>
-            <a:pPr lvl="1"/>
-            <a:r>
-              <a:rPr lang="en-US" dirty="0" smtClean="0"/>
-              <a:t>Annoying: balance inquiries</a:t>
-            </a:r>
-          </a:p>
-          <a:p>
-            <a:r>
-              <a:rPr lang="en-US" dirty="0" smtClean="0"/>
-              <a:t>Logarithmic weighting (low = 1, medium = 3, high = 10) </a:t>
-            </a:r>
-            <a:endParaRPr lang="en-US" dirty="0"/>
-          </a:p>
-        </p:txBody>
-      </p:sp>
-      <p:sp>
-        <p:nvSpPr>
-          <p:cNvPr id="4" name="Slide Number Placeholder 3"/>
-          <p:cNvSpPr>
-            <a:spLocks noGrp="1"/>
-          </p:cNvSpPr>
-          <p:nvPr>
-            <p:ph type="sldNum" sz="quarter" idx="12"/>
-          </p:nvPr>
-        </p:nvSpPr>
-        <p:spPr/>
-        <p:txBody>
-          <a:bodyPr/>
-          <a:lstStyle/>
-          <a:p>
-            <a:fld id="{B8DACC02-A2BD-4578-8E03-6D891060A695}" type="slidenum">
-              <a:rPr lang="en-US" smtClean="0"/>
-              <a:pPr/>
-              <a:t>46</a:t>
-            </a:fld>
-            <a:endParaRPr lang="en-US" dirty="0"/>
-          </a:p>
-        </p:txBody>
-      </p:sp>
-    </p:spTree>
-    <p:extLst>
-      <p:ext uri="{BB962C8B-B14F-4D97-AF65-F5344CB8AC3E}">
-        <p14:creationId xmlns:p14="http://schemas.microsoft.com/office/powerpoint/2010/main" val="638945655"/>
-      </p:ext>
-    </p:extLst>
-  </p:cSld>
-  <p:clrMapOvr>
-    <a:masterClrMapping/>
-  </p:clrMapOvr>
-</p:sld>
-</file>
-
-<file path=ppt/slides/slide47.xml><?xml version="1.0" encoding="utf-8"?>
-<p:sld xmlns:a="http://schemas.openxmlformats.org/drawingml/2006/main" xmlns:r="http://schemas.openxmlformats.org/officeDocument/2006/relationships" xmlns:p="http://schemas.openxmlformats.org/presentationml/2006/main">
-  <p:cSld>
-    <p:spTree>
-      <p:nvGrpSpPr>
-        <p:cNvPr id="1" name=""/>
-        <p:cNvGrpSpPr/>
-        <p:nvPr/>
-      </p:nvGrpSpPr>
-      <p:grpSpPr>
-        <a:xfrm>
-          <a:off x="0" y="0"/>
-          <a:ext cx="0" cy="0"/>
-          <a:chOff x="0" y="0"/>
-          <a:chExt cx="0" cy="0"/>
-        </a:xfrm>
-      </p:grpSpPr>
-      <p:sp>
-        <p:nvSpPr>
-          <p:cNvPr id="2" name="Title 1"/>
-          <p:cNvSpPr>
-            <a:spLocks noGrp="1"/>
-          </p:cNvSpPr>
-          <p:nvPr>
-            <p:ph type="title"/>
-          </p:nvPr>
-        </p:nvSpPr>
-        <p:spPr/>
-        <p:txBody>
-          <a:bodyPr/>
-          <a:lstStyle/>
-          <a:p>
-            <a:r>
-              <a:rPr lang="en-US" dirty="0" smtClean="0"/>
-              <a:t>Selected Path Risks</a:t>
-            </a:r>
-            <a:endParaRPr lang="en-US" dirty="0"/>
-          </a:p>
-        </p:txBody>
-      </p:sp>
-      <p:sp>
-        <p:nvSpPr>
-          <p:cNvPr id="3" name="Content Placeholder 2"/>
-          <p:cNvSpPr>
-            <a:spLocks noGrp="1"/>
-          </p:cNvSpPr>
-          <p:nvPr>
-            <p:ph idx="1"/>
-          </p:nvPr>
-        </p:nvSpPr>
-        <p:spPr/>
-        <p:txBody>
-          <a:bodyPr/>
-          <a:lstStyle/>
-          <a:p>
-            <a:endParaRPr lang="en-US"/>
-          </a:p>
-        </p:txBody>
-      </p:sp>
-      <p:pic>
-        <p:nvPicPr>
-          <p:cNvPr id="4" name="Picture 3"/>
-          <p:cNvPicPr>
-            <a:picLocks noChangeAspect="1"/>
-          </p:cNvPicPr>
-          <p:nvPr/>
-        </p:nvPicPr>
-        <p:blipFill>
-          <a:blip r:embed="rId2"/>
-          <a:stretch>
-            <a:fillRect/>
-          </a:stretch>
-        </p:blipFill>
-        <p:spPr>
-          <a:xfrm>
-            <a:off x="2728442" y="1984007"/>
-            <a:ext cx="6735115" cy="3562847"/>
-          </a:xfrm>
-          <a:prstGeom prst="rect">
-            <a:avLst/>
-          </a:prstGeom>
-        </p:spPr>
-      </p:pic>
-      <p:sp>
-        <p:nvSpPr>
-          <p:cNvPr id="5" name="Slide Number Placeholder 4"/>
-          <p:cNvSpPr>
-            <a:spLocks noGrp="1"/>
-          </p:cNvSpPr>
-          <p:nvPr>
-            <p:ph type="sldNum" sz="quarter" idx="12"/>
-          </p:nvPr>
-        </p:nvSpPr>
-        <p:spPr/>
-        <p:txBody>
-          <a:bodyPr/>
-          <a:lstStyle/>
-          <a:p>
-            <a:fld id="{B8DACC02-A2BD-4578-8E03-6D891060A695}" type="slidenum">
-              <a:rPr lang="en-US" smtClean="0"/>
-              <a:pPr/>
-              <a:t>47</a:t>
-            </a:fld>
-            <a:endParaRPr lang="en-US" dirty="0"/>
-          </a:p>
-        </p:txBody>
-      </p:sp>
-    </p:spTree>
-    <p:extLst>
-      <p:ext uri="{BB962C8B-B14F-4D97-AF65-F5344CB8AC3E}">
-        <p14:creationId xmlns:p14="http://schemas.microsoft.com/office/powerpoint/2010/main" val="2239751175"/>
-      </p:ext>
-    </p:extLst>
-  </p:cSld>
-  <p:clrMapOvr>
-    <a:masterClrMapping/>
-  </p:clrMapOvr>
-</p:sld>
-</file>
-
-<file path=ppt/slides/slide48.xml><?xml version="1.0" encoding="utf-8"?>
-<p:sld xmlns:a="http://schemas.openxmlformats.org/drawingml/2006/main" xmlns:r="http://schemas.openxmlformats.org/officeDocument/2006/relationships" xmlns:p="http://schemas.openxmlformats.org/presentationml/2006/main">
-  <p:cSld>
-    <p:spTree>
-      <p:nvGrpSpPr>
-        <p:cNvPr id="1" name=""/>
-        <p:cNvGrpSpPr/>
-        <p:nvPr/>
-      </p:nvGrpSpPr>
-      <p:grpSpPr>
-        <a:xfrm>
-          <a:off x="0" y="0"/>
-          <a:ext cx="0" cy="0"/>
-          <a:chOff x="0" y="0"/>
-          <a:chExt cx="0" cy="0"/>
-        </a:xfrm>
-      </p:grpSpPr>
-      <p:sp>
-        <p:nvSpPr>
-          <p:cNvPr id="2" name="Title 1"/>
-          <p:cNvSpPr>
-            <a:spLocks noGrp="1"/>
-          </p:cNvSpPr>
-          <p:nvPr>
-            <p:ph type="title"/>
-          </p:nvPr>
-        </p:nvSpPr>
-        <p:spPr/>
-        <p:txBody>
-          <a:bodyPr/>
-          <a:lstStyle/>
-          <a:p>
-            <a:r>
-              <a:rPr lang="en-US" dirty="0" smtClean="0"/>
-              <a:t>Conclusions and Observations</a:t>
-            </a:r>
-            <a:endParaRPr lang="en-US" dirty="0"/>
-          </a:p>
-        </p:txBody>
-      </p:sp>
-      <p:sp>
-        <p:nvSpPr>
-          <p:cNvPr id="3" name="Content Placeholder 2"/>
-          <p:cNvSpPr>
-            <a:spLocks noGrp="1"/>
-          </p:cNvSpPr>
-          <p:nvPr>
-            <p:ph idx="1"/>
-          </p:nvPr>
-        </p:nvSpPr>
-        <p:spPr/>
-        <p:txBody>
-          <a:bodyPr/>
-          <a:lstStyle/>
-          <a:p>
-            <a:r>
-              <a:rPr lang="en-US" dirty="0" smtClean="0"/>
-              <a:t>System testing is based on threads</a:t>
-            </a:r>
-          </a:p>
-          <a:p>
-            <a:pPr lvl="1"/>
-            <a:r>
-              <a:rPr lang="en-US" dirty="0" smtClean="0"/>
-              <a:t>thread identification is the hard part</a:t>
-            </a:r>
-          </a:p>
-          <a:p>
-            <a:pPr lvl="1"/>
-            <a:r>
-              <a:rPr lang="en-US" dirty="0" smtClean="0"/>
-              <a:t>automated thread execution is a good idea</a:t>
-            </a:r>
-          </a:p>
-          <a:p>
-            <a:r>
-              <a:rPr lang="en-US" dirty="0" smtClean="0"/>
-              <a:t>Model-Based system testing works well</a:t>
-            </a:r>
-          </a:p>
-          <a:p>
-            <a:r>
-              <a:rPr lang="en-US" dirty="0" smtClean="0"/>
-              <a:t>Helpful to have system level coverage metrics</a:t>
-            </a:r>
-            <a:endParaRPr lang="en-US" dirty="0"/>
-          </a:p>
-        </p:txBody>
-      </p:sp>
-      <p:sp>
-        <p:nvSpPr>
-          <p:cNvPr id="4" name="Slide Number Placeholder 3"/>
-          <p:cNvSpPr>
-            <a:spLocks noGrp="1"/>
-          </p:cNvSpPr>
-          <p:nvPr>
-            <p:ph type="sldNum" sz="quarter" idx="12"/>
-          </p:nvPr>
-        </p:nvSpPr>
-        <p:spPr/>
-        <p:txBody>
-          <a:bodyPr/>
-          <a:lstStyle/>
-          <a:p>
-            <a:fld id="{B8DACC02-A2BD-4578-8E03-6D891060A695}" type="slidenum">
-              <a:rPr lang="en-US" smtClean="0"/>
-              <a:pPr/>
-              <a:t>48</a:t>
-            </a:fld>
-            <a:endParaRPr lang="en-US" dirty="0"/>
-          </a:p>
-        </p:txBody>
-      </p:sp>
-    </p:spTree>
-    <p:extLst>
-      <p:ext uri="{BB962C8B-B14F-4D97-AF65-F5344CB8AC3E}">
-        <p14:creationId xmlns:p14="http://schemas.microsoft.com/office/powerpoint/2010/main" val="2996122966"/>
-      </p:ext>
-    </p:extLst>
-  </p:cSld>
-  <p:clrMapOvr>
-    <a:masterClrMapping/>
-  </p:clrMapOvr>
-</p:sld>
-</file>
-
-<file path=ppt/slides/slide49.xml><?xml version="1.0" encoding="utf-8"?>
-<p:sld xmlns:a="http://schemas.openxmlformats.org/drawingml/2006/main" xmlns:r="http://schemas.openxmlformats.org/officeDocument/2006/relationships" xmlns:p="http://schemas.openxmlformats.org/presentationml/2006/main">
-  <p:cSld>
-    <p:spTree>
-      <p:nvGrpSpPr>
-        <p:cNvPr id="1" name=""/>
-        <p:cNvGrpSpPr/>
-        <p:nvPr/>
-      </p:nvGrpSpPr>
-      <p:grpSpPr>
-        <a:xfrm>
-          <a:off x="0" y="0"/>
-          <a:ext cx="0" cy="0"/>
-          <a:chOff x="0" y="0"/>
-          <a:chExt cx="0" cy="0"/>
-        </a:xfrm>
-      </p:grpSpPr>
-      <p:sp>
-        <p:nvSpPr>
-          <p:cNvPr id="2" name="Title 1"/>
-          <p:cNvSpPr>
-            <a:spLocks noGrp="1"/>
-          </p:cNvSpPr>
-          <p:nvPr>
-            <p:ph type="title"/>
-          </p:nvPr>
-        </p:nvSpPr>
-        <p:spPr/>
-        <p:txBody>
-          <a:bodyPr/>
-          <a:lstStyle/>
-          <a:p>
-            <a:r>
-              <a:rPr lang="en-US" dirty="0" smtClean="0"/>
-              <a:t>Performance Testing </a:t>
-            </a:r>
-            <a:endParaRPr lang="en-US" dirty="0"/>
-          </a:p>
-        </p:txBody>
-      </p:sp>
-      <p:sp>
-        <p:nvSpPr>
-          <p:cNvPr id="3" name="Content Placeholder 2"/>
-          <p:cNvSpPr>
-            <a:spLocks noGrp="1"/>
-          </p:cNvSpPr>
-          <p:nvPr>
-            <p:ph idx="1"/>
-          </p:nvPr>
-        </p:nvSpPr>
-        <p:spPr/>
-        <p:txBody>
-          <a:bodyPr>
-            <a:normAutofit lnSpcReduction="10000"/>
-          </a:bodyPr>
-          <a:lstStyle/>
-          <a:p>
-            <a:r>
-              <a:rPr lang="en-US" dirty="0" smtClean="0"/>
-              <a:t>Stress Testing </a:t>
-            </a:r>
-          </a:p>
-          <a:p>
-            <a:pPr lvl="1"/>
-            <a:r>
-              <a:rPr lang="en-US" dirty="0" smtClean="0"/>
-              <a:t>Checks if the system can respond to many simultaneous requests</a:t>
-            </a:r>
-            <a:br>
-              <a:rPr lang="en-US" dirty="0" smtClean="0"/>
-            </a:br>
-            <a:r>
-              <a:rPr lang="en-US" dirty="0" smtClean="0"/>
-              <a:t>(maximum # of users, peak demands) </a:t>
-            </a:r>
-          </a:p>
-          <a:p>
-            <a:r>
-              <a:rPr lang="en-US" dirty="0" smtClean="0"/>
-              <a:t>Volume testing</a:t>
-            </a:r>
-          </a:p>
-          <a:p>
-            <a:pPr lvl="1"/>
-            <a:r>
-              <a:rPr lang="en-US" dirty="0" smtClean="0"/>
-              <a:t>Test what happens if large amounts of data are handled</a:t>
-            </a:r>
-          </a:p>
-          <a:p>
-            <a:r>
-              <a:rPr lang="en-US" dirty="0" smtClean="0"/>
-              <a:t>Configuration testing </a:t>
-            </a:r>
-          </a:p>
-          <a:p>
-            <a:pPr lvl="1"/>
-            <a:r>
-              <a:rPr lang="en-US" dirty="0" smtClean="0"/>
-              <a:t>Test the various software and hardware configurations </a:t>
-            </a:r>
-          </a:p>
-          <a:p>
-            <a:r>
-              <a:rPr lang="en-US" dirty="0" smtClean="0"/>
-              <a:t>Compatibility test</a:t>
-            </a:r>
-          </a:p>
-          <a:p>
-            <a:pPr lvl="1"/>
-            <a:r>
-              <a:rPr lang="en-US" dirty="0" smtClean="0"/>
-              <a:t>Test backward compatibility with existing systems </a:t>
-            </a:r>
-          </a:p>
-          <a:p>
-            <a:r>
-              <a:rPr lang="en-US" dirty="0" smtClean="0"/>
-              <a:t>Security testing </a:t>
-            </a:r>
-          </a:p>
-          <a:p>
-            <a:pPr lvl="1"/>
-            <a:r>
-              <a:rPr lang="en-US" dirty="0" smtClean="0"/>
-              <a:t>Try to violate security requirements </a:t>
-            </a:r>
-          </a:p>
-          <a:p>
-            <a:endParaRPr lang="en-US" dirty="0"/>
-          </a:p>
-        </p:txBody>
-      </p:sp>
-      <p:sp>
-        <p:nvSpPr>
-          <p:cNvPr id="4" name="Slide Number Placeholder 3"/>
-          <p:cNvSpPr>
-            <a:spLocks noGrp="1"/>
-          </p:cNvSpPr>
-          <p:nvPr>
-            <p:ph type="sldNum" sz="quarter" idx="12"/>
-          </p:nvPr>
-        </p:nvSpPr>
-        <p:spPr/>
-        <p:txBody>
-          <a:bodyPr/>
-          <a:lstStyle/>
-          <a:p>
-            <a:fld id="{B543A0FD-1CA6-4228-86A2-78061B4844C8}" type="slidenum">
-              <a:rPr lang="en-US" smtClean="0"/>
-              <a:t>49</a:t>
-            </a:fld>
-            <a:endParaRPr lang="en-US"/>
-          </a:p>
-        </p:txBody>
-      </p:sp>
-    </p:spTree>
-    <p:extLst>
-      <p:ext uri="{BB962C8B-B14F-4D97-AF65-F5344CB8AC3E}">
-        <p14:creationId xmlns:p14="http://schemas.microsoft.com/office/powerpoint/2010/main" val="2352415844"/>
-      </p:ext>
-    </p:extLst>
-  </p:cSld>
-  <p:clrMapOvr>
-    <a:masterClrMapping/>
-  </p:clrMapOvr>
-  <p:timing>
-    <p:tnLst>
-      <p:par>
-        <p:cTn id="1" dur="indefinite" restart="never" nodeType="tmRoot"/>
-      </p:par>
-    </p:tnLst>
-  </p:timing>
-</p:sld>
-</file>
-
-<file path=ppt/slides/slide5.xml><?xml version="1.0" encoding="utf-8"?>
-<p:sld xmlns:a="http://schemas.openxmlformats.org/drawingml/2006/main" xmlns:r="http://schemas.openxmlformats.org/officeDocument/2006/relationships" xmlns:p="http://schemas.openxmlformats.org/presentationml/2006/main">
-  <p:cSld>
-    <p:spTree>
-      <p:nvGrpSpPr>
-        <p:cNvPr id="1" name=""/>
-        <p:cNvGrpSpPr/>
-        <p:nvPr/>
-      </p:nvGrpSpPr>
-      <p:grpSpPr>
-        <a:xfrm>
-          <a:off x="0" y="0"/>
-          <a:ext cx="0" cy="0"/>
-          <a:chOff x="0" y="0"/>
-          <a:chExt cx="0" cy="0"/>
-        </a:xfrm>
-      </p:grpSpPr>
-      <p:sp>
-        <p:nvSpPr>
-          <p:cNvPr id="2" name="Title 1"/>
-          <p:cNvSpPr>
-            <a:spLocks noGrp="1"/>
-          </p:cNvSpPr>
-          <p:nvPr>
-            <p:ph type="title"/>
-          </p:nvPr>
-        </p:nvSpPr>
-        <p:spPr/>
-        <p:txBody>
-          <a:bodyPr/>
-          <a:lstStyle/>
-          <a:p>
-            <a:r>
-              <a:rPr lang="en-US" dirty="0" smtClean="0"/>
-              <a:t>Functional Testing </a:t>
-            </a:r>
-            <a:endParaRPr lang="en-US" dirty="0"/>
-          </a:p>
-        </p:txBody>
-      </p:sp>
-      <p:sp>
-        <p:nvSpPr>
-          <p:cNvPr id="3" name="Content Placeholder 2"/>
-          <p:cNvSpPr>
-            <a:spLocks noGrp="1"/>
-          </p:cNvSpPr>
-          <p:nvPr>
-            <p:ph idx="1"/>
-          </p:nvPr>
-        </p:nvSpPr>
-        <p:spPr/>
-        <p:txBody>
-          <a:bodyPr>
-            <a:normAutofit/>
-          </a:bodyPr>
-          <a:lstStyle/>
-          <a:p>
-            <a:r>
-              <a:rPr lang="en-US" dirty="0" smtClean="0"/>
-              <a:t>Functional testing finds differences between functional requirements and the implemented system </a:t>
-            </a:r>
-          </a:p>
-          <a:p>
-            <a:r>
-              <a:rPr lang="en-US" dirty="0" smtClean="0"/>
-              <a:t>Essentially the same as black box testing </a:t>
-            </a:r>
-          </a:p>
-          <a:p>
-            <a:r>
-              <a:rPr lang="en-US" dirty="0" smtClean="0"/>
-              <a:t>Goal: Test functionality of system </a:t>
-            </a:r>
-          </a:p>
-          <a:p>
-            <a:r>
-              <a:rPr lang="en-US" dirty="0" smtClean="0"/>
-              <a:t>Test cases are designed from the requirements analysis document (better: user manual) and centered around requirements and key functions (use cases) </a:t>
-            </a:r>
-          </a:p>
-          <a:p>
-            <a:r>
-              <a:rPr lang="en-US" dirty="0" smtClean="0"/>
-              <a:t>Select tests that are relevant to the user and have a high probability of uncovering a failure </a:t>
-            </a:r>
-          </a:p>
-          <a:p>
-            <a:pPr lvl="1"/>
-            <a:r>
-              <a:rPr lang="en-US" dirty="0" smtClean="0"/>
-              <a:t>Use techniques like equivalence tests </a:t>
-            </a:r>
-          </a:p>
-          <a:p>
-            <a:endParaRPr lang="en-US" dirty="0"/>
-          </a:p>
-        </p:txBody>
-      </p:sp>
-      <p:sp>
-        <p:nvSpPr>
-          <p:cNvPr id="4" name="Slide Number Placeholder 3"/>
-          <p:cNvSpPr>
-            <a:spLocks noGrp="1"/>
-          </p:cNvSpPr>
-          <p:nvPr>
-            <p:ph type="sldNum" sz="quarter" idx="12"/>
-          </p:nvPr>
-        </p:nvSpPr>
-        <p:spPr/>
-        <p:txBody>
-          <a:bodyPr/>
-          <a:lstStyle/>
-          <a:p>
-            <a:fld id="{B543A0FD-1CA6-4228-86A2-78061B4844C8}" type="slidenum">
-              <a:rPr lang="en-US" smtClean="0"/>
-              <a:t>5</a:t>
-            </a:fld>
-            <a:endParaRPr lang="en-US"/>
-          </a:p>
-        </p:txBody>
-      </p:sp>
-    </p:spTree>
-    <p:extLst>
-      <p:ext uri="{BB962C8B-B14F-4D97-AF65-F5344CB8AC3E}">
-        <p14:creationId xmlns:p14="http://schemas.microsoft.com/office/powerpoint/2010/main" val="1598015589"/>
-      </p:ext>
-    </p:extLst>
-  </p:cSld>
-  <p:clrMapOvr>
-    <a:masterClrMapping/>
-  </p:clrMapOvr>
-  <p:timing>
-    <p:tnLst>
-      <p:par>
-        <p:cTn id="1" dur="indefinite" restart="never" nodeType="tmRoot"/>
-      </p:par>
-    </p:tnLst>
-  </p:timing>
-</p:sld>
-</file>
-
-<file path=ppt/slides/slide50.xml><?xml version="1.0" encoding="utf-8"?>
-<p:sld xmlns:a="http://schemas.openxmlformats.org/drawingml/2006/main" xmlns:r="http://schemas.openxmlformats.org/officeDocument/2006/relationships" xmlns:p="http://schemas.openxmlformats.org/presentationml/2006/main">
-  <p:cSld>
-    <p:spTree>
-      <p:nvGrpSpPr>
-        <p:cNvPr id="1" name=""/>
-        <p:cNvGrpSpPr/>
-        <p:nvPr/>
-      </p:nvGrpSpPr>
-      <p:grpSpPr>
-        <a:xfrm>
-          <a:off x="0" y="0"/>
-          <a:ext cx="0" cy="0"/>
-          <a:chOff x="0" y="0"/>
-          <a:chExt cx="0" cy="0"/>
-        </a:xfrm>
-      </p:grpSpPr>
-      <p:sp>
-        <p:nvSpPr>
-          <p:cNvPr id="2" name="Title 1"/>
-          <p:cNvSpPr>
-            <a:spLocks noGrp="1"/>
-          </p:cNvSpPr>
-          <p:nvPr>
-            <p:ph type="title"/>
-          </p:nvPr>
-        </p:nvSpPr>
-        <p:spPr/>
-        <p:txBody>
-          <a:bodyPr/>
-          <a:lstStyle/>
-          <a:p>
-            <a:r>
-              <a:rPr lang="en-US" dirty="0" smtClean="0"/>
-              <a:t>Performance Testing </a:t>
-            </a:r>
-            <a:endParaRPr lang="en-US" dirty="0"/>
-          </a:p>
-        </p:txBody>
-      </p:sp>
-      <p:sp>
-        <p:nvSpPr>
-          <p:cNvPr id="3" name="Content Placeholder 2"/>
-          <p:cNvSpPr>
-            <a:spLocks noGrp="1"/>
-          </p:cNvSpPr>
-          <p:nvPr>
-            <p:ph idx="1"/>
-          </p:nvPr>
-        </p:nvSpPr>
-        <p:spPr/>
-        <p:txBody>
-          <a:bodyPr>
-            <a:normAutofit/>
-          </a:bodyPr>
-          <a:lstStyle/>
-          <a:p>
-            <a:r>
-              <a:rPr lang="en-US" dirty="0" smtClean="0"/>
-              <a:t>Timing testing</a:t>
-            </a:r>
-          </a:p>
-          <a:p>
-            <a:pPr lvl="1"/>
-            <a:r>
-              <a:rPr lang="en-US" dirty="0" smtClean="0"/>
-              <a:t>Evaluate response times and time to perform a function </a:t>
-            </a:r>
-          </a:p>
-          <a:p>
-            <a:r>
-              <a:rPr lang="en-US" dirty="0" smtClean="0"/>
-              <a:t>Environmental test </a:t>
-            </a:r>
-          </a:p>
-          <a:p>
-            <a:pPr lvl="1"/>
-            <a:r>
-              <a:rPr lang="en-US" dirty="0" smtClean="0"/>
-              <a:t>Test tolerances for heat, humidity, motion, portability </a:t>
-            </a:r>
-          </a:p>
-          <a:p>
-            <a:r>
-              <a:rPr lang="en-US" dirty="0" smtClean="0"/>
-              <a:t>Quality testing</a:t>
-            </a:r>
-          </a:p>
-          <a:p>
-            <a:pPr lvl="1"/>
-            <a:r>
-              <a:rPr lang="en-US" dirty="0" smtClean="0"/>
-              <a:t>Test reliability, maintainability &amp; availability of the system</a:t>
-            </a:r>
-          </a:p>
-          <a:p>
-            <a:r>
-              <a:rPr lang="en-US" dirty="0" smtClean="0"/>
-              <a:t>Recovery testing </a:t>
-            </a:r>
-          </a:p>
-          <a:p>
-            <a:pPr lvl="1"/>
-            <a:r>
-              <a:rPr lang="en-US" dirty="0" smtClean="0"/>
-              <a:t>Tests system’s response to presence of errors or loss of data. </a:t>
-            </a:r>
-          </a:p>
-          <a:p>
-            <a:r>
-              <a:rPr lang="en-US" dirty="0" smtClean="0"/>
-              <a:t>Human factors testing</a:t>
-            </a:r>
-          </a:p>
-          <a:p>
-            <a:pPr lvl="1"/>
-            <a:r>
-              <a:rPr lang="en-US" dirty="0" smtClean="0"/>
-              <a:t>Tests user interface with user </a:t>
-            </a:r>
-          </a:p>
-          <a:p>
-            <a:endParaRPr lang="en-US" dirty="0"/>
-          </a:p>
-        </p:txBody>
-      </p:sp>
-      <p:sp>
-        <p:nvSpPr>
-          <p:cNvPr id="4" name="Slide Number Placeholder 3"/>
-          <p:cNvSpPr>
-            <a:spLocks noGrp="1"/>
-          </p:cNvSpPr>
-          <p:nvPr>
-            <p:ph type="sldNum" sz="quarter" idx="12"/>
-          </p:nvPr>
-        </p:nvSpPr>
-        <p:spPr/>
-        <p:txBody>
-          <a:bodyPr/>
-          <a:lstStyle/>
-          <a:p>
-            <a:fld id="{B543A0FD-1CA6-4228-86A2-78061B4844C8}" type="slidenum">
-              <a:rPr lang="en-US" smtClean="0"/>
-              <a:t>50</a:t>
-            </a:fld>
-            <a:endParaRPr lang="en-US"/>
-          </a:p>
-        </p:txBody>
-      </p:sp>
-    </p:spTree>
-    <p:extLst>
-      <p:ext uri="{BB962C8B-B14F-4D97-AF65-F5344CB8AC3E}">
-        <p14:creationId xmlns:p14="http://schemas.microsoft.com/office/powerpoint/2010/main" val="2727535138"/>
-      </p:ext>
-    </p:extLst>
-  </p:cSld>
-  <p:clrMapOvr>
-    <a:masterClrMapping/>
-  </p:clrMapOvr>
-  <p:timing>
-    <p:tnLst>
-      <p:par>
-        <p:cTn id="1" dur="indefinite" restart="never" nodeType="tmRoot"/>
-      </p:par>
-    </p:tnLst>
-  </p:timing>
-</p:sld>
-</file>
-
-<file path=ppt/slides/slide51.xml><?xml version="1.0" encoding="utf-8"?>
-<p:sld xmlns:a="http://schemas.openxmlformats.org/drawingml/2006/main" xmlns:r="http://schemas.openxmlformats.org/officeDocument/2006/relationships" xmlns:p="http://schemas.openxmlformats.org/presentationml/2006/main">
-  <p:cSld>
-    <p:spTree>
-      <p:nvGrpSpPr>
-        <p:cNvPr id="1" name=""/>
-        <p:cNvGrpSpPr/>
-        <p:nvPr/>
-      </p:nvGrpSpPr>
-      <p:grpSpPr>
-        <a:xfrm>
-          <a:off x="0" y="0"/>
-          <a:ext cx="0" cy="0"/>
-          <a:chOff x="0" y="0"/>
-          <a:chExt cx="0" cy="0"/>
-        </a:xfrm>
-      </p:grpSpPr>
-      <p:sp>
-        <p:nvSpPr>
-          <p:cNvPr id="2" name="Title 1"/>
-          <p:cNvSpPr>
-            <a:spLocks noGrp="1"/>
-          </p:cNvSpPr>
-          <p:nvPr>
-            <p:ph type="title"/>
-          </p:nvPr>
-        </p:nvSpPr>
-        <p:spPr/>
-        <p:txBody>
-          <a:bodyPr/>
-          <a:lstStyle/>
-          <a:p>
-            <a:r>
-              <a:rPr lang="en-US" sz="4000" dirty="0"/>
-              <a:t>Test Cases for Performance Testing </a:t>
-            </a:r>
-          </a:p>
-        </p:txBody>
-      </p:sp>
-      <p:sp>
-        <p:nvSpPr>
-          <p:cNvPr id="11" name="Content Placeholder 10"/>
-          <p:cNvSpPr>
-            <a:spLocks noGrp="1"/>
-          </p:cNvSpPr>
-          <p:nvPr>
-            <p:ph idx="1"/>
-          </p:nvPr>
-        </p:nvSpPr>
-        <p:spPr/>
-        <p:txBody>
-          <a:bodyPr>
-            <a:normAutofit fontScale="92500" lnSpcReduction="10000"/>
-          </a:bodyPr>
-          <a:lstStyle/>
-          <a:p>
-            <a:r>
-              <a:rPr lang="en-US" dirty="0"/>
-              <a:t>Goal: Try to violate non-functional </a:t>
-            </a:r>
-            <a:r>
-              <a:rPr lang="en-US" dirty="0" smtClean="0"/>
-              <a:t>requirements</a:t>
-            </a:r>
-          </a:p>
-          <a:p>
-            <a:r>
-              <a:rPr lang="en-US" dirty="0" smtClean="0"/>
-              <a:t>Push </a:t>
-            </a:r>
-            <a:r>
-              <a:rPr lang="en-US" dirty="0"/>
-              <a:t>the (integrated) system to its limits. </a:t>
-            </a:r>
-          </a:p>
-          <a:p>
-            <a:r>
-              <a:rPr lang="en-US" dirty="0" smtClean="0"/>
-              <a:t>Goal</a:t>
-            </a:r>
-            <a:r>
-              <a:rPr lang="en-US" dirty="0"/>
-              <a:t>: Try to break the subsystem </a:t>
-            </a:r>
-          </a:p>
-          <a:p>
-            <a:r>
-              <a:rPr lang="en-US" dirty="0" smtClean="0"/>
-              <a:t>Test </a:t>
-            </a:r>
-            <a:r>
-              <a:rPr lang="en-US" dirty="0"/>
-              <a:t>how the system behaves when overloaded</a:t>
-            </a:r>
-            <a:r>
-              <a:rPr lang="en-US" dirty="0" smtClean="0"/>
-              <a:t>.</a:t>
-            </a:r>
-          </a:p>
-          <a:p>
-            <a:pPr lvl="1"/>
-            <a:r>
-              <a:rPr lang="en-US" dirty="0" smtClean="0"/>
-              <a:t>Can </a:t>
-            </a:r>
-            <a:r>
-              <a:rPr lang="en-US" dirty="0"/>
-              <a:t>bottlenecks be identified? (First candidates for redesign in </a:t>
-            </a:r>
-            <a:r>
-              <a:rPr lang="en-US" dirty="0" smtClean="0"/>
-              <a:t>the </a:t>
-            </a:r>
-            <a:r>
-              <a:rPr lang="en-US" dirty="0"/>
-              <a:t>next </a:t>
-            </a:r>
-            <a:r>
-              <a:rPr lang="en-US" dirty="0" smtClean="0"/>
-              <a:t>iteration)</a:t>
-            </a:r>
-          </a:p>
-          <a:p>
-            <a:r>
-              <a:rPr lang="en-US" dirty="0" smtClean="0"/>
-              <a:t>Try </a:t>
-            </a:r>
-            <a:r>
-              <a:rPr lang="en-US" dirty="0"/>
-              <a:t>unusual orders of execution </a:t>
-            </a:r>
-          </a:p>
-          <a:p>
-            <a:pPr lvl="1"/>
-            <a:r>
-              <a:rPr lang="en-US" dirty="0" smtClean="0"/>
-              <a:t>Call a receive</a:t>
-            </a:r>
-            <a:r>
-              <a:rPr lang="en-US" dirty="0"/>
-              <a:t>() </a:t>
-            </a:r>
-            <a:r>
-              <a:rPr lang="en-US" dirty="0" smtClean="0"/>
-              <a:t>before send</a:t>
-            </a:r>
-            <a:r>
-              <a:rPr lang="en-US" dirty="0"/>
-              <a:t>(</a:t>
-            </a:r>
-            <a:r>
-              <a:rPr lang="en-US" dirty="0" smtClean="0"/>
-              <a:t>)</a:t>
-            </a:r>
-            <a:endParaRPr lang="en-US" dirty="0"/>
-          </a:p>
-          <a:p>
-            <a:r>
-              <a:rPr lang="en-US" dirty="0" smtClean="0"/>
-              <a:t>Check </a:t>
-            </a:r>
-            <a:r>
-              <a:rPr lang="en-US" dirty="0"/>
-              <a:t>the system’s response to large volumes of data </a:t>
-            </a:r>
-          </a:p>
-          <a:p>
-            <a:pPr lvl="1"/>
-            <a:r>
-              <a:rPr lang="en-US" dirty="0"/>
-              <a:t>If the system is supposed to handle 1000 items, try it with 1001 items. </a:t>
-            </a:r>
-          </a:p>
-          <a:p>
-            <a:r>
-              <a:rPr lang="en-US" dirty="0" smtClean="0"/>
-              <a:t>What </a:t>
-            </a:r>
-            <a:r>
-              <a:rPr lang="en-US" dirty="0"/>
-              <a:t>is the amount of time spent in different use cases? </a:t>
-            </a:r>
-            <a:endParaRPr lang="en-US" dirty="0" smtClean="0"/>
-          </a:p>
-          <a:p>
-            <a:pPr lvl="1"/>
-            <a:r>
-              <a:rPr lang="en-US" dirty="0" smtClean="0"/>
-              <a:t>Are </a:t>
-            </a:r>
-            <a:r>
-              <a:rPr lang="en-US" dirty="0"/>
-              <a:t>typical cases executed in a timely fashion? </a:t>
-            </a:r>
-          </a:p>
-          <a:p>
-            <a:endParaRPr lang="en-US" dirty="0"/>
-          </a:p>
-        </p:txBody>
-      </p:sp>
-      <p:sp>
-        <p:nvSpPr>
-          <p:cNvPr id="3" name="Slide Number Placeholder 2"/>
-          <p:cNvSpPr>
-            <a:spLocks noGrp="1"/>
-          </p:cNvSpPr>
-          <p:nvPr>
-            <p:ph type="sldNum" sz="quarter" idx="12"/>
-          </p:nvPr>
-        </p:nvSpPr>
-        <p:spPr/>
-        <p:txBody>
-          <a:bodyPr/>
-          <a:lstStyle/>
-          <a:p>
-            <a:fld id="{B543A0FD-1CA6-4228-86A2-78061B4844C8}" type="slidenum">
-              <a:rPr lang="en-US" smtClean="0"/>
-              <a:t>51</a:t>
-            </a:fld>
-            <a:endParaRPr lang="en-US"/>
-          </a:p>
-        </p:txBody>
-      </p:sp>
-    </p:spTree>
-    <p:extLst>
-      <p:ext uri="{BB962C8B-B14F-4D97-AF65-F5344CB8AC3E}">
-        <p14:creationId xmlns:p14="http://schemas.microsoft.com/office/powerpoint/2010/main" val="2996060211"/>
-      </p:ext>
-    </p:extLst>
-  </p:cSld>
-  <p:clrMapOvr>
-    <a:masterClrMapping/>
-  </p:clrMapOvr>
-  <mc:AlternateContent xmlns:mc="http://schemas.openxmlformats.org/markup-compatibility/2006" xmlns:p14="http://schemas.microsoft.com/office/powerpoint/2010/main">
-    <mc:Choice Requires="p14">
-      <p:transition spd="slow" p14:dur="2000"/>
-    </mc:Choice>
-    <mc:Fallback xmlns="">
-      <p:transition xmlns:p14="http://schemas.microsoft.com/office/powerpoint/2010/main" spd="slow"/>
-    </mc:Fallback>
-  </mc:AlternateContent>
-  <p:timing>
-    <p:tnLst>
-      <p:par>
-        <p:cTn id="1" dur="indefinite" restart="never" nodeType="tmRoot"/>
-      </p:par>
-    </p:tnLst>
-  </p:timing>
-</p:sld>
-</file>
-
-<file path=ppt/slides/slide52.xml><?xml version="1.0" encoding="utf-8"?>
-<p:sld xmlns:a="http://schemas.openxmlformats.org/drawingml/2006/main" xmlns:r="http://schemas.openxmlformats.org/officeDocument/2006/relationships" xmlns:p="http://schemas.openxmlformats.org/presentationml/2006/main">
-  <p:cSld>
-    <p:spTree>
-      <p:nvGrpSpPr>
-        <p:cNvPr id="1" name=""/>
-        <p:cNvGrpSpPr/>
-        <p:nvPr/>
-      </p:nvGrpSpPr>
-      <p:grpSpPr>
-        <a:xfrm>
-          <a:off x="0" y="0"/>
-          <a:ext cx="0" cy="0"/>
-          <a:chOff x="0" y="0"/>
-          <a:chExt cx="0" cy="0"/>
-        </a:xfrm>
-      </p:grpSpPr>
-      <p:sp>
-        <p:nvSpPr>
-          <p:cNvPr id="4" name="Title 3"/>
-          <p:cNvSpPr>
-            <a:spLocks noGrp="1"/>
-          </p:cNvSpPr>
-          <p:nvPr>
-            <p:ph type="title"/>
-          </p:nvPr>
-        </p:nvSpPr>
-        <p:spPr/>
-        <p:txBody>
-          <a:bodyPr/>
-          <a:lstStyle/>
-          <a:p>
-            <a:r>
-              <a:rPr lang="en-US" dirty="0" smtClean="0"/>
-              <a:t>Acceptance Testing</a:t>
-            </a:r>
-            <a:endParaRPr lang="en-US" dirty="0"/>
-          </a:p>
-        </p:txBody>
-      </p:sp>
-      <p:sp>
-        <p:nvSpPr>
-          <p:cNvPr id="3" name="Text Placeholder 2"/>
-          <p:cNvSpPr>
-            <a:spLocks noGrp="1"/>
-          </p:cNvSpPr>
-          <p:nvPr>
-            <p:ph type="body" idx="1"/>
-          </p:nvPr>
-        </p:nvSpPr>
-        <p:spPr/>
-        <p:txBody>
-          <a:bodyPr/>
-          <a:lstStyle/>
-          <a:p>
-            <a:endParaRPr lang="en-US"/>
-          </a:p>
-        </p:txBody>
-      </p:sp>
-      <p:sp>
-        <p:nvSpPr>
-          <p:cNvPr id="2" name="Slide Number Placeholder 1"/>
-          <p:cNvSpPr>
-            <a:spLocks noGrp="1"/>
-          </p:cNvSpPr>
-          <p:nvPr>
-            <p:ph type="sldNum" sz="quarter" idx="12"/>
-          </p:nvPr>
-        </p:nvSpPr>
-        <p:spPr/>
-        <p:txBody>
-          <a:bodyPr/>
-          <a:lstStyle/>
-          <a:p>
-            <a:fld id="{B543A0FD-1CA6-4228-86A2-78061B4844C8}" type="slidenum">
-              <a:rPr lang="en-US" smtClean="0"/>
-              <a:t>52</a:t>
-            </a:fld>
-            <a:endParaRPr lang="en-US"/>
-          </a:p>
-        </p:txBody>
-      </p:sp>
-    </p:spTree>
-    <p:extLst>
-      <p:ext uri="{BB962C8B-B14F-4D97-AF65-F5344CB8AC3E}">
-        <p14:creationId xmlns:p14="http://schemas.microsoft.com/office/powerpoint/2010/main" val="612141756"/>
-      </p:ext>
-    </p:extLst>
-  </p:cSld>
-  <p:clrMapOvr>
-    <a:masterClrMapping/>
-  </p:clrMapOvr>
-  <p:timing>
-    <p:tnLst>
-      <p:par>
-        <p:cTn id="1" dur="indefinite" restart="never" nodeType="tmRoot"/>
-      </p:par>
-    </p:tnLst>
-  </p:timing>
-</p:sld>
-</file>
-
-<file path=ppt/slides/slide53.xml><?xml version="1.0" encoding="utf-8"?>
-<p:sld xmlns:a="http://schemas.openxmlformats.org/drawingml/2006/main" xmlns:r="http://schemas.openxmlformats.org/officeDocument/2006/relationships" xmlns:p="http://schemas.openxmlformats.org/presentationml/2006/main">
-  <p:cSld>
-    <p:spTree>
-      <p:nvGrpSpPr>
-        <p:cNvPr id="1" name=""/>
-        <p:cNvGrpSpPr/>
-        <p:nvPr/>
-      </p:nvGrpSpPr>
-      <p:grpSpPr>
-        <a:xfrm>
-          <a:off x="0" y="0"/>
-          <a:ext cx="0" cy="0"/>
-          <a:chOff x="0" y="0"/>
-          <a:chExt cx="0" cy="0"/>
-        </a:xfrm>
-      </p:grpSpPr>
-      <p:sp>
-        <p:nvSpPr>
           <p:cNvPr id="239618" name="Rectangle 2"/>
           <p:cNvSpPr>
             <a:spLocks noGrp="1" noChangeArrowheads="1"/>
@@ -16659,7 +15212,7 @@
           <a:p>
             <a:fld id="{B543A0FD-1CA6-4228-86A2-78061B4844C8}" type="slidenum">
               <a:rPr lang="en-US" smtClean="0"/>
-              <a:t>53</a:t>
+              <a:t>41</a:t>
             </a:fld>
             <a:endParaRPr lang="en-US"/>
           </a:p>
@@ -16693,7 +15246,7 @@
 </p:sld>
 </file>
 
-<file path=ppt/slides/slide54.xml><?xml version="1.0" encoding="utf-8"?>
+<file path=ppt/slides/slide42.xml><?xml version="1.0" encoding="utf-8"?>
 <p:sld xmlns:a="http://schemas.openxmlformats.org/drawingml/2006/main" xmlns:r="http://schemas.openxmlformats.org/officeDocument/2006/relationships" xmlns:p="http://schemas.openxmlformats.org/presentationml/2006/main">
   <p:cSld>
     <p:spTree>
@@ -16802,7 +15355,7 @@
           <a:p>
             <a:fld id="{B543A0FD-1CA6-4228-86A2-78061B4844C8}" type="slidenum">
               <a:rPr lang="en-US" smtClean="0"/>
-              <a:t>54</a:t>
+              <a:t>42</a:t>
             </a:fld>
             <a:endParaRPr lang="en-US"/>
           </a:p>
@@ -16836,7 +15389,7 @@
 </p:sld>
 </file>
 
-<file path=ppt/slides/slide55.xml><?xml version="1.0" encoding="utf-8"?>
+<file path=ppt/slides/slide43.xml><?xml version="1.0" encoding="utf-8"?>
 <p:sld xmlns:a="http://schemas.openxmlformats.org/drawingml/2006/main" xmlns:r="http://schemas.openxmlformats.org/officeDocument/2006/relationships" xmlns:p="http://schemas.openxmlformats.org/presentationml/2006/main">
   <p:cSld>
     <p:spTree>
@@ -16897,14 +15450,14 @@
           </a:ln>
           <a:extLst>
             <a:ext uri="{909E8E84-426E-40dd-AFC4-6F175D3DCCD1}">
-              <a14:hiddenFill xmlns:a14="http://schemas.microsoft.com/office/drawing/2010/main" xmlns="">
+              <a14:hiddenFill xmlns="" xmlns:a14="http://schemas.microsoft.com/office/drawing/2010/main">
                 <a:solidFill>
                   <a:srgbClr val="FFFFFF"/>
                 </a:solidFill>
               </a14:hiddenFill>
             </a:ext>
             <a:ext uri="{91240B29-F687-4f45-9708-019B960494DF}">
-              <a14:hiddenLine xmlns:a14="http://schemas.microsoft.com/office/drawing/2010/main" xmlns="" w="9525">
+              <a14:hiddenLine xmlns="" xmlns:a14="http://schemas.microsoft.com/office/drawing/2010/main" w="9525">
                 <a:solidFill>
                   <a:srgbClr val="000000"/>
                 </a:solidFill>
@@ -16914,7 +15467,7 @@
               </a14:hiddenLine>
             </a:ext>
             <a:ext uri="{FAA26D3D-D897-4be2-8F04-BA451C77F1D7}">
-              <ma14:placeholderFlag xmlns:ma14="http://schemas.microsoft.com/office/mac/drawingml/2011/main" xmlns="" val="1"/>
+              <ma14:placeholderFlag xmlns="" xmlns:ma14="http://schemas.microsoft.com/office/mac/drawingml/2011/main" val="1"/>
             </a:ext>
           </a:extLst>
         </p:spPr>
@@ -17285,14 +15838,14 @@
           </a:ln>
           <a:extLst>
             <a:ext uri="{909E8E84-426E-40dd-AFC4-6F175D3DCCD1}">
-              <a14:hiddenFill xmlns:a14="http://schemas.microsoft.com/office/drawing/2010/main" xmlns="">
+              <a14:hiddenFill xmlns="" xmlns:a14="http://schemas.microsoft.com/office/drawing/2010/main">
                 <a:solidFill>
                   <a:srgbClr val="FFFFFF"/>
                 </a:solidFill>
               </a14:hiddenFill>
             </a:ext>
             <a:ext uri="{91240B29-F687-4f45-9708-019B960494DF}">
-              <a14:hiddenLine xmlns:a14="http://schemas.microsoft.com/office/drawing/2010/main" xmlns="" w="9525">
+              <a14:hiddenLine xmlns="" xmlns:a14="http://schemas.microsoft.com/office/drawing/2010/main" w="9525">
                 <a:solidFill>
                   <a:srgbClr val="000000"/>
                 </a:solidFill>
@@ -17302,7 +15855,7 @@
               </a14:hiddenLine>
             </a:ext>
             <a:ext uri="{FAA26D3D-D897-4be2-8F04-BA451C77F1D7}">
-              <ma14:placeholderFlag xmlns:ma14="http://schemas.microsoft.com/office/mac/drawingml/2011/main" xmlns="" val="1"/>
+              <ma14:placeholderFlag xmlns="" xmlns:ma14="http://schemas.microsoft.com/office/mac/drawingml/2011/main" val="1"/>
             </a:ext>
           </a:extLst>
         </p:spPr>
@@ -17644,14 +16197,14 @@
           <a:effectLst/>
           <a:extLst>
             <a:ext uri="{909E8E84-426E-40dd-AFC4-6F175D3DCCD1}">
-              <a14:hiddenFill xmlns:a14="http://schemas.microsoft.com/office/drawing/2010/main" xmlns="">
+              <a14:hiddenFill xmlns="" xmlns:a14="http://schemas.microsoft.com/office/drawing/2010/main">
                 <a:solidFill>
                   <a:schemeClr val="accent1"/>
                 </a:solidFill>
               </a14:hiddenFill>
             </a:ext>
             <a:ext uri="{91240B29-F687-4f45-9708-019B960494DF}">
-              <a14:hiddenLine xmlns:a14="http://schemas.microsoft.com/office/drawing/2010/main" xmlns="" w="12700">
+              <a14:hiddenLine xmlns="" xmlns:a14="http://schemas.microsoft.com/office/drawing/2010/main" w="12700">
                 <a:solidFill>
                   <a:schemeClr val="tx1"/>
                 </a:solidFill>
@@ -17661,7 +16214,7 @@
               </a14:hiddenLine>
             </a:ext>
             <a:ext uri="{AF507438-7753-43e0-B8FC-AC1667EBCBE1}">
-              <a14:hiddenEffects xmlns:a14="http://schemas.microsoft.com/office/drawing/2010/main" xmlns="">
+              <a14:hiddenEffects xmlns="" xmlns:a14="http://schemas.microsoft.com/office/drawing/2010/main">
                 <a:effectLst>
                   <a:outerShdw dist="35921" dir="2700000" algn="ctr" rotWithShape="0">
                     <a:schemeClr val="bg2"/>
@@ -17713,7 +16266,7 @@
           <a:p>
             <a:fld id="{B543A0FD-1CA6-4228-86A2-78061B4844C8}" type="slidenum">
               <a:rPr lang="en-US" smtClean="0"/>
-              <a:t>55</a:t>
+              <a:t>43</a:t>
             </a:fld>
             <a:endParaRPr lang="en-US"/>
           </a:p>
@@ -17747,7 +16300,7 @@
 </p:sld>
 </file>
 
-<file path=ppt/slides/slide56.xml><?xml version="1.0" encoding="utf-8"?>
+<file path=ppt/slides/slide44.xml><?xml version="1.0" encoding="utf-8"?>
 <p:sld xmlns:a="http://schemas.openxmlformats.org/drawingml/2006/main" xmlns:r="http://schemas.openxmlformats.org/officeDocument/2006/relationships" xmlns:p="http://schemas.openxmlformats.org/presentationml/2006/main">
   <p:cSld>
     <p:spTree>
@@ -17808,14 +16361,14 @@
           </a:ln>
           <a:extLst>
             <a:ext uri="{909E8E84-426E-40dd-AFC4-6F175D3DCCD1}">
-              <a14:hiddenFill xmlns:a14="http://schemas.microsoft.com/office/drawing/2010/main" xmlns="">
+              <a14:hiddenFill xmlns="" xmlns:a14="http://schemas.microsoft.com/office/drawing/2010/main">
                 <a:solidFill>
                   <a:srgbClr val="FFFFFF"/>
                 </a:solidFill>
               </a14:hiddenFill>
             </a:ext>
             <a:ext uri="{91240B29-F687-4f45-9708-019B960494DF}">
-              <a14:hiddenLine xmlns:a14="http://schemas.microsoft.com/office/drawing/2010/main" xmlns="" w="9525">
+              <a14:hiddenLine xmlns="" xmlns:a14="http://schemas.microsoft.com/office/drawing/2010/main" w="9525">
                 <a:solidFill>
                   <a:srgbClr val="000000"/>
                 </a:solidFill>
@@ -17825,7 +16378,7 @@
               </a14:hiddenLine>
             </a:ext>
             <a:ext uri="{FAA26D3D-D897-4be2-8F04-BA451C77F1D7}">
-              <ma14:placeholderFlag xmlns:ma14="http://schemas.microsoft.com/office/mac/drawingml/2011/main" xmlns="" val="1"/>
+              <ma14:placeholderFlag xmlns="" xmlns:ma14="http://schemas.microsoft.com/office/mac/drawingml/2011/main" val="1"/>
             </a:ext>
           </a:extLst>
         </p:spPr>
@@ -18215,7 +16768,7 @@
           <a:p>
             <a:fld id="{B543A0FD-1CA6-4228-86A2-78061B4844C8}" type="slidenum">
               <a:rPr lang="en-US" smtClean="0"/>
-              <a:t>56</a:t>
+              <a:t>44</a:t>
             </a:fld>
             <a:endParaRPr lang="en-US"/>
           </a:p>
@@ -18249,7 +16802,7 @@
 </p:sld>
 </file>
 
-<file path=ppt/slides/slide57.xml><?xml version="1.0" encoding="utf-8"?>
+<file path=ppt/slides/slide45.xml><?xml version="1.0" encoding="utf-8"?>
 <p:sld xmlns:a="http://schemas.openxmlformats.org/drawingml/2006/main" xmlns:r="http://schemas.openxmlformats.org/officeDocument/2006/relationships" xmlns:p="http://schemas.openxmlformats.org/presentationml/2006/main">
   <p:cSld>
     <p:spTree>
@@ -18402,7 +16955,7 @@
           <a:p>
             <a:fld id="{B543A0FD-1CA6-4228-86A2-78061B4844C8}" type="slidenum">
               <a:rPr lang="en-US" smtClean="0"/>
-              <a:t>57</a:t>
+              <a:t>45</a:t>
             </a:fld>
             <a:endParaRPr lang="en-US"/>
           </a:p>
@@ -18428,7 +16981,7 @@
 </p:sld>
 </file>
 
-<file path=ppt/slides/slide58.xml><?xml version="1.0" encoding="utf-8"?>
+<file path=ppt/slides/slide46.xml><?xml version="1.0" encoding="utf-8"?>
 <p:sld xmlns:a="http://schemas.openxmlformats.org/drawingml/2006/main" xmlns:r="http://schemas.openxmlformats.org/officeDocument/2006/relationships" xmlns:p="http://schemas.openxmlformats.org/presentationml/2006/main">
   <p:cSld>
     <p:spTree>
@@ -18504,7 +17057,7 @@
           <a:p>
             <a:fld id="{B543A0FD-1CA6-4228-86A2-78061B4844C8}" type="slidenum">
               <a:rPr lang="en-US" smtClean="0"/>
-              <a:t>58</a:t>
+              <a:t>46</a:t>
             </a:fld>
             <a:endParaRPr lang="en-US"/>
           </a:p>
@@ -18530,7 +17083,7 @@
 </p:sld>
 </file>
 
-<file path=ppt/slides/slide59.xml><?xml version="1.0" encoding="utf-8"?>
+<file path=ppt/slides/slide47.xml><?xml version="1.0" encoding="utf-8"?>
 <p:sld xmlns:a="http://schemas.openxmlformats.org/drawingml/2006/main" xmlns:r="http://schemas.openxmlformats.org/officeDocument/2006/relationships" xmlns:p="http://schemas.openxmlformats.org/presentationml/2006/main">
   <p:cSld>
     <p:spTree>
@@ -18645,7 +17198,7 @@
           <a:p>
             <a:fld id="{B543A0FD-1CA6-4228-86A2-78061B4844C8}" type="slidenum">
               <a:rPr lang="en-US" smtClean="0"/>
-              <a:t>59</a:t>
+              <a:t>47</a:t>
             </a:fld>
             <a:endParaRPr lang="en-US"/>
           </a:p>
@@ -18671,169 +17224,7 @@
 </p:sld>
 </file>
 
-<file path=ppt/slides/slide6.xml><?xml version="1.0" encoding="utf-8"?>
-<p:sld xmlns:a="http://schemas.openxmlformats.org/drawingml/2006/main" xmlns:r="http://schemas.openxmlformats.org/officeDocument/2006/relationships" xmlns:p="http://schemas.openxmlformats.org/presentationml/2006/main">
-  <p:cSld>
-    <p:spTree>
-      <p:nvGrpSpPr>
-        <p:cNvPr id="1" name=""/>
-        <p:cNvGrpSpPr/>
-        <p:nvPr/>
-      </p:nvGrpSpPr>
-      <p:grpSpPr>
-        <a:xfrm>
-          <a:off x="0" y="0"/>
-          <a:ext cx="0" cy="0"/>
-          <a:chOff x="0" y="0"/>
-          <a:chExt cx="0" cy="0"/>
-        </a:xfrm>
-      </p:grpSpPr>
-      <p:sp>
-        <p:nvSpPr>
-          <p:cNvPr id="2" name="Title 1"/>
-          <p:cNvSpPr>
-            <a:spLocks noGrp="1"/>
-          </p:cNvSpPr>
-          <p:nvPr>
-            <p:ph type="title"/>
-          </p:nvPr>
-        </p:nvSpPr>
-        <p:spPr/>
-        <p:txBody>
-          <a:bodyPr/>
-          <a:lstStyle/>
-          <a:p>
-            <a:r>
-              <a:rPr lang="en-US" dirty="0" smtClean="0"/>
-              <a:t>System Testing</a:t>
-            </a:r>
-            <a:endParaRPr lang="en-US" dirty="0"/>
-          </a:p>
-        </p:txBody>
-      </p:sp>
-      <p:sp>
-        <p:nvSpPr>
-          <p:cNvPr id="3" name="Content Placeholder 2"/>
-          <p:cNvSpPr>
-            <a:spLocks noGrp="1"/>
-          </p:cNvSpPr>
-          <p:nvPr>
-            <p:ph idx="1"/>
-          </p:nvPr>
-        </p:nvSpPr>
-        <p:spPr/>
-        <p:txBody>
-          <a:bodyPr>
-            <a:normAutofit/>
-          </a:bodyPr>
-          <a:lstStyle/>
-          <a:p>
-            <a:r>
-              <a:rPr lang="en-US" dirty="0" smtClean="0"/>
-              <a:t>“Intuitively clear”</a:t>
-            </a:r>
-          </a:p>
-          <a:p>
-            <a:pPr lvl="1"/>
-            <a:r>
-              <a:rPr lang="en-US" dirty="0" smtClean="0"/>
-              <a:t>customer expectations</a:t>
-            </a:r>
-          </a:p>
-          <a:p>
-            <a:pPr lvl="1"/>
-            <a:r>
-              <a:rPr lang="en-US" dirty="0" smtClean="0"/>
-              <a:t>close to customer acceptance testing</a:t>
-            </a:r>
-          </a:p>
-          <a:p>
-            <a:r>
-              <a:rPr lang="en-US" dirty="0" smtClean="0"/>
-              <a:t>BUT we need a better basis for really understanding system testing</a:t>
-            </a:r>
-          </a:p>
-          <a:p>
-            <a:r>
-              <a:rPr lang="en-US" dirty="0" smtClean="0"/>
-              <a:t>Threads—the subject of system testing</a:t>
-            </a:r>
-          </a:p>
-          <a:p>
-            <a:r>
-              <a:rPr lang="en-US" dirty="0" smtClean="0"/>
-              <a:t>How are they identified?</a:t>
-            </a:r>
-          </a:p>
-          <a:p>
-            <a:pPr lvl="1"/>
-            <a:r>
-              <a:rPr lang="en-US" dirty="0" smtClean="0"/>
-              <a:t>ad hoc?</a:t>
-            </a:r>
-          </a:p>
-          <a:p>
-            <a:pPr lvl="1"/>
-            <a:r>
-              <a:rPr lang="en-US" dirty="0" smtClean="0"/>
-              <a:t>from experience?</a:t>
-            </a:r>
-          </a:p>
-          <a:p>
-            <a:pPr lvl="1"/>
-            <a:r>
-              <a:rPr lang="en-US" dirty="0" smtClean="0"/>
-              <a:t>from a possibly incomplete requirements specification?</a:t>
-            </a:r>
-          </a:p>
-          <a:p>
-            <a:pPr lvl="1"/>
-            <a:r>
-              <a:rPr lang="en-US" dirty="0" smtClean="0"/>
-              <a:t>from an executable model? (Model-Based Testing) </a:t>
-            </a:r>
-            <a:endParaRPr lang="en-US" dirty="0"/>
-          </a:p>
-        </p:txBody>
-      </p:sp>
-      <p:sp>
-        <p:nvSpPr>
-          <p:cNvPr id="4" name="Slide Number Placeholder 3"/>
-          <p:cNvSpPr>
-            <a:spLocks noGrp="1"/>
-          </p:cNvSpPr>
-          <p:nvPr>
-            <p:ph type="sldNum" sz="quarter" idx="12"/>
-          </p:nvPr>
-        </p:nvSpPr>
-        <p:spPr/>
-        <p:txBody>
-          <a:bodyPr/>
-          <a:lstStyle/>
-          <a:p>
-            <a:fld id="{B8DACC02-A2BD-4578-8E03-6D891060A695}" type="slidenum">
-              <a:rPr lang="en-US" smtClean="0"/>
-              <a:pPr/>
-              <a:t>6</a:t>
-            </a:fld>
-            <a:endParaRPr lang="en-US" dirty="0"/>
-          </a:p>
-        </p:txBody>
-      </p:sp>
-    </p:spTree>
-    <p:extLst>
-      <p:ext uri="{BB962C8B-B14F-4D97-AF65-F5344CB8AC3E}">
-        <p14:creationId xmlns:p14="http://schemas.microsoft.com/office/powerpoint/2010/main" val="1389585243"/>
-      </p:ext>
-    </p:extLst>
-  </p:cSld>
-  <p:clrMapOvr>
-    <a:masterClrMapping/>
-  </p:clrMapOvr>
-</p:sld>
-</file>
-
-<file path=ppt/slides/slide60.xml><?xml version="1.0" encoding="utf-8"?>
+<file path=ppt/slides/slide48.xml><?xml version="1.0" encoding="utf-8"?>
 <p:sld xmlns:a="http://schemas.openxmlformats.org/drawingml/2006/main" xmlns:r="http://schemas.openxmlformats.org/officeDocument/2006/relationships" xmlns:p="http://schemas.openxmlformats.org/presentationml/2006/main">
   <p:cSld>
     <p:spTree>
@@ -20332,14 +18723,14 @@
           </a:ln>
           <a:extLst>
             <a:ext uri="{909E8E84-426E-40dd-AFC4-6F175D3DCCD1}">
-              <a14:hiddenFill xmlns:a14="http://schemas.microsoft.com/office/drawing/2010/main" xmlns="">
+              <a14:hiddenFill xmlns="" xmlns:a14="http://schemas.microsoft.com/office/drawing/2010/main">
                 <a:solidFill>
                   <a:srgbClr val="FFFFFF"/>
                 </a:solidFill>
               </a14:hiddenFill>
             </a:ext>
             <a:ext uri="{91240B29-F687-4f45-9708-019B960494DF}">
-              <a14:hiddenLine xmlns:a14="http://schemas.microsoft.com/office/drawing/2010/main" xmlns="" w="9525">
+              <a14:hiddenLine xmlns="" xmlns:a14="http://schemas.microsoft.com/office/drawing/2010/main" w="9525">
                 <a:solidFill>
                   <a:srgbClr val="000000"/>
                 </a:solidFill>
@@ -20380,7 +18771,7 @@
           <a:p>
             <a:fld id="{B543A0FD-1CA6-4228-86A2-78061B4844C8}" type="slidenum">
               <a:rPr lang="en-US" smtClean="0"/>
-              <a:t>60</a:t>
+              <a:t>48</a:t>
             </a:fld>
             <a:endParaRPr lang="en-US"/>
           </a:p>
@@ -20406,6 +18797,2320 @@
 </p:sld>
 </file>
 
+<file path=ppt/slides/slide49.xml><?xml version="1.0" encoding="utf-8"?>
+<p:sld xmlns:a="http://schemas.openxmlformats.org/drawingml/2006/main" xmlns:r="http://schemas.openxmlformats.org/officeDocument/2006/relationships" xmlns:p="http://schemas.openxmlformats.org/presentationml/2006/main">
+  <p:cSld>
+    <p:spTree>
+      <p:nvGrpSpPr>
+        <p:cNvPr id="1" name=""/>
+        <p:cNvGrpSpPr/>
+        <p:nvPr/>
+      </p:nvGrpSpPr>
+      <p:grpSpPr>
+        <a:xfrm>
+          <a:off x="0" y="0"/>
+          <a:ext cx="0" cy="0"/>
+          <a:chOff x="0" y="0"/>
+          <a:chExt cx="0" cy="0"/>
+        </a:xfrm>
+      </p:grpSpPr>
+      <p:sp>
+        <p:nvSpPr>
+          <p:cNvPr id="22532" name="Title 1"/>
+          <p:cNvSpPr>
+            <a:spLocks noGrp="1"/>
+          </p:cNvSpPr>
+          <p:nvPr>
+            <p:ph type="title"/>
+          </p:nvPr>
+        </p:nvSpPr>
+        <p:spPr/>
+        <p:txBody>
+          <a:bodyPr/>
+          <a:lstStyle/>
+          <a:p>
+            <a:r>
+              <a:rPr lang="en-US" dirty="0" smtClean="0"/>
+              <a:t>Independent V&amp;V</a:t>
+            </a:r>
+            <a:endParaRPr lang="en-US" dirty="0"/>
+          </a:p>
+        </p:txBody>
+      </p:sp>
+      <p:sp>
+        <p:nvSpPr>
+          <p:cNvPr id="22533" name="Content Placeholder 2"/>
+          <p:cNvSpPr>
+            <a:spLocks noGrp="1"/>
+          </p:cNvSpPr>
+          <p:nvPr>
+            <p:ph idx="1"/>
+          </p:nvPr>
+        </p:nvSpPr>
+        <p:spPr/>
+        <p:txBody>
+          <a:bodyPr>
+            <a:normAutofit/>
+          </a:bodyPr>
+          <a:lstStyle/>
+          <a:p>
+            <a:r>
+              <a:rPr lang="en-US" dirty="0" smtClean="0"/>
+              <a:t>One strategy for maximizing independence: </a:t>
+            </a:r>
+          </a:p>
+          <a:p>
+            <a:pPr lvl="1"/>
+            <a:r>
+              <a:rPr lang="en-US" dirty="0" smtClean="0"/>
+              <a:t>System (and acceptance) test performed by a different organization</a:t>
+            </a:r>
+          </a:p>
+          <a:p>
+            <a:r>
+              <a:rPr lang="en-US" dirty="0" smtClean="0"/>
+              <a:t>Organizationally isolated from developers </a:t>
+            </a:r>
+          </a:p>
+          <a:p>
+            <a:pPr lvl="1"/>
+            <a:r>
+              <a:rPr lang="en-US" dirty="0" smtClean="0"/>
+              <a:t>no pressure to say </a:t>
+            </a:r>
+            <a:r>
+              <a:rPr lang="ja-JP" altLang="en-US" smtClean="0"/>
+              <a:t>“</a:t>
+            </a:r>
+            <a:r>
+              <a:rPr lang="en-US" altLang="ja-JP" dirty="0" smtClean="0"/>
+              <a:t>ok</a:t>
+            </a:r>
+            <a:r>
+              <a:rPr lang="ja-JP" altLang="en-US" smtClean="0"/>
+              <a:t>”</a:t>
+            </a:r>
+            <a:endParaRPr lang="en-US" altLang="ja-JP" dirty="0" smtClean="0"/>
+          </a:p>
+          <a:p>
+            <a:r>
+              <a:rPr lang="en-US" dirty="0" smtClean="0"/>
+              <a:t>Sometimes outsourced to another company or agency</a:t>
+            </a:r>
+          </a:p>
+          <a:p>
+            <a:pPr lvl="1"/>
+            <a:r>
+              <a:rPr lang="en-US" dirty="0" smtClean="0"/>
+              <a:t>Especially for critical systems</a:t>
+            </a:r>
+          </a:p>
+          <a:p>
+            <a:pPr lvl="1"/>
+            <a:r>
+              <a:rPr lang="en-US" dirty="0" smtClean="0"/>
+              <a:t>Outsourcing for independent judgment, not to save money</a:t>
+            </a:r>
+          </a:p>
+          <a:p>
+            <a:pPr lvl="1"/>
+            <a:r>
+              <a:rPr lang="en-US" dirty="0" smtClean="0"/>
+              <a:t>May be additional system test, not replacing internal V&amp;V</a:t>
+            </a:r>
+          </a:p>
+          <a:p>
+            <a:r>
+              <a:rPr lang="en-US" dirty="0" smtClean="0"/>
+              <a:t>Not all outsourced testing is IV&amp;V</a:t>
+            </a:r>
+          </a:p>
+          <a:p>
+            <a:pPr lvl="1"/>
+            <a:r>
+              <a:rPr lang="en-US" dirty="0" smtClean="0"/>
+              <a:t>Not independent if controlled by development organization</a:t>
+            </a:r>
+            <a:endParaRPr lang="en-US" dirty="0"/>
+          </a:p>
+        </p:txBody>
+      </p:sp>
+      <p:sp>
+        <p:nvSpPr>
+          <p:cNvPr id="2" name="Slide Number Placeholder 1"/>
+          <p:cNvSpPr>
+            <a:spLocks noGrp="1"/>
+          </p:cNvSpPr>
+          <p:nvPr>
+            <p:ph type="sldNum" sz="quarter" idx="12"/>
+          </p:nvPr>
+        </p:nvSpPr>
+        <p:spPr/>
+        <p:txBody>
+          <a:bodyPr/>
+          <a:lstStyle/>
+          <a:p>
+            <a:fld id="{B543A0FD-1CA6-4228-86A2-78061B4844C8}" type="slidenum">
+              <a:rPr lang="en-US" smtClean="0"/>
+              <a:t>49</a:t>
+            </a:fld>
+            <a:endParaRPr lang="en-US"/>
+          </a:p>
+        </p:txBody>
+      </p:sp>
+    </p:spTree>
+    <p:extLst>
+      <p:ext uri="{BB962C8B-B14F-4D97-AF65-F5344CB8AC3E}">
+        <p14:creationId xmlns:p14="http://schemas.microsoft.com/office/powerpoint/2010/main" val="1563042516"/>
+      </p:ext>
+    </p:extLst>
+  </p:cSld>
+  <p:clrMapOvr>
+    <a:masterClrMapping/>
+  </p:clrMapOvr>
+  <mc:AlternateContent xmlns:mc="http://schemas.openxmlformats.org/markup-compatibility/2006" xmlns:p14="http://schemas.microsoft.com/office/powerpoint/2010/main">
+    <mc:Choice Requires="p14">
+      <p:transition spd="slow" p14:dur="2000"/>
+    </mc:Choice>
+    <mc:Fallback xmlns="">
+      <p:transition spd="slow"/>
+    </mc:Fallback>
+  </mc:AlternateContent>
+  <p:timing>
+    <p:tnLst>
+      <p:par>
+        <p:cTn id="1" dur="indefinite" restart="never" nodeType="tmRoot"/>
+      </p:par>
+    </p:tnLst>
+  </p:timing>
+</p:sld>
+</file>
+
+<file path=ppt/slides/slide5.xml><?xml version="1.0" encoding="utf-8"?>
+<p:sld xmlns:a="http://schemas.openxmlformats.org/drawingml/2006/main" xmlns:r="http://schemas.openxmlformats.org/officeDocument/2006/relationships" xmlns:p="http://schemas.openxmlformats.org/presentationml/2006/main">
+  <p:cSld>
+    <p:spTree>
+      <p:nvGrpSpPr>
+        <p:cNvPr id="1" name=""/>
+        <p:cNvGrpSpPr/>
+        <p:nvPr/>
+      </p:nvGrpSpPr>
+      <p:grpSpPr>
+        <a:xfrm>
+          <a:off x="0" y="0"/>
+          <a:ext cx="0" cy="0"/>
+          <a:chOff x="0" y="0"/>
+          <a:chExt cx="0" cy="0"/>
+        </a:xfrm>
+      </p:grpSpPr>
+      <p:sp>
+        <p:nvSpPr>
+          <p:cNvPr id="2" name="Title 1"/>
+          <p:cNvSpPr>
+            <a:spLocks noGrp="1"/>
+          </p:cNvSpPr>
+          <p:nvPr>
+            <p:ph type="title"/>
+          </p:nvPr>
+        </p:nvSpPr>
+        <p:spPr/>
+        <p:txBody>
+          <a:bodyPr/>
+          <a:lstStyle/>
+          <a:p>
+            <a:r>
+              <a:rPr lang="en-US" dirty="0" smtClean="0"/>
+              <a:t>Functional Testing </a:t>
+            </a:r>
+            <a:endParaRPr lang="en-US" dirty="0"/>
+          </a:p>
+        </p:txBody>
+      </p:sp>
+      <p:sp>
+        <p:nvSpPr>
+          <p:cNvPr id="3" name="Content Placeholder 2"/>
+          <p:cNvSpPr>
+            <a:spLocks noGrp="1"/>
+          </p:cNvSpPr>
+          <p:nvPr>
+            <p:ph idx="1"/>
+          </p:nvPr>
+        </p:nvSpPr>
+        <p:spPr/>
+        <p:txBody>
+          <a:bodyPr>
+            <a:normAutofit/>
+          </a:bodyPr>
+          <a:lstStyle/>
+          <a:p>
+            <a:r>
+              <a:rPr lang="en-US" dirty="0" smtClean="0"/>
+              <a:t>Functional testing finds differences between functional requirements and the implemented system </a:t>
+            </a:r>
+          </a:p>
+          <a:p>
+            <a:r>
+              <a:rPr lang="en-US" dirty="0" smtClean="0"/>
+              <a:t>Essentially the same as black box testing </a:t>
+            </a:r>
+          </a:p>
+          <a:p>
+            <a:r>
+              <a:rPr lang="en-US" dirty="0" smtClean="0"/>
+              <a:t>Goal: Test functionality of system </a:t>
+            </a:r>
+          </a:p>
+          <a:p>
+            <a:r>
+              <a:rPr lang="en-US" dirty="0" smtClean="0"/>
+              <a:t>Test cases are designed from the requirements analysis document (better: user manual) and centered around requirements and key functions (use cases) </a:t>
+            </a:r>
+          </a:p>
+          <a:p>
+            <a:r>
+              <a:rPr lang="en-US" dirty="0" smtClean="0"/>
+              <a:t>Select tests that are relevant to the user and have a high probability of uncovering a failure </a:t>
+            </a:r>
+          </a:p>
+          <a:p>
+            <a:pPr lvl="1"/>
+            <a:r>
+              <a:rPr lang="en-US" dirty="0" smtClean="0"/>
+              <a:t>Use techniques like equivalence tests </a:t>
+            </a:r>
+          </a:p>
+          <a:p>
+            <a:endParaRPr lang="en-US" dirty="0"/>
+          </a:p>
+        </p:txBody>
+      </p:sp>
+      <p:sp>
+        <p:nvSpPr>
+          <p:cNvPr id="4" name="Slide Number Placeholder 3"/>
+          <p:cNvSpPr>
+            <a:spLocks noGrp="1"/>
+          </p:cNvSpPr>
+          <p:nvPr>
+            <p:ph type="sldNum" sz="quarter" idx="12"/>
+          </p:nvPr>
+        </p:nvSpPr>
+        <p:spPr/>
+        <p:txBody>
+          <a:bodyPr/>
+          <a:lstStyle/>
+          <a:p>
+            <a:fld id="{B543A0FD-1CA6-4228-86A2-78061B4844C8}" type="slidenum">
+              <a:rPr lang="en-US" smtClean="0"/>
+              <a:t>5</a:t>
+            </a:fld>
+            <a:endParaRPr lang="en-US"/>
+          </a:p>
+        </p:txBody>
+      </p:sp>
+    </p:spTree>
+    <p:extLst>
+      <p:ext uri="{BB962C8B-B14F-4D97-AF65-F5344CB8AC3E}">
+        <p14:creationId xmlns:p14="http://schemas.microsoft.com/office/powerpoint/2010/main" val="1598015589"/>
+      </p:ext>
+    </p:extLst>
+  </p:cSld>
+  <p:clrMapOvr>
+    <a:masterClrMapping/>
+  </p:clrMapOvr>
+  <p:timing>
+    <p:tnLst>
+      <p:par>
+        <p:cTn id="1" dur="indefinite" restart="never" nodeType="tmRoot"/>
+      </p:par>
+    </p:tnLst>
+  </p:timing>
+</p:sld>
+</file>
+
+<file path=ppt/slides/slide50.xml><?xml version="1.0" encoding="utf-8"?>
+<p:sld xmlns:a="http://schemas.openxmlformats.org/drawingml/2006/main" xmlns:r="http://schemas.openxmlformats.org/officeDocument/2006/relationships" xmlns:p="http://schemas.openxmlformats.org/presentationml/2006/main">
+  <p:cSld>
+    <p:spTree>
+      <p:nvGrpSpPr>
+        <p:cNvPr id="1" name=""/>
+        <p:cNvGrpSpPr/>
+        <p:nvPr/>
+      </p:nvGrpSpPr>
+      <p:grpSpPr>
+        <a:xfrm>
+          <a:off x="0" y="0"/>
+          <a:ext cx="0" cy="0"/>
+          <a:chOff x="0" y="0"/>
+          <a:chExt cx="0" cy="0"/>
+        </a:xfrm>
+      </p:grpSpPr>
+      <p:sp>
+        <p:nvSpPr>
+          <p:cNvPr id="23556" name="Title 1"/>
+          <p:cNvSpPr>
+            <a:spLocks noGrp="1"/>
+          </p:cNvSpPr>
+          <p:nvPr>
+            <p:ph type="title"/>
+          </p:nvPr>
+        </p:nvSpPr>
+        <p:spPr/>
+        <p:txBody>
+          <a:bodyPr anchor="ctr"/>
+          <a:lstStyle/>
+          <a:p>
+            <a:pPr eaLnBrk="1" hangingPunct="1"/>
+            <a:r>
+              <a:rPr lang="en-US" sz="3200" dirty="0"/>
+              <a:t>Achieving Independence Without Changing Staff</a:t>
+            </a:r>
+          </a:p>
+        </p:txBody>
+      </p:sp>
+      <p:sp>
+        <p:nvSpPr>
+          <p:cNvPr id="23557" name="Content Placeholder 2"/>
+          <p:cNvSpPr>
+            <a:spLocks noGrp="1"/>
+          </p:cNvSpPr>
+          <p:nvPr>
+            <p:ph idx="1"/>
+          </p:nvPr>
+        </p:nvSpPr>
+        <p:spPr/>
+        <p:txBody>
+          <a:bodyPr>
+            <a:normAutofit/>
+          </a:bodyPr>
+          <a:lstStyle/>
+          <a:p>
+            <a:pPr marL="342900" indent="-342900"/>
+            <a:r>
+              <a:rPr lang="en-US" sz="3200" dirty="0"/>
+              <a:t>If the development organization controls system testing ...</a:t>
+            </a:r>
+          </a:p>
+          <a:p>
+            <a:pPr marL="742950" lvl="1" indent="-285750"/>
+            <a:r>
+              <a:rPr lang="en-US" sz="2800" dirty="0"/>
+              <a:t>Perfect independence may be unattainable, but we can reduce undue influence</a:t>
+            </a:r>
+          </a:p>
+          <a:p>
+            <a:pPr marL="342900" indent="-342900"/>
+            <a:r>
+              <a:rPr lang="en-US" sz="3200" dirty="0"/>
+              <a:t>Develop system test cases early</a:t>
+            </a:r>
+          </a:p>
+          <a:p>
+            <a:pPr marL="742950" lvl="1" indent="-285750"/>
+            <a:r>
+              <a:rPr lang="en-US" sz="2800" dirty="0"/>
+              <a:t>As part of requirements specification, before major design decisions have been made</a:t>
+            </a:r>
+          </a:p>
+          <a:p>
+            <a:pPr lvl="2"/>
+            <a:r>
+              <a:rPr lang="en-US" sz="2400" dirty="0"/>
+              <a:t>Agile </a:t>
+            </a:r>
+            <a:r>
+              <a:rPr lang="ja-JP" altLang="en-US" sz="2400" dirty="0"/>
+              <a:t>“</a:t>
+            </a:r>
+            <a:r>
+              <a:rPr lang="en-US" altLang="ja-JP" sz="2400" dirty="0"/>
+              <a:t>test first</a:t>
+            </a:r>
+            <a:r>
+              <a:rPr lang="ja-JP" altLang="en-US" sz="2400" dirty="0"/>
+              <a:t>”</a:t>
+            </a:r>
+            <a:r>
+              <a:rPr lang="en-US" altLang="ja-JP" sz="2400" dirty="0"/>
+              <a:t> </a:t>
+            </a:r>
+          </a:p>
+          <a:p>
+            <a:pPr lvl="2"/>
+            <a:r>
+              <a:rPr lang="en-US" altLang="ja-JP" sz="2400" dirty="0"/>
+              <a:t>Conventional </a:t>
+            </a:r>
+            <a:r>
+              <a:rPr lang="ja-JP" altLang="en-US" sz="2400" dirty="0"/>
+              <a:t>“</a:t>
+            </a:r>
+            <a:r>
+              <a:rPr lang="en-US" altLang="ja-JP" sz="2400" dirty="0"/>
+              <a:t>V model</a:t>
+            </a:r>
+            <a:r>
+              <a:rPr lang="ja-JP" altLang="en-US" sz="2400" dirty="0"/>
+              <a:t>”</a:t>
+            </a:r>
+            <a:endParaRPr lang="en-US" altLang="ja-JP" sz="2400" dirty="0"/>
+          </a:p>
+          <a:p>
+            <a:pPr lvl="2"/>
+            <a:r>
+              <a:rPr lang="en-US" altLang="ja-JP" sz="2400" dirty="0"/>
+              <a:t>Critical system testing early in project</a:t>
+            </a:r>
+            <a:endParaRPr lang="en-US" sz="2400" dirty="0"/>
+          </a:p>
+        </p:txBody>
+      </p:sp>
+      <p:sp>
+        <p:nvSpPr>
+          <p:cNvPr id="2" name="Slide Number Placeholder 1"/>
+          <p:cNvSpPr>
+            <a:spLocks noGrp="1"/>
+          </p:cNvSpPr>
+          <p:nvPr>
+            <p:ph type="sldNum" sz="quarter" idx="12"/>
+          </p:nvPr>
+        </p:nvSpPr>
+        <p:spPr/>
+        <p:txBody>
+          <a:bodyPr/>
+          <a:lstStyle/>
+          <a:p>
+            <a:fld id="{B543A0FD-1CA6-4228-86A2-78061B4844C8}" type="slidenum">
+              <a:rPr lang="en-US" smtClean="0"/>
+              <a:t>50</a:t>
+            </a:fld>
+            <a:endParaRPr lang="en-US"/>
+          </a:p>
+        </p:txBody>
+      </p:sp>
+    </p:spTree>
+    <p:extLst>
+      <p:ext uri="{BB962C8B-B14F-4D97-AF65-F5344CB8AC3E}">
+        <p14:creationId xmlns:p14="http://schemas.microsoft.com/office/powerpoint/2010/main" val="2063763688"/>
+      </p:ext>
+    </p:extLst>
+  </p:cSld>
+  <p:clrMapOvr>
+    <a:masterClrMapping/>
+  </p:clrMapOvr>
+  <mc:AlternateContent xmlns:mc="http://schemas.openxmlformats.org/markup-compatibility/2006" xmlns:p14="http://schemas.microsoft.com/office/powerpoint/2010/main">
+    <mc:Choice Requires="p14">
+      <p:transition spd="slow" p14:dur="2000"/>
+    </mc:Choice>
+    <mc:Fallback xmlns="">
+      <p:transition spd="slow"/>
+    </mc:Fallback>
+  </mc:AlternateContent>
+  <p:timing>
+    <p:tnLst>
+      <p:par>
+        <p:cTn id="1" dur="indefinite" restart="never" nodeType="tmRoot"/>
+      </p:par>
+    </p:tnLst>
+  </p:timing>
+</p:sld>
+</file>
+
+<file path=ppt/slides/slide51.xml><?xml version="1.0" encoding="utf-8"?>
+<p:sld xmlns:a="http://schemas.openxmlformats.org/drawingml/2006/main" xmlns:r="http://schemas.openxmlformats.org/officeDocument/2006/relationships" xmlns:p="http://schemas.openxmlformats.org/presentationml/2006/main">
+  <p:cSld>
+    <p:spTree>
+      <p:nvGrpSpPr>
+        <p:cNvPr id="1" name=""/>
+        <p:cNvGrpSpPr/>
+        <p:nvPr/>
+      </p:nvGrpSpPr>
+      <p:grpSpPr>
+        <a:xfrm>
+          <a:off x="0" y="0"/>
+          <a:ext cx="0" cy="0"/>
+          <a:chOff x="0" y="0"/>
+          <a:chExt cx="0" cy="0"/>
+        </a:xfrm>
+      </p:grpSpPr>
+      <p:sp>
+        <p:nvSpPr>
+          <p:cNvPr id="24580" name="Title 1"/>
+          <p:cNvSpPr>
+            <a:spLocks noGrp="1"/>
+          </p:cNvSpPr>
+          <p:nvPr>
+            <p:ph type="title"/>
+          </p:nvPr>
+        </p:nvSpPr>
+        <p:spPr/>
+        <p:txBody>
+          <a:bodyPr/>
+          <a:lstStyle/>
+          <a:p>
+            <a:r>
+              <a:rPr lang="en-US" dirty="0" smtClean="0"/>
+              <a:t>Incremental System Testing</a:t>
+            </a:r>
+            <a:endParaRPr lang="en-US" dirty="0"/>
+          </a:p>
+        </p:txBody>
+      </p:sp>
+      <p:sp>
+        <p:nvSpPr>
+          <p:cNvPr id="24581" name="Content Placeholder 2"/>
+          <p:cNvSpPr>
+            <a:spLocks noGrp="1"/>
+          </p:cNvSpPr>
+          <p:nvPr>
+            <p:ph type="body" idx="1"/>
+          </p:nvPr>
+        </p:nvSpPr>
+        <p:spPr/>
+        <p:txBody>
+          <a:bodyPr/>
+          <a:lstStyle/>
+          <a:p>
+            <a:r>
+              <a:rPr lang="en-US" dirty="0" smtClean="0"/>
+              <a:t>System tests are often used to measure progress</a:t>
+            </a:r>
+          </a:p>
+          <a:p>
+            <a:pPr lvl="1"/>
+            <a:r>
+              <a:rPr lang="en-US" dirty="0" smtClean="0"/>
+              <a:t>System test suite covers all features and scenarios of use</a:t>
+            </a:r>
+          </a:p>
+          <a:p>
+            <a:pPr lvl="1"/>
+            <a:r>
+              <a:rPr lang="en-US" dirty="0" smtClean="0"/>
+              <a:t>As project progresses, the system passes more and more system tests</a:t>
+            </a:r>
+          </a:p>
+          <a:p>
+            <a:r>
+              <a:rPr lang="en-US" dirty="0" smtClean="0"/>
+              <a:t>Assumes a </a:t>
+            </a:r>
+            <a:r>
+              <a:rPr lang="ja-JP" altLang="en-US" smtClean="0"/>
+              <a:t>“</a:t>
+            </a:r>
+            <a:r>
+              <a:rPr lang="en-US" altLang="ja-JP" dirty="0" smtClean="0"/>
+              <a:t>threaded</a:t>
+            </a:r>
+            <a:r>
+              <a:rPr lang="ja-JP" altLang="en-US" smtClean="0"/>
+              <a:t>”</a:t>
+            </a:r>
+            <a:r>
+              <a:rPr lang="en-US" altLang="ja-JP" dirty="0" smtClean="0"/>
+              <a:t> incremental build plan: </a:t>
+            </a:r>
+          </a:p>
+          <a:p>
+            <a:pPr lvl="1"/>
+            <a:r>
+              <a:rPr lang="en-US" dirty="0" smtClean="0"/>
+              <a:t>Features exposed at top level as they are developed</a:t>
+            </a:r>
+            <a:endParaRPr lang="en-US" dirty="0"/>
+          </a:p>
+        </p:txBody>
+      </p:sp>
+      <p:sp>
+        <p:nvSpPr>
+          <p:cNvPr id="2" name="Slide Number Placeholder 1"/>
+          <p:cNvSpPr>
+            <a:spLocks noGrp="1"/>
+          </p:cNvSpPr>
+          <p:nvPr>
+            <p:ph type="sldNum" sz="quarter" idx="12"/>
+          </p:nvPr>
+        </p:nvSpPr>
+        <p:spPr/>
+        <p:txBody>
+          <a:bodyPr/>
+          <a:lstStyle/>
+          <a:p>
+            <a:fld id="{B543A0FD-1CA6-4228-86A2-78061B4844C8}" type="slidenum">
+              <a:rPr lang="en-US" smtClean="0"/>
+              <a:t>51</a:t>
+            </a:fld>
+            <a:endParaRPr lang="en-US"/>
+          </a:p>
+        </p:txBody>
+      </p:sp>
+    </p:spTree>
+    <p:extLst>
+      <p:ext uri="{BB962C8B-B14F-4D97-AF65-F5344CB8AC3E}">
+        <p14:creationId xmlns:p14="http://schemas.microsoft.com/office/powerpoint/2010/main" val="1657944189"/>
+      </p:ext>
+    </p:extLst>
+  </p:cSld>
+  <p:clrMapOvr>
+    <a:masterClrMapping/>
+  </p:clrMapOvr>
+  <mc:AlternateContent xmlns:mc="http://schemas.openxmlformats.org/markup-compatibility/2006" xmlns:p14="http://schemas.microsoft.com/office/powerpoint/2010/main">
+    <mc:Choice Requires="p14">
+      <p:transition spd="slow" p14:dur="2000"/>
+    </mc:Choice>
+    <mc:Fallback xmlns="">
+      <p:transition spd="slow"/>
+    </mc:Fallback>
+  </mc:AlternateContent>
+  <p:timing>
+    <p:tnLst>
+      <p:par>
+        <p:cTn id="1" dur="indefinite" restart="never" nodeType="tmRoot"/>
+      </p:par>
+    </p:tnLst>
+  </p:timing>
+</p:sld>
+</file>
+
+<file path=ppt/slides/slide52.xml><?xml version="1.0" encoding="utf-8"?>
+<p:sld xmlns:a="http://schemas.openxmlformats.org/drawingml/2006/main" xmlns:r="http://schemas.openxmlformats.org/officeDocument/2006/relationships" xmlns:p="http://schemas.openxmlformats.org/presentationml/2006/main">
+  <p:cSld>
+    <p:spTree>
+      <p:nvGrpSpPr>
+        <p:cNvPr id="1" name=""/>
+        <p:cNvGrpSpPr/>
+        <p:nvPr/>
+      </p:nvGrpSpPr>
+      <p:grpSpPr>
+        <a:xfrm>
+          <a:off x="0" y="0"/>
+          <a:ext cx="0" cy="0"/>
+          <a:chOff x="0" y="0"/>
+          <a:chExt cx="0" cy="0"/>
+        </a:xfrm>
+      </p:grpSpPr>
+      <p:sp>
+        <p:nvSpPr>
+          <p:cNvPr id="25604" name="Title 1"/>
+          <p:cNvSpPr>
+            <a:spLocks noGrp="1"/>
+          </p:cNvSpPr>
+          <p:nvPr>
+            <p:ph type="title"/>
+          </p:nvPr>
+        </p:nvSpPr>
+        <p:spPr/>
+        <p:txBody>
+          <a:bodyPr/>
+          <a:lstStyle/>
+          <a:p>
+            <a:r>
+              <a:rPr lang="en-US" dirty="0" smtClean="0"/>
+              <a:t>Global Properties</a:t>
+            </a:r>
+            <a:endParaRPr lang="en-US" dirty="0"/>
+          </a:p>
+        </p:txBody>
+      </p:sp>
+      <p:sp>
+        <p:nvSpPr>
+          <p:cNvPr id="25605" name="Content Placeholder 2"/>
+          <p:cNvSpPr>
+            <a:spLocks noGrp="1"/>
+          </p:cNvSpPr>
+          <p:nvPr>
+            <p:ph type="body" idx="1"/>
+          </p:nvPr>
+        </p:nvSpPr>
+        <p:spPr/>
+        <p:txBody>
+          <a:bodyPr/>
+          <a:lstStyle/>
+          <a:p>
+            <a:r>
+              <a:rPr lang="en-US" dirty="0" smtClean="0"/>
+              <a:t>Some system properties are inherently global</a:t>
+            </a:r>
+          </a:p>
+          <a:p>
+            <a:pPr lvl="1"/>
+            <a:r>
+              <a:rPr lang="en-US" dirty="0" smtClean="0"/>
+              <a:t>Performance, latency, reliability, ... </a:t>
+            </a:r>
+          </a:p>
+          <a:p>
+            <a:pPr lvl="1"/>
+            <a:r>
+              <a:rPr lang="en-US" dirty="0" smtClean="0"/>
+              <a:t>Early and incremental testing is still necessary, but provide only estimates</a:t>
+            </a:r>
+          </a:p>
+          <a:p>
+            <a:r>
+              <a:rPr lang="en-US" dirty="0" smtClean="0"/>
+              <a:t>A major focus of system testing</a:t>
+            </a:r>
+          </a:p>
+          <a:p>
+            <a:pPr lvl="1"/>
+            <a:r>
+              <a:rPr lang="en-US" dirty="0" smtClean="0"/>
+              <a:t>The only opportunity to verify global properties against actual system specifications</a:t>
+            </a:r>
+          </a:p>
+          <a:p>
+            <a:pPr lvl="1"/>
+            <a:r>
+              <a:rPr lang="en-US" dirty="0" smtClean="0"/>
+              <a:t>Especially to find unanticipated effects, e.g., an unexpected performance bottleneck</a:t>
+            </a:r>
+            <a:endParaRPr lang="en-US" dirty="0"/>
+          </a:p>
+        </p:txBody>
+      </p:sp>
+      <p:sp>
+        <p:nvSpPr>
+          <p:cNvPr id="2" name="Slide Number Placeholder 1"/>
+          <p:cNvSpPr>
+            <a:spLocks noGrp="1"/>
+          </p:cNvSpPr>
+          <p:nvPr>
+            <p:ph type="sldNum" sz="quarter" idx="12"/>
+          </p:nvPr>
+        </p:nvSpPr>
+        <p:spPr/>
+        <p:txBody>
+          <a:bodyPr/>
+          <a:lstStyle/>
+          <a:p>
+            <a:fld id="{B543A0FD-1CA6-4228-86A2-78061B4844C8}" type="slidenum">
+              <a:rPr lang="en-US" smtClean="0"/>
+              <a:t>52</a:t>
+            </a:fld>
+            <a:endParaRPr lang="en-US"/>
+          </a:p>
+        </p:txBody>
+      </p:sp>
+    </p:spTree>
+    <p:extLst>
+      <p:ext uri="{BB962C8B-B14F-4D97-AF65-F5344CB8AC3E}">
+        <p14:creationId xmlns:p14="http://schemas.microsoft.com/office/powerpoint/2010/main" val="997684010"/>
+      </p:ext>
+    </p:extLst>
+  </p:cSld>
+  <p:clrMapOvr>
+    <a:masterClrMapping/>
+  </p:clrMapOvr>
+  <mc:AlternateContent xmlns:mc="http://schemas.openxmlformats.org/markup-compatibility/2006" xmlns:p14="http://schemas.microsoft.com/office/powerpoint/2010/main">
+    <mc:Choice Requires="p14">
+      <p:transition spd="slow" p14:dur="2000"/>
+    </mc:Choice>
+    <mc:Fallback xmlns="">
+      <p:transition spd="slow"/>
+    </mc:Fallback>
+  </mc:AlternateContent>
+  <p:timing>
+    <p:tnLst>
+      <p:par>
+        <p:cTn id="1" dur="indefinite" restart="never" nodeType="tmRoot"/>
+      </p:par>
+    </p:tnLst>
+  </p:timing>
+</p:sld>
+</file>
+
+<file path=ppt/slides/slide53.xml><?xml version="1.0" encoding="utf-8"?>
+<p:sld xmlns:a="http://schemas.openxmlformats.org/drawingml/2006/main" xmlns:r="http://schemas.openxmlformats.org/officeDocument/2006/relationships" xmlns:p="http://schemas.openxmlformats.org/presentationml/2006/main">
+  <p:cSld>
+    <p:spTree>
+      <p:nvGrpSpPr>
+        <p:cNvPr id="1" name=""/>
+        <p:cNvGrpSpPr/>
+        <p:nvPr/>
+      </p:nvGrpSpPr>
+      <p:grpSpPr>
+        <a:xfrm>
+          <a:off x="0" y="0"/>
+          <a:ext cx="0" cy="0"/>
+          <a:chOff x="0" y="0"/>
+          <a:chExt cx="0" cy="0"/>
+        </a:xfrm>
+      </p:grpSpPr>
+      <p:sp>
+        <p:nvSpPr>
+          <p:cNvPr id="26628" name="Title 1"/>
+          <p:cNvSpPr>
+            <a:spLocks noGrp="1"/>
+          </p:cNvSpPr>
+          <p:nvPr>
+            <p:ph type="title"/>
+          </p:nvPr>
+        </p:nvSpPr>
+        <p:spPr/>
+        <p:txBody>
+          <a:bodyPr/>
+          <a:lstStyle/>
+          <a:p>
+            <a:r>
+              <a:rPr lang="en-US" dirty="0" smtClean="0"/>
+              <a:t>Context-Dependent Properties</a:t>
+            </a:r>
+            <a:endParaRPr lang="en-US" dirty="0"/>
+          </a:p>
+        </p:txBody>
+      </p:sp>
+      <p:sp>
+        <p:nvSpPr>
+          <p:cNvPr id="26629" name="Content Placeholder 2"/>
+          <p:cNvSpPr>
+            <a:spLocks noGrp="1"/>
+          </p:cNvSpPr>
+          <p:nvPr>
+            <p:ph type="body" idx="1"/>
+          </p:nvPr>
+        </p:nvSpPr>
+        <p:spPr/>
+        <p:txBody>
+          <a:bodyPr/>
+          <a:lstStyle/>
+          <a:p>
+            <a:r>
+              <a:rPr lang="en-US" dirty="0" smtClean="0"/>
+              <a:t>Beyond system-global: Some properties depend on the system context and use</a:t>
+            </a:r>
+          </a:p>
+          <a:p>
+            <a:pPr lvl="1"/>
+            <a:r>
+              <a:rPr lang="en-US" dirty="0" smtClean="0"/>
+              <a:t>Example: Performance properties depend on environment and configuration </a:t>
+            </a:r>
+          </a:p>
+          <a:p>
+            <a:pPr lvl="1"/>
+            <a:r>
+              <a:rPr lang="en-US" dirty="0" smtClean="0"/>
+              <a:t>Example: Privacy depends both on system and how it is used</a:t>
+            </a:r>
+          </a:p>
+          <a:p>
+            <a:pPr lvl="2"/>
+            <a:r>
+              <a:rPr lang="en-US" dirty="0" smtClean="0"/>
+              <a:t>Medical records system must protect against unauthorized use, and authorization must be provided only as needed</a:t>
+            </a:r>
+          </a:p>
+          <a:p>
+            <a:pPr lvl="1"/>
+            <a:r>
+              <a:rPr lang="en-US" dirty="0" smtClean="0"/>
+              <a:t>Example: Security depends on threat profiles</a:t>
+            </a:r>
+          </a:p>
+          <a:p>
+            <a:pPr lvl="2"/>
+            <a:r>
+              <a:rPr lang="en-US" dirty="0" smtClean="0"/>
+              <a:t>And threats change! </a:t>
+            </a:r>
+          </a:p>
+          <a:p>
+            <a:r>
+              <a:rPr lang="en-US" dirty="0" smtClean="0"/>
+              <a:t>Testing is just one part of the approach </a:t>
+            </a:r>
+            <a:endParaRPr lang="en-US" dirty="0"/>
+          </a:p>
+        </p:txBody>
+      </p:sp>
+      <p:sp>
+        <p:nvSpPr>
+          <p:cNvPr id="2" name="Slide Number Placeholder 1"/>
+          <p:cNvSpPr>
+            <a:spLocks noGrp="1"/>
+          </p:cNvSpPr>
+          <p:nvPr>
+            <p:ph type="sldNum" sz="quarter" idx="12"/>
+          </p:nvPr>
+        </p:nvSpPr>
+        <p:spPr/>
+        <p:txBody>
+          <a:bodyPr/>
+          <a:lstStyle/>
+          <a:p>
+            <a:fld id="{B543A0FD-1CA6-4228-86A2-78061B4844C8}" type="slidenum">
+              <a:rPr lang="en-US" smtClean="0"/>
+              <a:t>53</a:t>
+            </a:fld>
+            <a:endParaRPr lang="en-US"/>
+          </a:p>
+        </p:txBody>
+      </p:sp>
+    </p:spTree>
+    <p:extLst>
+      <p:ext uri="{BB962C8B-B14F-4D97-AF65-F5344CB8AC3E}">
+        <p14:creationId xmlns:p14="http://schemas.microsoft.com/office/powerpoint/2010/main" val="541612105"/>
+      </p:ext>
+    </p:extLst>
+  </p:cSld>
+  <p:clrMapOvr>
+    <a:masterClrMapping/>
+  </p:clrMapOvr>
+  <mc:AlternateContent xmlns:mc="http://schemas.openxmlformats.org/markup-compatibility/2006" xmlns:p14="http://schemas.microsoft.com/office/powerpoint/2010/main">
+    <mc:Choice Requires="p14">
+      <p:transition spd="slow" p14:dur="2000"/>
+    </mc:Choice>
+    <mc:Fallback xmlns="">
+      <p:transition spd="slow"/>
+    </mc:Fallback>
+  </mc:AlternateContent>
+  <p:timing>
+    <p:tnLst>
+      <p:par>
+        <p:cTn id="1" dur="indefinite" restart="never" nodeType="tmRoot"/>
+      </p:par>
+    </p:tnLst>
+  </p:timing>
+</p:sld>
+</file>
+
+<file path=ppt/slides/slide54.xml><?xml version="1.0" encoding="utf-8"?>
+<p:sld xmlns:a="http://schemas.openxmlformats.org/drawingml/2006/main" xmlns:r="http://schemas.openxmlformats.org/officeDocument/2006/relationships" xmlns:p="http://schemas.openxmlformats.org/presentationml/2006/main">
+  <p:cSld>
+    <p:spTree>
+      <p:nvGrpSpPr>
+        <p:cNvPr id="1" name=""/>
+        <p:cNvGrpSpPr/>
+        <p:nvPr/>
+      </p:nvGrpSpPr>
+      <p:grpSpPr>
+        <a:xfrm>
+          <a:off x="0" y="0"/>
+          <a:ext cx="0" cy="0"/>
+          <a:chOff x="0" y="0"/>
+          <a:chExt cx="0" cy="0"/>
+        </a:xfrm>
+      </p:grpSpPr>
+      <p:sp>
+        <p:nvSpPr>
+          <p:cNvPr id="27652" name="Title 1"/>
+          <p:cNvSpPr>
+            <a:spLocks noGrp="1"/>
+          </p:cNvSpPr>
+          <p:nvPr>
+            <p:ph type="title"/>
+          </p:nvPr>
+        </p:nvSpPr>
+        <p:spPr/>
+        <p:txBody>
+          <a:bodyPr anchor="ctr"/>
+          <a:lstStyle/>
+          <a:p>
+            <a:pPr eaLnBrk="1" hangingPunct="1"/>
+            <a:r>
+              <a:rPr lang="en-US" sz="4000" dirty="0"/>
+              <a:t>Establishing an Operational Envelope</a:t>
+            </a:r>
+          </a:p>
+        </p:txBody>
+      </p:sp>
+      <p:sp>
+        <p:nvSpPr>
+          <p:cNvPr id="27653" name="Content Placeholder 2"/>
+          <p:cNvSpPr>
+            <a:spLocks noGrp="1"/>
+          </p:cNvSpPr>
+          <p:nvPr>
+            <p:ph idx="1"/>
+          </p:nvPr>
+        </p:nvSpPr>
+        <p:spPr/>
+        <p:txBody>
+          <a:bodyPr/>
+          <a:lstStyle/>
+          <a:p>
+            <a:pPr marL="342900" indent="-342900"/>
+            <a:r>
+              <a:rPr lang="en-US" dirty="0"/>
+              <a:t>When a property (e.g., performance or real-time response) is parameterized by use ... </a:t>
+            </a:r>
+          </a:p>
+          <a:p>
+            <a:pPr marL="742950" lvl="1" indent="-285750"/>
+            <a:r>
+              <a:rPr lang="en-US" dirty="0"/>
+              <a:t>requests per second, size of database, ... </a:t>
+            </a:r>
+          </a:p>
+          <a:p>
+            <a:pPr marL="342900" indent="-342900"/>
+            <a:r>
+              <a:rPr lang="en-US" dirty="0"/>
+              <a:t>Extensive stress testing is required</a:t>
+            </a:r>
+          </a:p>
+          <a:p>
+            <a:pPr marL="742950" lvl="1" indent="-285750"/>
+            <a:r>
+              <a:rPr lang="en-US" dirty="0"/>
+              <a:t>varying parameters within the envelope, near the bounds, and beyond</a:t>
+            </a:r>
+          </a:p>
+          <a:p>
+            <a:pPr marL="342900" indent="-342900"/>
+            <a:r>
+              <a:rPr lang="en-US" dirty="0"/>
+              <a:t>Goal: A well-understood model of how the property varies with the parameter</a:t>
+            </a:r>
+          </a:p>
+          <a:p>
+            <a:pPr marL="742950" lvl="1" indent="-285750"/>
+            <a:r>
+              <a:rPr lang="en-US" dirty="0"/>
+              <a:t>How sensitive is the property to the parameter?</a:t>
+            </a:r>
+          </a:p>
+          <a:p>
+            <a:pPr marL="742950" lvl="1" indent="-285750"/>
+            <a:r>
+              <a:rPr lang="en-US" dirty="0"/>
+              <a:t>Where is the </a:t>
+            </a:r>
+            <a:r>
+              <a:rPr lang="ja-JP" altLang="en-US" dirty="0"/>
+              <a:t>“</a:t>
+            </a:r>
+            <a:r>
+              <a:rPr lang="en-US" altLang="ja-JP" dirty="0"/>
+              <a:t>edge of the envelope</a:t>
+            </a:r>
+            <a:r>
+              <a:rPr lang="ja-JP" altLang="en-US" dirty="0"/>
+              <a:t>”</a:t>
+            </a:r>
+            <a:r>
+              <a:rPr lang="en-US" altLang="ja-JP" dirty="0"/>
+              <a:t>? </a:t>
+            </a:r>
+          </a:p>
+          <a:p>
+            <a:pPr marL="742950" lvl="1" indent="-285750"/>
+            <a:r>
+              <a:rPr lang="en-US" dirty="0"/>
+              <a:t>What can we expect when the envelope is exceeded?</a:t>
+            </a:r>
+          </a:p>
+        </p:txBody>
+      </p:sp>
+      <p:sp>
+        <p:nvSpPr>
+          <p:cNvPr id="2" name="Slide Number Placeholder 1"/>
+          <p:cNvSpPr>
+            <a:spLocks noGrp="1"/>
+          </p:cNvSpPr>
+          <p:nvPr>
+            <p:ph type="sldNum" sz="quarter" idx="12"/>
+          </p:nvPr>
+        </p:nvSpPr>
+        <p:spPr/>
+        <p:txBody>
+          <a:bodyPr/>
+          <a:lstStyle/>
+          <a:p>
+            <a:fld id="{B543A0FD-1CA6-4228-86A2-78061B4844C8}" type="slidenum">
+              <a:rPr lang="en-US" smtClean="0"/>
+              <a:t>54</a:t>
+            </a:fld>
+            <a:endParaRPr lang="en-US"/>
+          </a:p>
+        </p:txBody>
+      </p:sp>
+    </p:spTree>
+    <p:extLst>
+      <p:ext uri="{BB962C8B-B14F-4D97-AF65-F5344CB8AC3E}">
+        <p14:creationId xmlns:p14="http://schemas.microsoft.com/office/powerpoint/2010/main" val="3083699472"/>
+      </p:ext>
+    </p:extLst>
+  </p:cSld>
+  <p:clrMapOvr>
+    <a:masterClrMapping/>
+  </p:clrMapOvr>
+  <mc:AlternateContent xmlns:mc="http://schemas.openxmlformats.org/markup-compatibility/2006" xmlns:p14="http://schemas.microsoft.com/office/powerpoint/2010/main">
+    <mc:Choice Requires="p14">
+      <p:transition spd="slow" p14:dur="2000"/>
+    </mc:Choice>
+    <mc:Fallback xmlns="">
+      <p:transition spd="slow"/>
+    </mc:Fallback>
+  </mc:AlternateContent>
+  <p:timing>
+    <p:tnLst>
+      <p:par>
+        <p:cTn id="1" dur="indefinite" restart="never" nodeType="tmRoot"/>
+      </p:par>
+    </p:tnLst>
+  </p:timing>
+</p:sld>
+</file>
+
+<file path=ppt/slides/slide55.xml><?xml version="1.0" encoding="utf-8"?>
+<p:sld xmlns:a="http://schemas.openxmlformats.org/drawingml/2006/main" xmlns:r="http://schemas.openxmlformats.org/officeDocument/2006/relationships" xmlns:p="http://schemas.openxmlformats.org/presentationml/2006/main">
+  <p:cSld>
+    <p:spTree>
+      <p:nvGrpSpPr>
+        <p:cNvPr id="1" name=""/>
+        <p:cNvGrpSpPr/>
+        <p:nvPr/>
+      </p:nvGrpSpPr>
+      <p:grpSpPr>
+        <a:xfrm>
+          <a:off x="0" y="0"/>
+          <a:ext cx="0" cy="0"/>
+          <a:chOff x="0" y="0"/>
+          <a:chExt cx="0" cy="0"/>
+        </a:xfrm>
+      </p:grpSpPr>
+      <p:sp>
+        <p:nvSpPr>
+          <p:cNvPr id="28676" name="Title 1"/>
+          <p:cNvSpPr>
+            <a:spLocks noGrp="1"/>
+          </p:cNvSpPr>
+          <p:nvPr>
+            <p:ph type="title"/>
+          </p:nvPr>
+        </p:nvSpPr>
+        <p:spPr/>
+        <p:txBody>
+          <a:bodyPr/>
+          <a:lstStyle/>
+          <a:p>
+            <a:r>
+              <a:rPr lang="en-US" dirty="0" smtClean="0"/>
+              <a:t>Stress Testing</a:t>
+            </a:r>
+            <a:endParaRPr lang="en-US" dirty="0"/>
+          </a:p>
+        </p:txBody>
+      </p:sp>
+      <p:sp>
+        <p:nvSpPr>
+          <p:cNvPr id="28677" name="Content Placeholder 2"/>
+          <p:cNvSpPr>
+            <a:spLocks noGrp="1"/>
+          </p:cNvSpPr>
+          <p:nvPr>
+            <p:ph type="body" idx="1"/>
+          </p:nvPr>
+        </p:nvSpPr>
+        <p:spPr/>
+        <p:txBody>
+          <a:bodyPr/>
+          <a:lstStyle/>
+          <a:p>
+            <a:r>
+              <a:rPr lang="en-US" dirty="0" smtClean="0"/>
+              <a:t>Often requires extensive simulation of the execution environment</a:t>
+            </a:r>
+          </a:p>
+          <a:p>
+            <a:pPr lvl="1"/>
+            <a:r>
+              <a:rPr lang="en-US" dirty="0" smtClean="0"/>
+              <a:t>With systematic variation:  What happens when we push the parameters?  What if the number of users or requests is 10 times more, or 1000 times more?</a:t>
+            </a:r>
+          </a:p>
+          <a:p>
+            <a:r>
+              <a:rPr lang="en-US" dirty="0" smtClean="0"/>
+              <a:t>Often requires more resources (human and machine) than typical test cases</a:t>
+            </a:r>
+          </a:p>
+          <a:p>
+            <a:pPr lvl="1"/>
+            <a:r>
+              <a:rPr lang="en-US" dirty="0" smtClean="0"/>
+              <a:t>Separate from regular feature tests</a:t>
+            </a:r>
+          </a:p>
+          <a:p>
+            <a:pPr lvl="1"/>
+            <a:r>
+              <a:rPr lang="en-US" dirty="0" smtClean="0"/>
+              <a:t>Run less often, with more manual control</a:t>
+            </a:r>
+          </a:p>
+          <a:p>
+            <a:pPr lvl="1"/>
+            <a:r>
+              <a:rPr lang="en-US" dirty="0" smtClean="0"/>
+              <a:t>Diagnose deviations from expectation</a:t>
+            </a:r>
+          </a:p>
+          <a:p>
+            <a:pPr lvl="2"/>
+            <a:r>
+              <a:rPr lang="en-US" dirty="0" smtClean="0"/>
+              <a:t>Which may include difficult debugging of latent faults! </a:t>
+            </a:r>
+            <a:endParaRPr lang="en-US" dirty="0"/>
+          </a:p>
+        </p:txBody>
+      </p:sp>
+      <p:sp>
+        <p:nvSpPr>
+          <p:cNvPr id="2" name="Slide Number Placeholder 1"/>
+          <p:cNvSpPr>
+            <a:spLocks noGrp="1"/>
+          </p:cNvSpPr>
+          <p:nvPr>
+            <p:ph type="sldNum" sz="quarter" idx="12"/>
+          </p:nvPr>
+        </p:nvSpPr>
+        <p:spPr/>
+        <p:txBody>
+          <a:bodyPr/>
+          <a:lstStyle/>
+          <a:p>
+            <a:fld id="{B543A0FD-1CA6-4228-86A2-78061B4844C8}" type="slidenum">
+              <a:rPr lang="en-US" smtClean="0"/>
+              <a:t>55</a:t>
+            </a:fld>
+            <a:endParaRPr lang="en-US"/>
+          </a:p>
+        </p:txBody>
+      </p:sp>
+    </p:spTree>
+    <p:extLst>
+      <p:ext uri="{BB962C8B-B14F-4D97-AF65-F5344CB8AC3E}">
+        <p14:creationId xmlns:p14="http://schemas.microsoft.com/office/powerpoint/2010/main" val="1119821780"/>
+      </p:ext>
+    </p:extLst>
+  </p:cSld>
+  <p:clrMapOvr>
+    <a:masterClrMapping/>
+  </p:clrMapOvr>
+  <mc:AlternateContent xmlns:mc="http://schemas.openxmlformats.org/markup-compatibility/2006" xmlns:p14="http://schemas.microsoft.com/office/powerpoint/2010/main">
+    <mc:Choice Requires="p14">
+      <p:transition spd="slow" p14:dur="2000"/>
+    </mc:Choice>
+    <mc:Fallback xmlns="">
+      <p:transition spd="slow"/>
+    </mc:Fallback>
+  </mc:AlternateContent>
+  <p:timing>
+    <p:tnLst>
+      <p:par>
+        <p:cTn id="1" dur="indefinite" restart="never" nodeType="tmRoot"/>
+      </p:par>
+    </p:tnLst>
+  </p:timing>
+</p:sld>
+</file>
+
+<file path=ppt/slides/slide56.xml><?xml version="1.0" encoding="utf-8"?>
+<p:sld xmlns:a="http://schemas.openxmlformats.org/drawingml/2006/main" xmlns:r="http://schemas.openxmlformats.org/officeDocument/2006/relationships" xmlns:p="http://schemas.openxmlformats.org/presentationml/2006/main">
+  <p:cSld>
+    <p:spTree>
+      <p:nvGrpSpPr>
+        <p:cNvPr id="1" name=""/>
+        <p:cNvGrpSpPr/>
+        <p:nvPr/>
+      </p:nvGrpSpPr>
+      <p:grpSpPr>
+        <a:xfrm>
+          <a:off x="0" y="0"/>
+          <a:ext cx="0" cy="0"/>
+          <a:chOff x="0" y="0"/>
+          <a:chExt cx="0" cy="0"/>
+        </a:xfrm>
+      </p:grpSpPr>
+      <p:sp>
+        <p:nvSpPr>
+          <p:cNvPr id="29700" name="Title 5"/>
+          <p:cNvSpPr>
+            <a:spLocks noGrp="1"/>
+          </p:cNvSpPr>
+          <p:nvPr>
+            <p:ph type="title"/>
+          </p:nvPr>
+        </p:nvSpPr>
+        <p:spPr/>
+        <p:txBody>
+          <a:bodyPr/>
+          <a:lstStyle/>
+          <a:p>
+            <a:r>
+              <a:rPr lang="en-US" dirty="0" smtClean="0"/>
+              <a:t>Acceptance Testing</a:t>
+            </a:r>
+            <a:endParaRPr lang="en-US" dirty="0"/>
+          </a:p>
+        </p:txBody>
+      </p:sp>
+      <p:sp>
+        <p:nvSpPr>
+          <p:cNvPr id="29701" name="Content Placeholder 6"/>
+          <p:cNvSpPr>
+            <a:spLocks noGrp="1"/>
+          </p:cNvSpPr>
+          <p:nvPr>
+            <p:ph type="body" idx="1"/>
+          </p:nvPr>
+        </p:nvSpPr>
+        <p:spPr/>
+        <p:txBody>
+          <a:bodyPr>
+            <a:normAutofit/>
+          </a:bodyPr>
+          <a:lstStyle/>
+          <a:p>
+            <a:r>
+              <a:rPr lang="en-US" dirty="0" smtClean="0"/>
+              <a:t>Estimating dependability</a:t>
+            </a:r>
+          </a:p>
+          <a:p>
+            <a:r>
+              <a:rPr lang="en-US" dirty="0" smtClean="0"/>
+              <a:t>Measuring quality, not searching for faults</a:t>
+            </a:r>
+          </a:p>
+          <a:p>
+            <a:pPr lvl="1"/>
+            <a:r>
+              <a:rPr lang="en-US" dirty="0" smtClean="0"/>
+              <a:t>Fundamentally different goal than systematic testing</a:t>
+            </a:r>
+          </a:p>
+          <a:p>
+            <a:r>
+              <a:rPr lang="en-US" dirty="0" smtClean="0"/>
+              <a:t>Quantitative dependability goals are statistical</a:t>
+            </a:r>
+          </a:p>
+          <a:p>
+            <a:pPr lvl="1"/>
+            <a:r>
+              <a:rPr lang="en-US" dirty="0" smtClean="0"/>
+              <a:t>Reliability</a:t>
+            </a:r>
+          </a:p>
+          <a:p>
+            <a:pPr lvl="1"/>
+            <a:r>
+              <a:rPr lang="en-US" dirty="0" smtClean="0"/>
+              <a:t>Availability</a:t>
+            </a:r>
+          </a:p>
+          <a:p>
+            <a:pPr lvl="1"/>
+            <a:r>
+              <a:rPr lang="en-US" dirty="0" smtClean="0"/>
+              <a:t>Mean time to failure</a:t>
+            </a:r>
+          </a:p>
+          <a:p>
+            <a:pPr lvl="1"/>
+            <a:r>
+              <a:rPr lang="en-US" dirty="0" smtClean="0"/>
+              <a:t>...</a:t>
+            </a:r>
+          </a:p>
+          <a:p>
+            <a:r>
+              <a:rPr lang="en-US" dirty="0" smtClean="0"/>
+              <a:t>Requires valid statistical samples from operational profile</a:t>
+            </a:r>
+          </a:p>
+          <a:p>
+            <a:pPr lvl="1"/>
+            <a:r>
+              <a:rPr lang="en-US" dirty="0" smtClean="0"/>
+              <a:t>Fundamentally different from systematic testing</a:t>
+            </a:r>
+            <a:endParaRPr lang="en-US" dirty="0"/>
+          </a:p>
+        </p:txBody>
+      </p:sp>
+      <p:sp>
+        <p:nvSpPr>
+          <p:cNvPr id="2" name="Slide Number Placeholder 1"/>
+          <p:cNvSpPr>
+            <a:spLocks noGrp="1"/>
+          </p:cNvSpPr>
+          <p:nvPr>
+            <p:ph type="sldNum" sz="quarter" idx="12"/>
+          </p:nvPr>
+        </p:nvSpPr>
+        <p:spPr/>
+        <p:txBody>
+          <a:bodyPr/>
+          <a:lstStyle/>
+          <a:p>
+            <a:fld id="{B543A0FD-1CA6-4228-86A2-78061B4844C8}" type="slidenum">
+              <a:rPr lang="en-US" smtClean="0"/>
+              <a:t>56</a:t>
+            </a:fld>
+            <a:endParaRPr lang="en-US"/>
+          </a:p>
+        </p:txBody>
+      </p:sp>
+    </p:spTree>
+    <p:extLst>
+      <p:ext uri="{BB962C8B-B14F-4D97-AF65-F5344CB8AC3E}">
+        <p14:creationId xmlns:p14="http://schemas.microsoft.com/office/powerpoint/2010/main" val="209779941"/>
+      </p:ext>
+    </p:extLst>
+  </p:cSld>
+  <p:clrMapOvr>
+    <a:masterClrMapping/>
+  </p:clrMapOvr>
+  <mc:AlternateContent xmlns:mc="http://schemas.openxmlformats.org/markup-compatibility/2006" xmlns:p14="http://schemas.microsoft.com/office/powerpoint/2010/main">
+    <mc:Choice Requires="p14">
+      <p:transition spd="slow" p14:dur="2000"/>
+    </mc:Choice>
+    <mc:Fallback xmlns="">
+      <p:transition spd="slow"/>
+    </mc:Fallback>
+  </mc:AlternateContent>
+  <p:timing>
+    <p:tnLst>
+      <p:par>
+        <p:cTn id="1" dur="indefinite" restart="never" nodeType="tmRoot"/>
+      </p:par>
+    </p:tnLst>
+  </p:timing>
+</p:sld>
+</file>
+
+<file path=ppt/slides/slide57.xml><?xml version="1.0" encoding="utf-8"?>
+<p:sld xmlns:a="http://schemas.openxmlformats.org/drawingml/2006/main" xmlns:r="http://schemas.openxmlformats.org/officeDocument/2006/relationships" xmlns:p="http://schemas.openxmlformats.org/presentationml/2006/main">
+  <p:cSld>
+    <p:spTree>
+      <p:nvGrpSpPr>
+        <p:cNvPr id="1" name=""/>
+        <p:cNvGrpSpPr/>
+        <p:nvPr/>
+      </p:nvGrpSpPr>
+      <p:grpSpPr>
+        <a:xfrm>
+          <a:off x="0" y="0"/>
+          <a:ext cx="0" cy="0"/>
+          <a:chOff x="0" y="0"/>
+          <a:chExt cx="0" cy="0"/>
+        </a:xfrm>
+      </p:grpSpPr>
+      <p:sp>
+        <p:nvSpPr>
+          <p:cNvPr id="31748" name="Title 1"/>
+          <p:cNvSpPr>
+            <a:spLocks noGrp="1"/>
+          </p:cNvSpPr>
+          <p:nvPr>
+            <p:ph type="title"/>
+          </p:nvPr>
+        </p:nvSpPr>
+        <p:spPr/>
+        <p:txBody>
+          <a:bodyPr/>
+          <a:lstStyle/>
+          <a:p>
+            <a:r>
+              <a:rPr lang="en-US" dirty="0" smtClean="0"/>
+              <a:t>Statistical Sampling</a:t>
+            </a:r>
+            <a:endParaRPr lang="en-US" dirty="0"/>
+          </a:p>
+        </p:txBody>
+      </p:sp>
+      <p:sp>
+        <p:nvSpPr>
+          <p:cNvPr id="31749" name="Content Placeholder 2"/>
+          <p:cNvSpPr>
+            <a:spLocks noGrp="1"/>
+          </p:cNvSpPr>
+          <p:nvPr>
+            <p:ph idx="1"/>
+          </p:nvPr>
+        </p:nvSpPr>
+        <p:spPr>
+          <a:xfrm>
+            <a:off x="838200" y="1825625"/>
+            <a:ext cx="10610088" cy="4351338"/>
+          </a:xfrm>
+        </p:spPr>
+        <p:txBody>
+          <a:bodyPr/>
+          <a:lstStyle/>
+          <a:p>
+            <a:r>
+              <a:rPr lang="en-US" dirty="0" smtClean="0"/>
+              <a:t>We need a valid operational profile (model)</a:t>
+            </a:r>
+          </a:p>
+          <a:p>
+            <a:pPr lvl="1"/>
+            <a:r>
+              <a:rPr lang="en-US" dirty="0" smtClean="0"/>
+              <a:t>Sometimes from an older version of the system</a:t>
+            </a:r>
+          </a:p>
+          <a:p>
+            <a:pPr lvl="1"/>
+            <a:r>
+              <a:rPr lang="en-US" dirty="0" smtClean="0"/>
+              <a:t>Sometimes from operational environment (e.g., for an embedded controller)</a:t>
+            </a:r>
+          </a:p>
+          <a:p>
+            <a:pPr lvl="1"/>
+            <a:r>
+              <a:rPr lang="en-US" dirty="0" smtClean="0"/>
+              <a:t>Sensitivity testing reveals which parameters are most important, and which can be rough guesses</a:t>
+            </a:r>
+          </a:p>
+          <a:p>
+            <a:r>
+              <a:rPr lang="en-US" dirty="0" smtClean="0"/>
+              <a:t>And a clear, precise definition of what is being measured</a:t>
+            </a:r>
+          </a:p>
+          <a:p>
+            <a:pPr lvl="1"/>
+            <a:r>
+              <a:rPr lang="en-US" dirty="0" smtClean="0"/>
+              <a:t>Failure rate?  Per session, per hour, per operation?</a:t>
+            </a:r>
+          </a:p>
+          <a:p>
+            <a:r>
+              <a:rPr lang="en-US" dirty="0" smtClean="0"/>
+              <a:t>And many, many random samples</a:t>
+            </a:r>
+          </a:p>
+          <a:p>
+            <a:pPr lvl="1"/>
+            <a:r>
+              <a:rPr lang="en-US" dirty="0" smtClean="0"/>
+              <a:t>Especially for high reliability measures</a:t>
+            </a:r>
+            <a:endParaRPr lang="en-US" dirty="0"/>
+          </a:p>
+        </p:txBody>
+      </p:sp>
+      <p:sp>
+        <p:nvSpPr>
+          <p:cNvPr id="2" name="Slide Number Placeholder 1"/>
+          <p:cNvSpPr>
+            <a:spLocks noGrp="1"/>
+          </p:cNvSpPr>
+          <p:nvPr>
+            <p:ph type="sldNum" sz="quarter" idx="12"/>
+          </p:nvPr>
+        </p:nvSpPr>
+        <p:spPr/>
+        <p:txBody>
+          <a:bodyPr/>
+          <a:lstStyle/>
+          <a:p>
+            <a:fld id="{B543A0FD-1CA6-4228-86A2-78061B4844C8}" type="slidenum">
+              <a:rPr lang="en-US" smtClean="0"/>
+              <a:t>57</a:t>
+            </a:fld>
+            <a:endParaRPr lang="en-US"/>
+          </a:p>
+        </p:txBody>
+      </p:sp>
+    </p:spTree>
+    <p:extLst>
+      <p:ext uri="{BB962C8B-B14F-4D97-AF65-F5344CB8AC3E}">
+        <p14:creationId xmlns:p14="http://schemas.microsoft.com/office/powerpoint/2010/main" val="3380872978"/>
+      </p:ext>
+    </p:extLst>
+  </p:cSld>
+  <p:clrMapOvr>
+    <a:masterClrMapping/>
+  </p:clrMapOvr>
+  <mc:AlternateContent xmlns:mc="http://schemas.openxmlformats.org/markup-compatibility/2006" xmlns:p14="http://schemas.microsoft.com/office/powerpoint/2010/main">
+    <mc:Choice Requires="p14">
+      <p:transition spd="slow" p14:dur="2000"/>
+    </mc:Choice>
+    <mc:Fallback xmlns="">
+      <p:transition spd="slow"/>
+    </mc:Fallback>
+  </mc:AlternateContent>
+  <p:timing>
+    <p:tnLst>
+      <p:par>
+        <p:cTn id="1" dur="indefinite" restart="never" nodeType="tmRoot"/>
+      </p:par>
+    </p:tnLst>
+  </p:timing>
+</p:sld>
+</file>
+
+<file path=ppt/slides/slide58.xml><?xml version="1.0" encoding="utf-8"?>
+<p:sld xmlns:a="http://schemas.openxmlformats.org/drawingml/2006/main" xmlns:r="http://schemas.openxmlformats.org/officeDocument/2006/relationships" xmlns:p="http://schemas.openxmlformats.org/presentationml/2006/main">
+  <p:cSld>
+    <p:spTree>
+      <p:nvGrpSpPr>
+        <p:cNvPr id="1" name=""/>
+        <p:cNvGrpSpPr/>
+        <p:nvPr/>
+      </p:nvGrpSpPr>
+      <p:grpSpPr>
+        <a:xfrm>
+          <a:off x="0" y="0"/>
+          <a:ext cx="0" cy="0"/>
+          <a:chOff x="0" y="0"/>
+          <a:chExt cx="0" cy="0"/>
+        </a:xfrm>
+      </p:grpSpPr>
+      <p:sp>
+        <p:nvSpPr>
+          <p:cNvPr id="32772" name="Title 1"/>
+          <p:cNvSpPr>
+            <a:spLocks noGrp="1"/>
+          </p:cNvSpPr>
+          <p:nvPr>
+            <p:ph type="title"/>
+          </p:nvPr>
+        </p:nvSpPr>
+        <p:spPr/>
+        <p:txBody>
+          <a:bodyPr/>
+          <a:lstStyle/>
+          <a:p>
+            <a:r>
+              <a:rPr lang="en-US" dirty="0" smtClean="0"/>
+              <a:t>Is Statistical Testing Worthwhile?</a:t>
+            </a:r>
+            <a:endParaRPr lang="en-US" dirty="0"/>
+          </a:p>
+        </p:txBody>
+      </p:sp>
+      <p:sp>
+        <p:nvSpPr>
+          <p:cNvPr id="32773" name="Content Placeholder 2"/>
+          <p:cNvSpPr>
+            <a:spLocks noGrp="1"/>
+          </p:cNvSpPr>
+          <p:nvPr>
+            <p:ph idx="1"/>
+          </p:nvPr>
+        </p:nvSpPr>
+        <p:spPr>
+          <a:xfrm>
+            <a:off x="838200" y="1690688"/>
+            <a:ext cx="10515600" cy="4665661"/>
+          </a:xfrm>
+        </p:spPr>
+        <p:txBody>
+          <a:bodyPr/>
+          <a:lstStyle/>
+          <a:p>
+            <a:r>
+              <a:rPr lang="en-US" dirty="0" smtClean="0"/>
+              <a:t>Necessary for ... </a:t>
+            </a:r>
+          </a:p>
+          <a:p>
+            <a:pPr lvl="1"/>
+            <a:r>
+              <a:rPr lang="en-US" dirty="0" smtClean="0"/>
+              <a:t>Critical systems (safety critical, infrastructure, ...)</a:t>
+            </a:r>
+          </a:p>
+          <a:p>
+            <a:r>
+              <a:rPr lang="en-US" dirty="0" smtClean="0"/>
+              <a:t>But difficult or impossible when ... </a:t>
+            </a:r>
+          </a:p>
+          <a:p>
+            <a:pPr lvl="1"/>
+            <a:r>
+              <a:rPr lang="en-US" dirty="0" smtClean="0"/>
+              <a:t>Operational profile is unavailable or just a guess</a:t>
+            </a:r>
+          </a:p>
+          <a:p>
+            <a:pPr lvl="2"/>
+            <a:r>
+              <a:rPr lang="en-US" dirty="0" smtClean="0"/>
+              <a:t>Often for new functionality involving human interaction</a:t>
+            </a:r>
+          </a:p>
+          <a:p>
+            <a:pPr lvl="3"/>
+            <a:r>
+              <a:rPr lang="en-US" dirty="0" smtClean="0"/>
+              <a:t>But we may factor critical functions from overall use to obtain a good model of only the critical properties</a:t>
+            </a:r>
+          </a:p>
+          <a:p>
+            <a:pPr lvl="1"/>
+            <a:r>
+              <a:rPr lang="en-US" dirty="0" smtClean="0"/>
+              <a:t>Reliability requirement is very high</a:t>
+            </a:r>
+          </a:p>
+          <a:p>
+            <a:pPr lvl="2"/>
+            <a:r>
+              <a:rPr lang="en-US" dirty="0" smtClean="0"/>
+              <a:t>Required sample size (number of test cases) might require years of test execution</a:t>
+            </a:r>
+          </a:p>
+          <a:p>
+            <a:pPr lvl="2"/>
+            <a:r>
+              <a:rPr lang="en-US" dirty="0" smtClean="0"/>
+              <a:t>Ultra-reliability can seldom be demonstrated by testing</a:t>
+            </a:r>
+            <a:endParaRPr lang="en-US" dirty="0"/>
+          </a:p>
+        </p:txBody>
+      </p:sp>
+      <p:sp>
+        <p:nvSpPr>
+          <p:cNvPr id="2" name="Slide Number Placeholder 1"/>
+          <p:cNvSpPr>
+            <a:spLocks noGrp="1"/>
+          </p:cNvSpPr>
+          <p:nvPr>
+            <p:ph type="sldNum" sz="quarter" idx="12"/>
+          </p:nvPr>
+        </p:nvSpPr>
+        <p:spPr/>
+        <p:txBody>
+          <a:bodyPr/>
+          <a:lstStyle/>
+          <a:p>
+            <a:fld id="{B543A0FD-1CA6-4228-86A2-78061B4844C8}" type="slidenum">
+              <a:rPr lang="en-US" smtClean="0"/>
+              <a:t>58</a:t>
+            </a:fld>
+            <a:endParaRPr lang="en-US"/>
+          </a:p>
+        </p:txBody>
+      </p:sp>
+    </p:spTree>
+    <p:extLst>
+      <p:ext uri="{BB962C8B-B14F-4D97-AF65-F5344CB8AC3E}">
+        <p14:creationId xmlns:p14="http://schemas.microsoft.com/office/powerpoint/2010/main" val="1150511739"/>
+      </p:ext>
+    </p:extLst>
+  </p:cSld>
+  <p:clrMapOvr>
+    <a:masterClrMapping/>
+  </p:clrMapOvr>
+  <mc:AlternateContent xmlns:mc="http://schemas.openxmlformats.org/markup-compatibility/2006" xmlns:p14="http://schemas.microsoft.com/office/powerpoint/2010/main">
+    <mc:Choice Requires="p14">
+      <p:transition spd="slow" p14:dur="2000"/>
+    </mc:Choice>
+    <mc:Fallback xmlns="">
+      <p:transition spd="slow"/>
+    </mc:Fallback>
+  </mc:AlternateContent>
+  <p:timing>
+    <p:tnLst>
+      <p:par>
+        <p:cTn id="1" dur="indefinite" restart="never" nodeType="tmRoot"/>
+      </p:par>
+    </p:tnLst>
+  </p:timing>
+</p:sld>
+</file>
+
+<file path=ppt/slides/slide59.xml><?xml version="1.0" encoding="utf-8"?>
+<p:sld xmlns:a="http://schemas.openxmlformats.org/drawingml/2006/main" xmlns:r="http://schemas.openxmlformats.org/officeDocument/2006/relationships" xmlns:p="http://schemas.openxmlformats.org/presentationml/2006/main">
+  <p:cSld>
+    <p:spTree>
+      <p:nvGrpSpPr>
+        <p:cNvPr id="1" name=""/>
+        <p:cNvGrpSpPr/>
+        <p:nvPr/>
+      </p:nvGrpSpPr>
+      <p:grpSpPr>
+        <a:xfrm>
+          <a:off x="0" y="0"/>
+          <a:ext cx="0" cy="0"/>
+          <a:chOff x="0" y="0"/>
+          <a:chExt cx="0" cy="0"/>
+        </a:xfrm>
+      </p:grpSpPr>
+      <p:sp>
+        <p:nvSpPr>
+          <p:cNvPr id="33796" name="Title 1"/>
+          <p:cNvSpPr>
+            <a:spLocks noGrp="1"/>
+          </p:cNvSpPr>
+          <p:nvPr>
+            <p:ph type="title"/>
+          </p:nvPr>
+        </p:nvSpPr>
+        <p:spPr/>
+        <p:txBody>
+          <a:bodyPr/>
+          <a:lstStyle/>
+          <a:p>
+            <a:r>
+              <a:rPr lang="en-US" dirty="0" smtClean="0"/>
+              <a:t>Process-Based Measures</a:t>
+            </a:r>
+            <a:endParaRPr lang="en-US" dirty="0"/>
+          </a:p>
+        </p:txBody>
+      </p:sp>
+      <p:sp>
+        <p:nvSpPr>
+          <p:cNvPr id="33797" name="Content Placeholder 2"/>
+          <p:cNvSpPr>
+            <a:spLocks noGrp="1"/>
+          </p:cNvSpPr>
+          <p:nvPr>
+            <p:ph idx="1"/>
+          </p:nvPr>
+        </p:nvSpPr>
+        <p:spPr/>
+        <p:txBody>
+          <a:bodyPr/>
+          <a:lstStyle/>
+          <a:p>
+            <a:r>
+              <a:rPr lang="en-US" dirty="0" smtClean="0"/>
+              <a:t>Less rigorous than statistical testing</a:t>
+            </a:r>
+          </a:p>
+          <a:p>
+            <a:pPr lvl="1"/>
+            <a:r>
+              <a:rPr lang="en-US" dirty="0" smtClean="0"/>
+              <a:t>Based on similarity with prior projects</a:t>
+            </a:r>
+          </a:p>
+          <a:p>
+            <a:r>
+              <a:rPr lang="en-US" dirty="0" smtClean="0"/>
+              <a:t>System testing process</a:t>
+            </a:r>
+          </a:p>
+          <a:p>
+            <a:pPr lvl="1"/>
+            <a:r>
+              <a:rPr lang="en-US" dirty="0" smtClean="0"/>
+              <a:t>Expected history of bugs found and resolved</a:t>
+            </a:r>
+          </a:p>
+          <a:p>
+            <a:r>
+              <a:rPr lang="en-US" dirty="0" smtClean="0"/>
+              <a:t>Alpha, beta testing</a:t>
+            </a:r>
+          </a:p>
+          <a:p>
+            <a:pPr lvl="1"/>
+            <a:r>
+              <a:rPr lang="en-US" dirty="0" smtClean="0"/>
+              <a:t>Alpha testing:  Real users, controlled environment</a:t>
+            </a:r>
+          </a:p>
+          <a:p>
+            <a:pPr lvl="1"/>
+            <a:r>
+              <a:rPr lang="en-US" dirty="0" smtClean="0"/>
+              <a:t>Beta testing: Real users, real (uncontrolled) environment</a:t>
+            </a:r>
+          </a:p>
+          <a:p>
+            <a:pPr lvl="1"/>
+            <a:r>
+              <a:rPr lang="en-US" dirty="0" smtClean="0"/>
+              <a:t>May statistically sample users rather than uses</a:t>
+            </a:r>
+          </a:p>
+          <a:p>
+            <a:pPr lvl="1"/>
+            <a:r>
+              <a:rPr lang="en-US" dirty="0" smtClean="0"/>
+              <a:t>Expected history of bug reports</a:t>
+            </a:r>
+            <a:endParaRPr lang="en-US" dirty="0"/>
+          </a:p>
+        </p:txBody>
+      </p:sp>
+      <p:sp>
+        <p:nvSpPr>
+          <p:cNvPr id="2" name="Slide Number Placeholder 1"/>
+          <p:cNvSpPr>
+            <a:spLocks noGrp="1"/>
+          </p:cNvSpPr>
+          <p:nvPr>
+            <p:ph type="sldNum" sz="quarter" idx="12"/>
+          </p:nvPr>
+        </p:nvSpPr>
+        <p:spPr/>
+        <p:txBody>
+          <a:bodyPr/>
+          <a:lstStyle/>
+          <a:p>
+            <a:fld id="{B543A0FD-1CA6-4228-86A2-78061B4844C8}" type="slidenum">
+              <a:rPr lang="en-US" smtClean="0"/>
+              <a:t>59</a:t>
+            </a:fld>
+            <a:endParaRPr lang="en-US"/>
+          </a:p>
+        </p:txBody>
+      </p:sp>
+    </p:spTree>
+    <p:extLst>
+      <p:ext uri="{BB962C8B-B14F-4D97-AF65-F5344CB8AC3E}">
+        <p14:creationId xmlns:p14="http://schemas.microsoft.com/office/powerpoint/2010/main" val="3791604836"/>
+      </p:ext>
+    </p:extLst>
+  </p:cSld>
+  <p:clrMapOvr>
+    <a:masterClrMapping/>
+  </p:clrMapOvr>
+  <mc:AlternateContent xmlns:mc="http://schemas.openxmlformats.org/markup-compatibility/2006" xmlns:p14="http://schemas.microsoft.com/office/powerpoint/2010/main">
+    <mc:Choice Requires="p14">
+      <p:transition spd="slow" p14:dur="2000"/>
+    </mc:Choice>
+    <mc:Fallback xmlns="">
+      <p:transition spd="slow"/>
+    </mc:Fallback>
+  </mc:AlternateContent>
+  <p:timing>
+    <p:tnLst>
+      <p:par>
+        <p:cTn id="1" dur="indefinite" restart="never" nodeType="tmRoot"/>
+      </p:par>
+    </p:tnLst>
+  </p:timing>
+</p:sld>
+</file>
+
+<file path=ppt/slides/slide6.xml><?xml version="1.0" encoding="utf-8"?>
+<p:sld xmlns:a="http://schemas.openxmlformats.org/drawingml/2006/main" xmlns:r="http://schemas.openxmlformats.org/officeDocument/2006/relationships" xmlns:p="http://schemas.openxmlformats.org/presentationml/2006/main">
+  <p:cSld>
+    <p:spTree>
+      <p:nvGrpSpPr>
+        <p:cNvPr id="1" name=""/>
+        <p:cNvGrpSpPr/>
+        <p:nvPr/>
+      </p:nvGrpSpPr>
+      <p:grpSpPr>
+        <a:xfrm>
+          <a:off x="0" y="0"/>
+          <a:ext cx="0" cy="0"/>
+          <a:chOff x="0" y="0"/>
+          <a:chExt cx="0" cy="0"/>
+        </a:xfrm>
+      </p:grpSpPr>
+      <p:sp>
+        <p:nvSpPr>
+          <p:cNvPr id="2" name="Title 1"/>
+          <p:cNvSpPr>
+            <a:spLocks noGrp="1"/>
+          </p:cNvSpPr>
+          <p:nvPr>
+            <p:ph type="title"/>
+          </p:nvPr>
+        </p:nvSpPr>
+        <p:spPr/>
+        <p:txBody>
+          <a:bodyPr/>
+          <a:lstStyle/>
+          <a:p>
+            <a:r>
+              <a:rPr lang="en-US" dirty="0" smtClean="0"/>
+              <a:t>System Testing</a:t>
+            </a:r>
+            <a:endParaRPr lang="en-US" dirty="0"/>
+          </a:p>
+        </p:txBody>
+      </p:sp>
+      <p:sp>
+        <p:nvSpPr>
+          <p:cNvPr id="3" name="Content Placeholder 2"/>
+          <p:cNvSpPr>
+            <a:spLocks noGrp="1"/>
+          </p:cNvSpPr>
+          <p:nvPr>
+            <p:ph idx="1"/>
+          </p:nvPr>
+        </p:nvSpPr>
+        <p:spPr/>
+        <p:txBody>
+          <a:bodyPr>
+            <a:normAutofit/>
+          </a:bodyPr>
+          <a:lstStyle/>
+          <a:p>
+            <a:r>
+              <a:rPr lang="en-US" dirty="0" smtClean="0"/>
+              <a:t>“Intuitively clear”</a:t>
+            </a:r>
+          </a:p>
+          <a:p>
+            <a:pPr lvl="1"/>
+            <a:r>
+              <a:rPr lang="en-US" dirty="0" smtClean="0"/>
+              <a:t>customer expectations</a:t>
+            </a:r>
+          </a:p>
+          <a:p>
+            <a:pPr lvl="1"/>
+            <a:r>
+              <a:rPr lang="en-US" dirty="0" smtClean="0"/>
+              <a:t>close to customer acceptance testing</a:t>
+            </a:r>
+          </a:p>
+          <a:p>
+            <a:r>
+              <a:rPr lang="en-US" dirty="0" smtClean="0"/>
+              <a:t>BUT we need a better basis for really understanding system testing</a:t>
+            </a:r>
+          </a:p>
+          <a:p>
+            <a:r>
+              <a:rPr lang="en-US" dirty="0" smtClean="0"/>
+              <a:t>Threads—the subject of system testing</a:t>
+            </a:r>
+          </a:p>
+          <a:p>
+            <a:r>
+              <a:rPr lang="en-US" dirty="0" smtClean="0"/>
+              <a:t>How are they identified?</a:t>
+            </a:r>
+          </a:p>
+          <a:p>
+            <a:pPr lvl="1"/>
+            <a:r>
+              <a:rPr lang="en-US" dirty="0" smtClean="0"/>
+              <a:t>ad hoc?</a:t>
+            </a:r>
+          </a:p>
+          <a:p>
+            <a:pPr lvl="1"/>
+            <a:r>
+              <a:rPr lang="en-US" dirty="0" smtClean="0"/>
+              <a:t>from experience?</a:t>
+            </a:r>
+          </a:p>
+          <a:p>
+            <a:pPr lvl="1"/>
+            <a:r>
+              <a:rPr lang="en-US" dirty="0" smtClean="0"/>
+              <a:t>from a possibly incomplete requirements specification?</a:t>
+            </a:r>
+          </a:p>
+          <a:p>
+            <a:pPr lvl="1"/>
+            <a:r>
+              <a:rPr lang="en-US" dirty="0" smtClean="0"/>
+              <a:t>from an executable model? (Model-Based Testing) </a:t>
+            </a:r>
+            <a:endParaRPr lang="en-US" dirty="0"/>
+          </a:p>
+        </p:txBody>
+      </p:sp>
+      <p:sp>
+        <p:nvSpPr>
+          <p:cNvPr id="4" name="Slide Number Placeholder 3"/>
+          <p:cNvSpPr>
+            <a:spLocks noGrp="1"/>
+          </p:cNvSpPr>
+          <p:nvPr>
+            <p:ph type="sldNum" sz="quarter" idx="12"/>
+          </p:nvPr>
+        </p:nvSpPr>
+        <p:spPr/>
+        <p:txBody>
+          <a:bodyPr/>
+          <a:lstStyle/>
+          <a:p>
+            <a:fld id="{B8DACC02-A2BD-4578-8E03-6D891060A695}" type="slidenum">
+              <a:rPr lang="en-US" smtClean="0"/>
+              <a:pPr/>
+              <a:t>6</a:t>
+            </a:fld>
+            <a:endParaRPr lang="en-US" dirty="0"/>
+          </a:p>
+        </p:txBody>
+      </p:sp>
+    </p:spTree>
+    <p:extLst>
+      <p:ext uri="{BB962C8B-B14F-4D97-AF65-F5344CB8AC3E}">
+        <p14:creationId xmlns:p14="http://schemas.microsoft.com/office/powerpoint/2010/main" val="1389585243"/>
+      </p:ext>
+    </p:extLst>
+  </p:cSld>
+  <p:clrMapOvr>
+    <a:masterClrMapping/>
+  </p:clrMapOvr>
+</p:sld>
+</file>
+
+<file path=ppt/slides/slide60.xml><?xml version="1.0" encoding="utf-8"?>
+<p:sld xmlns:a="http://schemas.openxmlformats.org/drawingml/2006/main" xmlns:r="http://schemas.openxmlformats.org/officeDocument/2006/relationships" xmlns:p="http://schemas.openxmlformats.org/presentationml/2006/main">
+  <p:cSld>
+    <p:spTree>
+      <p:nvGrpSpPr>
+        <p:cNvPr id="1" name=""/>
+        <p:cNvGrpSpPr/>
+        <p:nvPr/>
+      </p:nvGrpSpPr>
+      <p:grpSpPr>
+        <a:xfrm>
+          <a:off x="0" y="0"/>
+          <a:ext cx="0" cy="0"/>
+          <a:chOff x="0" y="0"/>
+          <a:chExt cx="0" cy="0"/>
+        </a:xfrm>
+      </p:grpSpPr>
+      <p:sp>
+        <p:nvSpPr>
+          <p:cNvPr id="1608706" name="Rectangle 2"/>
+          <p:cNvSpPr>
+            <a:spLocks noGrp="1" noChangeArrowheads="1"/>
+          </p:cNvSpPr>
+          <p:nvPr>
+            <p:ph type="title"/>
+          </p:nvPr>
+        </p:nvSpPr>
+        <p:spPr/>
+        <p:txBody>
+          <a:bodyPr/>
+          <a:lstStyle/>
+          <a:p>
+            <a:r>
+              <a:rPr lang="en-US" dirty="0" smtClean="0"/>
+              <a:t>UI testing ("acceptance")</a:t>
+            </a:r>
+            <a:endParaRPr lang="en-US" dirty="0"/>
+          </a:p>
+        </p:txBody>
+      </p:sp>
+      <p:sp>
+        <p:nvSpPr>
+          <p:cNvPr id="1608707" name="Rectangle 3"/>
+          <p:cNvSpPr>
+            <a:spLocks noGrp="1" noChangeArrowheads="1"/>
+          </p:cNvSpPr>
+          <p:nvPr>
+            <p:ph idx="1"/>
+          </p:nvPr>
+        </p:nvSpPr>
+        <p:spPr/>
+        <p:txBody>
+          <a:bodyPr/>
+          <a:lstStyle/>
+          <a:p>
+            <a:r>
+              <a:rPr lang="en-US" dirty="0" smtClean="0"/>
+              <a:t>Automated UI testing ("automation")</a:t>
+            </a:r>
+          </a:p>
+          <a:p>
+            <a:pPr lvl="1"/>
+            <a:r>
+              <a:rPr lang="en-US" dirty="0" smtClean="0"/>
+              <a:t>Scripts and such that use your app and look for failures</a:t>
+            </a:r>
+          </a:p>
+          <a:p>
+            <a:pPr lvl="1"/>
+            <a:r>
+              <a:rPr lang="en-US" dirty="0" smtClean="0"/>
+              <a:t>A black-box system test</a:t>
+            </a:r>
+          </a:p>
+          <a:p>
+            <a:r>
+              <a:rPr lang="en-US" dirty="0" smtClean="0"/>
+              <a:t>Manual tests</a:t>
+            </a:r>
+          </a:p>
+          <a:p>
+            <a:pPr lvl="1"/>
+            <a:r>
+              <a:rPr lang="en-US" dirty="0" smtClean="0"/>
+              <a:t>Human beings click through predetermined paths</a:t>
+            </a:r>
+          </a:p>
+          <a:p>
+            <a:pPr lvl="1"/>
+            <a:r>
+              <a:rPr lang="en-US" dirty="0" smtClean="0"/>
+              <a:t>Need to write down the specific tests each time</a:t>
+            </a:r>
+          </a:p>
+          <a:p>
+            <a:r>
+              <a:rPr lang="en-US" dirty="0" smtClean="0"/>
+              <a:t>Ad-hoc tests</a:t>
+            </a:r>
+          </a:p>
+          <a:p>
+            <a:pPr lvl="1"/>
+            <a:r>
+              <a:rPr lang="en-US" dirty="0" smtClean="0"/>
+              <a:t>Human beings are "turned loose" on the app to see if they can break it</a:t>
+            </a:r>
+          </a:p>
+          <a:p>
+            <a:endParaRPr lang="en-US" dirty="0"/>
+          </a:p>
+        </p:txBody>
+      </p:sp>
+      <p:sp>
+        <p:nvSpPr>
+          <p:cNvPr id="2" name="Slide Number Placeholder 1"/>
+          <p:cNvSpPr>
+            <a:spLocks noGrp="1"/>
+          </p:cNvSpPr>
+          <p:nvPr>
+            <p:ph type="sldNum" sz="quarter" idx="12"/>
+          </p:nvPr>
+        </p:nvSpPr>
+        <p:spPr/>
+        <p:txBody>
+          <a:bodyPr/>
+          <a:lstStyle/>
+          <a:p>
+            <a:fld id="{B543A0FD-1CA6-4228-86A2-78061B4844C8}" type="slidenum">
+              <a:rPr lang="en-US" smtClean="0"/>
+              <a:t>60</a:t>
+            </a:fld>
+            <a:endParaRPr lang="en-US"/>
+          </a:p>
+        </p:txBody>
+      </p:sp>
+    </p:spTree>
+    <p:extLst>
+      <p:ext uri="{BB962C8B-B14F-4D97-AF65-F5344CB8AC3E}">
+        <p14:creationId xmlns:p14="http://schemas.microsoft.com/office/powerpoint/2010/main" val="2046200215"/>
+      </p:ext>
+    </p:extLst>
+  </p:cSld>
+  <p:clrMapOvr>
+    <a:masterClrMapping/>
+  </p:clrMapOvr>
+  <mc:AlternateContent xmlns:mc="http://schemas.openxmlformats.org/markup-compatibility/2006" xmlns:p14="http://schemas.microsoft.com/office/powerpoint/2010/main">
+    <mc:Choice Requires="p14">
+      <p:transition spd="slow" p14:dur="2000"/>
+    </mc:Choice>
+    <mc:Fallback xmlns="">
+      <p:transition spd="slow"/>
+    </mc:Fallback>
+  </mc:AlternateContent>
+</p:sld>
+</file>
+
 <file path=ppt/slides/slide61.xml><?xml version="1.0" encoding="utf-8"?>
 <p:sld xmlns:a="http://schemas.openxmlformats.org/drawingml/2006/main" xmlns:r="http://schemas.openxmlformats.org/officeDocument/2006/relationships" xmlns:p="http://schemas.openxmlformats.org/presentationml/2006/main">
   <p:cSld>
@@ -20425,7 +21130,7 @@
       </p:grpSpPr>
       <p:sp>
         <p:nvSpPr>
-          <p:cNvPr id="22532" name="Title 1"/>
+          <p:cNvPr id="35844" name="Rectangle 6"/>
           <p:cNvSpPr>
             <a:spLocks noGrp="1"/>
           </p:cNvSpPr>
@@ -20440,15 +21145,15 @@
           <a:p>
             <a:r>
               <a:rPr lang="en-US" dirty="0" smtClean="0"/>
-              <a:t>Independent V&amp;V</a:t>
-            </a:r>
-            <a:endParaRPr lang="en-US" dirty="0"/>
-          </a:p>
-        </p:txBody>
-      </p:sp>
-      <p:sp>
-        <p:nvSpPr>
-          <p:cNvPr id="22533" name="Content Placeholder 2"/>
+              <a:t>Usability Test</a:t>
+            </a:r>
+            <a:endParaRPr lang="en-US" dirty="0"/>
+          </a:p>
+        </p:txBody>
+      </p:sp>
+      <p:sp>
+        <p:nvSpPr>
+          <p:cNvPr id="35845" name="Rectangle 7"/>
           <p:cNvSpPr>
             <a:spLocks noGrp="1"/>
           </p:cNvSpPr>
@@ -20458,87 +21163,59 @@
         </p:nvSpPr>
         <p:spPr/>
         <p:txBody>
-          <a:bodyPr>
-            <a:normAutofit/>
-          </a:bodyPr>
-          <a:lstStyle/>
-          <a:p>
-            <a:r>
-              <a:rPr lang="en-US" dirty="0" smtClean="0"/>
-              <a:t>One strategy for maximizing independence: </a:t>
+          <a:bodyPr/>
+          <a:lstStyle/>
+          <a:p>
+            <a:r>
+              <a:rPr lang="en-US" dirty="0" smtClean="0"/>
+              <a:t>A usable product </a:t>
             </a:r>
           </a:p>
           <a:p>
             <a:pPr lvl="1"/>
             <a:r>
               <a:rPr lang="en-US" dirty="0" smtClean="0"/>
-              <a:t>System (and acceptance) test performed by a different organization</a:t>
-            </a:r>
-          </a:p>
-          <a:p>
-            <a:r>
-              <a:rPr lang="en-US" dirty="0" smtClean="0"/>
-              <a:t>Organizationally isolated from developers </a:t>
+              <a:t>is quickly learned</a:t>
             </a:r>
           </a:p>
           <a:p>
             <a:pPr lvl="1"/>
             <a:r>
               <a:rPr lang="en-US" dirty="0" smtClean="0"/>
-              <a:t>no pressure to say </a:t>
-            </a:r>
-            <a:r>
-              <a:rPr lang="ja-JP" altLang="en-US" smtClean="0"/>
-              <a:t>“</a:t>
-            </a:r>
-            <a:r>
-              <a:rPr lang="en-US" altLang="ja-JP" dirty="0" smtClean="0"/>
-              <a:t>ok</a:t>
-            </a:r>
-            <a:r>
-              <a:rPr lang="ja-JP" altLang="en-US" smtClean="0"/>
-              <a:t>”</a:t>
-            </a:r>
-            <a:endParaRPr lang="en-US" altLang="ja-JP" dirty="0" smtClean="0"/>
-          </a:p>
-          <a:p>
-            <a:r>
-              <a:rPr lang="en-US" dirty="0" smtClean="0"/>
-              <a:t>Sometimes outsourced to another company or agency</a:t>
+              <a:t>allows users to work efficiently</a:t>
             </a:r>
           </a:p>
           <a:p>
             <a:pPr lvl="1"/>
             <a:r>
               <a:rPr lang="en-US" dirty="0" smtClean="0"/>
-              <a:t>Especially for critical systems</a:t>
+              <a:t>is pleasant to use </a:t>
+            </a:r>
+          </a:p>
+          <a:p>
+            <a:r>
+              <a:rPr lang="en-US" dirty="0" smtClean="0"/>
+              <a:t>Objective criteria</a:t>
             </a:r>
           </a:p>
           <a:p>
             <a:pPr lvl="1"/>
             <a:r>
               <a:rPr lang="en-US" dirty="0" smtClean="0"/>
-              <a:t>Outsourcing for independent judgment, not to save money</a:t>
+              <a:t>Time and number of operations to perform a task</a:t>
             </a:r>
           </a:p>
           <a:p>
             <a:pPr lvl="1"/>
             <a:r>
               <a:rPr lang="en-US" dirty="0" smtClean="0"/>
-              <a:t>May be additional system test, not replacing internal V&amp;V</a:t>
-            </a:r>
-          </a:p>
-          <a:p>
-            <a:r>
-              <a:rPr lang="en-US" dirty="0" smtClean="0"/>
-              <a:t>Not all outsourced testing is IV&amp;V</a:t>
-            </a:r>
-          </a:p>
-          <a:p>
-            <a:pPr lvl="1"/>
-            <a:r>
-              <a:rPr lang="en-US" dirty="0" smtClean="0"/>
-              <a:t>Not independent if controlled by development organization</a:t>
+              <a:t>Frequency of user error</a:t>
+            </a:r>
+          </a:p>
+          <a:p>
+            <a:r>
+              <a:rPr lang="en-US" dirty="0" smtClean="0"/>
+              <a:t>Plus overall, subjective satisfaction</a:t>
             </a:r>
             <a:endParaRPr lang="en-US" dirty="0"/>
           </a:p>
@@ -20570,7 +21247,7 @@
     </p:spTree>
     <p:extLst>
       <p:ext uri="{BB962C8B-B14F-4D97-AF65-F5344CB8AC3E}">
-        <p14:creationId xmlns:p14="http://schemas.microsoft.com/office/powerpoint/2010/main" val="1563042516"/>
+        <p14:creationId xmlns:p14="http://schemas.microsoft.com/office/powerpoint/2010/main" val="365870530"/>
       </p:ext>
     </p:extLst>
   </p:cSld>
@@ -20614,9 +21291,9 @@
       </p:grpSpPr>
       <p:sp>
         <p:nvSpPr>
-          <p:cNvPr id="23556" name="Title 1"/>
-          <p:cNvSpPr>
-            <a:spLocks noGrp="1"/>
+          <p:cNvPr id="1605634" name="Rectangle 2"/>
+          <p:cNvSpPr>
+            <a:spLocks noGrp="1" noChangeArrowheads="1"/>
           </p:cNvSpPr>
           <p:nvPr>
             <p:ph type="title"/>
@@ -20624,111 +21301,54 @@
         </p:nvSpPr>
         <p:spPr/>
         <p:txBody>
-          <a:bodyPr anchor="ctr"/>
-          <a:lstStyle/>
-          <a:p>
-            <a:pPr eaLnBrk="1" hangingPunct="1"/>
-            <a:r>
-              <a:rPr lang="en-US" sz="3200" dirty="0"/>
-              <a:t>Achieving Independence Without Changing Staff</a:t>
-            </a:r>
-          </a:p>
-        </p:txBody>
-      </p:sp>
-      <p:sp>
-        <p:nvSpPr>
-          <p:cNvPr id="23557" name="Content Placeholder 2"/>
-          <p:cNvSpPr>
-            <a:spLocks noGrp="1"/>
-          </p:cNvSpPr>
-          <p:nvPr>
-            <p:ph idx="1"/>
-          </p:nvPr>
-        </p:nvSpPr>
-        <p:spPr/>
-        <p:txBody>
-          <a:bodyPr>
-            <a:normAutofit/>
-          </a:bodyPr>
-          <a:lstStyle/>
-          <a:p>
-            <a:pPr marL="342900" indent="-342900"/>
-            <a:r>
-              <a:rPr lang="en-US" sz="3200" dirty="0"/>
-              <a:t>If the development organization controls system testing ...</a:t>
-            </a:r>
-          </a:p>
-          <a:p>
-            <a:pPr marL="742950" lvl="1" indent="-285750"/>
-            <a:r>
-              <a:rPr lang="en-US" sz="2800" dirty="0"/>
-              <a:t>Perfect independence may be unattainable, but we can reduce undue influence</a:t>
-            </a:r>
-          </a:p>
-          <a:p>
-            <a:pPr marL="342900" indent="-342900"/>
-            <a:r>
-              <a:rPr lang="en-US" sz="3200" dirty="0"/>
-              <a:t>Develop system test cases early</a:t>
-            </a:r>
-          </a:p>
-          <a:p>
-            <a:pPr marL="742950" lvl="1" indent="-285750"/>
-            <a:r>
-              <a:rPr lang="en-US" sz="2800" dirty="0"/>
-              <a:t>As part of requirements specification, before major design decisions have been made</a:t>
-            </a:r>
-          </a:p>
-          <a:p>
-            <a:pPr lvl="2"/>
-            <a:r>
-              <a:rPr lang="en-US" sz="2400" dirty="0"/>
-              <a:t>Agile </a:t>
-            </a:r>
-            <a:r>
-              <a:rPr lang="ja-JP" altLang="en-US" sz="2400" dirty="0"/>
-              <a:t>“</a:t>
-            </a:r>
-            <a:r>
-              <a:rPr lang="en-US" altLang="ja-JP" sz="2400" dirty="0"/>
-              <a:t>test first</a:t>
-            </a:r>
-            <a:r>
-              <a:rPr lang="ja-JP" altLang="en-US" sz="2400" dirty="0"/>
-              <a:t>”</a:t>
-            </a:r>
-            <a:r>
-              <a:rPr lang="en-US" altLang="ja-JP" sz="2400" dirty="0"/>
-              <a:t> </a:t>
-            </a:r>
-          </a:p>
-          <a:p>
-            <a:pPr lvl="2"/>
-            <a:r>
-              <a:rPr lang="en-US" altLang="ja-JP" sz="2400" dirty="0"/>
-              <a:t>Conventional </a:t>
-            </a:r>
-            <a:r>
-              <a:rPr lang="ja-JP" altLang="en-US" sz="2400" dirty="0"/>
-              <a:t>“</a:t>
-            </a:r>
-            <a:r>
-              <a:rPr lang="en-US" altLang="ja-JP" sz="2400" dirty="0"/>
-              <a:t>V model</a:t>
-            </a:r>
-            <a:r>
-              <a:rPr lang="ja-JP" altLang="en-US" sz="2400" dirty="0"/>
-              <a:t>”</a:t>
-            </a:r>
-            <a:endParaRPr lang="en-US" altLang="ja-JP" sz="2400" dirty="0"/>
-          </a:p>
-          <a:p>
-            <a:pPr lvl="2"/>
-            <a:r>
-              <a:rPr lang="en-US" altLang="ja-JP" sz="2400" dirty="0"/>
-              <a:t>Critical system testing early in project</a:t>
-            </a:r>
-            <a:endParaRPr lang="en-US" sz="2400" dirty="0"/>
+          <a:bodyPr/>
+          <a:lstStyle/>
+          <a:p>
+            <a:r>
+              <a:rPr lang="en-US" dirty="0"/>
+              <a:t>Load testing</a:t>
+            </a:r>
+          </a:p>
+        </p:txBody>
+      </p:sp>
+      <p:sp>
+        <p:nvSpPr>
+          <p:cNvPr id="1605635" name="Rectangle 3"/>
+          <p:cNvSpPr>
+            <a:spLocks noGrp="1" noChangeArrowheads="1"/>
+          </p:cNvSpPr>
+          <p:nvPr>
+            <p:ph type="body" idx="1"/>
+          </p:nvPr>
+        </p:nvSpPr>
+        <p:spPr/>
+        <p:txBody>
+          <a:bodyPr/>
+          <a:lstStyle/>
+          <a:p>
+            <a:r>
+              <a:rPr lang="en-US" dirty="0"/>
+              <a:t>load testing</a:t>
+            </a:r>
+          </a:p>
+          <a:p>
+            <a:pPr lvl="1"/>
+            <a:r>
+              <a:rPr lang="en-US" dirty="0"/>
+              <a:t>How many hits/requests should the system be able to handle?</a:t>
+            </a:r>
+          </a:p>
+          <a:p>
+            <a:pPr lvl="1"/>
+            <a:r>
+              <a:rPr lang="en-US" dirty="0"/>
+              <a:t>What should be its performance under these circumstances</a:t>
+            </a:r>
+            <a:r>
+              <a:rPr lang="en-US" dirty="0" smtClean="0"/>
+              <a:t>?</a:t>
+            </a:r>
+            <a:endParaRPr lang="en-US" dirty="0"/>
           </a:p>
         </p:txBody>
       </p:sp>
@@ -20758,7 +21378,7 @@
     </p:spTree>
     <p:extLst>
       <p:ext uri="{BB962C8B-B14F-4D97-AF65-F5344CB8AC3E}">
-        <p14:creationId xmlns:p14="http://schemas.microsoft.com/office/powerpoint/2010/main" val="2063763688"/>
+        <p14:creationId xmlns:p14="http://schemas.microsoft.com/office/powerpoint/2010/main" val="2406556066"/>
       </p:ext>
     </p:extLst>
   </p:cSld>
@@ -20773,13 +21393,6 @@
       <p:transition spd="slow"/>
     </mc:Fallback>
   </mc:AlternateContent>
-  <p:timing>
-    <p:tnLst>
-      <p:par>
-        <p:cTn id="1" dur="indefinite" restart="never" nodeType="tmRoot"/>
-      </p:par>
-    </p:tnLst>
-  </p:timing>
 </p:sld>
 </file>
 
@@ -20802,7 +21415,7 @@
       </p:grpSpPr>
       <p:sp>
         <p:nvSpPr>
-          <p:cNvPr id="24580" name="Title 1"/>
+          <p:cNvPr id="36868" name="Title 1"/>
           <p:cNvSpPr>
             <a:spLocks noGrp="1"/>
           </p:cNvSpPr>
@@ -20817,15 +21430,15 @@
           <a:p>
             <a:r>
               <a:rPr lang="en-US" dirty="0" smtClean="0"/>
-              <a:t>Incremental System Testing</a:t>
-            </a:r>
-            <a:endParaRPr lang="en-US" dirty="0"/>
-          </a:p>
-        </p:txBody>
-      </p:sp>
-      <p:sp>
-        <p:nvSpPr>
-          <p:cNvPr id="24581" name="Content Placeholder 2"/>
+              <a:t>Accessibility Testing</a:t>
+            </a:r>
+            <a:endParaRPr lang="en-US" dirty="0"/>
+          </a:p>
+        </p:txBody>
+      </p:sp>
+      <p:sp>
+        <p:nvSpPr>
+          <p:cNvPr id="36869" name="Content Placeholder 2"/>
           <p:cNvSpPr>
             <a:spLocks noGrp="1"/>
           </p:cNvSpPr>
@@ -20840,50 +21453,70 @@
           <a:p>
             <a:r>
               <a:rPr lang="en-US" dirty="0" smtClean="0"/>
-              <a:t>System tests are often used to measure progress</a:t>
+              <a:t>Check usability by people with disabilities</a:t>
             </a:r>
           </a:p>
           <a:p>
             <a:pPr lvl="1"/>
             <a:r>
               <a:rPr lang="en-US" dirty="0" smtClean="0"/>
-              <a:t>System test suite covers all features and scenarios of use</a:t>
+              <a:t>Blind and low vision, deaf, color-blind, ...</a:t>
+            </a:r>
+          </a:p>
+          <a:p>
+            <a:r>
+              <a:rPr lang="en-US" dirty="0" smtClean="0"/>
+              <a:t>Use accessibility guidelines</a:t>
             </a:r>
           </a:p>
           <a:p>
             <a:pPr lvl="1"/>
             <a:r>
               <a:rPr lang="en-US" dirty="0" smtClean="0"/>
-              <a:t>As project progresses, the system passes more and more system tests</a:t>
-            </a:r>
-          </a:p>
-          <a:p>
-            <a:r>
-              <a:rPr lang="en-US" dirty="0" smtClean="0"/>
-              <a:t>Assumes a </a:t>
-            </a:r>
-            <a:r>
-              <a:rPr lang="ja-JP" altLang="en-US" smtClean="0"/>
+              <a:t>Direct usability testing with all relevant groups is usually impractical; checking compliance to guidelines is practical and often reveals problems</a:t>
+            </a:r>
+          </a:p>
+          <a:p>
+            <a:r>
+              <a:rPr lang="en-US" dirty="0" smtClean="0"/>
+              <a:t>Example: W3C Web Content Accessibility Guidelines</a:t>
+            </a:r>
+          </a:p>
+          <a:p>
+            <a:pPr lvl="1"/>
+            <a:r>
+              <a:rPr lang="en-US" dirty="0" smtClean="0"/>
+              <a:t>Parts can be checked automatically</a:t>
+            </a:r>
+          </a:p>
+          <a:p>
+            <a:pPr lvl="1"/>
+            <a:r>
+              <a:rPr lang="en-US" dirty="0" smtClean="0"/>
+              <a:t>but manual check is still required</a:t>
+            </a:r>
+          </a:p>
+          <a:p>
+            <a:pPr lvl="2"/>
+            <a:r>
+              <a:rPr lang="en-US" dirty="0" smtClean="0"/>
+              <a:t>e.g., is the </a:t>
+            </a:r>
+            <a:r>
+              <a:rPr lang="ja-JP" altLang="en-US" dirty="0" smtClean="0"/>
               <a:t>“</a:t>
             </a:r>
             <a:r>
               <a:rPr lang="en-US" altLang="ja-JP" dirty="0" smtClean="0"/>
-              <a:t>threaded</a:t>
-            </a:r>
-            <a:r>
-              <a:rPr lang="ja-JP" altLang="en-US" smtClean="0"/>
+              <a:t>alt</a:t>
+            </a:r>
+            <a:r>
+              <a:rPr lang="ja-JP" altLang="en-US" dirty="0" smtClean="0"/>
               <a:t>”</a:t>
             </a:r>
             <a:r>
               <a:rPr lang="en-US" altLang="ja-JP" dirty="0" smtClean="0"/>
-              <a:t> incremental build plan: </a:t>
-            </a:r>
-          </a:p>
-          <a:p>
-            <a:pPr lvl="1"/>
-            <a:r>
-              <a:rPr lang="en-US" dirty="0" smtClean="0"/>
-              <a:t>Features exposed at top level as they are developed</a:t>
+              <a:t> tag of the image meaningful? </a:t>
             </a:r>
             <a:endParaRPr lang="en-US" dirty="0"/>
           </a:p>
@@ -20915,7 +21548,7 @@
     </p:spTree>
     <p:extLst>
       <p:ext uri="{BB962C8B-B14F-4D97-AF65-F5344CB8AC3E}">
-        <p14:creationId xmlns:p14="http://schemas.microsoft.com/office/powerpoint/2010/main" val="1657944189"/>
+        <p14:creationId xmlns:p14="http://schemas.microsoft.com/office/powerpoint/2010/main" val="2107403634"/>
       </p:ext>
     </p:extLst>
   </p:cSld>
@@ -20959,7 +21592,7 @@
       </p:grpSpPr>
       <p:sp>
         <p:nvSpPr>
-          <p:cNvPr id="25604" name="Title 1"/>
+          <p:cNvPr id="4" name="Title 3"/>
           <p:cNvSpPr>
             <a:spLocks noGrp="1"/>
           </p:cNvSpPr>
@@ -20974,65 +21607,67 @@
           <a:p>
             <a:r>
               <a:rPr lang="en-US" dirty="0" smtClean="0"/>
-              <a:t>Global Properties</a:t>
-            </a:r>
-            <a:endParaRPr lang="en-US" dirty="0"/>
-          </a:p>
-        </p:txBody>
-      </p:sp>
-      <p:sp>
-        <p:nvSpPr>
-          <p:cNvPr id="25605" name="Content Placeholder 2"/>
-          <p:cNvSpPr>
-            <a:spLocks noGrp="1"/>
-          </p:cNvSpPr>
-          <p:nvPr>
-            <p:ph type="body" idx="1"/>
-          </p:nvPr>
-        </p:nvSpPr>
-        <p:spPr/>
-        <p:txBody>
-          <a:bodyPr/>
-          <a:lstStyle/>
-          <a:p>
-            <a:r>
-              <a:rPr lang="en-US" dirty="0" smtClean="0"/>
-              <a:t>Some system properties are inherently global</a:t>
+              <a:t>Installation Testing</a:t>
+            </a:r>
+            <a:endParaRPr lang="en-US" dirty="0"/>
+          </a:p>
+        </p:txBody>
+      </p:sp>
+      <p:sp>
+        <p:nvSpPr>
+          <p:cNvPr id="5" name="Content Placeholder 4"/>
+          <p:cNvSpPr>
+            <a:spLocks noGrp="1"/>
+          </p:cNvSpPr>
+          <p:nvPr>
+            <p:ph idx="1"/>
+          </p:nvPr>
+        </p:nvSpPr>
+        <p:spPr/>
+        <p:txBody>
+          <a:bodyPr/>
+          <a:lstStyle/>
+          <a:p>
+            <a:r>
+              <a:rPr lang="en-US" dirty="0" smtClean="0"/>
+              <a:t>Before the testing</a:t>
             </a:r>
           </a:p>
           <a:p>
             <a:pPr lvl="1"/>
             <a:r>
               <a:rPr lang="en-US" dirty="0" smtClean="0"/>
-              <a:t>Performance, latency, reliability, ... </a:t>
+              <a:t>Configure the system</a:t>
             </a:r>
           </a:p>
           <a:p>
             <a:pPr lvl="1"/>
             <a:r>
               <a:rPr lang="en-US" dirty="0" smtClean="0"/>
-              <a:t>Early and incremental testing is still necessary, but provide only estimates</a:t>
-            </a:r>
-          </a:p>
-          <a:p>
-            <a:r>
-              <a:rPr lang="en-US" dirty="0" smtClean="0"/>
-              <a:t>A major focus of system testing</a:t>
+              <a:t>Attach proper number and kind of devices</a:t>
             </a:r>
           </a:p>
           <a:p>
             <a:pPr lvl="1"/>
             <a:r>
               <a:rPr lang="en-US" dirty="0" smtClean="0"/>
-              <a:t>The only opportunity to verify global properties against actual system specifications</a:t>
+              <a:t>Establish communication with other system</a:t>
+            </a:r>
+          </a:p>
+          <a:p>
+            <a:r>
+              <a:rPr lang="en-US" dirty="0" smtClean="0"/>
+              <a:t>The testing</a:t>
             </a:r>
           </a:p>
           <a:p>
             <a:pPr lvl="1"/>
             <a:r>
               <a:rPr lang="en-US" dirty="0" smtClean="0"/>
-              <a:t>Especially to find unanticipated effects, e.g., an unexpected performance bottleneck</a:t>
-            </a:r>
+              <a:t>Regression tests: to verify that the system has been installed properly and works</a:t>
+            </a:r>
+          </a:p>
+          <a:p>
             <a:endParaRPr lang="en-US" dirty="0"/>
           </a:p>
         </p:txBody>
@@ -21055,2087 +21690,6 @@
             <a:fld id="{B543A0FD-1CA6-4228-86A2-78061B4844C8}" type="slidenum">
               <a:rPr lang="en-US" smtClean="0"/>
               <a:t>64</a:t>
-            </a:fld>
-            <a:endParaRPr lang="en-US"/>
-          </a:p>
-        </p:txBody>
-      </p:sp>
-    </p:spTree>
-    <p:extLst>
-      <p:ext uri="{BB962C8B-B14F-4D97-AF65-F5344CB8AC3E}">
-        <p14:creationId xmlns:p14="http://schemas.microsoft.com/office/powerpoint/2010/main" val="997684010"/>
-      </p:ext>
-    </p:extLst>
-  </p:cSld>
-  <p:clrMapOvr>
-    <a:masterClrMapping/>
-  </p:clrMapOvr>
-  <mc:AlternateContent xmlns:mc="http://schemas.openxmlformats.org/markup-compatibility/2006" xmlns:p14="http://schemas.microsoft.com/office/powerpoint/2010/main">
-    <mc:Choice Requires="p14">
-      <p:transition spd="slow" p14:dur="2000"/>
-    </mc:Choice>
-    <mc:Fallback xmlns="">
-      <p:transition spd="slow"/>
-    </mc:Fallback>
-  </mc:AlternateContent>
-  <p:timing>
-    <p:tnLst>
-      <p:par>
-        <p:cTn id="1" dur="indefinite" restart="never" nodeType="tmRoot"/>
-      </p:par>
-    </p:tnLst>
-  </p:timing>
-</p:sld>
-</file>
-
-<file path=ppt/slides/slide65.xml><?xml version="1.0" encoding="utf-8"?>
-<p:sld xmlns:a="http://schemas.openxmlformats.org/drawingml/2006/main" xmlns:r="http://schemas.openxmlformats.org/officeDocument/2006/relationships" xmlns:p="http://schemas.openxmlformats.org/presentationml/2006/main">
-  <p:cSld>
-    <p:spTree>
-      <p:nvGrpSpPr>
-        <p:cNvPr id="1" name=""/>
-        <p:cNvGrpSpPr/>
-        <p:nvPr/>
-      </p:nvGrpSpPr>
-      <p:grpSpPr>
-        <a:xfrm>
-          <a:off x="0" y="0"/>
-          <a:ext cx="0" cy="0"/>
-          <a:chOff x="0" y="0"/>
-          <a:chExt cx="0" cy="0"/>
-        </a:xfrm>
-      </p:grpSpPr>
-      <p:sp>
-        <p:nvSpPr>
-          <p:cNvPr id="26628" name="Title 1"/>
-          <p:cNvSpPr>
-            <a:spLocks noGrp="1"/>
-          </p:cNvSpPr>
-          <p:nvPr>
-            <p:ph type="title"/>
-          </p:nvPr>
-        </p:nvSpPr>
-        <p:spPr/>
-        <p:txBody>
-          <a:bodyPr/>
-          <a:lstStyle/>
-          <a:p>
-            <a:r>
-              <a:rPr lang="en-US" dirty="0" smtClean="0"/>
-              <a:t>Context-Dependent Properties</a:t>
-            </a:r>
-            <a:endParaRPr lang="en-US" dirty="0"/>
-          </a:p>
-        </p:txBody>
-      </p:sp>
-      <p:sp>
-        <p:nvSpPr>
-          <p:cNvPr id="26629" name="Content Placeholder 2"/>
-          <p:cNvSpPr>
-            <a:spLocks noGrp="1"/>
-          </p:cNvSpPr>
-          <p:nvPr>
-            <p:ph type="body" idx="1"/>
-          </p:nvPr>
-        </p:nvSpPr>
-        <p:spPr/>
-        <p:txBody>
-          <a:bodyPr/>
-          <a:lstStyle/>
-          <a:p>
-            <a:r>
-              <a:rPr lang="en-US" dirty="0" smtClean="0"/>
-              <a:t>Beyond system-global: Some properties depend on the system context and use</a:t>
-            </a:r>
-          </a:p>
-          <a:p>
-            <a:pPr lvl="1"/>
-            <a:r>
-              <a:rPr lang="en-US" dirty="0" smtClean="0"/>
-              <a:t>Example: Performance properties depend on environment and configuration </a:t>
-            </a:r>
-          </a:p>
-          <a:p>
-            <a:pPr lvl="1"/>
-            <a:r>
-              <a:rPr lang="en-US" dirty="0" smtClean="0"/>
-              <a:t>Example: Privacy depends both on system and how it is used</a:t>
-            </a:r>
-          </a:p>
-          <a:p>
-            <a:pPr lvl="2"/>
-            <a:r>
-              <a:rPr lang="en-US" dirty="0" smtClean="0"/>
-              <a:t>Medical records system must protect against unauthorized use, and authorization must be provided only as needed</a:t>
-            </a:r>
-          </a:p>
-          <a:p>
-            <a:pPr lvl="1"/>
-            <a:r>
-              <a:rPr lang="en-US" dirty="0" smtClean="0"/>
-              <a:t>Example: Security depends on threat profiles</a:t>
-            </a:r>
-          </a:p>
-          <a:p>
-            <a:pPr lvl="2"/>
-            <a:r>
-              <a:rPr lang="en-US" dirty="0" smtClean="0"/>
-              <a:t>And threats change! </a:t>
-            </a:r>
-          </a:p>
-          <a:p>
-            <a:r>
-              <a:rPr lang="en-US" dirty="0" smtClean="0"/>
-              <a:t>Testing is just one part of the approach </a:t>
-            </a:r>
-            <a:endParaRPr lang="en-US" dirty="0"/>
-          </a:p>
-        </p:txBody>
-      </p:sp>
-      <p:sp>
-        <p:nvSpPr>
-          <p:cNvPr id="2" name="Slide Number Placeholder 1"/>
-          <p:cNvSpPr>
-            <a:spLocks noGrp="1"/>
-          </p:cNvSpPr>
-          <p:nvPr>
-            <p:ph type="sldNum" sz="quarter" idx="12"/>
-          </p:nvPr>
-        </p:nvSpPr>
-        <p:spPr/>
-        <p:txBody>
-          <a:bodyPr/>
-          <a:lstStyle/>
-          <a:p>
-            <a:fld id="{B543A0FD-1CA6-4228-86A2-78061B4844C8}" type="slidenum">
-              <a:rPr lang="en-US" smtClean="0"/>
-              <a:t>65</a:t>
-            </a:fld>
-            <a:endParaRPr lang="en-US"/>
-          </a:p>
-        </p:txBody>
-      </p:sp>
-    </p:spTree>
-    <p:extLst>
-      <p:ext uri="{BB962C8B-B14F-4D97-AF65-F5344CB8AC3E}">
-        <p14:creationId xmlns:p14="http://schemas.microsoft.com/office/powerpoint/2010/main" val="541612105"/>
-      </p:ext>
-    </p:extLst>
-  </p:cSld>
-  <p:clrMapOvr>
-    <a:masterClrMapping/>
-  </p:clrMapOvr>
-  <mc:AlternateContent xmlns:mc="http://schemas.openxmlformats.org/markup-compatibility/2006" xmlns:p14="http://schemas.microsoft.com/office/powerpoint/2010/main">
-    <mc:Choice Requires="p14">
-      <p:transition spd="slow" p14:dur="2000"/>
-    </mc:Choice>
-    <mc:Fallback xmlns="">
-      <p:transition spd="slow"/>
-    </mc:Fallback>
-  </mc:AlternateContent>
-  <p:timing>
-    <p:tnLst>
-      <p:par>
-        <p:cTn id="1" dur="indefinite" restart="never" nodeType="tmRoot"/>
-      </p:par>
-    </p:tnLst>
-  </p:timing>
-</p:sld>
-</file>
-
-<file path=ppt/slides/slide66.xml><?xml version="1.0" encoding="utf-8"?>
-<p:sld xmlns:a="http://schemas.openxmlformats.org/drawingml/2006/main" xmlns:r="http://schemas.openxmlformats.org/officeDocument/2006/relationships" xmlns:p="http://schemas.openxmlformats.org/presentationml/2006/main">
-  <p:cSld>
-    <p:spTree>
-      <p:nvGrpSpPr>
-        <p:cNvPr id="1" name=""/>
-        <p:cNvGrpSpPr/>
-        <p:nvPr/>
-      </p:nvGrpSpPr>
-      <p:grpSpPr>
-        <a:xfrm>
-          <a:off x="0" y="0"/>
-          <a:ext cx="0" cy="0"/>
-          <a:chOff x="0" y="0"/>
-          <a:chExt cx="0" cy="0"/>
-        </a:xfrm>
-      </p:grpSpPr>
-      <p:sp>
-        <p:nvSpPr>
-          <p:cNvPr id="27652" name="Title 1"/>
-          <p:cNvSpPr>
-            <a:spLocks noGrp="1"/>
-          </p:cNvSpPr>
-          <p:nvPr>
-            <p:ph type="title"/>
-          </p:nvPr>
-        </p:nvSpPr>
-        <p:spPr/>
-        <p:txBody>
-          <a:bodyPr anchor="ctr"/>
-          <a:lstStyle/>
-          <a:p>
-            <a:pPr eaLnBrk="1" hangingPunct="1"/>
-            <a:r>
-              <a:rPr lang="en-US" sz="4000" dirty="0"/>
-              <a:t>Establishing an Operational Envelope</a:t>
-            </a:r>
-          </a:p>
-        </p:txBody>
-      </p:sp>
-      <p:sp>
-        <p:nvSpPr>
-          <p:cNvPr id="27653" name="Content Placeholder 2"/>
-          <p:cNvSpPr>
-            <a:spLocks noGrp="1"/>
-          </p:cNvSpPr>
-          <p:nvPr>
-            <p:ph idx="1"/>
-          </p:nvPr>
-        </p:nvSpPr>
-        <p:spPr/>
-        <p:txBody>
-          <a:bodyPr/>
-          <a:lstStyle/>
-          <a:p>
-            <a:pPr marL="342900" indent="-342900"/>
-            <a:r>
-              <a:rPr lang="en-US" dirty="0"/>
-              <a:t>When a property (e.g., performance or real-time response) is parameterized by use ... </a:t>
-            </a:r>
-          </a:p>
-          <a:p>
-            <a:pPr marL="742950" lvl="1" indent="-285750"/>
-            <a:r>
-              <a:rPr lang="en-US" dirty="0"/>
-              <a:t>requests per second, size of database, ... </a:t>
-            </a:r>
-          </a:p>
-          <a:p>
-            <a:pPr marL="342900" indent="-342900"/>
-            <a:r>
-              <a:rPr lang="en-US" dirty="0"/>
-              <a:t>Extensive stress testing is required</a:t>
-            </a:r>
-          </a:p>
-          <a:p>
-            <a:pPr marL="742950" lvl="1" indent="-285750"/>
-            <a:r>
-              <a:rPr lang="en-US" dirty="0"/>
-              <a:t>varying parameters within the envelope, near the bounds, and beyond</a:t>
-            </a:r>
-          </a:p>
-          <a:p>
-            <a:pPr marL="342900" indent="-342900"/>
-            <a:r>
-              <a:rPr lang="en-US" dirty="0"/>
-              <a:t>Goal: A well-understood model of how the property varies with the parameter</a:t>
-            </a:r>
-          </a:p>
-          <a:p>
-            <a:pPr marL="742950" lvl="1" indent="-285750"/>
-            <a:r>
-              <a:rPr lang="en-US" dirty="0"/>
-              <a:t>How sensitive is the property to the parameter?</a:t>
-            </a:r>
-          </a:p>
-          <a:p>
-            <a:pPr marL="742950" lvl="1" indent="-285750"/>
-            <a:r>
-              <a:rPr lang="en-US" dirty="0"/>
-              <a:t>Where is the </a:t>
-            </a:r>
-            <a:r>
-              <a:rPr lang="ja-JP" altLang="en-US" dirty="0"/>
-              <a:t>“</a:t>
-            </a:r>
-            <a:r>
-              <a:rPr lang="en-US" altLang="ja-JP" dirty="0"/>
-              <a:t>edge of the envelope</a:t>
-            </a:r>
-            <a:r>
-              <a:rPr lang="ja-JP" altLang="en-US" dirty="0"/>
-              <a:t>”</a:t>
-            </a:r>
-            <a:r>
-              <a:rPr lang="en-US" altLang="ja-JP" dirty="0"/>
-              <a:t>? </a:t>
-            </a:r>
-          </a:p>
-          <a:p>
-            <a:pPr marL="742950" lvl="1" indent="-285750"/>
-            <a:r>
-              <a:rPr lang="en-US" dirty="0"/>
-              <a:t>What can we expect when the envelope is exceeded?</a:t>
-            </a:r>
-          </a:p>
-        </p:txBody>
-      </p:sp>
-      <p:sp>
-        <p:nvSpPr>
-          <p:cNvPr id="2" name="Slide Number Placeholder 1"/>
-          <p:cNvSpPr>
-            <a:spLocks noGrp="1"/>
-          </p:cNvSpPr>
-          <p:nvPr>
-            <p:ph type="sldNum" sz="quarter" idx="12"/>
-          </p:nvPr>
-        </p:nvSpPr>
-        <p:spPr/>
-        <p:txBody>
-          <a:bodyPr/>
-          <a:lstStyle/>
-          <a:p>
-            <a:fld id="{B543A0FD-1CA6-4228-86A2-78061B4844C8}" type="slidenum">
-              <a:rPr lang="en-US" smtClean="0"/>
-              <a:t>66</a:t>
-            </a:fld>
-            <a:endParaRPr lang="en-US"/>
-          </a:p>
-        </p:txBody>
-      </p:sp>
-    </p:spTree>
-    <p:extLst>
-      <p:ext uri="{BB962C8B-B14F-4D97-AF65-F5344CB8AC3E}">
-        <p14:creationId xmlns:p14="http://schemas.microsoft.com/office/powerpoint/2010/main" val="3083699472"/>
-      </p:ext>
-    </p:extLst>
-  </p:cSld>
-  <p:clrMapOvr>
-    <a:masterClrMapping/>
-  </p:clrMapOvr>
-  <mc:AlternateContent xmlns:mc="http://schemas.openxmlformats.org/markup-compatibility/2006" xmlns:p14="http://schemas.microsoft.com/office/powerpoint/2010/main">
-    <mc:Choice Requires="p14">
-      <p:transition spd="slow" p14:dur="2000"/>
-    </mc:Choice>
-    <mc:Fallback xmlns="">
-      <p:transition spd="slow"/>
-    </mc:Fallback>
-  </mc:AlternateContent>
-  <p:timing>
-    <p:tnLst>
-      <p:par>
-        <p:cTn id="1" dur="indefinite" restart="never" nodeType="tmRoot"/>
-      </p:par>
-    </p:tnLst>
-  </p:timing>
-</p:sld>
-</file>
-
-<file path=ppt/slides/slide67.xml><?xml version="1.0" encoding="utf-8"?>
-<p:sld xmlns:a="http://schemas.openxmlformats.org/drawingml/2006/main" xmlns:r="http://schemas.openxmlformats.org/officeDocument/2006/relationships" xmlns:p="http://schemas.openxmlformats.org/presentationml/2006/main">
-  <p:cSld>
-    <p:spTree>
-      <p:nvGrpSpPr>
-        <p:cNvPr id="1" name=""/>
-        <p:cNvGrpSpPr/>
-        <p:nvPr/>
-      </p:nvGrpSpPr>
-      <p:grpSpPr>
-        <a:xfrm>
-          <a:off x="0" y="0"/>
-          <a:ext cx="0" cy="0"/>
-          <a:chOff x="0" y="0"/>
-          <a:chExt cx="0" cy="0"/>
-        </a:xfrm>
-      </p:grpSpPr>
-      <p:sp>
-        <p:nvSpPr>
-          <p:cNvPr id="28676" name="Title 1"/>
-          <p:cNvSpPr>
-            <a:spLocks noGrp="1"/>
-          </p:cNvSpPr>
-          <p:nvPr>
-            <p:ph type="title"/>
-          </p:nvPr>
-        </p:nvSpPr>
-        <p:spPr/>
-        <p:txBody>
-          <a:bodyPr/>
-          <a:lstStyle/>
-          <a:p>
-            <a:r>
-              <a:rPr lang="en-US" dirty="0" smtClean="0"/>
-              <a:t>Stress Testing</a:t>
-            </a:r>
-            <a:endParaRPr lang="en-US" dirty="0"/>
-          </a:p>
-        </p:txBody>
-      </p:sp>
-      <p:sp>
-        <p:nvSpPr>
-          <p:cNvPr id="28677" name="Content Placeholder 2"/>
-          <p:cNvSpPr>
-            <a:spLocks noGrp="1"/>
-          </p:cNvSpPr>
-          <p:nvPr>
-            <p:ph type="body" idx="1"/>
-          </p:nvPr>
-        </p:nvSpPr>
-        <p:spPr/>
-        <p:txBody>
-          <a:bodyPr/>
-          <a:lstStyle/>
-          <a:p>
-            <a:r>
-              <a:rPr lang="en-US" dirty="0" smtClean="0"/>
-              <a:t>Often requires extensive simulation of the execution environment</a:t>
-            </a:r>
-          </a:p>
-          <a:p>
-            <a:pPr lvl="1"/>
-            <a:r>
-              <a:rPr lang="en-US" dirty="0" smtClean="0"/>
-              <a:t>With systematic variation:  What happens when we push the parameters?  What if the number of users or requests is 10 times more, or 1000 times more?</a:t>
-            </a:r>
-          </a:p>
-          <a:p>
-            <a:r>
-              <a:rPr lang="en-US" dirty="0" smtClean="0"/>
-              <a:t>Often requires more resources (human and machine) than typical test cases</a:t>
-            </a:r>
-          </a:p>
-          <a:p>
-            <a:pPr lvl="1"/>
-            <a:r>
-              <a:rPr lang="en-US" dirty="0" smtClean="0"/>
-              <a:t>Separate from regular feature tests</a:t>
-            </a:r>
-          </a:p>
-          <a:p>
-            <a:pPr lvl="1"/>
-            <a:r>
-              <a:rPr lang="en-US" dirty="0" smtClean="0"/>
-              <a:t>Run less often, with more manual control</a:t>
-            </a:r>
-          </a:p>
-          <a:p>
-            <a:pPr lvl="1"/>
-            <a:r>
-              <a:rPr lang="en-US" dirty="0" smtClean="0"/>
-              <a:t>Diagnose deviations from expectation</a:t>
-            </a:r>
-          </a:p>
-          <a:p>
-            <a:pPr lvl="2"/>
-            <a:r>
-              <a:rPr lang="en-US" dirty="0" smtClean="0"/>
-              <a:t>Which may include difficult debugging of latent faults! </a:t>
-            </a:r>
-            <a:endParaRPr lang="en-US" dirty="0"/>
-          </a:p>
-        </p:txBody>
-      </p:sp>
-      <p:sp>
-        <p:nvSpPr>
-          <p:cNvPr id="2" name="Slide Number Placeholder 1"/>
-          <p:cNvSpPr>
-            <a:spLocks noGrp="1"/>
-          </p:cNvSpPr>
-          <p:nvPr>
-            <p:ph type="sldNum" sz="quarter" idx="12"/>
-          </p:nvPr>
-        </p:nvSpPr>
-        <p:spPr/>
-        <p:txBody>
-          <a:bodyPr/>
-          <a:lstStyle/>
-          <a:p>
-            <a:fld id="{B543A0FD-1CA6-4228-86A2-78061B4844C8}" type="slidenum">
-              <a:rPr lang="en-US" smtClean="0"/>
-              <a:t>67</a:t>
-            </a:fld>
-            <a:endParaRPr lang="en-US"/>
-          </a:p>
-        </p:txBody>
-      </p:sp>
-    </p:spTree>
-    <p:extLst>
-      <p:ext uri="{BB962C8B-B14F-4D97-AF65-F5344CB8AC3E}">
-        <p14:creationId xmlns:p14="http://schemas.microsoft.com/office/powerpoint/2010/main" val="1119821780"/>
-      </p:ext>
-    </p:extLst>
-  </p:cSld>
-  <p:clrMapOvr>
-    <a:masterClrMapping/>
-  </p:clrMapOvr>
-  <mc:AlternateContent xmlns:mc="http://schemas.openxmlformats.org/markup-compatibility/2006" xmlns:p14="http://schemas.microsoft.com/office/powerpoint/2010/main">
-    <mc:Choice Requires="p14">
-      <p:transition spd="slow" p14:dur="2000"/>
-    </mc:Choice>
-    <mc:Fallback xmlns="">
-      <p:transition spd="slow"/>
-    </mc:Fallback>
-  </mc:AlternateContent>
-  <p:timing>
-    <p:tnLst>
-      <p:par>
-        <p:cTn id="1" dur="indefinite" restart="never" nodeType="tmRoot"/>
-      </p:par>
-    </p:tnLst>
-  </p:timing>
-</p:sld>
-</file>
-
-<file path=ppt/slides/slide68.xml><?xml version="1.0" encoding="utf-8"?>
-<p:sld xmlns:a="http://schemas.openxmlformats.org/drawingml/2006/main" xmlns:r="http://schemas.openxmlformats.org/officeDocument/2006/relationships" xmlns:p="http://schemas.openxmlformats.org/presentationml/2006/main">
-  <p:cSld>
-    <p:spTree>
-      <p:nvGrpSpPr>
-        <p:cNvPr id="1" name=""/>
-        <p:cNvGrpSpPr/>
-        <p:nvPr/>
-      </p:nvGrpSpPr>
-      <p:grpSpPr>
-        <a:xfrm>
-          <a:off x="0" y="0"/>
-          <a:ext cx="0" cy="0"/>
-          <a:chOff x="0" y="0"/>
-          <a:chExt cx="0" cy="0"/>
-        </a:xfrm>
-      </p:grpSpPr>
-      <p:sp>
-        <p:nvSpPr>
-          <p:cNvPr id="29700" name="Title 5"/>
-          <p:cNvSpPr>
-            <a:spLocks noGrp="1"/>
-          </p:cNvSpPr>
-          <p:nvPr>
-            <p:ph type="title"/>
-          </p:nvPr>
-        </p:nvSpPr>
-        <p:spPr/>
-        <p:txBody>
-          <a:bodyPr/>
-          <a:lstStyle/>
-          <a:p>
-            <a:r>
-              <a:rPr lang="en-US" dirty="0" smtClean="0"/>
-              <a:t>Acceptance Testing</a:t>
-            </a:r>
-            <a:endParaRPr lang="en-US" dirty="0"/>
-          </a:p>
-        </p:txBody>
-      </p:sp>
-      <p:sp>
-        <p:nvSpPr>
-          <p:cNvPr id="29701" name="Content Placeholder 6"/>
-          <p:cNvSpPr>
-            <a:spLocks noGrp="1"/>
-          </p:cNvSpPr>
-          <p:nvPr>
-            <p:ph type="body" idx="1"/>
-          </p:nvPr>
-        </p:nvSpPr>
-        <p:spPr/>
-        <p:txBody>
-          <a:bodyPr>
-            <a:normAutofit/>
-          </a:bodyPr>
-          <a:lstStyle/>
-          <a:p>
-            <a:r>
-              <a:rPr lang="en-US" dirty="0" smtClean="0"/>
-              <a:t>Estimating dependability</a:t>
-            </a:r>
-          </a:p>
-          <a:p>
-            <a:r>
-              <a:rPr lang="en-US" dirty="0" smtClean="0"/>
-              <a:t>Measuring quality, not searching for faults</a:t>
-            </a:r>
-          </a:p>
-          <a:p>
-            <a:pPr lvl="1"/>
-            <a:r>
-              <a:rPr lang="en-US" dirty="0" smtClean="0"/>
-              <a:t>Fundamentally different goal than systematic testing</a:t>
-            </a:r>
-          </a:p>
-          <a:p>
-            <a:r>
-              <a:rPr lang="en-US" dirty="0" smtClean="0"/>
-              <a:t>Quantitative dependability goals are statistical</a:t>
-            </a:r>
-          </a:p>
-          <a:p>
-            <a:pPr lvl="1"/>
-            <a:r>
-              <a:rPr lang="en-US" dirty="0" smtClean="0"/>
-              <a:t>Reliability</a:t>
-            </a:r>
-          </a:p>
-          <a:p>
-            <a:pPr lvl="1"/>
-            <a:r>
-              <a:rPr lang="en-US" dirty="0" smtClean="0"/>
-              <a:t>Availability</a:t>
-            </a:r>
-          </a:p>
-          <a:p>
-            <a:pPr lvl="1"/>
-            <a:r>
-              <a:rPr lang="en-US" dirty="0" smtClean="0"/>
-              <a:t>Mean time to failure</a:t>
-            </a:r>
-          </a:p>
-          <a:p>
-            <a:pPr lvl="1"/>
-            <a:r>
-              <a:rPr lang="en-US" dirty="0" smtClean="0"/>
-              <a:t>...</a:t>
-            </a:r>
-          </a:p>
-          <a:p>
-            <a:r>
-              <a:rPr lang="en-US" dirty="0" smtClean="0"/>
-              <a:t>Requires valid statistical samples from operational profile</a:t>
-            </a:r>
-          </a:p>
-          <a:p>
-            <a:pPr lvl="1"/>
-            <a:r>
-              <a:rPr lang="en-US" dirty="0" smtClean="0"/>
-              <a:t>Fundamentally different from systematic testing</a:t>
-            </a:r>
-            <a:endParaRPr lang="en-US" dirty="0"/>
-          </a:p>
-        </p:txBody>
-      </p:sp>
-      <p:sp>
-        <p:nvSpPr>
-          <p:cNvPr id="2" name="Slide Number Placeholder 1"/>
-          <p:cNvSpPr>
-            <a:spLocks noGrp="1"/>
-          </p:cNvSpPr>
-          <p:nvPr>
-            <p:ph type="sldNum" sz="quarter" idx="12"/>
-          </p:nvPr>
-        </p:nvSpPr>
-        <p:spPr/>
-        <p:txBody>
-          <a:bodyPr/>
-          <a:lstStyle/>
-          <a:p>
-            <a:fld id="{B543A0FD-1CA6-4228-86A2-78061B4844C8}" type="slidenum">
-              <a:rPr lang="en-US" smtClean="0"/>
-              <a:t>68</a:t>
-            </a:fld>
-            <a:endParaRPr lang="en-US"/>
-          </a:p>
-        </p:txBody>
-      </p:sp>
-    </p:spTree>
-    <p:extLst>
-      <p:ext uri="{BB962C8B-B14F-4D97-AF65-F5344CB8AC3E}">
-        <p14:creationId xmlns:p14="http://schemas.microsoft.com/office/powerpoint/2010/main" val="209779941"/>
-      </p:ext>
-    </p:extLst>
-  </p:cSld>
-  <p:clrMapOvr>
-    <a:masterClrMapping/>
-  </p:clrMapOvr>
-  <mc:AlternateContent xmlns:mc="http://schemas.openxmlformats.org/markup-compatibility/2006" xmlns:p14="http://schemas.microsoft.com/office/powerpoint/2010/main">
-    <mc:Choice Requires="p14">
-      <p:transition spd="slow" p14:dur="2000"/>
-    </mc:Choice>
-    <mc:Fallback xmlns="">
-      <p:transition spd="slow"/>
-    </mc:Fallback>
-  </mc:AlternateContent>
-  <p:timing>
-    <p:tnLst>
-      <p:par>
-        <p:cTn id="1" dur="indefinite" restart="never" nodeType="tmRoot"/>
-      </p:par>
-    </p:tnLst>
-  </p:timing>
-</p:sld>
-</file>
-
-<file path=ppt/slides/slide69.xml><?xml version="1.0" encoding="utf-8"?>
-<p:sld xmlns:a="http://schemas.openxmlformats.org/drawingml/2006/main" xmlns:r="http://schemas.openxmlformats.org/officeDocument/2006/relationships" xmlns:p="http://schemas.openxmlformats.org/presentationml/2006/main">
-  <p:cSld>
-    <p:spTree>
-      <p:nvGrpSpPr>
-        <p:cNvPr id="1" name=""/>
-        <p:cNvGrpSpPr/>
-        <p:nvPr/>
-      </p:nvGrpSpPr>
-      <p:grpSpPr>
-        <a:xfrm>
-          <a:off x="0" y="0"/>
-          <a:ext cx="0" cy="0"/>
-          <a:chOff x="0" y="0"/>
-          <a:chExt cx="0" cy="0"/>
-        </a:xfrm>
-      </p:grpSpPr>
-      <p:sp>
-        <p:nvSpPr>
-          <p:cNvPr id="31748" name="Title 1"/>
-          <p:cNvSpPr>
-            <a:spLocks noGrp="1"/>
-          </p:cNvSpPr>
-          <p:nvPr>
-            <p:ph type="title"/>
-          </p:nvPr>
-        </p:nvSpPr>
-        <p:spPr/>
-        <p:txBody>
-          <a:bodyPr/>
-          <a:lstStyle/>
-          <a:p>
-            <a:r>
-              <a:rPr lang="en-US" dirty="0" smtClean="0"/>
-              <a:t>Statistical Sampling</a:t>
-            </a:r>
-            <a:endParaRPr lang="en-US" dirty="0"/>
-          </a:p>
-        </p:txBody>
-      </p:sp>
-      <p:sp>
-        <p:nvSpPr>
-          <p:cNvPr id="31749" name="Content Placeholder 2"/>
-          <p:cNvSpPr>
-            <a:spLocks noGrp="1"/>
-          </p:cNvSpPr>
-          <p:nvPr>
-            <p:ph idx="1"/>
-          </p:nvPr>
-        </p:nvSpPr>
-        <p:spPr>
-          <a:xfrm>
-            <a:off x="838200" y="1825625"/>
-            <a:ext cx="10610088" cy="4351338"/>
-          </a:xfrm>
-        </p:spPr>
-        <p:txBody>
-          <a:bodyPr/>
-          <a:lstStyle/>
-          <a:p>
-            <a:r>
-              <a:rPr lang="en-US" dirty="0" smtClean="0"/>
-              <a:t>We need a valid operational profile (model)</a:t>
-            </a:r>
-          </a:p>
-          <a:p>
-            <a:pPr lvl="1"/>
-            <a:r>
-              <a:rPr lang="en-US" dirty="0" smtClean="0"/>
-              <a:t>Sometimes from an older version of the system</a:t>
-            </a:r>
-          </a:p>
-          <a:p>
-            <a:pPr lvl="1"/>
-            <a:r>
-              <a:rPr lang="en-US" dirty="0" smtClean="0"/>
-              <a:t>Sometimes from operational environment (e.g., for an embedded controller)</a:t>
-            </a:r>
-          </a:p>
-          <a:p>
-            <a:pPr lvl="1"/>
-            <a:r>
-              <a:rPr lang="en-US" dirty="0" smtClean="0"/>
-              <a:t>Sensitivity testing reveals which parameters are most important, and which can be rough guesses</a:t>
-            </a:r>
-          </a:p>
-          <a:p>
-            <a:r>
-              <a:rPr lang="en-US" dirty="0" smtClean="0"/>
-              <a:t>And a clear, precise definition of what is being measured</a:t>
-            </a:r>
-          </a:p>
-          <a:p>
-            <a:pPr lvl="1"/>
-            <a:r>
-              <a:rPr lang="en-US" dirty="0" smtClean="0"/>
-              <a:t>Failure rate?  Per session, per hour, per operation?</a:t>
-            </a:r>
-          </a:p>
-          <a:p>
-            <a:r>
-              <a:rPr lang="en-US" dirty="0" smtClean="0"/>
-              <a:t>And many, many random samples</a:t>
-            </a:r>
-          </a:p>
-          <a:p>
-            <a:pPr lvl="1"/>
-            <a:r>
-              <a:rPr lang="en-US" dirty="0" smtClean="0"/>
-              <a:t>Especially for high reliability measures</a:t>
-            </a:r>
-            <a:endParaRPr lang="en-US" dirty="0"/>
-          </a:p>
-        </p:txBody>
-      </p:sp>
-      <p:sp>
-        <p:nvSpPr>
-          <p:cNvPr id="2" name="Slide Number Placeholder 1"/>
-          <p:cNvSpPr>
-            <a:spLocks noGrp="1"/>
-          </p:cNvSpPr>
-          <p:nvPr>
-            <p:ph type="sldNum" sz="quarter" idx="12"/>
-          </p:nvPr>
-        </p:nvSpPr>
-        <p:spPr/>
-        <p:txBody>
-          <a:bodyPr/>
-          <a:lstStyle/>
-          <a:p>
-            <a:fld id="{B543A0FD-1CA6-4228-86A2-78061B4844C8}" type="slidenum">
-              <a:rPr lang="en-US" smtClean="0"/>
-              <a:t>69</a:t>
-            </a:fld>
-            <a:endParaRPr lang="en-US"/>
-          </a:p>
-        </p:txBody>
-      </p:sp>
-    </p:spTree>
-    <p:extLst>
-      <p:ext uri="{BB962C8B-B14F-4D97-AF65-F5344CB8AC3E}">
-        <p14:creationId xmlns:p14="http://schemas.microsoft.com/office/powerpoint/2010/main" val="3380872978"/>
-      </p:ext>
-    </p:extLst>
-  </p:cSld>
-  <p:clrMapOvr>
-    <a:masterClrMapping/>
-  </p:clrMapOvr>
-  <mc:AlternateContent xmlns:mc="http://schemas.openxmlformats.org/markup-compatibility/2006" xmlns:p14="http://schemas.microsoft.com/office/powerpoint/2010/main">
-    <mc:Choice Requires="p14">
-      <p:transition spd="slow" p14:dur="2000"/>
-    </mc:Choice>
-    <mc:Fallback xmlns="">
-      <p:transition spd="slow"/>
-    </mc:Fallback>
-  </mc:AlternateContent>
-  <p:timing>
-    <p:tnLst>
-      <p:par>
-        <p:cTn id="1" dur="indefinite" restart="never" nodeType="tmRoot"/>
-      </p:par>
-    </p:tnLst>
-  </p:timing>
-</p:sld>
-</file>
-
-<file path=ppt/slides/slide7.xml><?xml version="1.0" encoding="utf-8"?>
-<p:sld xmlns:a="http://schemas.openxmlformats.org/drawingml/2006/main" xmlns:r="http://schemas.openxmlformats.org/officeDocument/2006/relationships" xmlns:p="http://schemas.openxmlformats.org/presentationml/2006/main">
-  <p:cSld>
-    <p:spTree>
-      <p:nvGrpSpPr>
-        <p:cNvPr id="1" name=""/>
-        <p:cNvGrpSpPr/>
-        <p:nvPr/>
-      </p:nvGrpSpPr>
-      <p:grpSpPr>
-        <a:xfrm>
-          <a:off x="0" y="0"/>
-          <a:ext cx="0" cy="0"/>
-          <a:chOff x="0" y="0"/>
-          <a:chExt cx="0" cy="0"/>
-        </a:xfrm>
-      </p:grpSpPr>
-      <p:sp>
-        <p:nvSpPr>
-          <p:cNvPr id="2" name="Title 1"/>
-          <p:cNvSpPr>
-            <a:spLocks noGrp="1"/>
-          </p:cNvSpPr>
-          <p:nvPr>
-            <p:ph type="title"/>
-          </p:nvPr>
-        </p:nvSpPr>
-        <p:spPr/>
-        <p:txBody>
-          <a:bodyPr/>
-          <a:lstStyle/>
-          <a:p>
-            <a:r>
-              <a:rPr lang="en-US" dirty="0" smtClean="0"/>
-              <a:t>Threads...</a:t>
-            </a:r>
-            <a:endParaRPr lang="en-US" dirty="0"/>
-          </a:p>
-        </p:txBody>
-      </p:sp>
-      <p:sp>
-        <p:nvSpPr>
-          <p:cNvPr id="3" name="Content Placeholder 2"/>
-          <p:cNvSpPr>
-            <a:spLocks noGrp="1"/>
-          </p:cNvSpPr>
-          <p:nvPr>
-            <p:ph idx="1"/>
-          </p:nvPr>
-        </p:nvSpPr>
-        <p:spPr/>
-        <p:txBody>
-          <a:bodyPr>
-            <a:normAutofit/>
-          </a:bodyPr>
-          <a:lstStyle/>
-          <a:p>
-            <a:r>
-              <a:rPr lang="en-US" dirty="0" smtClean="0"/>
-              <a:t>An execution time concept</a:t>
-            </a:r>
-          </a:p>
-          <a:p>
-            <a:r>
-              <a:rPr lang="en-US" dirty="0" smtClean="0"/>
-              <a:t>Per the definition, a thread can be understood as a sequence of atomic system functions.</a:t>
-            </a:r>
-          </a:p>
-          <a:p>
-            <a:r>
-              <a:rPr lang="en-US" dirty="0" smtClean="0"/>
-              <a:t>When a system test case executes</a:t>
-            </a:r>
-          </a:p>
-          <a:p>
-            <a:pPr lvl="1"/>
-            <a:r>
-              <a:rPr lang="en-US" dirty="0" smtClean="0"/>
-              <a:t>a thread occurs, and</a:t>
-            </a:r>
-          </a:p>
-          <a:p>
-            <a:pPr lvl="1"/>
-            <a:r>
-              <a:rPr lang="en-US" dirty="0" smtClean="0"/>
-              <a:t>can be observed at the port boundary of the system</a:t>
-            </a:r>
-          </a:p>
-          <a:p>
-            <a:r>
-              <a:rPr lang="en-US" dirty="0" smtClean="0"/>
-              <a:t>The BIG Question: where do we find (or how do we identify) threads?</a:t>
-            </a:r>
-          </a:p>
-          <a:p>
-            <a:r>
-              <a:rPr lang="en-US" dirty="0" smtClean="0"/>
-              <a:t>Our approach—Model-Based Testing</a:t>
-            </a:r>
-            <a:endParaRPr lang="en-US" dirty="0"/>
-          </a:p>
-        </p:txBody>
-      </p:sp>
-      <p:sp>
-        <p:nvSpPr>
-          <p:cNvPr id="4" name="Slide Number Placeholder 3"/>
-          <p:cNvSpPr>
-            <a:spLocks noGrp="1"/>
-          </p:cNvSpPr>
-          <p:nvPr>
-            <p:ph type="sldNum" sz="quarter" idx="12"/>
-          </p:nvPr>
-        </p:nvSpPr>
-        <p:spPr/>
-        <p:txBody>
-          <a:bodyPr/>
-          <a:lstStyle/>
-          <a:p>
-            <a:fld id="{B8DACC02-A2BD-4578-8E03-6D891060A695}" type="slidenum">
-              <a:rPr lang="en-US" smtClean="0"/>
-              <a:pPr/>
-              <a:t>7</a:t>
-            </a:fld>
-            <a:endParaRPr lang="en-US" dirty="0"/>
-          </a:p>
-        </p:txBody>
-      </p:sp>
-    </p:spTree>
-    <p:extLst>
-      <p:ext uri="{BB962C8B-B14F-4D97-AF65-F5344CB8AC3E}">
-        <p14:creationId xmlns:p14="http://schemas.microsoft.com/office/powerpoint/2010/main" val="18994359"/>
-      </p:ext>
-    </p:extLst>
-  </p:cSld>
-  <p:clrMapOvr>
-    <a:masterClrMapping/>
-  </p:clrMapOvr>
-</p:sld>
-</file>
-
-<file path=ppt/slides/slide70.xml><?xml version="1.0" encoding="utf-8"?>
-<p:sld xmlns:a="http://schemas.openxmlformats.org/drawingml/2006/main" xmlns:r="http://schemas.openxmlformats.org/officeDocument/2006/relationships" xmlns:p="http://schemas.openxmlformats.org/presentationml/2006/main">
-  <p:cSld>
-    <p:spTree>
-      <p:nvGrpSpPr>
-        <p:cNvPr id="1" name=""/>
-        <p:cNvGrpSpPr/>
-        <p:nvPr/>
-      </p:nvGrpSpPr>
-      <p:grpSpPr>
-        <a:xfrm>
-          <a:off x="0" y="0"/>
-          <a:ext cx="0" cy="0"/>
-          <a:chOff x="0" y="0"/>
-          <a:chExt cx="0" cy="0"/>
-        </a:xfrm>
-      </p:grpSpPr>
-      <p:sp>
-        <p:nvSpPr>
-          <p:cNvPr id="32772" name="Title 1"/>
-          <p:cNvSpPr>
-            <a:spLocks noGrp="1"/>
-          </p:cNvSpPr>
-          <p:nvPr>
-            <p:ph type="title"/>
-          </p:nvPr>
-        </p:nvSpPr>
-        <p:spPr/>
-        <p:txBody>
-          <a:bodyPr/>
-          <a:lstStyle/>
-          <a:p>
-            <a:r>
-              <a:rPr lang="en-US" dirty="0" smtClean="0"/>
-              <a:t>Is Statistical Testing Worthwhile?</a:t>
-            </a:r>
-            <a:endParaRPr lang="en-US" dirty="0"/>
-          </a:p>
-        </p:txBody>
-      </p:sp>
-      <p:sp>
-        <p:nvSpPr>
-          <p:cNvPr id="32773" name="Content Placeholder 2"/>
-          <p:cNvSpPr>
-            <a:spLocks noGrp="1"/>
-          </p:cNvSpPr>
-          <p:nvPr>
-            <p:ph idx="1"/>
-          </p:nvPr>
-        </p:nvSpPr>
-        <p:spPr>
-          <a:xfrm>
-            <a:off x="838200" y="1690688"/>
-            <a:ext cx="10515600" cy="4665661"/>
-          </a:xfrm>
-        </p:spPr>
-        <p:txBody>
-          <a:bodyPr/>
-          <a:lstStyle/>
-          <a:p>
-            <a:r>
-              <a:rPr lang="en-US" dirty="0" smtClean="0"/>
-              <a:t>Necessary for ... </a:t>
-            </a:r>
-          </a:p>
-          <a:p>
-            <a:pPr lvl="1"/>
-            <a:r>
-              <a:rPr lang="en-US" dirty="0" smtClean="0"/>
-              <a:t>Critical systems (safety critical, infrastructure, ...)</a:t>
-            </a:r>
-          </a:p>
-          <a:p>
-            <a:r>
-              <a:rPr lang="en-US" dirty="0" smtClean="0"/>
-              <a:t>But difficult or impossible when ... </a:t>
-            </a:r>
-          </a:p>
-          <a:p>
-            <a:pPr lvl="1"/>
-            <a:r>
-              <a:rPr lang="en-US" dirty="0" smtClean="0"/>
-              <a:t>Operational profile is unavailable or just a guess</a:t>
-            </a:r>
-          </a:p>
-          <a:p>
-            <a:pPr lvl="2"/>
-            <a:r>
-              <a:rPr lang="en-US" dirty="0" smtClean="0"/>
-              <a:t>Often for new functionality involving human interaction</a:t>
-            </a:r>
-          </a:p>
-          <a:p>
-            <a:pPr lvl="3"/>
-            <a:r>
-              <a:rPr lang="en-US" dirty="0" smtClean="0"/>
-              <a:t>But we may factor critical functions from overall use to obtain a good model of only the critical properties</a:t>
-            </a:r>
-          </a:p>
-          <a:p>
-            <a:pPr lvl="1"/>
-            <a:r>
-              <a:rPr lang="en-US" dirty="0" smtClean="0"/>
-              <a:t>Reliability requirement is very high</a:t>
-            </a:r>
-          </a:p>
-          <a:p>
-            <a:pPr lvl="2"/>
-            <a:r>
-              <a:rPr lang="en-US" dirty="0" smtClean="0"/>
-              <a:t>Required sample size (number of test cases) might require years of test execution</a:t>
-            </a:r>
-          </a:p>
-          <a:p>
-            <a:pPr lvl="2"/>
-            <a:r>
-              <a:rPr lang="en-US" dirty="0" smtClean="0"/>
-              <a:t>Ultra-reliability can seldom be demonstrated by testing</a:t>
-            </a:r>
-            <a:endParaRPr lang="en-US" dirty="0"/>
-          </a:p>
-        </p:txBody>
-      </p:sp>
-      <p:sp>
-        <p:nvSpPr>
-          <p:cNvPr id="2" name="Slide Number Placeholder 1"/>
-          <p:cNvSpPr>
-            <a:spLocks noGrp="1"/>
-          </p:cNvSpPr>
-          <p:nvPr>
-            <p:ph type="sldNum" sz="quarter" idx="12"/>
-          </p:nvPr>
-        </p:nvSpPr>
-        <p:spPr/>
-        <p:txBody>
-          <a:bodyPr/>
-          <a:lstStyle/>
-          <a:p>
-            <a:fld id="{B543A0FD-1CA6-4228-86A2-78061B4844C8}" type="slidenum">
-              <a:rPr lang="en-US" smtClean="0"/>
-              <a:t>70</a:t>
-            </a:fld>
-            <a:endParaRPr lang="en-US"/>
-          </a:p>
-        </p:txBody>
-      </p:sp>
-    </p:spTree>
-    <p:extLst>
-      <p:ext uri="{BB962C8B-B14F-4D97-AF65-F5344CB8AC3E}">
-        <p14:creationId xmlns:p14="http://schemas.microsoft.com/office/powerpoint/2010/main" val="1150511739"/>
-      </p:ext>
-    </p:extLst>
-  </p:cSld>
-  <p:clrMapOvr>
-    <a:masterClrMapping/>
-  </p:clrMapOvr>
-  <mc:AlternateContent xmlns:mc="http://schemas.openxmlformats.org/markup-compatibility/2006" xmlns:p14="http://schemas.microsoft.com/office/powerpoint/2010/main">
-    <mc:Choice Requires="p14">
-      <p:transition spd="slow" p14:dur="2000"/>
-    </mc:Choice>
-    <mc:Fallback xmlns="">
-      <p:transition spd="slow"/>
-    </mc:Fallback>
-  </mc:AlternateContent>
-  <p:timing>
-    <p:tnLst>
-      <p:par>
-        <p:cTn id="1" dur="indefinite" restart="never" nodeType="tmRoot"/>
-      </p:par>
-    </p:tnLst>
-  </p:timing>
-</p:sld>
-</file>
-
-<file path=ppt/slides/slide71.xml><?xml version="1.0" encoding="utf-8"?>
-<p:sld xmlns:a="http://schemas.openxmlformats.org/drawingml/2006/main" xmlns:r="http://schemas.openxmlformats.org/officeDocument/2006/relationships" xmlns:p="http://schemas.openxmlformats.org/presentationml/2006/main">
-  <p:cSld>
-    <p:spTree>
-      <p:nvGrpSpPr>
-        <p:cNvPr id="1" name=""/>
-        <p:cNvGrpSpPr/>
-        <p:nvPr/>
-      </p:nvGrpSpPr>
-      <p:grpSpPr>
-        <a:xfrm>
-          <a:off x="0" y="0"/>
-          <a:ext cx="0" cy="0"/>
-          <a:chOff x="0" y="0"/>
-          <a:chExt cx="0" cy="0"/>
-        </a:xfrm>
-      </p:grpSpPr>
-      <p:sp>
-        <p:nvSpPr>
-          <p:cNvPr id="33796" name="Title 1"/>
-          <p:cNvSpPr>
-            <a:spLocks noGrp="1"/>
-          </p:cNvSpPr>
-          <p:nvPr>
-            <p:ph type="title"/>
-          </p:nvPr>
-        </p:nvSpPr>
-        <p:spPr/>
-        <p:txBody>
-          <a:bodyPr/>
-          <a:lstStyle/>
-          <a:p>
-            <a:r>
-              <a:rPr lang="en-US" dirty="0" smtClean="0"/>
-              <a:t>Process-Based Measures</a:t>
-            </a:r>
-            <a:endParaRPr lang="en-US" dirty="0"/>
-          </a:p>
-        </p:txBody>
-      </p:sp>
-      <p:sp>
-        <p:nvSpPr>
-          <p:cNvPr id="33797" name="Content Placeholder 2"/>
-          <p:cNvSpPr>
-            <a:spLocks noGrp="1"/>
-          </p:cNvSpPr>
-          <p:nvPr>
-            <p:ph idx="1"/>
-          </p:nvPr>
-        </p:nvSpPr>
-        <p:spPr/>
-        <p:txBody>
-          <a:bodyPr/>
-          <a:lstStyle/>
-          <a:p>
-            <a:r>
-              <a:rPr lang="en-US" dirty="0" smtClean="0"/>
-              <a:t>Less rigorous than statistical testing</a:t>
-            </a:r>
-          </a:p>
-          <a:p>
-            <a:pPr lvl="1"/>
-            <a:r>
-              <a:rPr lang="en-US" dirty="0" smtClean="0"/>
-              <a:t>Based on similarity with prior projects</a:t>
-            </a:r>
-          </a:p>
-          <a:p>
-            <a:r>
-              <a:rPr lang="en-US" dirty="0" smtClean="0"/>
-              <a:t>System testing process</a:t>
-            </a:r>
-          </a:p>
-          <a:p>
-            <a:pPr lvl="1"/>
-            <a:r>
-              <a:rPr lang="en-US" dirty="0" smtClean="0"/>
-              <a:t>Expected history of bugs found and resolved</a:t>
-            </a:r>
-          </a:p>
-          <a:p>
-            <a:r>
-              <a:rPr lang="en-US" dirty="0" smtClean="0"/>
-              <a:t>Alpha, beta testing</a:t>
-            </a:r>
-          </a:p>
-          <a:p>
-            <a:pPr lvl="1"/>
-            <a:r>
-              <a:rPr lang="en-US" dirty="0" smtClean="0"/>
-              <a:t>Alpha testing:  Real users, controlled environment</a:t>
-            </a:r>
-          </a:p>
-          <a:p>
-            <a:pPr lvl="1"/>
-            <a:r>
-              <a:rPr lang="en-US" dirty="0" smtClean="0"/>
-              <a:t>Beta testing: Real users, real (uncontrolled) environment</a:t>
-            </a:r>
-          </a:p>
-          <a:p>
-            <a:pPr lvl="1"/>
-            <a:r>
-              <a:rPr lang="en-US" dirty="0" smtClean="0"/>
-              <a:t>May statistically sample users rather than uses</a:t>
-            </a:r>
-          </a:p>
-          <a:p>
-            <a:pPr lvl="1"/>
-            <a:r>
-              <a:rPr lang="en-US" dirty="0" smtClean="0"/>
-              <a:t>Expected history of bug reports</a:t>
-            </a:r>
-            <a:endParaRPr lang="en-US" dirty="0"/>
-          </a:p>
-        </p:txBody>
-      </p:sp>
-      <p:sp>
-        <p:nvSpPr>
-          <p:cNvPr id="2" name="Slide Number Placeholder 1"/>
-          <p:cNvSpPr>
-            <a:spLocks noGrp="1"/>
-          </p:cNvSpPr>
-          <p:nvPr>
-            <p:ph type="sldNum" sz="quarter" idx="12"/>
-          </p:nvPr>
-        </p:nvSpPr>
-        <p:spPr/>
-        <p:txBody>
-          <a:bodyPr/>
-          <a:lstStyle/>
-          <a:p>
-            <a:fld id="{B543A0FD-1CA6-4228-86A2-78061B4844C8}" type="slidenum">
-              <a:rPr lang="en-US" smtClean="0"/>
-              <a:t>71</a:t>
-            </a:fld>
-            <a:endParaRPr lang="en-US"/>
-          </a:p>
-        </p:txBody>
-      </p:sp>
-    </p:spTree>
-    <p:extLst>
-      <p:ext uri="{BB962C8B-B14F-4D97-AF65-F5344CB8AC3E}">
-        <p14:creationId xmlns:p14="http://schemas.microsoft.com/office/powerpoint/2010/main" val="3791604836"/>
-      </p:ext>
-    </p:extLst>
-  </p:cSld>
-  <p:clrMapOvr>
-    <a:masterClrMapping/>
-  </p:clrMapOvr>
-  <mc:AlternateContent xmlns:mc="http://schemas.openxmlformats.org/markup-compatibility/2006" xmlns:p14="http://schemas.microsoft.com/office/powerpoint/2010/main">
-    <mc:Choice Requires="p14">
-      <p:transition spd="slow" p14:dur="2000"/>
-    </mc:Choice>
-    <mc:Fallback xmlns="">
-      <p:transition spd="slow"/>
-    </mc:Fallback>
-  </mc:AlternateContent>
-  <p:timing>
-    <p:tnLst>
-      <p:par>
-        <p:cTn id="1" dur="indefinite" restart="never" nodeType="tmRoot"/>
-      </p:par>
-    </p:tnLst>
-  </p:timing>
-</p:sld>
-</file>
-
-<file path=ppt/slides/slide72.xml><?xml version="1.0" encoding="utf-8"?>
-<p:sld xmlns:a="http://schemas.openxmlformats.org/drawingml/2006/main" xmlns:r="http://schemas.openxmlformats.org/officeDocument/2006/relationships" xmlns:p="http://schemas.openxmlformats.org/presentationml/2006/main">
-  <p:cSld>
-    <p:spTree>
-      <p:nvGrpSpPr>
-        <p:cNvPr id="1" name=""/>
-        <p:cNvGrpSpPr/>
-        <p:nvPr/>
-      </p:nvGrpSpPr>
-      <p:grpSpPr>
-        <a:xfrm>
-          <a:off x="0" y="0"/>
-          <a:ext cx="0" cy="0"/>
-          <a:chOff x="0" y="0"/>
-          <a:chExt cx="0" cy="0"/>
-        </a:xfrm>
-      </p:grpSpPr>
-      <p:sp>
-        <p:nvSpPr>
-          <p:cNvPr id="1608706" name="Rectangle 2"/>
-          <p:cNvSpPr>
-            <a:spLocks noGrp="1" noChangeArrowheads="1"/>
-          </p:cNvSpPr>
-          <p:nvPr>
-            <p:ph type="title"/>
-          </p:nvPr>
-        </p:nvSpPr>
-        <p:spPr/>
-        <p:txBody>
-          <a:bodyPr/>
-          <a:lstStyle/>
-          <a:p>
-            <a:r>
-              <a:rPr lang="en-US" dirty="0" smtClean="0"/>
-              <a:t>UI testing ("acceptance")</a:t>
-            </a:r>
-            <a:endParaRPr lang="en-US" dirty="0"/>
-          </a:p>
-        </p:txBody>
-      </p:sp>
-      <p:sp>
-        <p:nvSpPr>
-          <p:cNvPr id="1608707" name="Rectangle 3"/>
-          <p:cNvSpPr>
-            <a:spLocks noGrp="1" noChangeArrowheads="1"/>
-          </p:cNvSpPr>
-          <p:nvPr>
-            <p:ph idx="1"/>
-          </p:nvPr>
-        </p:nvSpPr>
-        <p:spPr/>
-        <p:txBody>
-          <a:bodyPr/>
-          <a:lstStyle/>
-          <a:p>
-            <a:r>
-              <a:rPr lang="en-US" dirty="0" smtClean="0"/>
-              <a:t>Automated UI testing ("automation")</a:t>
-            </a:r>
-          </a:p>
-          <a:p>
-            <a:pPr lvl="1"/>
-            <a:r>
-              <a:rPr lang="en-US" dirty="0" smtClean="0"/>
-              <a:t>Scripts and such that use your app and look for failures</a:t>
-            </a:r>
-          </a:p>
-          <a:p>
-            <a:pPr lvl="1"/>
-            <a:r>
-              <a:rPr lang="en-US" dirty="0" smtClean="0"/>
-              <a:t>A black-box system test</a:t>
-            </a:r>
-          </a:p>
-          <a:p>
-            <a:r>
-              <a:rPr lang="en-US" dirty="0" smtClean="0"/>
-              <a:t>Manual tests</a:t>
-            </a:r>
-          </a:p>
-          <a:p>
-            <a:pPr lvl="1"/>
-            <a:r>
-              <a:rPr lang="en-US" dirty="0" smtClean="0"/>
-              <a:t>Human beings click through predetermined paths</a:t>
-            </a:r>
-          </a:p>
-          <a:p>
-            <a:pPr lvl="1"/>
-            <a:r>
-              <a:rPr lang="en-US" dirty="0" smtClean="0"/>
-              <a:t>Need to write down the specific tests each time</a:t>
-            </a:r>
-          </a:p>
-          <a:p>
-            <a:r>
-              <a:rPr lang="en-US" dirty="0" smtClean="0"/>
-              <a:t>Ad-hoc tests</a:t>
-            </a:r>
-          </a:p>
-          <a:p>
-            <a:pPr lvl="1"/>
-            <a:r>
-              <a:rPr lang="en-US" dirty="0" smtClean="0"/>
-              <a:t>Human beings are "turned loose" on the app to see if they can break it</a:t>
-            </a:r>
-          </a:p>
-          <a:p>
-            <a:endParaRPr lang="en-US" dirty="0"/>
-          </a:p>
-        </p:txBody>
-      </p:sp>
-      <p:sp>
-        <p:nvSpPr>
-          <p:cNvPr id="2" name="Slide Number Placeholder 1"/>
-          <p:cNvSpPr>
-            <a:spLocks noGrp="1"/>
-          </p:cNvSpPr>
-          <p:nvPr>
-            <p:ph type="sldNum" sz="quarter" idx="12"/>
-          </p:nvPr>
-        </p:nvSpPr>
-        <p:spPr/>
-        <p:txBody>
-          <a:bodyPr/>
-          <a:lstStyle/>
-          <a:p>
-            <a:fld id="{B543A0FD-1CA6-4228-86A2-78061B4844C8}" type="slidenum">
-              <a:rPr lang="en-US" smtClean="0"/>
-              <a:t>72</a:t>
-            </a:fld>
-            <a:endParaRPr lang="en-US"/>
-          </a:p>
-        </p:txBody>
-      </p:sp>
-    </p:spTree>
-    <p:extLst>
-      <p:ext uri="{BB962C8B-B14F-4D97-AF65-F5344CB8AC3E}">
-        <p14:creationId xmlns:p14="http://schemas.microsoft.com/office/powerpoint/2010/main" val="2046200215"/>
-      </p:ext>
-    </p:extLst>
-  </p:cSld>
-  <p:clrMapOvr>
-    <a:masterClrMapping/>
-  </p:clrMapOvr>
-  <mc:AlternateContent xmlns:mc="http://schemas.openxmlformats.org/markup-compatibility/2006" xmlns:p14="http://schemas.microsoft.com/office/powerpoint/2010/main">
-    <mc:Choice Requires="p14">
-      <p:transition spd="slow" p14:dur="2000"/>
-    </mc:Choice>
-    <mc:Fallback xmlns="">
-      <p:transition spd="slow"/>
-    </mc:Fallback>
-  </mc:AlternateContent>
-</p:sld>
-</file>
-
-<file path=ppt/slides/slide73.xml><?xml version="1.0" encoding="utf-8"?>
-<p:sld xmlns:a="http://schemas.openxmlformats.org/drawingml/2006/main" xmlns:r="http://schemas.openxmlformats.org/officeDocument/2006/relationships" xmlns:p="http://schemas.openxmlformats.org/presentationml/2006/main">
-  <p:cSld>
-    <p:spTree>
-      <p:nvGrpSpPr>
-        <p:cNvPr id="1" name=""/>
-        <p:cNvGrpSpPr/>
-        <p:nvPr/>
-      </p:nvGrpSpPr>
-      <p:grpSpPr>
-        <a:xfrm>
-          <a:off x="0" y="0"/>
-          <a:ext cx="0" cy="0"/>
-          <a:chOff x="0" y="0"/>
-          <a:chExt cx="0" cy="0"/>
-        </a:xfrm>
-      </p:grpSpPr>
-      <p:sp>
-        <p:nvSpPr>
-          <p:cNvPr id="35844" name="Rectangle 6"/>
-          <p:cNvSpPr>
-            <a:spLocks noGrp="1"/>
-          </p:cNvSpPr>
-          <p:nvPr>
-            <p:ph type="title"/>
-          </p:nvPr>
-        </p:nvSpPr>
-        <p:spPr/>
-        <p:txBody>
-          <a:bodyPr/>
-          <a:lstStyle/>
-          <a:p>
-            <a:r>
-              <a:rPr lang="en-US" dirty="0" smtClean="0"/>
-              <a:t>Usability Test</a:t>
-            </a:r>
-            <a:endParaRPr lang="en-US" dirty="0"/>
-          </a:p>
-        </p:txBody>
-      </p:sp>
-      <p:sp>
-        <p:nvSpPr>
-          <p:cNvPr id="35845" name="Rectangle 7"/>
-          <p:cNvSpPr>
-            <a:spLocks noGrp="1"/>
-          </p:cNvSpPr>
-          <p:nvPr>
-            <p:ph idx="1"/>
-          </p:nvPr>
-        </p:nvSpPr>
-        <p:spPr/>
-        <p:txBody>
-          <a:bodyPr/>
-          <a:lstStyle/>
-          <a:p>
-            <a:r>
-              <a:rPr lang="en-US" dirty="0" smtClean="0"/>
-              <a:t>A usable product </a:t>
-            </a:r>
-          </a:p>
-          <a:p>
-            <a:pPr lvl="1"/>
-            <a:r>
-              <a:rPr lang="en-US" dirty="0" smtClean="0"/>
-              <a:t>is quickly learned</a:t>
-            </a:r>
-          </a:p>
-          <a:p>
-            <a:pPr lvl="1"/>
-            <a:r>
-              <a:rPr lang="en-US" dirty="0" smtClean="0"/>
-              <a:t>allows users to work efficiently</a:t>
-            </a:r>
-          </a:p>
-          <a:p>
-            <a:pPr lvl="1"/>
-            <a:r>
-              <a:rPr lang="en-US" dirty="0" smtClean="0"/>
-              <a:t>is pleasant to use </a:t>
-            </a:r>
-          </a:p>
-          <a:p>
-            <a:r>
-              <a:rPr lang="en-US" dirty="0" smtClean="0"/>
-              <a:t>Objective criteria</a:t>
-            </a:r>
-          </a:p>
-          <a:p>
-            <a:pPr lvl="1"/>
-            <a:r>
-              <a:rPr lang="en-US" dirty="0" smtClean="0"/>
-              <a:t>Time and number of operations to perform a task</a:t>
-            </a:r>
-          </a:p>
-          <a:p>
-            <a:pPr lvl="1"/>
-            <a:r>
-              <a:rPr lang="en-US" dirty="0" smtClean="0"/>
-              <a:t>Frequency of user error</a:t>
-            </a:r>
-          </a:p>
-          <a:p>
-            <a:r>
-              <a:rPr lang="en-US" dirty="0" smtClean="0"/>
-              <a:t>Plus overall, subjective satisfaction</a:t>
-            </a:r>
-            <a:endParaRPr lang="en-US" dirty="0"/>
-          </a:p>
-        </p:txBody>
-      </p:sp>
-      <p:sp>
-        <p:nvSpPr>
-          <p:cNvPr id="2" name="Slide Number Placeholder 1"/>
-          <p:cNvSpPr>
-            <a:spLocks noGrp="1"/>
-          </p:cNvSpPr>
-          <p:nvPr>
-            <p:ph type="sldNum" sz="quarter" idx="12"/>
-          </p:nvPr>
-        </p:nvSpPr>
-        <p:spPr/>
-        <p:txBody>
-          <a:bodyPr/>
-          <a:lstStyle/>
-          <a:p>
-            <a:fld id="{B543A0FD-1CA6-4228-86A2-78061B4844C8}" type="slidenum">
-              <a:rPr lang="en-US" smtClean="0"/>
-              <a:t>73</a:t>
-            </a:fld>
-            <a:endParaRPr lang="en-US"/>
-          </a:p>
-        </p:txBody>
-      </p:sp>
-    </p:spTree>
-    <p:extLst>
-      <p:ext uri="{BB962C8B-B14F-4D97-AF65-F5344CB8AC3E}">
-        <p14:creationId xmlns:p14="http://schemas.microsoft.com/office/powerpoint/2010/main" val="365870530"/>
-      </p:ext>
-    </p:extLst>
-  </p:cSld>
-  <p:clrMapOvr>
-    <a:masterClrMapping/>
-  </p:clrMapOvr>
-  <mc:AlternateContent xmlns:mc="http://schemas.openxmlformats.org/markup-compatibility/2006" xmlns:p14="http://schemas.microsoft.com/office/powerpoint/2010/main">
-    <mc:Choice Requires="p14">
-      <p:transition spd="slow" p14:dur="2000"/>
-    </mc:Choice>
-    <mc:Fallback xmlns="">
-      <p:transition spd="slow"/>
-    </mc:Fallback>
-  </mc:AlternateContent>
-  <p:timing>
-    <p:tnLst>
-      <p:par>
-        <p:cTn id="1" dur="indefinite" restart="never" nodeType="tmRoot"/>
-      </p:par>
-    </p:tnLst>
-  </p:timing>
-</p:sld>
-</file>
-
-<file path=ppt/slides/slide74.xml><?xml version="1.0" encoding="utf-8"?>
-<p:sld xmlns:a="http://schemas.openxmlformats.org/drawingml/2006/main" xmlns:r="http://schemas.openxmlformats.org/officeDocument/2006/relationships" xmlns:p="http://schemas.openxmlformats.org/presentationml/2006/main">
-  <p:cSld>
-    <p:spTree>
-      <p:nvGrpSpPr>
-        <p:cNvPr id="1" name=""/>
-        <p:cNvGrpSpPr/>
-        <p:nvPr/>
-      </p:nvGrpSpPr>
-      <p:grpSpPr>
-        <a:xfrm>
-          <a:off x="0" y="0"/>
-          <a:ext cx="0" cy="0"/>
-          <a:chOff x="0" y="0"/>
-          <a:chExt cx="0" cy="0"/>
-        </a:xfrm>
-      </p:grpSpPr>
-      <p:sp>
-        <p:nvSpPr>
-          <p:cNvPr id="1605634" name="Rectangle 2"/>
-          <p:cNvSpPr>
-            <a:spLocks noGrp="1" noChangeArrowheads="1"/>
-          </p:cNvSpPr>
-          <p:nvPr>
-            <p:ph type="title"/>
-          </p:nvPr>
-        </p:nvSpPr>
-        <p:spPr/>
-        <p:txBody>
-          <a:bodyPr/>
-          <a:lstStyle/>
-          <a:p>
-            <a:r>
-              <a:rPr lang="en-US" dirty="0"/>
-              <a:t>Load testing</a:t>
-            </a:r>
-          </a:p>
-        </p:txBody>
-      </p:sp>
-      <p:sp>
-        <p:nvSpPr>
-          <p:cNvPr id="1605635" name="Rectangle 3"/>
-          <p:cNvSpPr>
-            <a:spLocks noGrp="1" noChangeArrowheads="1"/>
-          </p:cNvSpPr>
-          <p:nvPr>
-            <p:ph type="body" idx="1"/>
-          </p:nvPr>
-        </p:nvSpPr>
-        <p:spPr/>
-        <p:txBody>
-          <a:bodyPr/>
-          <a:lstStyle/>
-          <a:p>
-            <a:r>
-              <a:rPr lang="en-US" dirty="0"/>
-              <a:t>load testing</a:t>
-            </a:r>
-          </a:p>
-          <a:p>
-            <a:pPr lvl="1"/>
-            <a:r>
-              <a:rPr lang="en-US" dirty="0"/>
-              <a:t>How many hits/requests should the system be able to handle?</a:t>
-            </a:r>
-          </a:p>
-          <a:p>
-            <a:pPr lvl="1"/>
-            <a:r>
-              <a:rPr lang="en-US" dirty="0"/>
-              <a:t>What should be its performance under these circumstances</a:t>
-            </a:r>
-            <a:r>
-              <a:rPr lang="en-US" dirty="0" smtClean="0"/>
-              <a:t>?</a:t>
-            </a:r>
-            <a:endParaRPr lang="en-US" dirty="0"/>
-          </a:p>
-        </p:txBody>
-      </p:sp>
-      <p:sp>
-        <p:nvSpPr>
-          <p:cNvPr id="2" name="Slide Number Placeholder 1"/>
-          <p:cNvSpPr>
-            <a:spLocks noGrp="1"/>
-          </p:cNvSpPr>
-          <p:nvPr>
-            <p:ph type="sldNum" sz="quarter" idx="12"/>
-          </p:nvPr>
-        </p:nvSpPr>
-        <p:spPr/>
-        <p:txBody>
-          <a:bodyPr/>
-          <a:lstStyle/>
-          <a:p>
-            <a:fld id="{B543A0FD-1CA6-4228-86A2-78061B4844C8}" type="slidenum">
-              <a:rPr lang="en-US" smtClean="0"/>
-              <a:t>74</a:t>
-            </a:fld>
-            <a:endParaRPr lang="en-US"/>
-          </a:p>
-        </p:txBody>
-      </p:sp>
-    </p:spTree>
-    <p:extLst>
-      <p:ext uri="{BB962C8B-B14F-4D97-AF65-F5344CB8AC3E}">
-        <p14:creationId xmlns:p14="http://schemas.microsoft.com/office/powerpoint/2010/main" val="2406556066"/>
-      </p:ext>
-    </p:extLst>
-  </p:cSld>
-  <p:clrMapOvr>
-    <a:masterClrMapping/>
-  </p:clrMapOvr>
-  <mc:AlternateContent xmlns:mc="http://schemas.openxmlformats.org/markup-compatibility/2006" xmlns:p14="http://schemas.microsoft.com/office/powerpoint/2010/main">
-    <mc:Choice Requires="p14">
-      <p:transition spd="slow" p14:dur="2000"/>
-    </mc:Choice>
-    <mc:Fallback xmlns="">
-      <p:transition spd="slow"/>
-    </mc:Fallback>
-  </mc:AlternateContent>
-</p:sld>
-</file>
-
-<file path=ppt/slides/slide75.xml><?xml version="1.0" encoding="utf-8"?>
-<p:sld xmlns:a="http://schemas.openxmlformats.org/drawingml/2006/main" xmlns:r="http://schemas.openxmlformats.org/officeDocument/2006/relationships" xmlns:p="http://schemas.openxmlformats.org/presentationml/2006/main">
-  <p:cSld>
-    <p:spTree>
-      <p:nvGrpSpPr>
-        <p:cNvPr id="1" name=""/>
-        <p:cNvGrpSpPr/>
-        <p:nvPr/>
-      </p:nvGrpSpPr>
-      <p:grpSpPr>
-        <a:xfrm>
-          <a:off x="0" y="0"/>
-          <a:ext cx="0" cy="0"/>
-          <a:chOff x="0" y="0"/>
-          <a:chExt cx="0" cy="0"/>
-        </a:xfrm>
-      </p:grpSpPr>
-      <p:sp>
-        <p:nvSpPr>
-          <p:cNvPr id="36868" name="Title 1"/>
-          <p:cNvSpPr>
-            <a:spLocks noGrp="1"/>
-          </p:cNvSpPr>
-          <p:nvPr>
-            <p:ph type="title"/>
-          </p:nvPr>
-        </p:nvSpPr>
-        <p:spPr/>
-        <p:txBody>
-          <a:bodyPr/>
-          <a:lstStyle/>
-          <a:p>
-            <a:r>
-              <a:rPr lang="en-US" dirty="0" smtClean="0"/>
-              <a:t>Accessibility Testing</a:t>
-            </a:r>
-            <a:endParaRPr lang="en-US" dirty="0"/>
-          </a:p>
-        </p:txBody>
-      </p:sp>
-      <p:sp>
-        <p:nvSpPr>
-          <p:cNvPr id="36869" name="Content Placeholder 2"/>
-          <p:cNvSpPr>
-            <a:spLocks noGrp="1"/>
-          </p:cNvSpPr>
-          <p:nvPr>
-            <p:ph type="body" idx="1"/>
-          </p:nvPr>
-        </p:nvSpPr>
-        <p:spPr/>
-        <p:txBody>
-          <a:bodyPr/>
-          <a:lstStyle/>
-          <a:p>
-            <a:r>
-              <a:rPr lang="en-US" dirty="0" smtClean="0"/>
-              <a:t>Check usability by people with disabilities</a:t>
-            </a:r>
-          </a:p>
-          <a:p>
-            <a:pPr lvl="1"/>
-            <a:r>
-              <a:rPr lang="en-US" dirty="0" smtClean="0"/>
-              <a:t>Blind and low vision, deaf, color-blind, ...</a:t>
-            </a:r>
-          </a:p>
-          <a:p>
-            <a:r>
-              <a:rPr lang="en-US" dirty="0" smtClean="0"/>
-              <a:t>Use accessibility guidelines</a:t>
-            </a:r>
-          </a:p>
-          <a:p>
-            <a:pPr lvl="1"/>
-            <a:r>
-              <a:rPr lang="en-US" dirty="0" smtClean="0"/>
-              <a:t>Direct usability testing with all relevant groups is usually impractical; checking compliance to guidelines is practical and often reveals problems</a:t>
-            </a:r>
-          </a:p>
-          <a:p>
-            <a:r>
-              <a:rPr lang="en-US" dirty="0" smtClean="0"/>
-              <a:t>Example: W3C Web Content Accessibility Guidelines</a:t>
-            </a:r>
-          </a:p>
-          <a:p>
-            <a:pPr lvl="1"/>
-            <a:r>
-              <a:rPr lang="en-US" dirty="0" smtClean="0"/>
-              <a:t>Parts can be checked automatically</a:t>
-            </a:r>
-          </a:p>
-          <a:p>
-            <a:pPr lvl="1"/>
-            <a:r>
-              <a:rPr lang="en-US" dirty="0" smtClean="0"/>
-              <a:t>but manual check is still required</a:t>
-            </a:r>
-          </a:p>
-          <a:p>
-            <a:pPr lvl="2"/>
-            <a:r>
-              <a:rPr lang="en-US" dirty="0" smtClean="0"/>
-              <a:t>e.g., is the </a:t>
-            </a:r>
-            <a:r>
-              <a:rPr lang="ja-JP" altLang="en-US" dirty="0" smtClean="0"/>
-              <a:t>“</a:t>
-            </a:r>
-            <a:r>
-              <a:rPr lang="en-US" altLang="ja-JP" dirty="0" smtClean="0"/>
-              <a:t>alt</a:t>
-            </a:r>
-            <a:r>
-              <a:rPr lang="ja-JP" altLang="en-US" dirty="0" smtClean="0"/>
-              <a:t>”</a:t>
-            </a:r>
-            <a:r>
-              <a:rPr lang="en-US" altLang="ja-JP" dirty="0" smtClean="0"/>
-              <a:t> tag of the image meaningful? </a:t>
-            </a:r>
-            <a:endParaRPr lang="en-US" dirty="0"/>
-          </a:p>
-        </p:txBody>
-      </p:sp>
-      <p:sp>
-        <p:nvSpPr>
-          <p:cNvPr id="2" name="Slide Number Placeholder 1"/>
-          <p:cNvSpPr>
-            <a:spLocks noGrp="1"/>
-          </p:cNvSpPr>
-          <p:nvPr>
-            <p:ph type="sldNum" sz="quarter" idx="12"/>
-          </p:nvPr>
-        </p:nvSpPr>
-        <p:spPr/>
-        <p:txBody>
-          <a:bodyPr/>
-          <a:lstStyle/>
-          <a:p>
-            <a:fld id="{B543A0FD-1CA6-4228-86A2-78061B4844C8}" type="slidenum">
-              <a:rPr lang="en-US" smtClean="0"/>
-              <a:t>75</a:t>
-            </a:fld>
-            <a:endParaRPr lang="en-US"/>
-          </a:p>
-        </p:txBody>
-      </p:sp>
-    </p:spTree>
-    <p:extLst>
-      <p:ext uri="{BB962C8B-B14F-4D97-AF65-F5344CB8AC3E}">
-        <p14:creationId xmlns:p14="http://schemas.microsoft.com/office/powerpoint/2010/main" val="2107403634"/>
-      </p:ext>
-    </p:extLst>
-  </p:cSld>
-  <p:clrMapOvr>
-    <a:masterClrMapping/>
-  </p:clrMapOvr>
-  <mc:AlternateContent xmlns:mc="http://schemas.openxmlformats.org/markup-compatibility/2006" xmlns:p14="http://schemas.microsoft.com/office/powerpoint/2010/main">
-    <mc:Choice Requires="p14">
-      <p:transition spd="slow" p14:dur="2000"/>
-    </mc:Choice>
-    <mc:Fallback xmlns="">
-      <p:transition spd="slow"/>
-    </mc:Fallback>
-  </mc:AlternateContent>
-  <p:timing>
-    <p:tnLst>
-      <p:par>
-        <p:cTn id="1" dur="indefinite" restart="never" nodeType="tmRoot"/>
-      </p:par>
-    </p:tnLst>
-  </p:timing>
-</p:sld>
-</file>
-
-<file path=ppt/slides/slide76.xml><?xml version="1.0" encoding="utf-8"?>
-<p:sld xmlns:a="http://schemas.openxmlformats.org/drawingml/2006/main" xmlns:r="http://schemas.openxmlformats.org/officeDocument/2006/relationships" xmlns:p="http://schemas.openxmlformats.org/presentationml/2006/main">
-  <p:cSld>
-    <p:spTree>
-      <p:nvGrpSpPr>
-        <p:cNvPr id="1" name=""/>
-        <p:cNvGrpSpPr/>
-        <p:nvPr/>
-      </p:nvGrpSpPr>
-      <p:grpSpPr>
-        <a:xfrm>
-          <a:off x="0" y="0"/>
-          <a:ext cx="0" cy="0"/>
-          <a:chOff x="0" y="0"/>
-          <a:chExt cx="0" cy="0"/>
-        </a:xfrm>
-      </p:grpSpPr>
-      <p:sp>
-        <p:nvSpPr>
-          <p:cNvPr id="4" name="Title 3"/>
-          <p:cNvSpPr>
-            <a:spLocks noGrp="1"/>
-          </p:cNvSpPr>
-          <p:nvPr>
-            <p:ph type="title"/>
-          </p:nvPr>
-        </p:nvSpPr>
-        <p:spPr/>
-        <p:txBody>
-          <a:bodyPr/>
-          <a:lstStyle/>
-          <a:p>
-            <a:r>
-              <a:rPr lang="en-US" dirty="0" smtClean="0"/>
-              <a:t>Installation Testing</a:t>
-            </a:r>
-            <a:endParaRPr lang="en-US" dirty="0"/>
-          </a:p>
-        </p:txBody>
-      </p:sp>
-      <p:sp>
-        <p:nvSpPr>
-          <p:cNvPr id="5" name="Content Placeholder 4"/>
-          <p:cNvSpPr>
-            <a:spLocks noGrp="1"/>
-          </p:cNvSpPr>
-          <p:nvPr>
-            <p:ph idx="1"/>
-          </p:nvPr>
-        </p:nvSpPr>
-        <p:spPr/>
-        <p:txBody>
-          <a:bodyPr/>
-          <a:lstStyle/>
-          <a:p>
-            <a:r>
-              <a:rPr lang="en-US" dirty="0" smtClean="0"/>
-              <a:t>Before the testing</a:t>
-            </a:r>
-          </a:p>
-          <a:p>
-            <a:pPr lvl="1"/>
-            <a:r>
-              <a:rPr lang="en-US" dirty="0" smtClean="0"/>
-              <a:t>Configure the system</a:t>
-            </a:r>
-          </a:p>
-          <a:p>
-            <a:pPr lvl="1"/>
-            <a:r>
-              <a:rPr lang="en-US" dirty="0" smtClean="0"/>
-              <a:t>Attach proper number and kind of devices</a:t>
-            </a:r>
-          </a:p>
-          <a:p>
-            <a:pPr lvl="1"/>
-            <a:r>
-              <a:rPr lang="en-US" dirty="0" smtClean="0"/>
-              <a:t>Establish communication with other system</a:t>
-            </a:r>
-          </a:p>
-          <a:p>
-            <a:r>
-              <a:rPr lang="en-US" dirty="0" smtClean="0"/>
-              <a:t>The testing</a:t>
-            </a:r>
-          </a:p>
-          <a:p>
-            <a:pPr lvl="1"/>
-            <a:r>
-              <a:rPr lang="en-US" dirty="0" smtClean="0"/>
-              <a:t>Regression tests: to verify that the system has been installed properly and works</a:t>
-            </a:r>
-          </a:p>
-          <a:p>
-            <a:endParaRPr lang="en-US" dirty="0"/>
-          </a:p>
-        </p:txBody>
-      </p:sp>
-      <p:sp>
-        <p:nvSpPr>
-          <p:cNvPr id="2" name="Slide Number Placeholder 1"/>
-          <p:cNvSpPr>
-            <a:spLocks noGrp="1"/>
-          </p:cNvSpPr>
-          <p:nvPr>
-            <p:ph type="sldNum" sz="quarter" idx="12"/>
-          </p:nvPr>
-        </p:nvSpPr>
-        <p:spPr/>
-        <p:txBody>
-          <a:bodyPr/>
-          <a:lstStyle/>
-          <a:p>
-            <a:fld id="{B543A0FD-1CA6-4228-86A2-78061B4844C8}" type="slidenum">
-              <a:rPr lang="en-US" smtClean="0"/>
-              <a:t>76</a:t>
             </a:fld>
             <a:endParaRPr lang="en-US"/>
           </a:p>
@@ -23182,7 +21736,7 @@
 </p:sld>
 </file>
 
-<file path=ppt/slides/slide77.xml><?xml version="1.0" encoding="utf-8"?>
+<file path=ppt/slides/slide65.xml><?xml version="1.0" encoding="utf-8"?>
 <p:sld xmlns:a="http://schemas.openxmlformats.org/drawingml/2006/main" xmlns:r="http://schemas.openxmlformats.org/officeDocument/2006/relationships" xmlns:p="http://schemas.openxmlformats.org/presentationml/2006/main">
   <p:cSld>
     <p:spTree>
@@ -23216,7 +21770,7 @@
           <a:p>
             <a:fld id="{B543A0FD-1CA6-4228-86A2-78061B4844C8}" type="slidenum">
               <a:rPr lang="en-US" smtClean="0"/>
-              <a:t>77</a:t>
+              <a:t>65</a:t>
             </a:fld>
             <a:endParaRPr lang="en-US"/>
           </a:p>
@@ -23259,7 +21813,7 @@
 </p:sld>
 </file>
 
-<file path=ppt/slides/slide78.xml><?xml version="1.0" encoding="utf-8"?>
+<file path=ppt/slides/slide66.xml><?xml version="1.0" encoding="utf-8"?>
 <p:sld xmlns:a="http://schemas.openxmlformats.org/drawingml/2006/main" xmlns:r="http://schemas.openxmlformats.org/officeDocument/2006/relationships" xmlns:p="http://schemas.openxmlformats.org/presentationml/2006/main">
   <p:cSld>
     <p:spTree>
@@ -23383,7 +21937,7 @@
           <a:p>
             <a:fld id="{B543A0FD-1CA6-4228-86A2-78061B4844C8}" type="slidenum">
               <a:rPr lang="en-US" smtClean="0"/>
-              <a:t>78</a:t>
+              <a:t>66</a:t>
             </a:fld>
             <a:endParaRPr lang="en-US"/>
           </a:p>
@@ -23406,6 +21960,146 @@
       </p:par>
     </p:tnLst>
   </p:timing>
+</p:sld>
+</file>
+
+<file path=ppt/slides/slide7.xml><?xml version="1.0" encoding="utf-8"?>
+<p:sld xmlns:a="http://schemas.openxmlformats.org/drawingml/2006/main" xmlns:r="http://schemas.openxmlformats.org/officeDocument/2006/relationships" xmlns:p="http://schemas.openxmlformats.org/presentationml/2006/main">
+  <p:cSld>
+    <p:spTree>
+      <p:nvGrpSpPr>
+        <p:cNvPr id="1" name=""/>
+        <p:cNvGrpSpPr/>
+        <p:nvPr/>
+      </p:nvGrpSpPr>
+      <p:grpSpPr>
+        <a:xfrm>
+          <a:off x="0" y="0"/>
+          <a:ext cx="0" cy="0"/>
+          <a:chOff x="0" y="0"/>
+          <a:chExt cx="0" cy="0"/>
+        </a:xfrm>
+      </p:grpSpPr>
+      <p:sp>
+        <p:nvSpPr>
+          <p:cNvPr id="2" name="Title 1"/>
+          <p:cNvSpPr>
+            <a:spLocks noGrp="1"/>
+          </p:cNvSpPr>
+          <p:nvPr>
+            <p:ph type="title"/>
+          </p:nvPr>
+        </p:nvSpPr>
+        <p:spPr/>
+        <p:txBody>
+          <a:bodyPr/>
+          <a:lstStyle/>
+          <a:p>
+            <a:r>
+              <a:rPr lang="en-US" dirty="0" smtClean="0"/>
+              <a:t>Threads...</a:t>
+            </a:r>
+            <a:endParaRPr lang="en-US" dirty="0"/>
+          </a:p>
+        </p:txBody>
+      </p:sp>
+      <p:sp>
+        <p:nvSpPr>
+          <p:cNvPr id="3" name="Content Placeholder 2"/>
+          <p:cNvSpPr>
+            <a:spLocks noGrp="1"/>
+          </p:cNvSpPr>
+          <p:nvPr>
+            <p:ph idx="1"/>
+          </p:nvPr>
+        </p:nvSpPr>
+        <p:spPr/>
+        <p:txBody>
+          <a:bodyPr>
+            <a:normAutofit/>
+          </a:bodyPr>
+          <a:lstStyle/>
+          <a:p>
+            <a:r>
+              <a:rPr lang="en-US" dirty="0" smtClean="0"/>
+              <a:t>An execution time concept</a:t>
+            </a:r>
+          </a:p>
+          <a:p>
+            <a:r>
+              <a:rPr lang="en-US" dirty="0" smtClean="0"/>
+              <a:t>Per the definition, a thread can be understood as a sequence of atomic system functions.</a:t>
+            </a:r>
+          </a:p>
+          <a:p>
+            <a:r>
+              <a:rPr lang="en-US" dirty="0" smtClean="0"/>
+              <a:t>When a system test case executes</a:t>
+            </a:r>
+          </a:p>
+          <a:p>
+            <a:pPr lvl="1"/>
+            <a:r>
+              <a:rPr lang="en-US" dirty="0" smtClean="0"/>
+              <a:t>a thread occurs, and</a:t>
+            </a:r>
+          </a:p>
+          <a:p>
+            <a:pPr lvl="1"/>
+            <a:r>
+              <a:rPr lang="en-US" dirty="0" smtClean="0"/>
+              <a:t>can be observed at the port boundary of the system</a:t>
+            </a:r>
+          </a:p>
+          <a:p>
+            <a:r>
+              <a:rPr lang="en-US" dirty="0" smtClean="0"/>
+              <a:t>The BIG Question: where do we find (or how do we identify) threads?</a:t>
+            </a:r>
+          </a:p>
+          <a:p>
+            <a:r>
+              <a:rPr lang="en-US" dirty="0" smtClean="0"/>
+              <a:t>Our approach—Model-Based Testing</a:t>
+            </a:r>
+            <a:endParaRPr lang="en-US" dirty="0"/>
+          </a:p>
+        </p:txBody>
+      </p:sp>
+      <p:sp>
+        <p:nvSpPr>
+          <p:cNvPr id="4" name="Slide Number Placeholder 3"/>
+          <p:cNvSpPr>
+            <a:spLocks noGrp="1"/>
+          </p:cNvSpPr>
+          <p:nvPr>
+            <p:ph type="sldNum" sz="quarter" idx="12"/>
+          </p:nvPr>
+        </p:nvSpPr>
+        <p:spPr/>
+        <p:txBody>
+          <a:bodyPr/>
+          <a:lstStyle/>
+          <a:p>
+            <a:fld id="{B8DACC02-A2BD-4578-8E03-6D891060A695}" type="slidenum">
+              <a:rPr lang="en-US" smtClean="0"/>
+              <a:pPr/>
+              <a:t>7</a:t>
+            </a:fld>
+            <a:endParaRPr lang="en-US" dirty="0"/>
+          </a:p>
+        </p:txBody>
+      </p:sp>
+    </p:spTree>
+    <p:extLst>
+      <p:ext uri="{BB962C8B-B14F-4D97-AF65-F5344CB8AC3E}">
+        <p14:creationId xmlns:p14="http://schemas.microsoft.com/office/powerpoint/2010/main" val="18994359"/>
+      </p:ext>
+    </p:extLst>
+  </p:cSld>
+  <p:clrMapOvr>
+    <a:masterClrMapping/>
+  </p:clrMapOvr>
 </p:sld>
 </file>
 
@@ -23461,14 +22155,14 @@
           </a:ln>
           <a:extLst>
             <a:ext uri="{909E8E84-426E-40dd-AFC4-6F175D3DCCD1}">
-              <a14:hiddenFill xmlns:a14="http://schemas.microsoft.com/office/drawing/2010/main" xmlns="">
+              <a14:hiddenFill xmlns="" xmlns:a14="http://schemas.microsoft.com/office/drawing/2010/main">
                 <a:solidFill>
                   <a:srgbClr val="FFFFFF"/>
                 </a:solidFill>
               </a14:hiddenFill>
             </a:ext>
             <a:ext uri="{91240B29-F687-4f45-9708-019B960494DF}">
-              <a14:hiddenLine xmlns:a14="http://schemas.microsoft.com/office/drawing/2010/main" xmlns="" w="9525">
+              <a14:hiddenLine xmlns="" xmlns:a14="http://schemas.microsoft.com/office/drawing/2010/main" w="9525">
                 <a:solidFill>
                   <a:srgbClr val="000000"/>
                 </a:solidFill>
@@ -23511,12 +22205,6 @@
               </a:rPr>
               <a:t>Threads</a:t>
             </a:r>
-            <a:endParaRPr lang="en-US" b="1" dirty="0">
-              <a:solidFill>
-                <a:schemeClr val="bg1"/>
-              </a:solidFill>
-              <a:latin typeface="Candara" panose="020E0502030303020204" pitchFamily="34" charset="0"/>
-            </a:endParaRPr>
           </a:p>
         </p:txBody>
       </p:sp>
@@ -23542,14 +22230,14 @@
           </a:ln>
           <a:extLst>
             <a:ext uri="{909E8E84-426E-40dd-AFC4-6F175D3DCCD1}">
-              <a14:hiddenFill xmlns:a14="http://schemas.microsoft.com/office/drawing/2010/main" xmlns="">
+              <a14:hiddenFill xmlns="" xmlns:a14="http://schemas.microsoft.com/office/drawing/2010/main">
                 <a:solidFill>
                   <a:srgbClr val="FFFFFF"/>
                 </a:solidFill>
               </a14:hiddenFill>
             </a:ext>
             <a:ext uri="{91240B29-F687-4f45-9708-019B960494DF}">
-              <a14:hiddenLine xmlns:a14="http://schemas.microsoft.com/office/drawing/2010/main" xmlns="" w="9525">
+              <a14:hiddenLine xmlns="" xmlns:a14="http://schemas.microsoft.com/office/drawing/2010/main" w="9525">
                 <a:solidFill>
                   <a:srgbClr val="000000"/>
                 </a:solidFill>

--- a/new_SE401/Lectures/8-Integration, System and Regression Testing/System Testing.pptx
+++ b/new_SE401/Lectures/8-Integration, System and Regression Testing/System Testing.pptx
@@ -5,7 +5,7 @@
     <p:sldMasterId id="2147483648" r:id="rId1"/>
   </p:sldMasterIdLst>
   <p:notesMasterIdLst>
-    <p:notesMasterId r:id="rId68"/>
+    <p:notesMasterId r:id="rId72"/>
   </p:notesMasterIdLst>
   <p:sldIdLst>
     <p:sldId id="256" r:id="rId2"/>
@@ -15,65 +15,69 @@
     <p:sldId id="260" r:id="rId6"/>
     <p:sldId id="261" r:id="rId7"/>
     <p:sldId id="262" r:id="rId8"/>
-    <p:sldId id="263" r:id="rId9"/>
-    <p:sldId id="264" r:id="rId10"/>
-    <p:sldId id="265" r:id="rId11"/>
-    <p:sldId id="266" r:id="rId12"/>
-    <p:sldId id="267" r:id="rId13"/>
-    <p:sldId id="268" r:id="rId14"/>
-    <p:sldId id="269" r:id="rId15"/>
-    <p:sldId id="270" r:id="rId16"/>
-    <p:sldId id="271" r:id="rId17"/>
-    <p:sldId id="272" r:id="rId18"/>
-    <p:sldId id="273" r:id="rId19"/>
-    <p:sldId id="274" r:id="rId20"/>
-    <p:sldId id="275" r:id="rId21"/>
-    <p:sldId id="276" r:id="rId22"/>
-    <p:sldId id="277" r:id="rId23"/>
-    <p:sldId id="278" r:id="rId24"/>
-    <p:sldId id="279" r:id="rId25"/>
-    <p:sldId id="280" r:id="rId26"/>
-    <p:sldId id="281" r:id="rId27"/>
-    <p:sldId id="282" r:id="rId28"/>
-    <p:sldId id="283" r:id="rId29"/>
-    <p:sldId id="284" r:id="rId30"/>
-    <p:sldId id="285" r:id="rId31"/>
-    <p:sldId id="286" r:id="rId32"/>
-    <p:sldId id="299" r:id="rId33"/>
-    <p:sldId id="300" r:id="rId34"/>
-    <p:sldId id="301" r:id="rId35"/>
-    <p:sldId id="302" r:id="rId36"/>
-    <p:sldId id="303" r:id="rId37"/>
-    <p:sldId id="304" r:id="rId38"/>
-    <p:sldId id="305" r:id="rId39"/>
-    <p:sldId id="306" r:id="rId40"/>
-    <p:sldId id="307" r:id="rId41"/>
-    <p:sldId id="308" r:id="rId42"/>
-    <p:sldId id="309" r:id="rId43"/>
-    <p:sldId id="310" r:id="rId44"/>
-    <p:sldId id="311" r:id="rId45"/>
-    <p:sldId id="312" r:id="rId46"/>
-    <p:sldId id="313" r:id="rId47"/>
-    <p:sldId id="314" r:id="rId48"/>
-    <p:sldId id="315" r:id="rId49"/>
-    <p:sldId id="316" r:id="rId50"/>
-    <p:sldId id="317" r:id="rId51"/>
-    <p:sldId id="318" r:id="rId52"/>
-    <p:sldId id="319" r:id="rId53"/>
-    <p:sldId id="320" r:id="rId54"/>
-    <p:sldId id="321" r:id="rId55"/>
-    <p:sldId id="322" r:id="rId56"/>
-    <p:sldId id="323" r:id="rId57"/>
-    <p:sldId id="324" r:id="rId58"/>
-    <p:sldId id="325" r:id="rId59"/>
-    <p:sldId id="326" r:id="rId60"/>
-    <p:sldId id="327" r:id="rId61"/>
-    <p:sldId id="328" r:id="rId62"/>
-    <p:sldId id="329" r:id="rId63"/>
-    <p:sldId id="330" r:id="rId64"/>
-    <p:sldId id="331" r:id="rId65"/>
-    <p:sldId id="332" r:id="rId66"/>
-    <p:sldId id="333" r:id="rId67"/>
+    <p:sldId id="334" r:id="rId9"/>
+    <p:sldId id="335" r:id="rId10"/>
+    <p:sldId id="336" r:id="rId11"/>
+    <p:sldId id="337" r:id="rId12"/>
+    <p:sldId id="338" r:id="rId13"/>
+    <p:sldId id="339" r:id="rId14"/>
+    <p:sldId id="340" r:id="rId15"/>
+    <p:sldId id="341" r:id="rId16"/>
+    <p:sldId id="342" r:id="rId17"/>
+    <p:sldId id="343" r:id="rId18"/>
+    <p:sldId id="344" r:id="rId19"/>
+    <p:sldId id="345" r:id="rId20"/>
+    <p:sldId id="346" r:id="rId21"/>
+    <p:sldId id="347" r:id="rId22"/>
+    <p:sldId id="348" r:id="rId23"/>
+    <p:sldId id="349" r:id="rId24"/>
+    <p:sldId id="350" r:id="rId25"/>
+    <p:sldId id="351" r:id="rId26"/>
+    <p:sldId id="352" r:id="rId27"/>
+    <p:sldId id="353" r:id="rId28"/>
+    <p:sldId id="354" r:id="rId29"/>
+    <p:sldId id="355" r:id="rId30"/>
+    <p:sldId id="356" r:id="rId31"/>
+    <p:sldId id="357" r:id="rId32"/>
+    <p:sldId id="358" r:id="rId33"/>
+    <p:sldId id="359" r:id="rId34"/>
+    <p:sldId id="360" r:id="rId35"/>
+    <p:sldId id="361" r:id="rId36"/>
+    <p:sldId id="362" r:id="rId37"/>
+    <p:sldId id="363" r:id="rId38"/>
+    <p:sldId id="364" r:id="rId39"/>
+    <p:sldId id="365" r:id="rId40"/>
+    <p:sldId id="366" r:id="rId41"/>
+    <p:sldId id="304" r:id="rId42"/>
+    <p:sldId id="305" r:id="rId43"/>
+    <p:sldId id="306" r:id="rId44"/>
+    <p:sldId id="307" r:id="rId45"/>
+    <p:sldId id="308" r:id="rId46"/>
+    <p:sldId id="309" r:id="rId47"/>
+    <p:sldId id="310" r:id="rId48"/>
+    <p:sldId id="311" r:id="rId49"/>
+    <p:sldId id="312" r:id="rId50"/>
+    <p:sldId id="313" r:id="rId51"/>
+    <p:sldId id="314" r:id="rId52"/>
+    <p:sldId id="315" r:id="rId53"/>
+    <p:sldId id="316" r:id="rId54"/>
+    <p:sldId id="317" r:id="rId55"/>
+    <p:sldId id="318" r:id="rId56"/>
+    <p:sldId id="319" r:id="rId57"/>
+    <p:sldId id="320" r:id="rId58"/>
+    <p:sldId id="321" r:id="rId59"/>
+    <p:sldId id="322" r:id="rId60"/>
+    <p:sldId id="323" r:id="rId61"/>
+    <p:sldId id="324" r:id="rId62"/>
+    <p:sldId id="325" r:id="rId63"/>
+    <p:sldId id="326" r:id="rId64"/>
+    <p:sldId id="327" r:id="rId65"/>
+    <p:sldId id="328" r:id="rId66"/>
+    <p:sldId id="329" r:id="rId67"/>
+    <p:sldId id="330" r:id="rId68"/>
+    <p:sldId id="331" r:id="rId69"/>
+    <p:sldId id="332" r:id="rId70"/>
+    <p:sldId id="333" r:id="rId71"/>
   </p:sldIdLst>
   <p:sldSz cx="12192000" cy="6858000"/>
   <p:notesSz cx="6858000" cy="9144000"/>
@@ -262,7 +266,7 @@
           <a:p>
             <a:fld id="{F3B0ED5F-57F7-41A3-9ACC-D2FCCFA7696D}" type="datetimeFigureOut">
               <a:rPr lang="en-US" smtClean="0"/>
-              <a:t>11/14/2021</a:t>
+              <a:t>11/15/2021</a:t>
             </a:fld>
             <a:endParaRPr lang="en-US"/>
           </a:p>
@@ -855,7 +859,7 @@
               <a:pPr>
                 <a:defRPr/>
               </a:pPr>
-              <a:t>42</a:t>
+              <a:t>46</a:t>
             </a:fld>
             <a:r>
               <a:rPr lang="en-US" smtClean="0"/>
@@ -1031,7 +1035,7 @@
               <a:pPr>
                 <a:defRPr/>
               </a:pPr>
-              <a:t>43</a:t>
+              <a:t>47</a:t>
             </a:fld>
             <a:r>
               <a:rPr lang="en-US" smtClean="0"/>
@@ -1207,7 +1211,7 @@
               <a:pPr>
                 <a:defRPr/>
               </a:pPr>
-              <a:t>44</a:t>
+              <a:t>48</a:t>
             </a:fld>
             <a:r>
               <a:rPr lang="en-US" smtClean="0"/>
@@ -1379,7 +1383,7 @@
               <a:pPr>
                 <a:defRPr/>
               </a:pPr>
-              <a:t>45</a:t>
+              <a:t>49</a:t>
             </a:fld>
             <a:r>
               <a:rPr lang="en-US" smtClean="0"/>
@@ -1551,7 +1555,7 @@
               <a:pPr>
                 <a:defRPr/>
               </a:pPr>
-              <a:t>47</a:t>
+              <a:t>51</a:t>
             </a:fld>
             <a:r>
               <a:rPr lang="en-US" smtClean="0"/>
@@ -1723,7 +1727,7 @@
               <a:pPr>
                 <a:defRPr/>
               </a:pPr>
-              <a:t>48</a:t>
+              <a:t>52</a:t>
             </a:fld>
             <a:r>
               <a:rPr lang="en-US" smtClean="0"/>
@@ -1895,7 +1899,7 @@
               <a:pPr>
                 <a:defRPr/>
               </a:pPr>
-              <a:t>49</a:t>
+              <a:t>53</a:t>
             </a:fld>
             <a:r>
               <a:rPr lang="en-US" smtClean="0"/>
@@ -2067,7 +2071,7 @@
               <a:pPr>
                 <a:defRPr/>
               </a:pPr>
-              <a:t>50</a:t>
+              <a:t>54</a:t>
             </a:fld>
             <a:r>
               <a:rPr lang="en-US" smtClean="0"/>
@@ -2239,7 +2243,7 @@
               <a:pPr>
                 <a:defRPr/>
               </a:pPr>
-              <a:t>51</a:t>
+              <a:t>55</a:t>
             </a:fld>
             <a:r>
               <a:rPr lang="en-US" smtClean="0"/>
@@ -2411,7 +2415,7 @@
               <a:pPr>
                 <a:defRPr/>
               </a:pPr>
-              <a:t>52</a:t>
+              <a:t>56</a:t>
             </a:fld>
             <a:r>
               <a:rPr lang="en-US" smtClean="0"/>
@@ -2473,14 +2477,14 @@
           </a:ln>
           <a:extLst>
             <a:ext uri="{909E8E84-426E-40dd-AFC4-6F175D3DCCD1}">
-              <a14:hiddenFill xmlns="" xmlns:a14="http://schemas.microsoft.com/office/drawing/2010/main">
+              <a14:hiddenFill xmlns:a14="http://schemas.microsoft.com/office/drawing/2010/main" xmlns="">
                 <a:solidFill>
                   <a:srgbClr val="FFFFFF"/>
                 </a:solidFill>
               </a14:hiddenFill>
             </a:ext>
             <a:ext uri="{91240B29-F687-4f45-9708-019B960494DF}">
-              <a14:hiddenLine xmlns="" xmlns:a14="http://schemas.microsoft.com/office/drawing/2010/main" w="9525">
+              <a14:hiddenLine xmlns:a14="http://schemas.microsoft.com/office/drawing/2010/main" xmlns="" w="9525">
                 <a:solidFill>
                   <a:srgbClr val="000000"/>
                 </a:solidFill>
@@ -2656,14 +2660,14 @@
           </a:ln>
           <a:extLst>
             <a:ext uri="{909E8E84-426E-40dd-AFC4-6F175D3DCCD1}">
-              <a14:hiddenFill xmlns="" xmlns:a14="http://schemas.microsoft.com/office/drawing/2010/main">
+              <a14:hiddenFill xmlns:a14="http://schemas.microsoft.com/office/drawing/2010/main" xmlns="">
                 <a:solidFill>
                   <a:srgbClr val="FFFFFF"/>
                 </a:solidFill>
               </a14:hiddenFill>
             </a:ext>
             <a:ext uri="{FAA26D3D-D897-4be2-8F04-BA451C77F1D7}">
-              <ma14:placeholderFlag xmlns="" xmlns:ma14="http://schemas.microsoft.com/office/mac/drawingml/2011/main" val="1"/>
+              <ma14:placeholderFlag xmlns:ma14="http://schemas.microsoft.com/office/mac/drawingml/2011/main" xmlns="" val="1"/>
             </a:ext>
           </a:extLst>
         </p:spPr>
@@ -2951,7 +2955,7 @@
               <a:pPr>
                 <a:defRPr/>
               </a:pPr>
-              <a:t>53</a:t>
+              <a:t>57</a:t>
             </a:fld>
             <a:r>
               <a:rPr lang="en-US" smtClean="0"/>
@@ -3123,7 +3127,7 @@
               <a:pPr>
                 <a:defRPr/>
               </a:pPr>
-              <a:t>54</a:t>
+              <a:t>58</a:t>
             </a:fld>
             <a:r>
               <a:rPr lang="en-US" smtClean="0"/>
@@ -3295,7 +3299,7 @@
               <a:pPr>
                 <a:defRPr/>
               </a:pPr>
-              <a:t>55</a:t>
+              <a:t>59</a:t>
             </a:fld>
             <a:r>
               <a:rPr lang="en-US" smtClean="0"/>
@@ -3375,7 +3379,7 @@
           </a:ln>
           <a:extLst>
             <a:ext uri="{909E8E84-426E-40dd-AFC4-6F175D3DCCD1}">
-              <a14:hiddenFill xmlns="" xmlns:a14="http://schemas.microsoft.com/office/drawing/2010/main">
+              <a14:hiddenFill xmlns:a14="http://schemas.microsoft.com/office/drawing/2010/main" xmlns="">
                 <a:solidFill>
                   <a:srgbClr val="FFFFFF"/>
                 </a:solidFill>
@@ -3557,7 +3561,7 @@
               <a:pPr>
                 <a:defRPr/>
               </a:pPr>
-              <a:t>56</a:t>
+              <a:t>60</a:t>
             </a:fld>
             <a:r>
               <a:rPr lang="en-US" smtClean="0"/>
@@ -3729,7 +3733,7 @@
               <a:pPr>
                 <a:defRPr/>
               </a:pPr>
-              <a:t>57</a:t>
+              <a:t>61</a:t>
             </a:fld>
             <a:r>
               <a:rPr lang="en-US" smtClean="0"/>
@@ -3901,7 +3905,7 @@
               <a:pPr>
                 <a:defRPr/>
               </a:pPr>
-              <a:t>58</a:t>
+              <a:t>62</a:t>
             </a:fld>
             <a:r>
               <a:rPr lang="en-US" smtClean="0"/>
@@ -3981,7 +3985,7 @@
           </a:ln>
           <a:extLst>
             <a:ext uri="{909E8E84-426E-40dd-AFC4-6F175D3DCCD1}">
-              <a14:hiddenFill xmlns="" xmlns:a14="http://schemas.microsoft.com/office/drawing/2010/main">
+              <a14:hiddenFill xmlns:a14="http://schemas.microsoft.com/office/drawing/2010/main" xmlns="">
                 <a:solidFill>
                   <a:srgbClr val="FFFFFF"/>
                 </a:solidFill>
@@ -4196,7 +4200,7 @@
               <a:pPr>
                 <a:defRPr/>
               </a:pPr>
-              <a:t>59</a:t>
+              <a:t>63</a:t>
             </a:fld>
             <a:r>
               <a:rPr lang="en-US" smtClean="0"/>
@@ -4275,7 +4279,7 @@
           </a:ln>
           <a:extLst>
             <a:ext uri="{AF507438-7753-43e0-B8FC-AC1667EBCBE1}">
-              <a14:hiddenEffects xmlns="" xmlns:a14="http://schemas.microsoft.com/office/drawing/2010/main">
+              <a14:hiddenEffects xmlns:a14="http://schemas.microsoft.com/office/drawing/2010/main" xmlns="">
                 <a:effectLst>
                   <a:outerShdw blurRad="63500" dist="38099" dir="2700000" algn="ctr" rotWithShape="0">
                     <a:srgbClr val="000000">
@@ -4310,14 +4314,14 @@
           <a:ln/>
           <a:extLst>
             <a:ext uri="{909E8E84-426E-40dd-AFC4-6F175D3DCCD1}">
-              <a14:hiddenFill xmlns="" xmlns:a14="http://schemas.microsoft.com/office/drawing/2010/main">
+              <a14:hiddenFill xmlns:a14="http://schemas.microsoft.com/office/drawing/2010/main" xmlns="">
                 <a:solidFill>
                   <a:srgbClr val="FFFFFF"/>
                 </a:solidFill>
               </a14:hiddenFill>
             </a:ext>
             <a:ext uri="{91240B29-F687-4f45-9708-019B960494DF}">
-              <a14:hiddenLine xmlns="" xmlns:a14="http://schemas.microsoft.com/office/drawing/2010/main" w="9525">
+              <a14:hiddenLine xmlns:a14="http://schemas.microsoft.com/office/drawing/2010/main" xmlns="" w="9525">
                 <a:solidFill>
                   <a:srgbClr val="000000"/>
                 </a:solidFill>
@@ -4327,7 +4331,7 @@
               </a14:hiddenLine>
             </a:ext>
             <a:ext uri="{AF507438-7753-43e0-B8FC-AC1667EBCBE1}">
-              <a14:hiddenEffects xmlns="" xmlns:a14="http://schemas.microsoft.com/office/drawing/2010/main">
+              <a14:hiddenEffects xmlns:a14="http://schemas.microsoft.com/office/drawing/2010/main" xmlns="">
                 <a:effectLst>
                   <a:outerShdw blurRad="63500" dist="38099" dir="2700000" algn="ctr" rotWithShape="0">
                     <a:srgbClr val="000000">
@@ -4711,7 +4715,7 @@
               <a:pPr>
                 <a:defRPr/>
               </a:pPr>
-              <a:t>64</a:t>
+              <a:t>68</a:t>
             </a:fld>
             <a:r>
               <a:rPr lang="en-US" smtClean="0"/>
@@ -4773,14 +4777,14 @@
           </a:ln>
           <a:extLst>
             <a:ext uri="{909E8E84-426E-40dd-AFC4-6F175D3DCCD1}">
-              <a14:hiddenFill xmlns="" xmlns:a14="http://schemas.microsoft.com/office/drawing/2010/main">
+              <a14:hiddenFill xmlns:a14="http://schemas.microsoft.com/office/drawing/2010/main" xmlns="">
                 <a:solidFill>
                   <a:srgbClr val="FFFFFF"/>
                 </a:solidFill>
               </a14:hiddenFill>
             </a:ext>
             <a:ext uri="{91240B29-F687-4f45-9708-019B960494DF}">
-              <a14:hiddenLine xmlns="" xmlns:a14="http://schemas.microsoft.com/office/drawing/2010/main" w="9525">
+              <a14:hiddenLine xmlns:a14="http://schemas.microsoft.com/office/drawing/2010/main" xmlns="" w="9525">
                 <a:solidFill>
                   <a:srgbClr val="000000"/>
                 </a:solidFill>
@@ -4908,7 +4912,7 @@
                 <a:latin typeface="Verdana" charset="0"/>
               </a:rPr>
               <a:pPr algn="r" eaLnBrk="1" hangingPunct="1"/>
-              <a:t>66</a:t>
+              <a:t>70</a:t>
             </a:fld>
             <a:endParaRPr lang="en-US" sz="1200" dirty="0">
               <a:latin typeface="Verdana" charset="0"/>
@@ -4956,14 +4960,14 @@
           </a:ln>
           <a:extLst>
             <a:ext uri="{909E8E84-426E-40dd-AFC4-6F175D3DCCD1}">
-              <a14:hiddenFill xmlns="" xmlns:a14="http://schemas.microsoft.com/office/drawing/2010/main">
+              <a14:hiddenFill xmlns:a14="http://schemas.microsoft.com/office/drawing/2010/main" xmlns="">
                 <a:solidFill>
                   <a:srgbClr val="FFFFFF"/>
                 </a:solidFill>
               </a14:hiddenFill>
             </a:ext>
             <a:ext uri="{FAA26D3D-D897-4be2-8F04-BA451C77F1D7}">
-              <ma14:placeholderFlag xmlns="" xmlns:ma14="http://schemas.microsoft.com/office/mac/drawingml/2011/main" val="1"/>
+              <ma14:placeholderFlag xmlns:ma14="http://schemas.microsoft.com/office/mac/drawingml/2011/main" xmlns="" val="1"/>
             </a:ext>
           </a:extLst>
         </p:spPr>
@@ -5079,7 +5083,7 @@
               <a:pPr>
                 <a:defRPr/>
               </a:pPr>
-              <a:t>66</a:t>
+              <a:t>70</a:t>
             </a:fld>
             <a:r>
               <a:rPr lang="en-US" smtClean="0"/>
@@ -5683,7 +5687,7 @@
     </p:spTree>
     <p:extLst>
       <p:ext uri="{BB962C8B-B14F-4D97-AF65-F5344CB8AC3E}">
-        <p14:creationId xmlns:p14="http://schemas.microsoft.com/office/powerpoint/2010/main" val="2710801028"/>
+        <p14:creationId xmlns:p14="http://schemas.microsoft.com/office/powerpoint/2010/main" val="1384480016"/>
       </p:ext>
     </p:extLst>
   </p:cSld>
@@ -5842,7 +5846,7 @@
               <a:pPr>
                 <a:defRPr/>
               </a:pPr>
-              <a:t>37</a:t>
+              <a:t>41</a:t>
             </a:fld>
             <a:r>
               <a:rPr lang="en-US" smtClean="0"/>
@@ -6014,7 +6018,7 @@
               <a:pPr>
                 <a:defRPr/>
               </a:pPr>
-              <a:t>38</a:t>
+              <a:t>42</a:t>
             </a:fld>
             <a:r>
               <a:rPr lang="en-US" smtClean="0"/>
@@ -6186,7 +6190,7 @@
               <a:pPr>
                 <a:defRPr/>
               </a:pPr>
-              <a:t>39</a:t>
+              <a:t>43</a:t>
             </a:fld>
             <a:r>
               <a:rPr lang="en-US" smtClean="0"/>
@@ -6362,7 +6366,7 @@
               <a:pPr>
                 <a:defRPr/>
               </a:pPr>
-              <a:t>41</a:t>
+              <a:t>45</a:t>
             </a:fld>
             <a:r>
               <a:rPr lang="en-US" smtClean="0"/>
@@ -6520,9 +6524,9 @@
           <a:bodyPr/>
           <a:lstStyle/>
           <a:p>
-            <a:fld id="{07EADAF6-6359-4FCF-8BC0-9A0720EA00B0}" type="datetime1">
-              <a:rPr lang="en-US" smtClean="0"/>
-              <a:t>11/14/2021</a:t>
+            <a:fld id="{3893B2B2-4038-4C27-BE41-FFDF97FE67FC}" type="datetime1">
+              <a:rPr lang="en-US" smtClean="0"/>
+              <a:t>11/15/2021</a:t>
             </a:fld>
             <a:endParaRPr lang="en-US"/>
           </a:p>
@@ -6771,9 +6775,9 @@
           <a:bodyPr/>
           <a:lstStyle/>
           <a:p>
-            <a:fld id="{A64567A6-4995-4947-A952-4EF970386EDF}" type="datetime1">
-              <a:rPr lang="en-US" smtClean="0"/>
-              <a:t>11/14/2021</a:t>
+            <a:fld id="{2EDF292E-3C7B-493C-991E-4764593041FC}" type="datetime1">
+              <a:rPr lang="en-US" smtClean="0"/>
+              <a:t>11/15/2021</a:t>
             </a:fld>
             <a:endParaRPr lang="en-US"/>
           </a:p>
@@ -6951,9 +6955,9 @@
           <a:bodyPr/>
           <a:lstStyle/>
           <a:p>
-            <a:fld id="{A870013D-6DFB-459E-A41F-12CA7AF0BA96}" type="datetime1">
-              <a:rPr lang="en-US" smtClean="0"/>
-              <a:t>11/14/2021</a:t>
+            <a:fld id="{A341C04D-32BA-4347-8086-08E5C96208D0}" type="datetime1">
+              <a:rPr lang="en-US" smtClean="0"/>
+              <a:t>11/15/2021</a:t>
             </a:fld>
             <a:endParaRPr lang="en-US"/>
           </a:p>
@@ -7207,9 +7211,9 @@
           <a:bodyPr/>
           <a:lstStyle/>
           <a:p>
-            <a:fld id="{F7E5739F-ED22-4640-B3FF-0E0A98DC997D}" type="datetime1">
-              <a:rPr lang="en-US" smtClean="0"/>
-              <a:t>11/14/2021</a:t>
+            <a:fld id="{B8FFB4ED-58E4-4CD8-9B4A-0077E7AD499F}" type="datetime1">
+              <a:rPr lang="en-US" smtClean="0"/>
+              <a:t>11/15/2021</a:t>
             </a:fld>
             <a:endParaRPr lang="en-US"/>
           </a:p>
@@ -7552,9 +7556,9 @@
           <a:bodyPr/>
           <a:lstStyle/>
           <a:p>
-            <a:fld id="{F88DA124-B393-41F9-85BB-B47AB78CBC1B}" type="datetime1">
-              <a:rPr lang="en-US" smtClean="0"/>
-              <a:t>11/14/2021</a:t>
+            <a:fld id="{B5285AD8-C0BB-43A5-BAD8-F615BA524505}" type="datetime1">
+              <a:rPr lang="en-US" smtClean="0"/>
+              <a:t>11/15/2021</a:t>
             </a:fld>
             <a:endParaRPr lang="en-US"/>
           </a:p>
@@ -7784,9 +7788,9 @@
           <a:bodyPr/>
           <a:lstStyle/>
           <a:p>
-            <a:fld id="{5DB555D1-C4BB-432E-89A5-5CADFB67BBBF}" type="datetime1">
-              <a:rPr lang="en-US" smtClean="0"/>
-              <a:t>11/14/2021</a:t>
+            <a:fld id="{C8242BE0-A2F3-4D8F-98B8-3926370542E4}" type="datetime1">
+              <a:rPr lang="en-US" smtClean="0"/>
+              <a:t>11/15/2021</a:t>
             </a:fld>
             <a:endParaRPr lang="en-US"/>
           </a:p>
@@ -8151,9 +8155,9 @@
           <a:bodyPr/>
           <a:lstStyle/>
           <a:p>
-            <a:fld id="{F5013F14-7F6D-4787-9C7A-30F40D3EE374}" type="datetime1">
-              <a:rPr lang="en-US" smtClean="0"/>
-              <a:t>11/14/2021</a:t>
+            <a:fld id="{C22EE46A-9004-4F68-B3E2-F78F67F33509}" type="datetime1">
+              <a:rPr lang="en-US" smtClean="0"/>
+              <a:t>11/15/2021</a:t>
             </a:fld>
             <a:endParaRPr lang="en-US"/>
           </a:p>
@@ -8246,9 +8250,9 @@
           <a:bodyPr/>
           <a:lstStyle/>
           <a:p>
-            <a:fld id="{50443B19-A811-42B9-B4A1-00A4783FEB53}" type="datetime1">
-              <a:rPr lang="en-US" smtClean="0"/>
-              <a:t>11/14/2021</a:t>
+            <a:fld id="{22A62ABF-3675-4388-AADF-6054960CB9C0}" type="datetime1">
+              <a:rPr lang="en-US" smtClean="0"/>
+              <a:t>11/15/2021</a:t>
             </a:fld>
             <a:endParaRPr lang="en-US"/>
           </a:p>
@@ -8471,7 +8475,7 @@
             <a:fld id="{B2F5E2FA-C428-4CE7-95B0-168D3259A5BB}" type="datetimeFigureOut">
               <a:rPr lang="en-US" smtClean="0"/>
               <a:pPr/>
-              <a:t>11/14/2021</a:t>
+              <a:t>11/15/2021</a:t>
             </a:fld>
             <a:endParaRPr lang="en-US"/>
           </a:p>
@@ -8640,9 +8644,9 @@
           <a:bodyPr/>
           <a:lstStyle/>
           <a:p>
-            <a:fld id="{7BB3CAE7-223D-4385-9623-B7547F404ABD}" type="datetime1">
-              <a:rPr lang="en-US" smtClean="0"/>
-              <a:t>11/14/2021</a:t>
+            <a:fld id="{4BDD0A2E-A557-4EE7-9BF2-43C017C04ED5}" type="datetime1">
+              <a:rPr lang="en-US" smtClean="0"/>
+              <a:t>11/15/2021</a:t>
             </a:fld>
             <a:endParaRPr lang="en-US"/>
           </a:p>
@@ -8917,9 +8921,9 @@
           <a:bodyPr/>
           <a:lstStyle/>
           <a:p>
-            <a:fld id="{1600372F-63A8-4906-8DE2-46500DF4434B}" type="datetime1">
-              <a:rPr lang="en-US" smtClean="0"/>
-              <a:t>11/14/2021</a:t>
+            <a:fld id="{FF90B3B6-75C1-43BC-B878-000D55F17770}" type="datetime1">
+              <a:rPr lang="en-US" smtClean="0"/>
+              <a:t>11/15/2021</a:t>
             </a:fld>
             <a:endParaRPr lang="en-US"/>
           </a:p>
@@ -9170,9 +9174,9 @@
           <a:bodyPr/>
           <a:lstStyle/>
           <a:p>
-            <a:fld id="{96617AD2-F699-4620-9C80-1A23D669CB5F}" type="datetime1">
-              <a:rPr lang="en-US" smtClean="0"/>
-              <a:t>11/14/2021</a:t>
+            <a:fld id="{821D8A8D-1A52-45F9-B193-4918DD22A7FD}" type="datetime1">
+              <a:rPr lang="en-US" smtClean="0"/>
+              <a:t>11/15/2021</a:t>
             </a:fld>
             <a:endParaRPr lang="en-US"/>
           </a:p>
@@ -9383,9 +9387,9 @@
             </a:lvl1pPr>
           </a:lstStyle>
           <a:p>
-            <a:fld id="{AA00B3B3-C61C-4552-AFE7-BE78BC38F2E7}" type="datetime1">
-              <a:rPr lang="en-US" smtClean="0"/>
-              <a:t>11/14/2021</a:t>
+            <a:fld id="{F4F599D2-0BF1-4196-9BBF-D566F2610F29}" type="datetime1">
+              <a:rPr lang="en-US" smtClean="0"/>
+              <a:t>11/15/2021</a:t>
             </a:fld>
             <a:endParaRPr lang="en-US"/>
           </a:p>
@@ -9984,7 +9988,7 @@
     </p:spTree>
     <p:extLst>
       <p:ext uri="{BB962C8B-B14F-4D97-AF65-F5344CB8AC3E}">
-        <p14:creationId xmlns:p14="http://schemas.microsoft.com/office/powerpoint/2010/main" val="2604737465"/>
+        <p14:creationId xmlns:p14="http://schemas.microsoft.com/office/powerpoint/2010/main" val="336426633"/>
       </p:ext>
     </p:extLst>
   </p:cSld>
@@ -10133,7 +10137,7 @@
     </p:spTree>
     <p:extLst>
       <p:ext uri="{BB962C8B-B14F-4D97-AF65-F5344CB8AC3E}">
-        <p14:creationId xmlns:p14="http://schemas.microsoft.com/office/powerpoint/2010/main" val="413336838"/>
+        <p14:creationId xmlns:p14="http://schemas.microsoft.com/office/powerpoint/2010/main" val="1909803971"/>
       </p:ext>
     </p:extLst>
   </p:cSld>
@@ -10289,7 +10293,7 @@
     </p:spTree>
     <p:extLst>
       <p:ext uri="{BB962C8B-B14F-4D97-AF65-F5344CB8AC3E}">
-        <p14:creationId xmlns:p14="http://schemas.microsoft.com/office/powerpoint/2010/main" val="3287387383"/>
+        <p14:creationId xmlns:p14="http://schemas.microsoft.com/office/powerpoint/2010/main" val="2431201287"/>
       </p:ext>
     </p:extLst>
   </p:cSld>
@@ -10425,7 +10429,7 @@
     </p:spTree>
     <p:extLst>
       <p:ext uri="{BB962C8B-B14F-4D97-AF65-F5344CB8AC3E}">
-        <p14:creationId xmlns:p14="http://schemas.microsoft.com/office/powerpoint/2010/main" val="3656071811"/>
+        <p14:creationId xmlns:p14="http://schemas.microsoft.com/office/powerpoint/2010/main" val="2350328667"/>
       </p:ext>
     </p:extLst>
   </p:cSld>
@@ -10585,7 +10589,7 @@
     </p:spTree>
     <p:extLst>
       <p:ext uri="{BB962C8B-B14F-4D97-AF65-F5344CB8AC3E}">
-        <p14:creationId xmlns:p14="http://schemas.microsoft.com/office/powerpoint/2010/main" val="2264943252"/>
+        <p14:creationId xmlns:p14="http://schemas.microsoft.com/office/powerpoint/2010/main" val="4031956432"/>
       </p:ext>
     </p:extLst>
   </p:cSld>
@@ -10635,25 +10639,6 @@
           </a:p>
         </p:txBody>
       </p:sp>
-      <p:sp>
-        <p:nvSpPr>
-          <p:cNvPr id="3" name="Content Placeholder 2"/>
-          <p:cNvSpPr>
-            <a:spLocks noGrp="1"/>
-          </p:cNvSpPr>
-          <p:nvPr>
-            <p:ph idx="1"/>
-          </p:nvPr>
-        </p:nvSpPr>
-        <p:spPr/>
-        <p:txBody>
-          <a:bodyPr/>
-          <a:lstStyle/>
-          <a:p>
-            <a:endParaRPr lang="en-US"/>
-          </a:p>
-        </p:txBody>
-      </p:sp>
       <p:pic>
         <p:nvPicPr>
           <p:cNvPr id="4" name="Picture 3"/>
@@ -10670,7 +10655,7 @@
         </p:blipFill>
         <p:spPr>
           <a:xfrm>
-            <a:off x="2466468" y="1825625"/>
+            <a:off x="2388830" y="1520900"/>
             <a:ext cx="7259063" cy="4658375"/>
           </a:xfrm>
           <a:prstGeom prst="rect">
@@ -10680,7 +10665,7 @@
       </p:pic>
       <p:sp>
         <p:nvSpPr>
-          <p:cNvPr id="5" name="Slide Number Placeholder 4"/>
+          <p:cNvPr id="3" name="Slide Number Placeholder 2"/>
           <p:cNvSpPr>
             <a:spLocks noGrp="1"/>
           </p:cNvSpPr>
@@ -10705,7 +10690,7 @@
     </p:spTree>
     <p:extLst>
       <p:ext uri="{BB962C8B-B14F-4D97-AF65-F5344CB8AC3E}">
-        <p14:creationId xmlns:p14="http://schemas.microsoft.com/office/powerpoint/2010/main" val="1212899563"/>
+        <p14:creationId xmlns:p14="http://schemas.microsoft.com/office/powerpoint/2010/main" val="738414213"/>
       </p:ext>
     </p:extLst>
   </p:cSld>
@@ -10854,7 +10839,7 @@
     </p:spTree>
     <p:extLst>
       <p:ext uri="{BB962C8B-B14F-4D97-AF65-F5344CB8AC3E}">
-        <p14:creationId xmlns:p14="http://schemas.microsoft.com/office/powerpoint/2010/main" val="3137380238"/>
+        <p14:creationId xmlns:p14="http://schemas.microsoft.com/office/powerpoint/2010/main" val="176424688"/>
       </p:ext>
     </p:extLst>
   </p:cSld>
@@ -10919,7 +10904,7 @@
           <a:bodyPr/>
           <a:lstStyle/>
           <a:p>
-            <a:endParaRPr lang="en-US"/>
+            <a:endParaRPr lang="en-US" dirty="0"/>
           </a:p>
         </p:txBody>
       </p:sp>
@@ -10939,7 +10924,7 @@
         </p:blipFill>
         <p:spPr>
           <a:xfrm>
-            <a:off x="3161890" y="1690688"/>
+            <a:off x="2928977" y="1373242"/>
             <a:ext cx="5868219" cy="4953691"/>
           </a:xfrm>
           <a:prstGeom prst="rect">
@@ -10974,7 +10959,7 @@
     </p:spTree>
     <p:extLst>
       <p:ext uri="{BB962C8B-B14F-4D97-AF65-F5344CB8AC3E}">
-        <p14:creationId xmlns:p14="http://schemas.microsoft.com/office/powerpoint/2010/main" val="1349186840"/>
+        <p14:creationId xmlns:p14="http://schemas.microsoft.com/office/powerpoint/2010/main" val="2156254330"/>
       </p:ext>
     </p:extLst>
   </p:cSld>
@@ -11059,7 +11044,7 @@
         </p:blipFill>
         <p:spPr>
           <a:xfrm>
-            <a:off x="3784329" y="1691159"/>
+            <a:off x="3672186" y="1406880"/>
             <a:ext cx="4744112" cy="4620270"/>
           </a:xfrm>
           <a:prstGeom prst="rect">
@@ -11094,7 +11079,7 @@
     </p:spTree>
     <p:extLst>
       <p:ext uri="{BB962C8B-B14F-4D97-AF65-F5344CB8AC3E}">
-        <p14:creationId xmlns:p14="http://schemas.microsoft.com/office/powerpoint/2010/main" val="733921161"/>
+        <p14:creationId xmlns:p14="http://schemas.microsoft.com/office/powerpoint/2010/main" val="1007371961"/>
       </p:ext>
     </p:extLst>
   </p:cSld>
@@ -11179,7 +11164,7 @@
         </p:blipFill>
         <p:spPr>
           <a:xfrm>
-            <a:off x="3547707" y="1621151"/>
+            <a:off x="3470069" y="1378005"/>
             <a:ext cx="5096586" cy="4944165"/>
           </a:xfrm>
           <a:prstGeom prst="rect">
@@ -11214,7 +11199,7 @@
     </p:spTree>
     <p:extLst>
       <p:ext uri="{BB962C8B-B14F-4D97-AF65-F5344CB8AC3E}">
-        <p14:creationId xmlns:p14="http://schemas.microsoft.com/office/powerpoint/2010/main" val="553700858"/>
+        <p14:creationId xmlns:p14="http://schemas.microsoft.com/office/powerpoint/2010/main" val="2621155964"/>
       </p:ext>
     </p:extLst>
   </p:cSld>
@@ -11776,49 +11761,70 @@
       </p:grpSpPr>
       <p:sp>
         <p:nvSpPr>
+          <p:cNvPr id="4" name="Slide Number Placeholder 3"/>
+          <p:cNvSpPr>
+            <a:spLocks noGrp="1"/>
+          </p:cNvSpPr>
+          <p:nvPr>
+            <p:ph type="sldNum" sz="quarter" idx="12"/>
+          </p:nvPr>
+        </p:nvSpPr>
+        <p:spPr/>
+        <p:txBody>
+          <a:bodyPr/>
+          <a:lstStyle/>
+          <a:p>
+            <a:fld id="{B543A0FD-1CA6-4228-86A2-78061B4844C8}" type="slidenum">
+              <a:rPr lang="en-US" smtClean="0"/>
+              <a:t>20</a:t>
+            </a:fld>
+            <a:endParaRPr lang="en-US"/>
+          </a:p>
+        </p:txBody>
+      </p:sp>
+      <p:sp>
+        <p:nvSpPr>
           <p:cNvPr id="2" name="Title 1"/>
           <p:cNvSpPr>
             <a:spLocks noGrp="1"/>
           </p:cNvSpPr>
           <p:nvPr>
-            <p:ph type="title"/>
-          </p:nvPr>
-        </p:nvSpPr>
-        <p:spPr/>
-        <p:txBody>
-          <a:bodyPr/>
-          <a:lstStyle/>
-          <a:p>
-            <a:r>
-              <a:rPr lang="en-US" dirty="0" smtClean="0"/>
-              <a:t>Port Event Sequence: Correct PIN on 1st Try </a:t>
-            </a:r>
-            <a:endParaRPr lang="en-US" dirty="0"/>
-          </a:p>
-        </p:txBody>
-      </p:sp>
-      <p:sp>
-        <p:nvSpPr>
-          <p:cNvPr id="3" name="Content Placeholder 2"/>
-          <p:cNvSpPr>
-            <a:spLocks noGrp="1"/>
-          </p:cNvSpPr>
-          <p:nvPr>
-            <p:ph idx="1"/>
-          </p:nvPr>
-        </p:nvSpPr>
-        <p:spPr/>
-        <p:txBody>
-          <a:bodyPr/>
-          <a:lstStyle/>
-          <a:p>
-            <a:endParaRPr lang="en-US"/>
+            <p:ph type="title" idx="4294967295"/>
+          </p:nvPr>
+        </p:nvSpPr>
+        <p:spPr>
+          <a:xfrm>
+            <a:off x="7589838" y="485895"/>
+            <a:ext cx="3763962" cy="5340350"/>
+          </a:xfrm>
+        </p:spPr>
+        <p:txBody>
+          <a:bodyPr>
+            <a:normAutofit/>
+          </a:bodyPr>
+          <a:lstStyle/>
+          <a:p>
+            <a:r>
+              <a:rPr lang="en-US" dirty="0">
+                <a:solidFill>
+                  <a:schemeClr val="tx1"/>
+                </a:solidFill>
+                <a:latin typeface="Candara" panose="020E0502030303020204" pitchFamily="34" charset="0"/>
+              </a:rPr>
+              <a:t>Uppermost level SAT M finite state machine.</a:t>
+            </a:r>
+            <a:endParaRPr lang="en-US" dirty="0">
+              <a:solidFill>
+                <a:schemeClr val="tx1"/>
+              </a:solidFill>
+              <a:latin typeface="Candara" panose="020E0502030303020204" pitchFamily="34" charset="0"/>
+            </a:endParaRPr>
           </a:p>
         </p:txBody>
       </p:sp>
       <p:pic>
         <p:nvPicPr>
-          <p:cNvPr id="4" name="Picture 3"/>
+          <p:cNvPr id="5" name="Picture 4"/>
           <p:cNvPicPr>
             <a:picLocks noChangeAspect="1"/>
           </p:cNvPicPr>
@@ -11832,42 +11838,18 @@
         </p:blipFill>
         <p:spPr>
           <a:xfrm>
-            <a:off x="2652341" y="1589859"/>
-            <a:ext cx="6611273" cy="4563112"/>
+            <a:off x="838200" y="275144"/>
+            <a:ext cx="5609159" cy="6354256"/>
           </a:xfrm>
           <a:prstGeom prst="rect">
             <a:avLst/>
           </a:prstGeom>
         </p:spPr>
       </p:pic>
-      <p:sp>
-        <p:nvSpPr>
-          <p:cNvPr id="5" name="Slide Number Placeholder 4"/>
-          <p:cNvSpPr>
-            <a:spLocks noGrp="1"/>
-          </p:cNvSpPr>
-          <p:nvPr>
-            <p:ph type="sldNum" sz="quarter" idx="12"/>
-          </p:nvPr>
-        </p:nvSpPr>
-        <p:spPr/>
-        <p:txBody>
-          <a:bodyPr/>
-          <a:lstStyle/>
-          <a:p>
-            <a:fld id="{B8DACC02-A2BD-4578-8E03-6D891060A695}" type="slidenum">
-              <a:rPr lang="en-US" smtClean="0"/>
-              <a:pPr/>
-              <a:t>20</a:t>
-            </a:fld>
-            <a:endParaRPr lang="en-US" dirty="0"/>
-          </a:p>
-        </p:txBody>
-      </p:sp>
     </p:spTree>
     <p:extLst>
       <p:ext uri="{BB962C8B-B14F-4D97-AF65-F5344CB8AC3E}">
-        <p14:creationId xmlns:p14="http://schemas.microsoft.com/office/powerpoint/2010/main" val="101190180"/>
+        <p14:creationId xmlns:p14="http://schemas.microsoft.com/office/powerpoint/2010/main" val="2106932982"/>
       </p:ext>
     </p:extLst>
   </p:cSld>
@@ -11896,49 +11878,64 @@
       </p:grpSpPr>
       <p:sp>
         <p:nvSpPr>
+          <p:cNvPr id="4" name="Slide Number Placeholder 3"/>
+          <p:cNvSpPr>
+            <a:spLocks noGrp="1"/>
+          </p:cNvSpPr>
+          <p:nvPr>
+            <p:ph type="sldNum" sz="quarter" idx="12"/>
+          </p:nvPr>
+        </p:nvSpPr>
+        <p:spPr/>
+        <p:txBody>
+          <a:bodyPr/>
+          <a:lstStyle/>
+          <a:p>
+            <a:fld id="{B543A0FD-1CA6-4228-86A2-78061B4844C8}" type="slidenum">
+              <a:rPr lang="en-US" smtClean="0"/>
+              <a:t>21</a:t>
+            </a:fld>
+            <a:endParaRPr lang="en-US"/>
+          </a:p>
+        </p:txBody>
+      </p:sp>
+      <p:sp>
+        <p:nvSpPr>
           <p:cNvPr id="2" name="Title 1"/>
           <p:cNvSpPr>
             <a:spLocks noGrp="1"/>
           </p:cNvSpPr>
           <p:nvPr>
-            <p:ph type="title"/>
-          </p:nvPr>
-        </p:nvSpPr>
-        <p:spPr/>
-        <p:txBody>
-          <a:bodyPr/>
-          <a:lstStyle/>
-          <a:p>
-            <a:r>
-              <a:rPr lang="en-US" dirty="0" smtClean="0"/>
-              <a:t>Use Case: Correct PIN on 1st Try</a:t>
-            </a:r>
-            <a:endParaRPr lang="en-US" dirty="0"/>
-          </a:p>
-        </p:txBody>
-      </p:sp>
-      <p:sp>
-        <p:nvSpPr>
-          <p:cNvPr id="3" name="Content Placeholder 2"/>
-          <p:cNvSpPr>
-            <a:spLocks noGrp="1"/>
-          </p:cNvSpPr>
-          <p:nvPr>
-            <p:ph idx="1"/>
-          </p:nvPr>
-        </p:nvSpPr>
-        <p:spPr/>
-        <p:txBody>
-          <a:bodyPr/>
-          <a:lstStyle/>
-          <a:p>
-            <a:endParaRPr lang="en-US"/>
+            <p:ph type="title" idx="4294967295"/>
+          </p:nvPr>
+        </p:nvSpPr>
+        <p:spPr>
+          <a:xfrm>
+            <a:off x="7087439" y="365125"/>
+            <a:ext cx="4578350" cy="5811838"/>
+          </a:xfrm>
+        </p:spPr>
+        <p:txBody>
+          <a:bodyPr vert="horz" lIns="91440" tIns="45720" rIns="91440" bIns="45720" rtlCol="0" anchor="ctr">
+            <a:normAutofit/>
+          </a:bodyPr>
+          <a:lstStyle/>
+          <a:p>
+            <a:r>
+              <a:rPr lang="en-US" dirty="0">
+                <a:latin typeface="Candara" panose="020E0502030303020204" pitchFamily="34" charset="0"/>
+              </a:rPr>
+              <a:t>Decomposition of PIN entry state.</a:t>
+            </a:r>
+            <a:endParaRPr lang="en-US" dirty="0">
+              <a:latin typeface="Candara" panose="020E0502030303020204" pitchFamily="34" charset="0"/>
+            </a:endParaRPr>
           </a:p>
         </p:txBody>
       </p:sp>
       <p:pic>
         <p:nvPicPr>
-          <p:cNvPr id="4" name="Picture 3"/>
+          <p:cNvPr id="5" name="Picture 4"/>
           <p:cNvPicPr>
             <a:picLocks noChangeAspect="1"/>
           </p:cNvPicPr>
@@ -11952,42 +11949,18 @@
         </p:blipFill>
         <p:spPr>
           <a:xfrm>
-            <a:off x="1715533" y="1311989"/>
-            <a:ext cx="8364117" cy="5058481"/>
+            <a:off x="1073681" y="365125"/>
+            <a:ext cx="5125165" cy="5439534"/>
           </a:xfrm>
           <a:prstGeom prst="rect">
             <a:avLst/>
           </a:prstGeom>
         </p:spPr>
       </p:pic>
-      <p:sp>
-        <p:nvSpPr>
-          <p:cNvPr id="5" name="Slide Number Placeholder 4"/>
-          <p:cNvSpPr>
-            <a:spLocks noGrp="1"/>
-          </p:cNvSpPr>
-          <p:nvPr>
-            <p:ph type="sldNum" sz="quarter" idx="12"/>
-          </p:nvPr>
-        </p:nvSpPr>
-        <p:spPr/>
-        <p:txBody>
-          <a:bodyPr/>
-          <a:lstStyle/>
-          <a:p>
-            <a:fld id="{B8DACC02-A2BD-4578-8E03-6D891060A695}" type="slidenum">
-              <a:rPr lang="en-US" smtClean="0"/>
-              <a:pPr/>
-              <a:t>21</a:t>
-            </a:fld>
-            <a:endParaRPr lang="en-US" dirty="0"/>
-          </a:p>
-        </p:txBody>
-      </p:sp>
     </p:spTree>
     <p:extLst>
       <p:ext uri="{BB962C8B-B14F-4D97-AF65-F5344CB8AC3E}">
-        <p14:creationId xmlns:p14="http://schemas.microsoft.com/office/powerpoint/2010/main" val="2394798053"/>
+        <p14:creationId xmlns:p14="http://schemas.microsoft.com/office/powerpoint/2010/main" val="3513961394"/>
       </p:ext>
     </p:extLst>
   </p:cSld>
@@ -12016,49 +11989,64 @@
       </p:grpSpPr>
       <p:sp>
         <p:nvSpPr>
+          <p:cNvPr id="4" name="Slide Number Placeholder 3"/>
+          <p:cNvSpPr>
+            <a:spLocks noGrp="1"/>
+          </p:cNvSpPr>
+          <p:nvPr>
+            <p:ph type="sldNum" sz="quarter" idx="12"/>
+          </p:nvPr>
+        </p:nvSpPr>
+        <p:spPr/>
+        <p:txBody>
+          <a:bodyPr/>
+          <a:lstStyle/>
+          <a:p>
+            <a:fld id="{B543A0FD-1CA6-4228-86A2-78061B4844C8}" type="slidenum">
+              <a:rPr lang="en-US" smtClean="0"/>
+              <a:t>22</a:t>
+            </a:fld>
+            <a:endParaRPr lang="en-US"/>
+          </a:p>
+        </p:txBody>
+      </p:sp>
+      <p:sp>
+        <p:nvSpPr>
           <p:cNvPr id="2" name="Title 1"/>
           <p:cNvSpPr>
             <a:spLocks noGrp="1"/>
           </p:cNvSpPr>
           <p:nvPr>
-            <p:ph type="title"/>
-          </p:nvPr>
-        </p:nvSpPr>
-        <p:spPr/>
-        <p:txBody>
-          <a:bodyPr/>
-          <a:lstStyle/>
-          <a:p>
-            <a:r>
-              <a:rPr lang="en-US" dirty="0" smtClean="0"/>
-              <a:t>Test Case: Correct PIN on 1st Try</a:t>
-            </a:r>
-            <a:endParaRPr lang="en-US" dirty="0"/>
-          </a:p>
-        </p:txBody>
-      </p:sp>
-      <p:sp>
-        <p:nvSpPr>
-          <p:cNvPr id="3" name="Content Placeholder 2"/>
-          <p:cNvSpPr>
-            <a:spLocks noGrp="1"/>
-          </p:cNvSpPr>
-          <p:nvPr>
-            <p:ph idx="1"/>
-          </p:nvPr>
-        </p:nvSpPr>
-        <p:spPr/>
-        <p:txBody>
-          <a:bodyPr/>
-          <a:lstStyle/>
-          <a:p>
-            <a:endParaRPr lang="en-US"/>
+            <p:ph type="title" idx="4294967295"/>
+          </p:nvPr>
+        </p:nvSpPr>
+        <p:spPr>
+          <a:xfrm>
+            <a:off x="7809242" y="429523"/>
+            <a:ext cx="4029075" cy="5422900"/>
+          </a:xfrm>
+        </p:spPr>
+        <p:txBody>
+          <a:bodyPr vert="horz" lIns="91440" tIns="45720" rIns="91440" bIns="45720" rtlCol="0" anchor="ctr">
+            <a:normAutofit/>
+          </a:bodyPr>
+          <a:lstStyle/>
+          <a:p>
+            <a:r>
+              <a:rPr lang="en-US" dirty="0">
+                <a:latin typeface="Candara" panose="020E0502030303020204" pitchFamily="34" charset="0"/>
+              </a:rPr>
+              <a:t>Decomposition of transaction processing state</a:t>
+            </a:r>
+            <a:endParaRPr lang="en-US" dirty="0">
+              <a:latin typeface="Candara" panose="020E0502030303020204" pitchFamily="34" charset="0"/>
+            </a:endParaRPr>
           </a:p>
         </p:txBody>
       </p:sp>
       <p:pic>
         <p:nvPicPr>
-          <p:cNvPr id="4" name="Picture 3"/>
+          <p:cNvPr id="5" name="Picture 4"/>
           <p:cNvPicPr>
             <a:picLocks noChangeAspect="1"/>
           </p:cNvPicPr>
@@ -12072,42 +12060,18 @@
         </p:blipFill>
         <p:spPr>
           <a:xfrm>
-            <a:off x="2009903" y="1340606"/>
-            <a:ext cx="8326012" cy="5039428"/>
+            <a:off x="1283722" y="116131"/>
+            <a:ext cx="6277851" cy="6516009"/>
           </a:xfrm>
           <a:prstGeom prst="rect">
             <a:avLst/>
           </a:prstGeom>
         </p:spPr>
       </p:pic>
-      <p:sp>
-        <p:nvSpPr>
-          <p:cNvPr id="5" name="Slide Number Placeholder 4"/>
-          <p:cNvSpPr>
-            <a:spLocks noGrp="1"/>
-          </p:cNvSpPr>
-          <p:nvPr>
-            <p:ph type="sldNum" sz="quarter" idx="12"/>
-          </p:nvPr>
-        </p:nvSpPr>
-        <p:spPr/>
-        <p:txBody>
-          <a:bodyPr/>
-          <a:lstStyle/>
-          <a:p>
-            <a:fld id="{B8DACC02-A2BD-4578-8E03-6D891060A695}" type="slidenum">
-              <a:rPr lang="en-US" smtClean="0"/>
-              <a:pPr/>
-              <a:t>22</a:t>
-            </a:fld>
-            <a:endParaRPr lang="en-US" dirty="0"/>
-          </a:p>
-        </p:txBody>
-      </p:sp>
     </p:spTree>
     <p:extLst>
       <p:ext uri="{BB962C8B-B14F-4D97-AF65-F5344CB8AC3E}">
-        <p14:creationId xmlns:p14="http://schemas.microsoft.com/office/powerpoint/2010/main" val="370165657"/>
+        <p14:creationId xmlns:p14="http://schemas.microsoft.com/office/powerpoint/2010/main" val="1524018250"/>
       </p:ext>
     </p:extLst>
   </p:cSld>
@@ -12136,73 +12100,366 @@
       </p:grpSpPr>
       <p:sp>
         <p:nvSpPr>
-          <p:cNvPr id="2" name="Title 1"/>
-          <p:cNvSpPr>
-            <a:spLocks noGrp="1"/>
+          <p:cNvPr id="14343" name="Rectangle 7"/>
+          <p:cNvSpPr>
+            <a:spLocks noGrp="1" noChangeArrowheads="1"/>
           </p:cNvSpPr>
           <p:nvPr>
             <p:ph type="title"/>
           </p:nvPr>
         </p:nvSpPr>
-        <p:spPr/>
-        <p:txBody>
-          <a:bodyPr/>
-          <a:lstStyle/>
-          <a:p>
-            <a:r>
-              <a:rPr lang="en-US" dirty="0" smtClean="0"/>
-              <a:t>System Test Case: Correct PIN on 1st Try</a:t>
-            </a:r>
-            <a:endParaRPr lang="en-US" dirty="0"/>
-          </a:p>
-        </p:txBody>
-      </p:sp>
-      <p:sp>
-        <p:nvSpPr>
-          <p:cNvPr id="3" name="Content Placeholder 2"/>
-          <p:cNvSpPr>
-            <a:spLocks noGrp="1"/>
+        <p:spPr>
+          <a:extLst>
+            <a:ext uri="{AF507438-7753-43E0-B8FC-AC1667EBCBE1}">
+              <a14:hiddenEffects xmlns:a14="http://schemas.microsoft.com/office/drawing/2010/main">
+                <a:effectLst>
+                  <a:outerShdw blurRad="63500" dist="38099" dir="2700000" algn="ctr" rotWithShape="0">
+                    <a:schemeClr val="bg2">
+                      <a:alpha val="74997"/>
+                    </a:schemeClr>
+                  </a:outerShdw>
+                </a:effectLst>
+              </a14:hiddenEffects>
+            </a:ext>
+          </a:extLst>
+        </p:spPr>
+        <p:txBody>
+          <a:bodyPr>
+            <a:normAutofit/>
+          </a:bodyPr>
+          <a:lstStyle/>
+          <a:p>
+            <a:pPr>
+              <a:defRPr/>
+            </a:pPr>
+            <a:r>
+              <a:rPr lang="en-US" altLang="en-US" dirty="0"/>
+              <a:t>Paths in the SATM PIN Try State</a:t>
+            </a:r>
+          </a:p>
+        </p:txBody>
+      </p:sp>
+      <p:sp>
+        <p:nvSpPr>
+          <p:cNvPr id="14344" name="Rectangle 8"/>
+          <p:cNvSpPr>
+            <a:spLocks noGrp="1" noChangeArrowheads="1"/>
           </p:cNvSpPr>
           <p:nvPr>
             <p:ph idx="1"/>
           </p:nvPr>
         </p:nvSpPr>
-        <p:spPr/>
-        <p:txBody>
-          <a:bodyPr/>
-          <a:lstStyle/>
-          <a:p>
-            <a:endParaRPr lang="en-US"/>
-          </a:p>
-        </p:txBody>
-      </p:sp>
-      <p:pic>
-        <p:nvPicPr>
-          <p:cNvPr id="4" name="Picture 3"/>
-          <p:cNvPicPr>
-            <a:picLocks noChangeAspect="1"/>
-          </p:cNvPicPr>
-          <p:nvPr/>
-        </p:nvPicPr>
-        <p:blipFill>
-          <a:blip r:embed="rId2"/>
-          <a:stretch>
-            <a:fillRect/>
-          </a:stretch>
-        </p:blipFill>
         <p:spPr>
-          <a:xfrm>
-            <a:off x="2091823" y="1406880"/>
-            <a:ext cx="7611537" cy="5058481"/>
-          </a:xfrm>
-          <a:prstGeom prst="rect">
-            <a:avLst/>
-          </a:prstGeom>
+          <a:extLst>
+            <a:ext uri="{AF507438-7753-43E0-B8FC-AC1667EBCBE1}">
+              <a14:hiddenEffects xmlns:a14="http://schemas.microsoft.com/office/drawing/2010/main">
+                <a:effectLst>
+                  <a:outerShdw blurRad="63500" dist="38099" dir="2700000" algn="ctr" rotWithShape="0">
+                    <a:schemeClr val="bg2">
+                      <a:alpha val="74997"/>
+                    </a:schemeClr>
+                  </a:outerShdw>
+                </a:effectLst>
+              </a14:hiddenEffects>
+            </a:ext>
+          </a:extLst>
         </p:spPr>
-      </p:pic>
-      <p:sp>
-        <p:nvSpPr>
-          <p:cNvPr id="5" name="Slide Number Placeholder 4"/>
+        <p:txBody>
+          <a:bodyPr>
+            <a:noAutofit/>
+          </a:bodyPr>
+          <a:lstStyle/>
+          <a:p>
+            <a:pPr>
+              <a:defRPr/>
+            </a:pPr>
+            <a:r>
+              <a:rPr lang="en-US" altLang="en-US" sz="2400" dirty="0">
+                <a:cs typeface="ＭＳ Ｐゴシック" panose="020B0600070205080204" pitchFamily="34" charset="-128"/>
+              </a:rPr>
+              <a:t>Correct PIN on first try state sequence</a:t>
+            </a:r>
+          </a:p>
+          <a:p>
+            <a:pPr lvl="1">
+              <a:defRPr/>
+            </a:pPr>
+            <a:r>
+              <a:rPr lang="en-US" altLang="en-US" sz="2000" dirty="0">
+                <a:ea typeface="ＭＳ Ｐゴシック" panose="020B0600070205080204" pitchFamily="34" charset="-128"/>
+              </a:rPr>
+              <a:t>&lt;S2.n.0, S2.n.1, S2.n.2, S2.n.3, S2.n.4, S3&gt;</a:t>
+            </a:r>
+          </a:p>
+          <a:p>
+            <a:pPr>
+              <a:defRPr/>
+            </a:pPr>
+            <a:r>
+              <a:rPr lang="en-US" altLang="en-US" sz="2400" dirty="0">
+                <a:cs typeface="ＭＳ Ｐゴシック" panose="020B0600070205080204" pitchFamily="34" charset="-128"/>
+              </a:rPr>
+              <a:t>Port Event Sequence </a:t>
+            </a:r>
+          </a:p>
+          <a:p>
+            <a:pPr lvl="1">
+              <a:defRPr/>
+            </a:pPr>
+            <a:r>
+              <a:rPr lang="en-US" altLang="en-US" sz="2000" dirty="0">
+                <a:ea typeface="ＭＳ Ｐゴシック" panose="020B0600070205080204" pitchFamily="34" charset="-128"/>
+              </a:rPr>
+              <a:t>1</a:t>
+            </a:r>
+            <a:r>
+              <a:rPr lang="en-US" altLang="en-US" sz="2000" baseline="30000" dirty="0">
+                <a:ea typeface="ＭＳ Ｐゴシック" panose="020B0600070205080204" pitchFamily="34" charset="-128"/>
+              </a:rPr>
+              <a:t>st</a:t>
+            </a:r>
+            <a:r>
+              <a:rPr lang="en-US" altLang="en-US" sz="2000" dirty="0">
+                <a:ea typeface="ＭＳ Ｐゴシック" panose="020B0600070205080204" pitchFamily="34" charset="-128"/>
+              </a:rPr>
+              <a:t> digit, echo </a:t>
+            </a:r>
+            <a:r>
+              <a:rPr lang="ja-JP" altLang="en-US" sz="2000" dirty="0">
+                <a:ea typeface="ＭＳ Ｐゴシック" panose="020B0600070205080204" pitchFamily="34" charset="-128"/>
+              </a:rPr>
+              <a:t>“</a:t>
+            </a:r>
+            <a:r>
+              <a:rPr lang="en-US" altLang="ja-JP" sz="2000" dirty="0">
+                <a:ea typeface="ＭＳ Ｐゴシック" panose="020B0600070205080204" pitchFamily="34" charset="-128"/>
+              </a:rPr>
+              <a:t>- - - *</a:t>
+            </a:r>
+            <a:r>
+              <a:rPr lang="ja-JP" altLang="en-US" sz="2000" dirty="0">
+                <a:ea typeface="ＭＳ Ｐゴシック" panose="020B0600070205080204" pitchFamily="34" charset="-128"/>
+              </a:rPr>
+              <a:t>”</a:t>
+            </a:r>
+            <a:endParaRPr lang="en-US" altLang="ja-JP" sz="2000" dirty="0">
+              <a:ea typeface="ＭＳ Ｐゴシック" panose="020B0600070205080204" pitchFamily="34" charset="-128"/>
+            </a:endParaRPr>
+          </a:p>
+          <a:p>
+            <a:pPr lvl="1">
+              <a:defRPr/>
+            </a:pPr>
+            <a:r>
+              <a:rPr lang="en-US" altLang="en-US" sz="2000" dirty="0">
+                <a:ea typeface="ＭＳ Ｐゴシック" panose="020B0600070205080204" pitchFamily="34" charset="-128"/>
+              </a:rPr>
+              <a:t>2</a:t>
+            </a:r>
+            <a:r>
+              <a:rPr lang="en-US" altLang="en-US" sz="2000" baseline="30000" dirty="0">
+                <a:ea typeface="ＭＳ Ｐゴシック" panose="020B0600070205080204" pitchFamily="34" charset="-128"/>
+              </a:rPr>
+              <a:t>nd </a:t>
+            </a:r>
+            <a:r>
+              <a:rPr lang="en-US" altLang="en-US" sz="2000" dirty="0">
+                <a:ea typeface="ＭＳ Ｐゴシック" panose="020B0600070205080204" pitchFamily="34" charset="-128"/>
+              </a:rPr>
+              <a:t>digit, echo </a:t>
+            </a:r>
+            <a:r>
+              <a:rPr lang="ja-JP" altLang="en-US" sz="2000" dirty="0">
+                <a:ea typeface="ＭＳ Ｐゴシック" panose="020B0600070205080204" pitchFamily="34" charset="-128"/>
+              </a:rPr>
+              <a:t>“</a:t>
+            </a:r>
+            <a:r>
+              <a:rPr lang="en-US" altLang="ja-JP" sz="2000" dirty="0">
+                <a:ea typeface="ＭＳ Ｐゴシック" panose="020B0600070205080204" pitchFamily="34" charset="-128"/>
+              </a:rPr>
+              <a:t>- - * *</a:t>
+            </a:r>
+            <a:r>
+              <a:rPr lang="ja-JP" altLang="en-US" sz="2000" dirty="0">
+                <a:ea typeface="ＭＳ Ｐゴシック" panose="020B0600070205080204" pitchFamily="34" charset="-128"/>
+              </a:rPr>
+              <a:t>”</a:t>
+            </a:r>
+            <a:endParaRPr lang="en-US" altLang="ja-JP" sz="2000" baseline="30000" dirty="0">
+              <a:ea typeface="ＭＳ Ｐゴシック" panose="020B0600070205080204" pitchFamily="34" charset="-128"/>
+            </a:endParaRPr>
+          </a:p>
+          <a:p>
+            <a:pPr lvl="1">
+              <a:defRPr/>
+            </a:pPr>
+            <a:r>
+              <a:rPr lang="en-US" altLang="en-US" sz="2000" dirty="0">
+                <a:ea typeface="ＭＳ Ｐゴシック" panose="020B0600070205080204" pitchFamily="34" charset="-128"/>
+              </a:rPr>
+              <a:t>3</a:t>
+            </a:r>
+            <a:r>
+              <a:rPr lang="en-US" altLang="en-US" sz="2000" baseline="30000" dirty="0">
+                <a:ea typeface="ＭＳ Ｐゴシック" panose="020B0600070205080204" pitchFamily="34" charset="-128"/>
+              </a:rPr>
+              <a:t>rd </a:t>
+            </a:r>
+            <a:r>
+              <a:rPr lang="en-US" altLang="en-US" sz="2000" dirty="0">
+                <a:ea typeface="ＭＳ Ｐゴシック" panose="020B0600070205080204" pitchFamily="34" charset="-128"/>
+              </a:rPr>
+              <a:t>digit, echo </a:t>
+            </a:r>
+            <a:r>
+              <a:rPr lang="ja-JP" altLang="en-US" sz="2000" dirty="0">
+                <a:ea typeface="ＭＳ Ｐゴシック" panose="020B0600070205080204" pitchFamily="34" charset="-128"/>
+              </a:rPr>
+              <a:t>“</a:t>
+            </a:r>
+            <a:r>
+              <a:rPr lang="en-US" altLang="ja-JP" sz="2000" dirty="0">
+                <a:ea typeface="ＭＳ Ｐゴシック" panose="020B0600070205080204" pitchFamily="34" charset="-128"/>
+              </a:rPr>
+              <a:t>- * * *</a:t>
+            </a:r>
+            <a:r>
+              <a:rPr lang="ja-JP" altLang="en-US" sz="2000" dirty="0">
+                <a:ea typeface="ＭＳ Ｐゴシック" panose="020B0600070205080204" pitchFamily="34" charset="-128"/>
+              </a:rPr>
+              <a:t>”</a:t>
+            </a:r>
+            <a:endParaRPr lang="en-US" altLang="ja-JP" sz="2000" baseline="30000" dirty="0">
+              <a:ea typeface="ＭＳ Ｐゴシック" panose="020B0600070205080204" pitchFamily="34" charset="-128"/>
+            </a:endParaRPr>
+          </a:p>
+          <a:p>
+            <a:pPr lvl="1">
+              <a:defRPr/>
+            </a:pPr>
+            <a:r>
+              <a:rPr lang="en-US" altLang="en-US" sz="2000" dirty="0">
+                <a:ea typeface="ＭＳ Ｐゴシック" panose="020B0600070205080204" pitchFamily="34" charset="-128"/>
+              </a:rPr>
+              <a:t>4</a:t>
+            </a:r>
+            <a:r>
+              <a:rPr lang="en-US" altLang="en-US" sz="2000" baseline="30000" dirty="0">
+                <a:ea typeface="ＭＳ Ｐゴシック" panose="020B0600070205080204" pitchFamily="34" charset="-128"/>
+              </a:rPr>
+              <a:t>th </a:t>
+            </a:r>
+            <a:r>
+              <a:rPr lang="en-US" altLang="en-US" sz="2000" dirty="0">
+                <a:ea typeface="ＭＳ Ｐゴシック" panose="020B0600070205080204" pitchFamily="34" charset="-128"/>
+              </a:rPr>
+              <a:t>digit, echo </a:t>
+            </a:r>
+            <a:r>
+              <a:rPr lang="ja-JP" altLang="en-US" sz="2000" dirty="0">
+                <a:ea typeface="ＭＳ Ｐゴシック" panose="020B0600070205080204" pitchFamily="34" charset="-128"/>
+              </a:rPr>
+              <a:t>“</a:t>
+            </a:r>
+            <a:r>
+              <a:rPr lang="en-US" altLang="ja-JP" sz="2000" dirty="0">
+                <a:ea typeface="ＭＳ Ｐゴシック" panose="020B0600070205080204" pitchFamily="34" charset="-128"/>
+              </a:rPr>
+              <a:t>* * * *</a:t>
+            </a:r>
+            <a:r>
+              <a:rPr lang="ja-JP" altLang="en-US" sz="2000" dirty="0">
+                <a:ea typeface="ＭＳ Ｐゴシック" panose="020B0600070205080204" pitchFamily="34" charset="-128"/>
+              </a:rPr>
+              <a:t>”</a:t>
+            </a:r>
+            <a:endParaRPr lang="en-US" altLang="ja-JP" sz="2000" dirty="0">
+              <a:ea typeface="ＭＳ Ｐゴシック" panose="020B0600070205080204" pitchFamily="34" charset="-128"/>
+            </a:endParaRPr>
+          </a:p>
+          <a:p>
+            <a:pPr lvl="1">
+              <a:defRPr/>
+            </a:pPr>
+            <a:r>
+              <a:rPr lang="en-US" altLang="en-US" sz="2000" dirty="0">
+                <a:ea typeface="ＭＳ Ｐゴシック" panose="020B0600070205080204" pitchFamily="34" charset="-128"/>
+              </a:rPr>
+              <a:t>Enter</a:t>
+            </a:r>
+          </a:p>
+          <a:p>
+            <a:pPr>
+              <a:defRPr/>
+            </a:pPr>
+            <a:r>
+              <a:rPr lang="en-US" altLang="en-US" sz="2400" dirty="0">
+                <a:cs typeface="ＭＳ Ｐゴシック" panose="020B0600070205080204" pitchFamily="34" charset="-128"/>
+              </a:rPr>
+              <a:t>Failed PIN on first try state Sequences</a:t>
+            </a:r>
+          </a:p>
+          <a:p>
+            <a:pPr lvl="1">
+              <a:defRPr/>
+            </a:pPr>
+            <a:r>
+              <a:rPr lang="en-US" altLang="en-US" sz="2000" dirty="0">
+                <a:ea typeface="ＭＳ Ｐゴシック" panose="020B0600070205080204" pitchFamily="34" charset="-128"/>
+              </a:rPr>
+              <a:t>&lt;S2.n.0, S2.n.6&gt;</a:t>
+            </a:r>
+          </a:p>
+          <a:p>
+            <a:pPr lvl="1">
+              <a:defRPr/>
+            </a:pPr>
+            <a:r>
+              <a:rPr lang="en-US" altLang="en-US" sz="2000" dirty="0">
+                <a:ea typeface="ＭＳ Ｐゴシック" panose="020B0600070205080204" pitchFamily="34" charset="-128"/>
+              </a:rPr>
+              <a:t>&lt;S2.n.0, S2.n.1, S2.n.6&gt;</a:t>
+            </a:r>
+          </a:p>
+          <a:p>
+            <a:pPr lvl="1">
+              <a:defRPr/>
+            </a:pPr>
+            <a:r>
+              <a:rPr lang="en-US" altLang="en-US" sz="2000" dirty="0">
+                <a:ea typeface="ＭＳ Ｐゴシック" panose="020B0600070205080204" pitchFamily="34" charset="-128"/>
+              </a:rPr>
+              <a:t>&lt;S2.n.0, S2.n.1, S2.n.2, S2.n.6&gt;</a:t>
+            </a:r>
+          </a:p>
+          <a:p>
+            <a:pPr lvl="1">
+              <a:defRPr/>
+            </a:pPr>
+            <a:r>
+              <a:rPr lang="en-US" altLang="en-US" sz="2000" dirty="0">
+                <a:ea typeface="ＭＳ Ｐゴシック" panose="020B0600070205080204" pitchFamily="34" charset="-128"/>
+              </a:rPr>
+              <a:t>&lt;S2.n.0, S2.n.1, S2.n.2, S2.n.3, S2.n.6&gt;</a:t>
+            </a:r>
+          </a:p>
+          <a:p>
+            <a:pPr lvl="1">
+              <a:defRPr/>
+            </a:pPr>
+            <a:r>
+              <a:rPr lang="en-US" altLang="en-US" sz="2000" dirty="0">
+                <a:ea typeface="ＭＳ Ｐゴシック" panose="020B0600070205080204" pitchFamily="34" charset="-128"/>
+              </a:rPr>
+              <a:t>&lt;S2.n.0, S2.n.1, S2.n.2, S2.n.3, S2.n.4, S2.n.6&gt;</a:t>
+            </a:r>
+          </a:p>
+        </p:txBody>
+      </p:sp>
+      <p:sp>
+        <p:nvSpPr>
+          <p:cNvPr id="2" name="Slide Number Placeholder 1"/>
           <p:cNvSpPr>
             <a:spLocks noGrp="1"/>
           </p:cNvSpPr>
@@ -12217,17 +12474,16 @@
           <a:p>
             <a:fld id="{B8DACC02-A2BD-4578-8E03-6D891060A695}" type="slidenum">
               <a:rPr lang="en-US" smtClean="0"/>
-              <a:pPr/>
               <a:t>23</a:t>
             </a:fld>
-            <a:endParaRPr lang="en-US" dirty="0"/>
+            <a:endParaRPr lang="en-US"/>
           </a:p>
         </p:txBody>
       </p:sp>
     </p:spTree>
     <p:extLst>
       <p:ext uri="{BB962C8B-B14F-4D97-AF65-F5344CB8AC3E}">
-        <p14:creationId xmlns:p14="http://schemas.microsoft.com/office/powerpoint/2010/main" val="2832018221"/>
+        <p14:creationId xmlns:p14="http://schemas.microsoft.com/office/powerpoint/2010/main" val="1475901642"/>
       </p:ext>
     </p:extLst>
   </p:cSld>
@@ -12256,19 +12512,74 @@
       </p:grpSpPr>
       <p:sp>
         <p:nvSpPr>
-          <p:cNvPr id="2" name="Title 1"/>
-          <p:cNvSpPr>
-            <a:spLocks noGrp="1"/>
-          </p:cNvSpPr>
-          <p:nvPr>
-            <p:ph type="title" idx="4294967295"/>
+          <p:cNvPr id="61447" name="Rectangle 7"/>
+          <p:cNvSpPr>
+            <a:spLocks noGrp="1" noChangeArrowheads="1"/>
+          </p:cNvSpPr>
+          <p:nvPr>
+            <p:ph type="title"/>
           </p:nvPr>
         </p:nvSpPr>
         <p:spPr>
           <a:xfrm>
-            <a:off x="6564702" y="365125"/>
-            <a:ext cx="5627298" cy="4629150"/>
+            <a:off x="768096" y="274638"/>
+            <a:ext cx="9442704" cy="792162"/>
           </a:xfrm>
+          <a:extLst>
+            <a:ext uri="{AF507438-7753-43E0-B8FC-AC1667EBCBE1}">
+              <a14:hiddenEffects xmlns:a14="http://schemas.microsoft.com/office/drawing/2010/main">
+                <a:effectLst>
+                  <a:outerShdw blurRad="63500" dist="38099" dir="2700000" algn="ctr" rotWithShape="0">
+                    <a:schemeClr val="bg2">
+                      <a:alpha val="74997"/>
+                    </a:schemeClr>
+                  </a:outerShdw>
+                </a:effectLst>
+              </a14:hiddenEffects>
+            </a:ext>
+          </a:extLst>
+        </p:spPr>
+        <p:txBody>
+          <a:bodyPr vert="horz" lIns="91440" tIns="45720" rIns="91440" bIns="45720" rtlCol="0" anchor="ctr">
+            <a:normAutofit/>
+          </a:bodyPr>
+          <a:lstStyle/>
+          <a:p>
+            <a:r>
+              <a:rPr lang="en-US" altLang="en-US" dirty="0"/>
+              <a:t>How Many Paths in the PIN Try State?</a:t>
+            </a:r>
+          </a:p>
+        </p:txBody>
+      </p:sp>
+      <p:sp>
+        <p:nvSpPr>
+          <p:cNvPr id="61448" name="Rectangle 8"/>
+          <p:cNvSpPr>
+            <a:spLocks noGrp="1" noChangeArrowheads="1"/>
+          </p:cNvSpPr>
+          <p:nvPr>
+            <p:ph type="body" idx="1"/>
+          </p:nvPr>
+        </p:nvSpPr>
+        <p:spPr>
+          <a:xfrm>
+            <a:off x="859536" y="1295400"/>
+            <a:ext cx="10369296" cy="4800600"/>
+          </a:xfrm>
+          <a:extLst>
+            <a:ext uri="{AF507438-7753-43E0-B8FC-AC1667EBCBE1}">
+              <a14:hiddenEffects xmlns:a14="http://schemas.microsoft.com/office/drawing/2010/main">
+                <a:effectLst>
+                  <a:outerShdw blurRad="63500" dist="38099" dir="2700000" algn="ctr" rotWithShape="0">
+                    <a:schemeClr val="bg2">
+                      <a:alpha val="74997"/>
+                    </a:schemeClr>
+                  </a:outerShdw>
+                </a:effectLst>
+              </a14:hiddenEffects>
+            </a:ext>
+          </a:extLst>
         </p:spPr>
         <p:txBody>
           <a:bodyPr>
@@ -12276,67 +12587,183 @@
           </a:bodyPr>
           <a:lstStyle/>
           <a:p>
-            <a:r>
-              <a:rPr lang="en-US" dirty="0" smtClean="0">
-                <a:latin typeface="Candara" panose="020E0502030303020204" pitchFamily="34" charset="0"/>
+            <a:pPr>
+              <a:defRPr/>
+            </a:pPr>
+            <a:r>
+              <a:rPr lang="en-US" altLang="en-US" dirty="0">
+                <a:ea typeface="ＭＳ Ｐゴシック" pitchFamily="34" charset="-128"/>
               </a:rPr>
-              <a:t>Event-Driven Petri</a:t>
-            </a:r>
-            <a:br>
-              <a:rPr lang="en-US" dirty="0" smtClean="0">
-                <a:latin typeface="Candara" panose="020E0502030303020204" pitchFamily="34" charset="0"/>
+              <a:t>1</a:t>
+            </a:r>
+            <a:r>
+              <a:rPr lang="en-US" altLang="en-US" baseline="30000" dirty="0">
+                <a:ea typeface="ＭＳ Ｐゴシック" pitchFamily="34" charset="-128"/>
               </a:rPr>
-            </a:br>
-            <a:r>
-              <a:rPr lang="en-US" dirty="0" smtClean="0">
-                <a:latin typeface="Candara" panose="020E0502030303020204" pitchFamily="34" charset="0"/>
+              <a:t>st</a:t>
+            </a:r>
+            <a:r>
+              <a:rPr lang="en-US" altLang="en-US" dirty="0">
+                <a:ea typeface="ＭＳ Ｐゴシック" pitchFamily="34" charset="-128"/>
               </a:rPr>
-              <a:t>Net of Correct PIN</a:t>
-            </a:r>
-            <a:br>
-              <a:rPr lang="en-US" dirty="0" smtClean="0">
-                <a:latin typeface="Candara" panose="020E0502030303020204" pitchFamily="34" charset="0"/>
+              <a:t> try: 1 correct + 5 failed attempts</a:t>
+            </a:r>
+          </a:p>
+          <a:p>
+            <a:pPr>
+              <a:defRPr/>
+            </a:pPr>
+            <a:r>
+              <a:rPr lang="en-US" altLang="en-US" dirty="0">
+                <a:ea typeface="ＭＳ Ｐゴシック" pitchFamily="34" charset="-128"/>
               </a:rPr>
-            </a:br>
-            <a:r>
-              <a:rPr lang="en-US" dirty="0" smtClean="0">
-                <a:latin typeface="Candara" panose="020E0502030303020204" pitchFamily="34" charset="0"/>
+              <a:t>2</a:t>
+            </a:r>
+            <a:r>
+              <a:rPr lang="en-US" altLang="en-US" baseline="30000" dirty="0">
+                <a:ea typeface="ＭＳ Ｐゴシック" pitchFamily="34" charset="-128"/>
               </a:rPr>
-              <a:t>on First Try</a:t>
-            </a:r>
-            <a:endParaRPr lang="en-US" dirty="0">
-              <a:latin typeface="Candara" panose="020E0502030303020204" pitchFamily="34" charset="0"/>
+              <a:t>nd</a:t>
+            </a:r>
+            <a:r>
+              <a:rPr lang="en-US" altLang="en-US" dirty="0">
+                <a:ea typeface="ＭＳ Ｐゴシック" pitchFamily="34" charset="-128"/>
+              </a:rPr>
+              <a:t> try: 5 failed 1st attempts * 6 second attempts</a:t>
+            </a:r>
+          </a:p>
+          <a:p>
+            <a:pPr>
+              <a:defRPr/>
+            </a:pPr>
+            <a:r>
+              <a:rPr lang="en-US" altLang="en-US" dirty="0">
+                <a:ea typeface="ＭＳ Ｐゴシック" pitchFamily="34" charset="-128"/>
+              </a:rPr>
+              <a:t>3</a:t>
+            </a:r>
+            <a:r>
+              <a:rPr lang="en-US" altLang="en-US" baseline="30000" dirty="0">
+                <a:ea typeface="ＭＳ Ｐゴシック" pitchFamily="34" charset="-128"/>
+              </a:rPr>
+              <a:t>rd</a:t>
+            </a:r>
+            <a:r>
+              <a:rPr lang="en-US" altLang="en-US" dirty="0">
+                <a:ea typeface="ＭＳ Ｐゴシック" pitchFamily="34" charset="-128"/>
+              </a:rPr>
+              <a:t> try: 25 failed 1</a:t>
+            </a:r>
+            <a:r>
+              <a:rPr lang="en-US" altLang="en-US" baseline="30000" dirty="0">
+                <a:ea typeface="ＭＳ Ｐゴシック" pitchFamily="34" charset="-128"/>
+              </a:rPr>
+              <a:t>st</a:t>
+            </a:r>
+            <a:r>
+              <a:rPr lang="en-US" altLang="en-US" dirty="0">
+                <a:ea typeface="ＭＳ Ｐゴシック" pitchFamily="34" charset="-128"/>
+              </a:rPr>
+              <a:t> and 2</a:t>
+            </a:r>
+            <a:r>
+              <a:rPr lang="en-US" altLang="en-US" baseline="30000" dirty="0">
+                <a:ea typeface="ＭＳ Ｐゴシック" pitchFamily="34" charset="-128"/>
+              </a:rPr>
+              <a:t>nd</a:t>
+            </a:r>
+            <a:r>
+              <a:rPr lang="en-US" altLang="en-US" dirty="0">
+                <a:ea typeface="ＭＳ Ｐゴシック" pitchFamily="34" charset="-128"/>
+              </a:rPr>
+              <a:t> attempts * six third attempts</a:t>
+            </a:r>
+          </a:p>
+          <a:p>
+            <a:pPr>
+              <a:defRPr/>
+            </a:pPr>
+            <a:r>
+              <a:rPr lang="en-US" altLang="en-US" dirty="0">
+                <a:ea typeface="ＭＳ Ｐゴシック" pitchFamily="34" charset="-128"/>
+              </a:rPr>
+              <a:t>Do we really want to test all of these? </a:t>
+            </a:r>
+          </a:p>
+          <a:p>
+            <a:pPr>
+              <a:defRPr/>
+            </a:pPr>
+            <a:r>
+              <a:rPr lang="en-US" altLang="en-US" dirty="0">
+                <a:ea typeface="ＭＳ Ｐゴシック" pitchFamily="34" charset="-128"/>
+              </a:rPr>
+              <a:t> This foreshadows the question of </a:t>
+            </a:r>
+            <a:r>
+              <a:rPr lang="ja-JP" altLang="en-US" dirty="0">
+                <a:ea typeface="ＭＳ Ｐゴシック" pitchFamily="34" charset="-128"/>
+              </a:rPr>
+              <a:t>“</a:t>
+            </a:r>
+            <a:r>
+              <a:rPr lang="en-US" altLang="ja-JP" dirty="0">
+                <a:ea typeface="ＭＳ Ｐゴシック" pitchFamily="34" charset="-128"/>
+              </a:rPr>
+              <a:t>long</a:t>
+            </a:r>
+            <a:r>
+              <a:rPr lang="ja-JP" altLang="en-US" dirty="0">
+                <a:ea typeface="ＭＳ Ｐゴシック" pitchFamily="34" charset="-128"/>
+              </a:rPr>
+              <a:t>”</a:t>
+            </a:r>
+            <a:r>
+              <a:rPr lang="en-US" altLang="ja-JP" dirty="0">
+                <a:ea typeface="ＭＳ Ｐゴシック" pitchFamily="34" charset="-128"/>
+              </a:rPr>
+              <a:t> versus </a:t>
+            </a:r>
+            <a:r>
+              <a:rPr lang="ja-JP" altLang="en-US" dirty="0">
+                <a:ea typeface="ＭＳ Ｐゴシック" pitchFamily="34" charset="-128"/>
+              </a:rPr>
+              <a:t>“</a:t>
+            </a:r>
+            <a:r>
+              <a:rPr lang="en-US" altLang="ja-JP" dirty="0">
+                <a:ea typeface="ＭＳ Ｐゴシック" pitchFamily="34" charset="-128"/>
+              </a:rPr>
+              <a:t>short</a:t>
+            </a:r>
+            <a:r>
+              <a:rPr lang="ja-JP" altLang="en-US" dirty="0">
+                <a:ea typeface="ＭＳ Ｐゴシック" pitchFamily="34" charset="-128"/>
+              </a:rPr>
+              <a:t>”</a:t>
+            </a:r>
+            <a:r>
+              <a:rPr lang="en-US" altLang="ja-JP" dirty="0">
+                <a:ea typeface="ＭＳ Ｐゴシック" pitchFamily="34" charset="-128"/>
+              </a:rPr>
+              <a:t> use cases. </a:t>
+            </a:r>
+          </a:p>
+          <a:p>
+            <a:pPr>
+              <a:buFontTx/>
+              <a:buNone/>
+              <a:defRPr/>
+            </a:pPr>
+            <a:endParaRPr lang="en-US" altLang="en-US" dirty="0">
+              <a:ea typeface="ＭＳ Ｐゴシック" pitchFamily="34" charset="-128"/>
             </a:endParaRPr>
           </a:p>
         </p:txBody>
       </p:sp>
-      <p:pic>
-        <p:nvPicPr>
-          <p:cNvPr id="4" name="Picture 3"/>
-          <p:cNvPicPr>
-            <a:picLocks noChangeAspect="1"/>
-          </p:cNvPicPr>
-          <p:nvPr/>
-        </p:nvPicPr>
-        <p:blipFill>
-          <a:blip r:embed="rId2"/>
-          <a:stretch>
-            <a:fillRect/>
-          </a:stretch>
-        </p:blipFill>
-        <p:spPr>
-          <a:xfrm>
-            <a:off x="1110467" y="180739"/>
-            <a:ext cx="4194778" cy="6368715"/>
-          </a:xfrm>
-          <a:prstGeom prst="rect">
-            <a:avLst/>
-          </a:prstGeom>
-        </p:spPr>
-      </p:pic>
-      <p:sp>
-        <p:nvSpPr>
-          <p:cNvPr id="3" name="Slide Number Placeholder 2"/>
+      <p:sp>
+        <p:nvSpPr>
+          <p:cNvPr id="2" name="Slide Number Placeholder 1"/>
           <p:cNvSpPr>
             <a:spLocks noGrp="1"/>
           </p:cNvSpPr>
@@ -12351,16 +12778,17 @@
           <a:p>
             <a:fld id="{B8DACC02-A2BD-4578-8E03-6D891060A695}" type="slidenum">
               <a:rPr lang="en-US" smtClean="0"/>
+              <a:pPr/>
               <a:t>24</a:t>
             </a:fld>
-            <a:endParaRPr lang="en-US"/>
+            <a:endParaRPr lang="en-US" dirty="0"/>
           </a:p>
         </p:txBody>
       </p:sp>
     </p:spTree>
     <p:extLst>
       <p:ext uri="{BB962C8B-B14F-4D97-AF65-F5344CB8AC3E}">
-        <p14:creationId xmlns:p14="http://schemas.microsoft.com/office/powerpoint/2010/main" val="2762366712"/>
+        <p14:creationId xmlns:p14="http://schemas.microsoft.com/office/powerpoint/2010/main" val="825657471"/>
       </p:ext>
     </p:extLst>
   </p:cSld>
@@ -12404,7 +12832,7 @@
           <a:p>
             <a:r>
               <a:rPr lang="en-US" dirty="0" smtClean="0"/>
-              <a:t>Long versus Short Use Cases</a:t>
+              <a:t>Port Event Sequence: Correct PIN on 1st Try </a:t>
             </a:r>
             <a:endParaRPr lang="en-US" dirty="0"/>
           </a:p>
@@ -12422,61 +12850,40 @@
         </p:nvSpPr>
         <p:spPr/>
         <p:txBody>
-          <a:bodyPr>
-            <a:normAutofit/>
-          </a:bodyPr>
-          <a:lstStyle/>
-          <a:p>
-            <a:r>
-              <a:rPr lang="en-US" dirty="0" smtClean="0"/>
-              <a:t>A “Long” use case is typically an end-to-end transaction.</a:t>
-            </a:r>
-          </a:p>
-          <a:p>
-            <a:r>
-              <a:rPr lang="en-US" dirty="0" smtClean="0"/>
-              <a:t>SATM example: A full traversal of the high level finite state machine, from the Welcome screen to the End Session screen: &lt;s1, s2, s3, s4, s5&gt;</a:t>
-            </a:r>
-          </a:p>
-          <a:p>
-            <a:r>
-              <a:rPr lang="en-US" dirty="0" smtClean="0"/>
-              <a:t>A “Short” use case is at the level on an atomic system function.</a:t>
-            </a:r>
-          </a:p>
-          <a:p>
-            <a:r>
-              <a:rPr lang="en-US" dirty="0" smtClean="0"/>
-              <a:t>Examples</a:t>
-            </a:r>
-          </a:p>
-          <a:p>
-            <a:pPr lvl="1"/>
-            <a:r>
-              <a:rPr lang="en-US" dirty="0" smtClean="0"/>
-              <a:t>PIN Entry</a:t>
-            </a:r>
-          </a:p>
-          <a:p>
-            <a:pPr lvl="1"/>
-            <a:r>
-              <a:rPr lang="en-US" dirty="0" smtClean="0"/>
-              <a:t>Transaction selection</a:t>
-            </a:r>
-          </a:p>
-          <a:p>
-            <a:pPr lvl="1"/>
-            <a:r>
-              <a:rPr lang="en-US" dirty="0" smtClean="0"/>
-              <a:t>Session closing</a:t>
-            </a:r>
-            <a:endParaRPr lang="en-US" dirty="0"/>
-          </a:p>
-        </p:txBody>
-      </p:sp>
-      <p:sp>
-        <p:nvSpPr>
-          <p:cNvPr id="4" name="Slide Number Placeholder 3"/>
+          <a:bodyPr/>
+          <a:lstStyle/>
+          <a:p>
+            <a:endParaRPr lang="en-US"/>
+          </a:p>
+        </p:txBody>
+      </p:sp>
+      <p:pic>
+        <p:nvPicPr>
+          <p:cNvPr id="4" name="Picture 3"/>
+          <p:cNvPicPr>
+            <a:picLocks noChangeAspect="1"/>
+          </p:cNvPicPr>
+          <p:nvPr/>
+        </p:nvPicPr>
+        <p:blipFill>
+          <a:blip r:embed="rId2"/>
+          <a:stretch>
+            <a:fillRect/>
+          </a:stretch>
+        </p:blipFill>
+        <p:spPr>
+          <a:xfrm>
+            <a:off x="2790363" y="1825625"/>
+            <a:ext cx="6611273" cy="4563112"/>
+          </a:xfrm>
+          <a:prstGeom prst="rect">
+            <a:avLst/>
+          </a:prstGeom>
+        </p:spPr>
+      </p:pic>
+      <p:sp>
+        <p:nvSpPr>
+          <p:cNvPr id="5" name="Slide Number Placeholder 4"/>
           <p:cNvSpPr>
             <a:spLocks noGrp="1"/>
           </p:cNvSpPr>
@@ -12501,7 +12908,7 @@
     </p:spTree>
     <p:extLst>
       <p:ext uri="{BB962C8B-B14F-4D97-AF65-F5344CB8AC3E}">
-        <p14:creationId xmlns:p14="http://schemas.microsoft.com/office/powerpoint/2010/main" val="3833361737"/>
+        <p14:creationId xmlns:p14="http://schemas.microsoft.com/office/powerpoint/2010/main" val="2499796775"/>
       </p:ext>
     </p:extLst>
   </p:cSld>
@@ -12530,107 +12937,56 @@
       </p:grpSpPr>
       <p:sp>
         <p:nvSpPr>
-          <p:cNvPr id="2" name="Title 1"/>
-          <p:cNvSpPr>
-            <a:spLocks noGrp="1"/>
+          <p:cNvPr id="13319" name="Rectangle 7"/>
+          <p:cNvSpPr>
+            <a:spLocks noGrp="1" noChangeArrowheads="1"/>
           </p:cNvSpPr>
           <p:nvPr>
             <p:ph type="title"/>
           </p:nvPr>
         </p:nvSpPr>
-        <p:spPr/>
-        <p:txBody>
-          <a:bodyPr/>
-          <a:lstStyle/>
-          <a:p>
-            <a:r>
-              <a:rPr lang="en-US" dirty="0" smtClean="0"/>
-              <a:t>Short Use Cases</a:t>
-            </a:r>
-            <a:endParaRPr lang="en-US" dirty="0"/>
-          </a:p>
-        </p:txBody>
-      </p:sp>
-      <p:sp>
-        <p:nvSpPr>
-          <p:cNvPr id="3" name="Content Placeholder 2"/>
-          <p:cNvSpPr>
-            <a:spLocks noGrp="1"/>
-          </p:cNvSpPr>
-          <p:nvPr>
-            <p:ph idx="1"/>
-          </p:nvPr>
-        </p:nvSpPr>
-        <p:spPr/>
+        <p:spPr>
+          <a:extLst>
+            <a:ext uri="{AF507438-7753-43E0-B8FC-AC1667EBCBE1}">
+              <a14:hiddenEffects xmlns:a14="http://schemas.microsoft.com/office/drawing/2010/main">
+                <a:effectLst>
+                  <a:outerShdw blurRad="63500" dist="38099" dir="2700000" algn="ctr" rotWithShape="0">
+                    <a:schemeClr val="bg2">
+                      <a:alpha val="74997"/>
+                    </a:schemeClr>
+                  </a:outerShdw>
+                </a:effectLst>
+              </a14:hiddenEffects>
+            </a:ext>
+          </a:extLst>
+        </p:spPr>
         <p:txBody>
           <a:bodyPr>
-            <a:normAutofit/>
+            <a:noAutofit/>
           </a:bodyPr>
           <a:lstStyle/>
           <a:p>
-            <a:r>
-              <a:rPr lang="en-US" dirty="0" smtClean="0"/>
-              <a:t>“Short” use case is at the level on an atomic system function (ASF).</a:t>
-            </a:r>
-          </a:p>
-          <a:p>
-            <a:r>
-              <a:rPr lang="en-US" dirty="0" smtClean="0"/>
-              <a:t>In the directed graph of ASFs,</a:t>
-            </a:r>
-          </a:p>
-          <a:p>
-            <a:pPr lvl="1"/>
-            <a:r>
-              <a:rPr lang="en-US" dirty="0" smtClean="0"/>
-              <a:t>nodes are ASFs</a:t>
-            </a:r>
-          </a:p>
-          <a:p>
-            <a:pPr lvl="1"/>
-            <a:r>
-              <a:rPr lang="en-US" dirty="0" smtClean="0"/>
-              <a:t>edges signify possible sequential execution of ASFs</a:t>
-            </a:r>
-          </a:p>
-          <a:p>
-            <a:r>
-              <a:rPr lang="en-US" dirty="0" smtClean="0"/>
-              <a:t>Consider an ASF as a “Short” use case, with</a:t>
-            </a:r>
-          </a:p>
-          <a:p>
-            <a:pPr lvl="1"/>
-            <a:r>
-              <a:rPr lang="en-US" dirty="0" smtClean="0"/>
-              <a:t>pre-conditions</a:t>
-            </a:r>
-          </a:p>
-          <a:p>
-            <a:pPr lvl="1"/>
-            <a:r>
-              <a:rPr lang="en-US" dirty="0" smtClean="0"/>
-              <a:t>post-conditions</a:t>
-            </a:r>
-          </a:p>
-          <a:p>
-            <a:r>
-              <a:rPr lang="en-US" dirty="0" smtClean="0"/>
-              <a:t>Short use case (ASF) B can follow short use case (ASF) A if the pre-conditions of B are consistent with the post-conditions of A, that is...</a:t>
-            </a:r>
-          </a:p>
-          <a:p>
-            <a:r>
-              <a:rPr lang="en-US" dirty="0" smtClean="0"/>
-              <a:t>Short use cases “connect” at their pre- and post condition boundaries. </a:t>
-            </a:r>
-            <a:endParaRPr lang="en-US" dirty="0"/>
-          </a:p>
-        </p:txBody>
-      </p:sp>
-      <p:sp>
-        <p:nvSpPr>
-          <p:cNvPr id="4" name="Slide Number Placeholder 3"/>
+            <a:pPr>
+              <a:defRPr/>
+            </a:pPr>
+            <a:r>
+              <a:rPr lang="en-US" altLang="en-US" dirty="0"/>
+              <a:t>Information Content of </a:t>
+            </a:r>
+            <a:r>
+              <a:rPr lang="en-US" altLang="en-US" dirty="0" err="1"/>
+              <a:t>Larman’s</a:t>
+            </a:r>
+            <a:r>
+              <a:rPr lang="en-US" altLang="en-US" dirty="0"/>
+              <a:t> Use Cases</a:t>
+            </a:r>
+          </a:p>
+        </p:txBody>
+      </p:sp>
+      <p:sp>
+        <p:nvSpPr>
+          <p:cNvPr id="2" name="Slide Number Placeholder 1"/>
           <p:cNvSpPr>
             <a:spLocks noGrp="1"/>
           </p:cNvSpPr>
@@ -12645,17 +13001,111 @@
           <a:p>
             <a:fld id="{B8DACC02-A2BD-4578-8E03-6D891060A695}" type="slidenum">
               <a:rPr lang="en-US" smtClean="0"/>
-              <a:pPr/>
               <a:t>26</a:t>
             </a:fld>
-            <a:endParaRPr lang="en-US" dirty="0"/>
-          </a:p>
-        </p:txBody>
-      </p:sp>
+            <a:endParaRPr lang="en-US"/>
+          </a:p>
+        </p:txBody>
+      </p:sp>
+      <p:graphicFrame>
+        <p:nvGraphicFramePr>
+          <p:cNvPr id="21507" name="Object 7"/>
+          <p:cNvGraphicFramePr>
+            <a:graphicFrameLocks noChangeAspect="1"/>
+          </p:cNvGraphicFramePr>
+          <p:nvPr/>
+        </p:nvGraphicFramePr>
+        <p:xfrm>
+          <a:off x="2743200" y="2257425"/>
+          <a:ext cx="6096000" cy="2108200"/>
+        </p:xfrm>
+        <a:graphic>
+          <a:graphicData uri="http://schemas.openxmlformats.org/presentationml/2006/ole">
+            <mc:AlternateContent xmlns:mc="http://schemas.openxmlformats.org/markup-compatibility/2006">
+              <mc:Choice xmlns:v="urn:schemas-microsoft-com:vml" Requires="v">
+                <p:oleObj spid="_x0000_s1028" name="Visio" r:id="rId3" imgW="2206211" imgH="764469" progId="Visio.Drawing.11">
+                  <p:embed/>
+                </p:oleObj>
+              </mc:Choice>
+              <mc:Fallback>
+                <p:oleObj name="Visio" r:id="rId3" imgW="2206211" imgH="764469" progId="Visio.Drawing.11">
+                  <p:embed/>
+                  <p:pic>
+                    <p:nvPicPr>
+                      <p:cNvPr id="21507" name="Object 7"/>
+                      <p:cNvPicPr>
+                        <a:picLocks noChangeAspect="1" noChangeArrowheads="1"/>
+                      </p:cNvPicPr>
+                      <p:nvPr/>
+                    </p:nvPicPr>
+                    <p:blipFill>
+                      <a:blip r:embed="rId4">
+                        <a:extLst>
+                          <a:ext uri="{28A0092B-C50C-407E-A947-70E740481C1C}">
+                            <a14:useLocalDpi xmlns:a14="http://schemas.microsoft.com/office/drawing/2010/main" val="0"/>
+                          </a:ext>
+                        </a:extLst>
+                      </a:blip>
+                      <a:srcRect/>
+                      <a:stretch>
+                        <a:fillRect/>
+                      </a:stretch>
+                    </p:blipFill>
+                    <p:spPr bwMode="auto">
+                      <a:xfrm>
+                        <a:off x="2743200" y="2257425"/>
+                        <a:ext cx="6096000" cy="2108200"/>
+                      </a:xfrm>
+                      <a:prstGeom prst="rect">
+                        <a:avLst/>
+                      </a:prstGeom>
+                      <a:noFill/>
+                      <a:ln>
+                        <a:noFill/>
+                      </a:ln>
+                      <a:effectLst/>
+                      <a:extLst>
+                        <a:ext uri="{909E8E84-426E-40DD-AFC4-6F175D3DCCD1}">
+                          <a14:hiddenFill xmlns:a14="http://schemas.microsoft.com/office/drawing/2010/main">
+                            <a:solidFill>
+                              <a:schemeClr val="accent1"/>
+                            </a:solidFill>
+                          </a14:hiddenFill>
+                        </a:ext>
+                        <a:ext uri="{91240B29-F687-4F45-9708-019B960494DF}">
+                          <a14:hiddenLine xmlns:a14="http://schemas.microsoft.com/office/drawing/2010/main" w="9525">
+                            <a:solidFill>
+                              <a:schemeClr val="tx1"/>
+                            </a:solidFill>
+                            <a:miter lim="800000"/>
+                            <a:headEnd/>
+                            <a:tailEnd/>
+                          </a14:hiddenLine>
+                        </a:ext>
+                        <a:ext uri="{AF507438-7753-43E0-B8FC-AC1667EBCBE1}">
+                          <a14:hiddenEffects xmlns:a14="http://schemas.microsoft.com/office/drawing/2010/main">
+                            <a:effectLst>
+                              <a:outerShdw dist="35921" dir="2700000" algn="ctr" rotWithShape="0">
+                                <a:schemeClr val="bg2">
+                                  <a:alpha val="74997"/>
+                                </a:schemeClr>
+                              </a:outerShdw>
+                            </a:effectLst>
+                          </a14:hiddenEffects>
+                        </a:ext>
+                      </a:extLst>
+                    </p:spPr>
+                  </p:pic>
+                </p:oleObj>
+              </mc:Fallback>
+            </mc:AlternateContent>
+          </a:graphicData>
+        </a:graphic>
+      </p:graphicFrame>
     </p:spTree>
     <p:extLst>
       <p:ext uri="{BB962C8B-B14F-4D97-AF65-F5344CB8AC3E}">
-        <p14:creationId xmlns:p14="http://schemas.microsoft.com/office/powerpoint/2010/main" val="3080474992"/>
+        <p14:creationId xmlns:p14="http://schemas.microsoft.com/office/powerpoint/2010/main" val="3454421146"/>
       </p:ext>
     </p:extLst>
   </p:cSld>
@@ -12699,7 +13149,7 @@
           <a:p>
             <a:r>
               <a:rPr lang="en-US" dirty="0" smtClean="0"/>
-              <a:t>Short Use Cases for the SATM System </a:t>
+              <a:t>Use Case: Correct PIN on 1st Try</a:t>
             </a:r>
             <a:endParaRPr lang="en-US" dirty="0"/>
           </a:p>
@@ -12740,8 +13190,8 @@
         </p:blipFill>
         <p:spPr>
           <a:xfrm>
-            <a:off x="2028739" y="1494596"/>
-            <a:ext cx="7668695" cy="4658375"/>
+            <a:off x="1775918" y="1406880"/>
+            <a:ext cx="8364117" cy="5058481"/>
           </a:xfrm>
           <a:prstGeom prst="rect">
             <a:avLst/>
@@ -12775,7 +13225,7 @@
     </p:spTree>
     <p:extLst>
       <p:ext uri="{BB962C8B-B14F-4D97-AF65-F5344CB8AC3E}">
-        <p14:creationId xmlns:p14="http://schemas.microsoft.com/office/powerpoint/2010/main" val="4029676105"/>
+        <p14:creationId xmlns:p14="http://schemas.microsoft.com/office/powerpoint/2010/main" val="4156405058"/>
       </p:ext>
     </p:extLst>
   </p:cSld>
@@ -12819,7 +13269,7 @@
           <a:p>
             <a:r>
               <a:rPr lang="en-US" dirty="0" smtClean="0"/>
-              <a:t>Short Use Cases for Failed PIN Attempts</a:t>
+              <a:t>System Test Case: Correct PIN on 1st Try</a:t>
             </a:r>
             <a:endParaRPr lang="en-US" dirty="0"/>
           </a:p>
@@ -12840,7 +13290,7 @@
           <a:bodyPr/>
           <a:lstStyle/>
           <a:p>
-            <a:endParaRPr lang="en-US" dirty="0"/>
+            <a:endParaRPr lang="en-US"/>
           </a:p>
         </p:txBody>
       </p:sp>
@@ -12860,8 +13310,8 @@
         </p:blipFill>
         <p:spPr>
           <a:xfrm>
-            <a:off x="3756232" y="1406880"/>
-            <a:ext cx="4334480" cy="4877481"/>
+            <a:off x="2169461" y="1320847"/>
+            <a:ext cx="7611537" cy="5058481"/>
           </a:xfrm>
           <a:prstGeom prst="rect">
             <a:avLst/>
@@ -12895,7 +13345,7 @@
     </p:spTree>
     <p:extLst>
       <p:ext uri="{BB962C8B-B14F-4D97-AF65-F5344CB8AC3E}">
-        <p14:creationId xmlns:p14="http://schemas.microsoft.com/office/powerpoint/2010/main" val="1195147440"/>
+        <p14:creationId xmlns:p14="http://schemas.microsoft.com/office/powerpoint/2010/main" val="2695883598"/>
       </p:ext>
     </p:extLst>
   </p:cSld>
@@ -12924,38 +13374,44 @@
       </p:grpSpPr>
       <p:sp>
         <p:nvSpPr>
+          <p:cNvPr id="3" name="Slide Number Placeholder 2"/>
+          <p:cNvSpPr>
+            <a:spLocks noGrp="1"/>
+          </p:cNvSpPr>
+          <p:nvPr>
+            <p:ph type="sldNum" sz="quarter" idx="12"/>
+          </p:nvPr>
+        </p:nvSpPr>
+        <p:spPr/>
+        <p:txBody>
+          <a:bodyPr/>
+          <a:lstStyle/>
+          <a:p>
+            <a:fld id="{B8DACC02-A2BD-4578-8E03-6D891060A695}" type="slidenum">
+              <a:rPr lang="en-US" smtClean="0"/>
+              <a:pPr/>
+              <a:t>29</a:t>
+            </a:fld>
+            <a:endParaRPr lang="en-US" dirty="0"/>
+          </a:p>
+        </p:txBody>
+      </p:sp>
+      <p:sp>
+        <p:nvSpPr>
           <p:cNvPr id="2" name="Title 1"/>
           <p:cNvSpPr>
             <a:spLocks noGrp="1"/>
           </p:cNvSpPr>
           <p:nvPr>
-            <p:ph type="title"/>
-          </p:nvPr>
-        </p:nvSpPr>
-        <p:spPr/>
-        <p:txBody>
-          <a:bodyPr/>
-          <a:lstStyle/>
-          <a:p>
-            <a:r>
-              <a:rPr lang="en-US" dirty="0" smtClean="0"/>
-              <a:t>How Many Use Cases?</a:t>
-            </a:r>
-            <a:endParaRPr lang="en-US" dirty="0"/>
-          </a:p>
-        </p:txBody>
-      </p:sp>
-      <p:sp>
-        <p:nvSpPr>
-          <p:cNvPr id="3" name="Content Placeholder 2"/>
-          <p:cNvSpPr>
-            <a:spLocks noGrp="1"/>
-          </p:cNvSpPr>
-          <p:nvPr>
-            <p:ph idx="1"/>
-          </p:nvPr>
-        </p:nvSpPr>
-        <p:spPr/>
+            <p:ph type="title" idx="4294967295"/>
+          </p:nvPr>
+        </p:nvSpPr>
+        <p:spPr>
+          <a:xfrm>
+            <a:off x="6443932" y="908589"/>
+            <a:ext cx="4649638" cy="4629150"/>
+          </a:xfrm>
+        </p:spPr>
         <p:txBody>
           <a:bodyPr>
             <a:normAutofit/>
@@ -12963,80 +13419,67 @@
           <a:lstStyle/>
           <a:p>
             <a:r>
-              <a:rPr lang="en-US" dirty="0" smtClean="0"/>
-              <a:t>1909 “long” use cases</a:t>
-            </a:r>
-          </a:p>
-          <a:p>
-            <a:r>
-              <a:rPr lang="en-US" dirty="0" smtClean="0"/>
-              <a:t>25 “short” use cases</a:t>
-            </a:r>
-          </a:p>
-          <a:p>
-            <a:r>
-              <a:rPr lang="en-US" dirty="0" smtClean="0"/>
-              <a:t>Ways to determine “how many?</a:t>
-            </a:r>
-          </a:p>
-          <a:p>
-            <a:pPr lvl="1"/>
-            <a:r>
-              <a:rPr lang="en-US" dirty="0" smtClean="0"/>
-              <a:t>Incidence with input events (cover every input event)</a:t>
-            </a:r>
-          </a:p>
-          <a:p>
-            <a:pPr lvl="1"/>
-            <a:r>
-              <a:rPr lang="en-US" dirty="0" smtClean="0"/>
-              <a:t>Incidence with output events (cover every output event)</a:t>
-            </a:r>
-          </a:p>
-          <a:p>
-            <a:pPr lvl="1"/>
-            <a:r>
-              <a:rPr lang="en-US" dirty="0" smtClean="0"/>
-              <a:t>Incidence with classes (need a use case/class incidence matrix)</a:t>
-            </a:r>
-          </a:p>
-          <a:p>
-            <a:r>
-              <a:rPr lang="en-US" dirty="0" smtClean="0"/>
-              <a:t>These lead directly to system testing coverage metrics. </a:t>
-            </a:r>
-            <a:endParaRPr lang="en-US" dirty="0"/>
-          </a:p>
-        </p:txBody>
-      </p:sp>
-      <p:sp>
-        <p:nvSpPr>
-          <p:cNvPr id="4" name="Slide Number Placeholder 3"/>
-          <p:cNvSpPr>
-            <a:spLocks noGrp="1"/>
-          </p:cNvSpPr>
-          <p:nvPr>
-            <p:ph type="sldNum" sz="quarter" idx="12"/>
-          </p:nvPr>
-        </p:nvSpPr>
-        <p:spPr/>
-        <p:txBody>
-          <a:bodyPr/>
-          <a:lstStyle/>
-          <a:p>
-            <a:fld id="{B8DACC02-A2BD-4578-8E03-6D891060A695}" type="slidenum">
-              <a:rPr lang="en-US" smtClean="0"/>
-              <a:pPr/>
-              <a:t>29</a:t>
-            </a:fld>
-            <a:endParaRPr lang="en-US" dirty="0"/>
-          </a:p>
-        </p:txBody>
-      </p:sp>
+              <a:rPr lang="en-US" dirty="0" smtClean="0">
+                <a:latin typeface="Candara" panose="020E0502030303020204" pitchFamily="34" charset="0"/>
+              </a:rPr>
+              <a:t>Event-Driven Petri</a:t>
+            </a:r>
+            <a:br>
+              <a:rPr lang="en-US" dirty="0" smtClean="0">
+                <a:latin typeface="Candara" panose="020E0502030303020204" pitchFamily="34" charset="0"/>
+              </a:rPr>
+            </a:br>
+            <a:r>
+              <a:rPr lang="en-US" dirty="0" smtClean="0">
+                <a:latin typeface="Candara" panose="020E0502030303020204" pitchFamily="34" charset="0"/>
+              </a:rPr>
+              <a:t>Net of Correct PIN</a:t>
+            </a:r>
+            <a:br>
+              <a:rPr lang="en-US" dirty="0" smtClean="0">
+                <a:latin typeface="Candara" panose="020E0502030303020204" pitchFamily="34" charset="0"/>
+              </a:rPr>
+            </a:br>
+            <a:r>
+              <a:rPr lang="en-US" dirty="0" smtClean="0">
+                <a:latin typeface="Candara" panose="020E0502030303020204" pitchFamily="34" charset="0"/>
+              </a:rPr>
+              <a:t>on First Try</a:t>
+            </a:r>
+            <a:endParaRPr lang="en-US" dirty="0">
+              <a:latin typeface="Candara" panose="020E0502030303020204" pitchFamily="34" charset="0"/>
+            </a:endParaRPr>
+          </a:p>
+        </p:txBody>
+      </p:sp>
+      <p:pic>
+        <p:nvPicPr>
+          <p:cNvPr id="4" name="Picture 3"/>
+          <p:cNvPicPr>
+            <a:picLocks noChangeAspect="1"/>
+          </p:cNvPicPr>
+          <p:nvPr/>
+        </p:nvPicPr>
+        <p:blipFill>
+          <a:blip r:embed="rId2"/>
+          <a:stretch>
+            <a:fillRect/>
+          </a:stretch>
+        </p:blipFill>
+        <p:spPr>
+          <a:xfrm>
+            <a:off x="1110467" y="180739"/>
+            <a:ext cx="4194778" cy="6368715"/>
+          </a:xfrm>
+          <a:prstGeom prst="rect">
+            <a:avLst/>
+          </a:prstGeom>
+        </p:spPr>
+      </p:pic>
     </p:spTree>
     <p:extLst>
       <p:ext uri="{BB962C8B-B14F-4D97-AF65-F5344CB8AC3E}">
-        <p14:creationId xmlns:p14="http://schemas.microsoft.com/office/powerpoint/2010/main" val="2979303338"/>
+        <p14:creationId xmlns:p14="http://schemas.microsoft.com/office/powerpoint/2010/main" val="1567424856"/>
       </p:ext>
     </p:extLst>
   </p:cSld>
@@ -13129,13 +13572,8 @@
             <a:pPr lvl="1"/>
             <a:r>
               <a:rPr lang="en-US" sz="2200" dirty="0" smtClean="0"/>
-              <a:t>How to continuously monitor usability from early design to </a:t>
-            </a:r>
-            <a:r>
-              <a:rPr lang="en-US" sz="2200" dirty="0" smtClean="0"/>
-              <a:t>delivery</a:t>
-            </a:r>
-            <a:endParaRPr lang="en-US" sz="2200" dirty="0" smtClean="0"/>
+              <a:t>How to continuously monitor usability from early design to delivery</a:t>
+            </a:r>
           </a:p>
         </p:txBody>
       </p:sp>
@@ -13206,15 +13644,33 @@
             <a:spLocks noGrp="1"/>
           </p:cNvSpPr>
           <p:nvPr>
-            <p:ph type="title" idx="4294967295"/>
-          </p:nvPr>
-        </p:nvSpPr>
-        <p:spPr>
-          <a:xfrm>
-            <a:off x="6400800" y="365125"/>
-            <a:ext cx="5791201" cy="5043488"/>
-          </a:xfrm>
-        </p:spPr>
+            <p:ph type="title"/>
+          </p:nvPr>
+        </p:nvSpPr>
+        <p:spPr/>
+        <p:txBody>
+          <a:bodyPr/>
+          <a:lstStyle/>
+          <a:p>
+            <a:r>
+              <a:rPr lang="en-US" dirty="0" smtClean="0"/>
+              <a:t>Long versus Short Use Cases</a:t>
+            </a:r>
+            <a:endParaRPr lang="en-US" dirty="0"/>
+          </a:p>
+        </p:txBody>
+      </p:sp>
+      <p:sp>
+        <p:nvSpPr>
+          <p:cNvPr id="3" name="Content Placeholder 2"/>
+          <p:cNvSpPr>
+            <a:spLocks noGrp="1"/>
+          </p:cNvSpPr>
+          <p:nvPr>
+            <p:ph idx="1"/>
+          </p:nvPr>
+        </p:nvSpPr>
+        <p:spPr/>
         <p:txBody>
           <a:bodyPr>
             <a:normAutofit/>
@@ -13222,66 +13678,55 @@
           <a:lstStyle/>
           <a:p>
             <a:r>
-              <a:rPr lang="en-US" dirty="0" smtClean="0">
-                <a:latin typeface="Candara" panose="020E0502030303020204" pitchFamily="34" charset="0"/>
-              </a:rPr>
-              <a:t>Short Use Cases</a:t>
-            </a:r>
-            <a:br>
-              <a:rPr lang="en-US" dirty="0" smtClean="0">
-                <a:latin typeface="Candara" panose="020E0502030303020204" pitchFamily="34" charset="0"/>
-              </a:rPr>
-            </a:br>
-            <a:r>
-              <a:rPr lang="en-US" dirty="0" smtClean="0">
-                <a:latin typeface="Candara" panose="020E0502030303020204" pitchFamily="34" charset="0"/>
-              </a:rPr>
-              <a:t>for the SATM</a:t>
-            </a:r>
-            <a:br>
-              <a:rPr lang="en-US" dirty="0" smtClean="0">
-                <a:latin typeface="Candara" panose="020E0502030303020204" pitchFamily="34" charset="0"/>
-              </a:rPr>
-            </a:br>
-            <a:r>
-              <a:rPr lang="en-US" dirty="0" smtClean="0">
-                <a:latin typeface="Candara" panose="020E0502030303020204" pitchFamily="34" charset="0"/>
-              </a:rPr>
-              <a:t>System</a:t>
-            </a:r>
-            <a:endParaRPr lang="en-US" dirty="0">
-              <a:latin typeface="Candara" panose="020E0502030303020204" pitchFamily="34" charset="0"/>
-            </a:endParaRPr>
-          </a:p>
-        </p:txBody>
-      </p:sp>
-      <p:pic>
-        <p:nvPicPr>
-          <p:cNvPr id="4" name="Picture 3"/>
-          <p:cNvPicPr>
-            <a:picLocks noChangeAspect="1"/>
-          </p:cNvPicPr>
-          <p:nvPr/>
-        </p:nvPicPr>
-        <p:blipFill>
-          <a:blip r:embed="rId2"/>
-          <a:stretch>
-            <a:fillRect/>
-          </a:stretch>
-        </p:blipFill>
-        <p:spPr>
-          <a:xfrm>
-            <a:off x="1271187" y="623496"/>
-            <a:ext cx="4439270" cy="5611008"/>
-          </a:xfrm>
-          <a:prstGeom prst="rect">
-            <a:avLst/>
-          </a:prstGeom>
-        </p:spPr>
-      </p:pic>
-      <p:sp>
-        <p:nvSpPr>
-          <p:cNvPr id="3" name="Slide Number Placeholder 2"/>
+              <a:rPr lang="en-US" dirty="0" smtClean="0"/>
+              <a:t>A “Long” use case is typically an end-to-end transaction.</a:t>
+            </a:r>
+          </a:p>
+          <a:p>
+            <a:r>
+              <a:rPr lang="en-US" dirty="0" smtClean="0"/>
+              <a:t>SATM example: A full traversal of the high level finite state machine, from the Welcome screen to the End Session screen: &lt;s1, s2, s3, s4, s5&gt;</a:t>
+            </a:r>
+          </a:p>
+          <a:p>
+            <a:r>
+              <a:rPr lang="en-US" dirty="0" smtClean="0"/>
+              <a:t>A “Short” use case is at the level on an atomic system function.</a:t>
+            </a:r>
+          </a:p>
+          <a:p>
+            <a:r>
+              <a:rPr lang="en-US" dirty="0" smtClean="0"/>
+              <a:t>Examples</a:t>
+            </a:r>
+          </a:p>
+          <a:p>
+            <a:pPr lvl="1"/>
+            <a:r>
+              <a:rPr lang="en-US" dirty="0" smtClean="0"/>
+              <a:t>PIN Entry</a:t>
+            </a:r>
+          </a:p>
+          <a:p>
+            <a:pPr lvl="1"/>
+            <a:r>
+              <a:rPr lang="en-US" dirty="0" smtClean="0"/>
+              <a:t>Transaction selection</a:t>
+            </a:r>
+          </a:p>
+          <a:p>
+            <a:pPr lvl="1"/>
+            <a:r>
+              <a:rPr lang="en-US" dirty="0" smtClean="0"/>
+              <a:t>Session closing</a:t>
+            </a:r>
+            <a:endParaRPr lang="en-US" dirty="0"/>
+          </a:p>
+        </p:txBody>
+      </p:sp>
+      <p:sp>
+        <p:nvSpPr>
+          <p:cNvPr id="4" name="Slide Number Placeholder 3"/>
           <p:cNvSpPr>
             <a:spLocks noGrp="1"/>
           </p:cNvSpPr>
@@ -13296,16 +13741,17 @@
           <a:p>
             <a:fld id="{B8DACC02-A2BD-4578-8E03-6D891060A695}" type="slidenum">
               <a:rPr lang="en-US" smtClean="0"/>
+              <a:pPr/>
               <a:t>30</a:t>
             </a:fld>
-            <a:endParaRPr lang="en-US"/>
+            <a:endParaRPr lang="en-US" dirty="0"/>
           </a:p>
         </p:txBody>
       </p:sp>
     </p:spTree>
     <p:extLst>
       <p:ext uri="{BB962C8B-B14F-4D97-AF65-F5344CB8AC3E}">
-        <p14:creationId xmlns:p14="http://schemas.microsoft.com/office/powerpoint/2010/main" val="2797294147"/>
+        <p14:creationId xmlns:p14="http://schemas.microsoft.com/office/powerpoint/2010/main" val="3345875294"/>
       </p:ext>
     </p:extLst>
   </p:cSld>
@@ -13349,7 +13795,7 @@
           <a:p>
             <a:r>
               <a:rPr lang="en-US" dirty="0" smtClean="0"/>
-              <a:t>System Testing with Short Use Cases</a:t>
+              <a:t>Short Use Cases</a:t>
             </a:r>
             <a:endParaRPr lang="en-US" dirty="0"/>
           </a:p>
@@ -13374,64 +13820,59 @@
           <a:p>
             <a:r>
               <a:rPr lang="en-US" dirty="0" smtClean="0"/>
-              <a:t>Basic idea: a short use case is an atomic system function (ASF)</a:t>
-            </a:r>
-          </a:p>
-          <a:p>
-            <a:r>
-              <a:rPr lang="en-US" dirty="0" smtClean="0"/>
-              <a:t>ASFs ...</a:t>
+              <a:t>“Short” use case is at the level on an atomic system function (ASF).</a:t>
+            </a:r>
+          </a:p>
+          <a:p>
+            <a:r>
+              <a:rPr lang="en-US" dirty="0" smtClean="0"/>
+              <a:t>In the directed graph of ASFs,</a:t>
             </a:r>
           </a:p>
           <a:p>
             <a:pPr lvl="1"/>
             <a:r>
               <a:rPr lang="en-US" dirty="0" smtClean="0"/>
-              <a:t>begin with a port input event</a:t>
+              <a:t>nodes are ASFs</a:t>
             </a:r>
           </a:p>
           <a:p>
             <a:pPr lvl="1"/>
             <a:r>
               <a:rPr lang="en-US" dirty="0" smtClean="0"/>
-              <a:t>end is one of possibly several port output events</a:t>
-            </a:r>
-          </a:p>
-          <a:p>
-            <a:r>
-              <a:rPr lang="en-US" dirty="0" smtClean="0"/>
-              <a:t>ASFs can be identified</a:t>
+              <a:t>edges signify possible sequential execution of ASFs</a:t>
+            </a:r>
+          </a:p>
+          <a:p>
+            <a:r>
+              <a:rPr lang="en-US" dirty="0" smtClean="0"/>
+              <a:t>Consider an ASF as a “Short” use case, with</a:t>
             </a:r>
           </a:p>
           <a:p>
             <a:pPr lvl="1"/>
             <a:r>
               <a:rPr lang="en-US" dirty="0" smtClean="0"/>
-              <a:t>in source code</a:t>
+              <a:t>pre-conditions</a:t>
             </a:r>
           </a:p>
           <a:p>
             <a:pPr lvl="1"/>
             <a:r>
               <a:rPr lang="en-US" dirty="0" smtClean="0"/>
-              <a:t>in executable models</a:t>
-            </a:r>
-          </a:p>
-          <a:p>
-            <a:pPr lvl="1"/>
-            <a:r>
-              <a:rPr lang="en-US" dirty="0" smtClean="0"/>
-              <a:t>from short use cases</a:t>
-            </a:r>
-          </a:p>
-          <a:p>
-            <a:r>
-              <a:rPr lang="en-US" dirty="0" smtClean="0"/>
-              <a:t>Example: the integration version of </a:t>
-            </a:r>
-            <a:r>
-              <a:rPr lang="en-US" dirty="0" err="1" smtClean="0"/>
-              <a:t>NextDate</a:t>
+              <a:t>post-conditions</a:t>
+            </a:r>
+          </a:p>
+          <a:p>
+            <a:r>
+              <a:rPr lang="en-US" dirty="0" smtClean="0"/>
+              <a:t>Short use case (ASF) B can follow short use case (ASF) A if the pre-conditions of B are consistent with the post-conditions of A, that is...</a:t>
+            </a:r>
+          </a:p>
+          <a:p>
+            <a:r>
+              <a:rPr lang="en-US" dirty="0" smtClean="0"/>
+              <a:t>Short use cases “connect” at their pre- and post condition boundaries. </a:t>
             </a:r>
             <a:endParaRPr lang="en-US" dirty="0"/>
           </a:p>
@@ -13464,7 +13905,7 @@
     </p:spTree>
     <p:extLst>
       <p:ext uri="{BB962C8B-B14F-4D97-AF65-F5344CB8AC3E}">
-        <p14:creationId xmlns:p14="http://schemas.microsoft.com/office/powerpoint/2010/main" val="119170192"/>
+        <p14:creationId xmlns:p14="http://schemas.microsoft.com/office/powerpoint/2010/main" val="3613917485"/>
       </p:ext>
     </p:extLst>
   </p:cSld>
@@ -13508,7 +13949,7 @@
           <a:p>
             <a:r>
               <a:rPr lang="en-US" dirty="0" smtClean="0"/>
-              <a:t>Metrics for System Testing</a:t>
+              <a:t>Short Use Cases for the SATM System </a:t>
             </a:r>
             <a:endParaRPr lang="en-US" dirty="0"/>
           </a:p>
@@ -13526,61 +13967,40 @@
         </p:nvSpPr>
         <p:spPr/>
         <p:txBody>
-          <a:bodyPr>
-            <a:normAutofit/>
-          </a:bodyPr>
-          <a:lstStyle/>
-          <a:p>
-            <a:r>
-              <a:rPr lang="en-US" dirty="0" smtClean="0"/>
-              <a:t>In PIN Entry, for a given PIN, there are 156 distinct paths from the First PIN Try state to the two successor states.</a:t>
-            </a:r>
-          </a:p>
-          <a:p>
-            <a:r>
-              <a:rPr lang="en-US" dirty="0" smtClean="0"/>
-              <a:t>Of these, 31 correspond to eventually correct PIN entries.</a:t>
-            </a:r>
-          </a:p>
-          <a:p>
-            <a:pPr lvl="1"/>
-            <a:r>
-              <a:rPr lang="en-US" dirty="0" smtClean="0"/>
-              <a:t>1 on the first try</a:t>
-            </a:r>
-          </a:p>
-          <a:p>
-            <a:pPr lvl="1"/>
-            <a:r>
-              <a:rPr lang="en-US" dirty="0" smtClean="0"/>
-              <a:t>5 on the second try</a:t>
-            </a:r>
-          </a:p>
-          <a:p>
-            <a:pPr lvl="1"/>
-            <a:r>
-              <a:rPr lang="en-US" dirty="0" smtClean="0"/>
-              <a:t>25 on the third try</a:t>
-            </a:r>
-          </a:p>
-          <a:p>
-            <a:r>
-              <a:rPr lang="en-US" dirty="0" smtClean="0"/>
-              <a:t>The other 125 paths correspond to failed PIN attempts/</a:t>
-            </a:r>
-          </a:p>
-          <a:p>
-            <a:r>
-              <a:rPr lang="en-US" dirty="0" smtClean="0"/>
-              <a:t>Model-based coverage metrics can control this.</a:t>
-            </a:r>
-            <a:endParaRPr lang="en-US" dirty="0"/>
-          </a:p>
-        </p:txBody>
-      </p:sp>
-      <p:sp>
-        <p:nvSpPr>
-          <p:cNvPr id="4" name="Slide Number Placeholder 3"/>
+          <a:bodyPr/>
+          <a:lstStyle/>
+          <a:p>
+            <a:endParaRPr lang="en-US"/>
+          </a:p>
+        </p:txBody>
+      </p:sp>
+      <p:pic>
+        <p:nvPicPr>
+          <p:cNvPr id="4" name="Picture 3"/>
+          <p:cNvPicPr>
+            <a:picLocks noChangeAspect="1"/>
+          </p:cNvPicPr>
+          <p:nvPr/>
+        </p:nvPicPr>
+        <p:blipFill>
+          <a:blip r:embed="rId2"/>
+          <a:stretch>
+            <a:fillRect/>
+          </a:stretch>
+        </p:blipFill>
+        <p:spPr>
+          <a:xfrm>
+            <a:off x="2037365" y="1520900"/>
+            <a:ext cx="7668695" cy="4658375"/>
+          </a:xfrm>
+          <a:prstGeom prst="rect">
+            <a:avLst/>
+          </a:prstGeom>
+        </p:spPr>
+      </p:pic>
+      <p:sp>
+        <p:nvSpPr>
+          <p:cNvPr id="5" name="Slide Number Placeholder 4"/>
           <p:cNvSpPr>
             <a:spLocks noGrp="1"/>
           </p:cNvSpPr>
@@ -13605,7 +14025,7 @@
     </p:spTree>
     <p:extLst>
       <p:ext uri="{BB962C8B-B14F-4D97-AF65-F5344CB8AC3E}">
-        <p14:creationId xmlns:p14="http://schemas.microsoft.com/office/powerpoint/2010/main" val="3313377232"/>
+        <p14:creationId xmlns:p14="http://schemas.microsoft.com/office/powerpoint/2010/main" val="2156236436"/>
       </p:ext>
     </p:extLst>
   </p:cSld>
@@ -13649,7 +14069,7 @@
           <a:p>
             <a:r>
               <a:rPr lang="en-US" dirty="0" smtClean="0"/>
-              <a:t>Model-Based Coverage Metrics</a:t>
+              <a:t>Short Use Cases for Failed PIN Attempts</a:t>
             </a:r>
             <a:endParaRPr lang="en-US" dirty="0"/>
           </a:p>
@@ -13667,104 +14087,40 @@
         </p:nvSpPr>
         <p:spPr/>
         <p:txBody>
-          <a:bodyPr>
-            <a:normAutofit fontScale="92500" lnSpcReduction="10000"/>
-          </a:bodyPr>
-          <a:lstStyle/>
-          <a:p>
-            <a:r>
-              <a:rPr lang="en-US" dirty="0" smtClean="0"/>
-              <a:t>Decision table metrics</a:t>
-            </a:r>
-          </a:p>
-          <a:p>
-            <a:pPr lvl="1"/>
-            <a:r>
-              <a:rPr lang="en-US" dirty="0" smtClean="0"/>
-              <a:t>every condition</a:t>
-            </a:r>
-          </a:p>
-          <a:p>
-            <a:pPr lvl="1"/>
-            <a:r>
-              <a:rPr lang="en-US" dirty="0" smtClean="0"/>
-              <a:t>every action</a:t>
-            </a:r>
-          </a:p>
-          <a:p>
-            <a:pPr lvl="1"/>
-            <a:r>
-              <a:rPr lang="en-US" dirty="0" smtClean="0"/>
-              <a:t>every rule</a:t>
-            </a:r>
-          </a:p>
-          <a:p>
-            <a:r>
-              <a:rPr lang="en-US" dirty="0" smtClean="0"/>
-              <a:t>Finite state machine metrics</a:t>
-            </a:r>
-          </a:p>
-          <a:p>
-            <a:pPr lvl="1"/>
-            <a:r>
-              <a:rPr lang="en-US" dirty="0" smtClean="0"/>
-              <a:t>every state</a:t>
-            </a:r>
-          </a:p>
-          <a:p>
-            <a:pPr lvl="1"/>
-            <a:r>
-              <a:rPr lang="en-US" dirty="0" smtClean="0"/>
-              <a:t>every transition</a:t>
-            </a:r>
-          </a:p>
-          <a:p>
-            <a:pPr lvl="1"/>
-            <a:r>
-              <a:rPr lang="en-US" dirty="0" smtClean="0"/>
-              <a:t>every path (cycles need to be addressed as in code coverage metrics)</a:t>
-            </a:r>
-          </a:p>
-          <a:p>
-            <a:r>
-              <a:rPr lang="en-US" dirty="0" smtClean="0"/>
-              <a:t>Petri net metrics</a:t>
-            </a:r>
-          </a:p>
-          <a:p>
-            <a:pPr lvl="1"/>
-            <a:r>
-              <a:rPr lang="en-US" dirty="0" smtClean="0"/>
-              <a:t>every place</a:t>
-            </a:r>
-          </a:p>
-          <a:p>
-            <a:pPr lvl="1"/>
-            <a:r>
-              <a:rPr lang="en-US" dirty="0" smtClean="0"/>
-              <a:t>every port event</a:t>
-            </a:r>
-          </a:p>
-          <a:p>
-            <a:pPr lvl="1"/>
-            <a:r>
-              <a:rPr lang="en-US" dirty="0" smtClean="0"/>
-              <a:t>every transition</a:t>
-            </a:r>
-          </a:p>
-          <a:p>
-            <a:pPr lvl="1"/>
-            <a:r>
-              <a:rPr lang="en-US" dirty="0" smtClean="0"/>
-              <a:t>every marking </a:t>
-            </a:r>
-            <a:endParaRPr lang="en-US" dirty="0"/>
-          </a:p>
-        </p:txBody>
-      </p:sp>
-      <p:sp>
-        <p:nvSpPr>
-          <p:cNvPr id="4" name="Slide Number Placeholder 3"/>
+          <a:bodyPr/>
+          <a:lstStyle/>
+          <a:p>
+            <a:endParaRPr lang="en-US" dirty="0"/>
+          </a:p>
+        </p:txBody>
+      </p:sp>
+      <p:pic>
+        <p:nvPicPr>
+          <p:cNvPr id="4" name="Picture 3"/>
+          <p:cNvPicPr>
+            <a:picLocks noChangeAspect="1"/>
+          </p:cNvPicPr>
+          <p:nvPr/>
+        </p:nvPicPr>
+        <p:blipFill>
+          <a:blip r:embed="rId2"/>
+          <a:stretch>
+            <a:fillRect/>
+          </a:stretch>
+        </p:blipFill>
+        <p:spPr>
+          <a:xfrm>
+            <a:off x="3695846" y="1341184"/>
+            <a:ext cx="4334480" cy="4877481"/>
+          </a:xfrm>
+          <a:prstGeom prst="rect">
+            <a:avLst/>
+          </a:prstGeom>
+        </p:spPr>
+      </p:pic>
+      <p:sp>
+        <p:nvSpPr>
+          <p:cNvPr id="5" name="Slide Number Placeholder 4"/>
           <p:cNvSpPr>
             <a:spLocks noGrp="1"/>
           </p:cNvSpPr>
@@ -13789,7 +14145,7 @@
     </p:spTree>
     <p:extLst>
       <p:ext uri="{BB962C8B-B14F-4D97-AF65-F5344CB8AC3E}">
-        <p14:creationId xmlns:p14="http://schemas.microsoft.com/office/powerpoint/2010/main" val="115698940"/>
+        <p14:creationId xmlns:p14="http://schemas.microsoft.com/office/powerpoint/2010/main" val="4293147967"/>
       </p:ext>
     </p:extLst>
   </p:cSld>
@@ -13833,7 +14189,7 @@
           <a:p>
             <a:r>
               <a:rPr lang="en-US" dirty="0" smtClean="0"/>
-              <a:t>Risk-Based System Testing</a:t>
+              <a:t>How Many Use Cases?</a:t>
             </a:r>
             <a:endParaRPr lang="en-US" dirty="0"/>
           </a:p>
@@ -13851,52 +14207,53 @@
         </p:nvSpPr>
         <p:spPr/>
         <p:txBody>
-          <a:bodyPr/>
-          <a:lstStyle/>
-          <a:p>
-            <a:r>
-              <a:rPr lang="en-US" dirty="0" smtClean="0"/>
-              <a:t>Risk = Cost * (Probability of occurrence)</a:t>
-            </a:r>
-          </a:p>
-          <a:p>
-            <a:r>
-              <a:rPr lang="en-US" dirty="0" smtClean="0"/>
-              <a:t>Hans Schaefer’s risk categories</a:t>
+          <a:bodyPr>
+            <a:normAutofit/>
+          </a:bodyPr>
+          <a:lstStyle/>
+          <a:p>
+            <a:r>
+              <a:rPr lang="en-US" dirty="0" smtClean="0"/>
+              <a:t>1909 “long” use cases</a:t>
+            </a:r>
+          </a:p>
+          <a:p>
+            <a:r>
+              <a:rPr lang="en-US" dirty="0" smtClean="0"/>
+              <a:t>25 “short” use cases</a:t>
+            </a:r>
+          </a:p>
+          <a:p>
+            <a:r>
+              <a:rPr lang="en-US" dirty="0" smtClean="0"/>
+              <a:t>Ways to determine “how many?</a:t>
             </a:r>
           </a:p>
           <a:p>
             <a:pPr lvl="1"/>
             <a:r>
               <a:rPr lang="en-US" dirty="0" smtClean="0"/>
-              <a:t>Catastrophic: deposits, invalid withdrawals</a:t>
+              <a:t>Incidence with input events (cover every input event)</a:t>
             </a:r>
           </a:p>
           <a:p>
             <a:pPr lvl="1"/>
             <a:r>
               <a:rPr lang="en-US" dirty="0" smtClean="0"/>
-              <a:t>Damaging: normal withdrawals</a:t>
+              <a:t>Incidence with output events (cover every output event)</a:t>
             </a:r>
           </a:p>
           <a:p>
             <a:pPr lvl="1"/>
             <a:r>
               <a:rPr lang="en-US" dirty="0" smtClean="0"/>
-              <a:t>Hindering: invalid ATM card, PIN entry failure</a:t>
-            </a:r>
-          </a:p>
-          <a:p>
-            <a:pPr lvl="1"/>
-            <a:r>
-              <a:rPr lang="en-US" dirty="0" smtClean="0"/>
-              <a:t>Annoying: balance inquiries</a:t>
-            </a:r>
-          </a:p>
-          <a:p>
-            <a:r>
-              <a:rPr lang="en-US" dirty="0" smtClean="0"/>
-              <a:t>Logarithmic weighting (low = 1, medium = 3, high = 10) </a:t>
+              <a:t>Incidence with classes (need a use case/class incidence matrix)</a:t>
+            </a:r>
+          </a:p>
+          <a:p>
+            <a:r>
+              <a:rPr lang="en-US" dirty="0" smtClean="0"/>
+              <a:t>These lead directly to system testing coverage metrics. </a:t>
             </a:r>
             <a:endParaRPr lang="en-US" dirty="0"/>
           </a:p>
@@ -13929,7 +14286,7 @@
     </p:spTree>
     <p:extLst>
       <p:ext uri="{BB962C8B-B14F-4D97-AF65-F5344CB8AC3E}">
-        <p14:creationId xmlns:p14="http://schemas.microsoft.com/office/powerpoint/2010/main" val="638945655"/>
+        <p14:creationId xmlns:p14="http://schemas.microsoft.com/office/powerpoint/2010/main" val="2093941666"/>
       </p:ext>
     </p:extLst>
   </p:cSld>
@@ -13958,43 +14315,81 @@
       </p:grpSpPr>
       <p:sp>
         <p:nvSpPr>
+          <p:cNvPr id="3" name="Slide Number Placeholder 2"/>
+          <p:cNvSpPr>
+            <a:spLocks noGrp="1"/>
+          </p:cNvSpPr>
+          <p:nvPr>
+            <p:ph type="sldNum" sz="quarter" idx="12"/>
+          </p:nvPr>
+        </p:nvSpPr>
+        <p:spPr/>
+        <p:txBody>
+          <a:bodyPr/>
+          <a:lstStyle/>
+          <a:p>
+            <a:fld id="{B8DACC02-A2BD-4578-8E03-6D891060A695}" type="slidenum">
+              <a:rPr lang="en-US" smtClean="0"/>
+              <a:pPr/>
+              <a:t>35</a:t>
+            </a:fld>
+            <a:endParaRPr lang="en-US" dirty="0"/>
+          </a:p>
+        </p:txBody>
+      </p:sp>
+      <p:sp>
+        <p:nvSpPr>
           <p:cNvPr id="2" name="Title 1"/>
           <p:cNvSpPr>
             <a:spLocks noGrp="1"/>
           </p:cNvSpPr>
           <p:nvPr>
-            <p:ph type="title"/>
-          </p:nvPr>
-        </p:nvSpPr>
-        <p:spPr/>
-        <p:txBody>
-          <a:bodyPr/>
-          <a:lstStyle/>
-          <a:p>
-            <a:r>
-              <a:rPr lang="en-US" dirty="0" smtClean="0"/>
-              <a:t>Selected Path Risks</a:t>
-            </a:r>
-            <a:endParaRPr lang="en-US" dirty="0"/>
-          </a:p>
-        </p:txBody>
-      </p:sp>
-      <p:sp>
-        <p:nvSpPr>
-          <p:cNvPr id="3" name="Content Placeholder 2"/>
-          <p:cNvSpPr>
-            <a:spLocks noGrp="1"/>
-          </p:cNvSpPr>
-          <p:nvPr>
-            <p:ph idx="1"/>
-          </p:nvPr>
-        </p:nvSpPr>
-        <p:spPr/>
-        <p:txBody>
-          <a:bodyPr/>
-          <a:lstStyle/>
-          <a:p>
-            <a:endParaRPr lang="en-US"/>
+            <p:ph type="title" idx="4294967295"/>
+          </p:nvPr>
+        </p:nvSpPr>
+        <p:spPr>
+          <a:xfrm>
+            <a:off x="7470775" y="925842"/>
+            <a:ext cx="3372629" cy="5043488"/>
+          </a:xfrm>
+        </p:spPr>
+        <p:txBody>
+          <a:bodyPr>
+            <a:normAutofit/>
+          </a:bodyPr>
+          <a:lstStyle/>
+          <a:p>
+            <a:r>
+              <a:rPr lang="en-US" dirty="0" smtClean="0">
+                <a:latin typeface="Candara" panose="020E0502030303020204" pitchFamily="34" charset="0"/>
+              </a:rPr>
+              <a:t>Short Use Cases</a:t>
+            </a:r>
+            <a:br>
+              <a:rPr lang="en-US" dirty="0" smtClean="0">
+                <a:latin typeface="Candara" panose="020E0502030303020204" pitchFamily="34" charset="0"/>
+              </a:rPr>
+            </a:br>
+            <a:r>
+              <a:rPr lang="en-US" dirty="0" smtClean="0">
+                <a:latin typeface="Candara" panose="020E0502030303020204" pitchFamily="34" charset="0"/>
+              </a:rPr>
+              <a:t>for the SATM</a:t>
+            </a:r>
+            <a:br>
+              <a:rPr lang="en-US" dirty="0" smtClean="0">
+                <a:latin typeface="Candara" panose="020E0502030303020204" pitchFamily="34" charset="0"/>
+              </a:rPr>
+            </a:br>
+            <a:r>
+              <a:rPr lang="en-US" dirty="0" smtClean="0">
+                <a:latin typeface="Candara" panose="020E0502030303020204" pitchFamily="34" charset="0"/>
+              </a:rPr>
+              <a:t>System</a:t>
+            </a:r>
+            <a:endParaRPr lang="en-US" dirty="0">
+              <a:latin typeface="Candara" panose="020E0502030303020204" pitchFamily="34" charset="0"/>
+            </a:endParaRPr>
           </a:p>
         </p:txBody>
       </p:sp>
@@ -14014,42 +14409,18 @@
         </p:blipFill>
         <p:spPr>
           <a:xfrm>
-            <a:off x="2728442" y="1984007"/>
-            <a:ext cx="6735115" cy="3562847"/>
+            <a:off x="1831904" y="796024"/>
+            <a:ext cx="4439270" cy="5611008"/>
           </a:xfrm>
           <a:prstGeom prst="rect">
             <a:avLst/>
           </a:prstGeom>
         </p:spPr>
       </p:pic>
-      <p:sp>
-        <p:nvSpPr>
-          <p:cNvPr id="5" name="Slide Number Placeholder 4"/>
-          <p:cNvSpPr>
-            <a:spLocks noGrp="1"/>
-          </p:cNvSpPr>
-          <p:nvPr>
-            <p:ph type="sldNum" sz="quarter" idx="12"/>
-          </p:nvPr>
-        </p:nvSpPr>
-        <p:spPr/>
-        <p:txBody>
-          <a:bodyPr/>
-          <a:lstStyle/>
-          <a:p>
-            <a:fld id="{B8DACC02-A2BD-4578-8E03-6D891060A695}" type="slidenum">
-              <a:rPr lang="en-US" smtClean="0"/>
-              <a:pPr/>
-              <a:t>35</a:t>
-            </a:fld>
-            <a:endParaRPr lang="en-US" dirty="0"/>
-          </a:p>
-        </p:txBody>
-      </p:sp>
     </p:spTree>
     <p:extLst>
       <p:ext uri="{BB962C8B-B14F-4D97-AF65-F5344CB8AC3E}">
-        <p14:creationId xmlns:p14="http://schemas.microsoft.com/office/powerpoint/2010/main" val="2239751175"/>
+        <p14:creationId xmlns:p14="http://schemas.microsoft.com/office/powerpoint/2010/main" val="1722802607"/>
       </p:ext>
     </p:extLst>
   </p:cSld>
@@ -14093,7 +14464,7 @@
           <a:p>
             <a:r>
               <a:rPr lang="en-US" dirty="0" smtClean="0"/>
-              <a:t>Conclusions and Observations</a:t>
+              <a:t>System Testing with Short Use Cases</a:t>
             </a:r>
             <a:endParaRPr lang="en-US" dirty="0"/>
           </a:p>
@@ -14111,38 +14482,71 @@
         </p:nvSpPr>
         <p:spPr/>
         <p:txBody>
-          <a:bodyPr/>
-          <a:lstStyle/>
-          <a:p>
-            <a:r>
-              <a:rPr lang="en-US" dirty="0" smtClean="0"/>
-              <a:t>System testing is based on threads</a:t>
+          <a:bodyPr>
+            <a:normAutofit/>
+          </a:bodyPr>
+          <a:lstStyle/>
+          <a:p>
+            <a:r>
+              <a:rPr lang="en-US" dirty="0" smtClean="0"/>
+              <a:t>Basic idea: a short use case is an atomic system function (ASF)</a:t>
+            </a:r>
+          </a:p>
+          <a:p>
+            <a:r>
+              <a:rPr lang="en-US" dirty="0" smtClean="0"/>
+              <a:t>ASFs ...</a:t>
             </a:r>
           </a:p>
           <a:p>
             <a:pPr lvl="1"/>
             <a:r>
               <a:rPr lang="en-US" dirty="0" smtClean="0"/>
-              <a:t>thread identification is the hard part</a:t>
+              <a:t>begin with a port input event</a:t>
             </a:r>
           </a:p>
           <a:p>
             <a:pPr lvl="1"/>
             <a:r>
               <a:rPr lang="en-US" dirty="0" smtClean="0"/>
-              <a:t>automated thread execution is a good idea</a:t>
-            </a:r>
-          </a:p>
-          <a:p>
-            <a:r>
-              <a:rPr lang="en-US" dirty="0" smtClean="0"/>
-              <a:t>Model-Based system testing works well</a:t>
-            </a:r>
-          </a:p>
-          <a:p>
-            <a:r>
-              <a:rPr lang="en-US" dirty="0" smtClean="0"/>
-              <a:t>Helpful to have system level coverage metrics</a:t>
+              <a:t>end is one of possibly several port output events</a:t>
+            </a:r>
+          </a:p>
+          <a:p>
+            <a:r>
+              <a:rPr lang="en-US" dirty="0" smtClean="0"/>
+              <a:t>ASFs can be identified</a:t>
+            </a:r>
+          </a:p>
+          <a:p>
+            <a:pPr lvl="1"/>
+            <a:r>
+              <a:rPr lang="en-US" dirty="0" smtClean="0"/>
+              <a:t>in source code</a:t>
+            </a:r>
+          </a:p>
+          <a:p>
+            <a:pPr lvl="1"/>
+            <a:r>
+              <a:rPr lang="en-US" dirty="0" smtClean="0"/>
+              <a:t>in executable models</a:t>
+            </a:r>
+          </a:p>
+          <a:p>
+            <a:pPr lvl="1"/>
+            <a:r>
+              <a:rPr lang="en-US" dirty="0" smtClean="0"/>
+              <a:t>from short use cases</a:t>
+            </a:r>
+          </a:p>
+          <a:p>
+            <a:r>
+              <a:rPr lang="en-US" dirty="0" smtClean="0"/>
+              <a:t>Example: the integration version of </a:t>
+            </a:r>
+            <a:r>
+              <a:rPr lang="en-US" dirty="0" err="1" smtClean="0"/>
+              <a:t>NextDate</a:t>
             </a:r>
             <a:endParaRPr lang="en-US" dirty="0"/>
           </a:p>
@@ -14175,7 +14579,7 @@
     </p:spTree>
     <p:extLst>
       <p:ext uri="{BB962C8B-B14F-4D97-AF65-F5344CB8AC3E}">
-        <p14:creationId xmlns:p14="http://schemas.microsoft.com/office/powerpoint/2010/main" val="2996122966"/>
+        <p14:creationId xmlns:p14="http://schemas.microsoft.com/office/powerpoint/2010/main" val="1315151866"/>
       </p:ext>
     </p:extLst>
   </p:cSld>
@@ -14219,7 +14623,7 @@
           <a:p>
             <a:r>
               <a:rPr lang="en-US" dirty="0" smtClean="0"/>
-              <a:t>Performance Testing </a:t>
+              <a:t>Model-Based Coverage Metrics</a:t>
             </a:r>
             <a:endParaRPr lang="en-US" dirty="0"/>
           </a:p>
@@ -14238,82 +14642,96 @@
         <p:spPr/>
         <p:txBody>
           <a:bodyPr>
-            <a:normAutofit lnSpcReduction="10000"/>
+            <a:normAutofit fontScale="92500" lnSpcReduction="10000"/>
           </a:bodyPr>
           <a:lstStyle/>
           <a:p>
             <a:r>
               <a:rPr lang="en-US" dirty="0" smtClean="0"/>
-              <a:t>Stress Testing </a:t>
+              <a:t>Decision table metrics</a:t>
             </a:r>
           </a:p>
           <a:p>
             <a:pPr lvl="1"/>
             <a:r>
               <a:rPr lang="en-US" dirty="0" smtClean="0"/>
-              <a:t>Checks if the system can respond to many simultaneous requests</a:t>
-            </a:r>
-            <a:br>
-              <a:rPr lang="en-US" dirty="0" smtClean="0"/>
-            </a:br>
-            <a:r>
-              <a:rPr lang="en-US" dirty="0" smtClean="0"/>
-              <a:t>(maximum # of users, peak demands) </a:t>
-            </a:r>
-          </a:p>
-          <a:p>
-            <a:r>
-              <a:rPr lang="en-US" dirty="0" smtClean="0"/>
-              <a:t>Volume testing</a:t>
+              <a:t>every condition</a:t>
             </a:r>
           </a:p>
           <a:p>
             <a:pPr lvl="1"/>
             <a:r>
               <a:rPr lang="en-US" dirty="0" smtClean="0"/>
-              <a:t>Test what happens if large amounts of data are handled</a:t>
-            </a:r>
-          </a:p>
-          <a:p>
-            <a:r>
-              <a:rPr lang="en-US" dirty="0" smtClean="0"/>
-              <a:t>Configuration testing </a:t>
+              <a:t>every action</a:t>
             </a:r>
           </a:p>
           <a:p>
             <a:pPr lvl="1"/>
             <a:r>
               <a:rPr lang="en-US" dirty="0" smtClean="0"/>
-              <a:t>Test the various software and hardware configurations </a:t>
-            </a:r>
-          </a:p>
-          <a:p>
-            <a:r>
-              <a:rPr lang="en-US" dirty="0" smtClean="0"/>
-              <a:t>Compatibility test</a:t>
+              <a:t>every rule</a:t>
+            </a:r>
+          </a:p>
+          <a:p>
+            <a:r>
+              <a:rPr lang="en-US" dirty="0" smtClean="0"/>
+              <a:t>Finite state machine metrics</a:t>
             </a:r>
           </a:p>
           <a:p>
             <a:pPr lvl="1"/>
             <a:r>
               <a:rPr lang="en-US" dirty="0" smtClean="0"/>
-              <a:t>Test backward compatibility with existing systems </a:t>
-            </a:r>
-          </a:p>
-          <a:p>
-            <a:r>
-              <a:rPr lang="en-US" dirty="0" smtClean="0"/>
-              <a:t>Security testing </a:t>
+              <a:t>every state</a:t>
             </a:r>
           </a:p>
           <a:p>
             <a:pPr lvl="1"/>
             <a:r>
               <a:rPr lang="en-US" dirty="0" smtClean="0"/>
-              <a:t>Try to violate security requirements </a:t>
-            </a:r>
-          </a:p>
-          <a:p>
+              <a:t>every transition</a:t>
+            </a:r>
+          </a:p>
+          <a:p>
+            <a:pPr lvl="1"/>
+            <a:r>
+              <a:rPr lang="en-US" dirty="0" smtClean="0"/>
+              <a:t>every path (cycles need to be addressed as in code coverage metrics)</a:t>
+            </a:r>
+          </a:p>
+          <a:p>
+            <a:r>
+              <a:rPr lang="en-US" dirty="0" smtClean="0"/>
+              <a:t>Petri net metrics</a:t>
+            </a:r>
+          </a:p>
+          <a:p>
+            <a:pPr lvl="1"/>
+            <a:r>
+              <a:rPr lang="en-US" dirty="0" smtClean="0"/>
+              <a:t>every place</a:t>
+            </a:r>
+          </a:p>
+          <a:p>
+            <a:pPr lvl="1"/>
+            <a:r>
+              <a:rPr lang="en-US" dirty="0" smtClean="0"/>
+              <a:t>every port event</a:t>
+            </a:r>
+          </a:p>
+          <a:p>
+            <a:pPr lvl="1"/>
+            <a:r>
+              <a:rPr lang="en-US" dirty="0" smtClean="0"/>
+              <a:t>every transition</a:t>
+            </a:r>
+          </a:p>
+          <a:p>
+            <a:pPr lvl="1"/>
+            <a:r>
+              <a:rPr lang="en-US" dirty="0" smtClean="0"/>
+              <a:t>every marking </a:t>
+            </a:r>
             <a:endParaRPr lang="en-US" dirty="0"/>
           </a:p>
         </p:txBody>
@@ -14333,31 +14751,25 @@
           <a:bodyPr/>
           <a:lstStyle/>
           <a:p>
-            <a:fld id="{B543A0FD-1CA6-4228-86A2-78061B4844C8}" type="slidenum">
-              <a:rPr lang="en-US" smtClean="0"/>
+            <a:fld id="{B8DACC02-A2BD-4578-8E03-6D891060A695}" type="slidenum">
+              <a:rPr lang="en-US" smtClean="0"/>
+              <a:pPr/>
               <a:t>37</a:t>
             </a:fld>
-            <a:endParaRPr lang="en-US"/>
+            <a:endParaRPr lang="en-US" dirty="0"/>
           </a:p>
         </p:txBody>
       </p:sp>
     </p:spTree>
     <p:extLst>
       <p:ext uri="{BB962C8B-B14F-4D97-AF65-F5344CB8AC3E}">
-        <p14:creationId xmlns:p14="http://schemas.microsoft.com/office/powerpoint/2010/main" val="2352415844"/>
+        <p14:creationId xmlns:p14="http://schemas.microsoft.com/office/powerpoint/2010/main" val="1723409474"/>
       </p:ext>
     </p:extLst>
   </p:cSld>
   <p:clrMapOvr>
     <a:masterClrMapping/>
   </p:clrMapOvr>
-  <p:timing>
-    <p:tnLst>
-      <p:par>
-        <p:cTn id="1" dur="indefinite" restart="never" nodeType="tmRoot"/>
-      </p:par>
-    </p:tnLst>
-  </p:timing>
 </p:sld>
 </file>
 
@@ -14395,7 +14807,7 @@
           <a:p>
             <a:r>
               <a:rPr lang="en-US" dirty="0" smtClean="0"/>
-              <a:t>Performance Testing </a:t>
+              <a:t>Risk-Based System Testing</a:t>
             </a:r>
             <a:endParaRPr lang="en-US" dirty="0"/>
           </a:p>
@@ -14413,76 +14825,53 @@
         </p:nvSpPr>
         <p:spPr/>
         <p:txBody>
-          <a:bodyPr>
-            <a:normAutofit/>
-          </a:bodyPr>
-          <a:lstStyle/>
-          <a:p>
-            <a:r>
-              <a:rPr lang="en-US" dirty="0" smtClean="0"/>
-              <a:t>Timing testing</a:t>
+          <a:bodyPr/>
+          <a:lstStyle/>
+          <a:p>
+            <a:r>
+              <a:rPr lang="en-US" dirty="0" smtClean="0"/>
+              <a:t>Risk = Cost * (Probability of occurrence)</a:t>
+            </a:r>
+          </a:p>
+          <a:p>
+            <a:r>
+              <a:rPr lang="en-US" dirty="0" smtClean="0"/>
+              <a:t>Hans Schaefer’s risk categories</a:t>
             </a:r>
           </a:p>
           <a:p>
             <a:pPr lvl="1"/>
             <a:r>
               <a:rPr lang="en-US" dirty="0" smtClean="0"/>
-              <a:t>Evaluate response times and time to perform a function </a:t>
-            </a:r>
-          </a:p>
-          <a:p>
-            <a:r>
-              <a:rPr lang="en-US" dirty="0" smtClean="0"/>
-              <a:t>Environmental test </a:t>
+              <a:t>Catastrophic: deposits, invalid withdrawals</a:t>
             </a:r>
           </a:p>
           <a:p>
             <a:pPr lvl="1"/>
             <a:r>
               <a:rPr lang="en-US" dirty="0" smtClean="0"/>
-              <a:t>Test tolerances for heat, humidity, motion, portability </a:t>
-            </a:r>
-          </a:p>
-          <a:p>
-            <a:r>
-              <a:rPr lang="en-US" dirty="0" smtClean="0"/>
-              <a:t>Quality testing</a:t>
+              <a:t>Damaging: normal withdrawals</a:t>
             </a:r>
           </a:p>
           <a:p>
             <a:pPr lvl="1"/>
             <a:r>
               <a:rPr lang="en-US" dirty="0" smtClean="0"/>
-              <a:t>Test reliability, maintainability &amp; availability of the system</a:t>
-            </a:r>
-          </a:p>
-          <a:p>
-            <a:r>
-              <a:rPr lang="en-US" dirty="0" smtClean="0"/>
-              <a:t>Recovery testing </a:t>
+              <a:t>Hindering: invalid ATM card, PIN entry failure</a:t>
             </a:r>
           </a:p>
           <a:p>
             <a:pPr lvl="1"/>
             <a:r>
               <a:rPr lang="en-US" dirty="0" smtClean="0"/>
-              <a:t>Tests system’s response to presence of errors or loss of data. </a:t>
-            </a:r>
-          </a:p>
-          <a:p>
-            <a:r>
-              <a:rPr lang="en-US" dirty="0" smtClean="0"/>
-              <a:t>Human factors testing</a:t>
-            </a:r>
-          </a:p>
-          <a:p>
-            <a:pPr lvl="1"/>
-            <a:r>
-              <a:rPr lang="en-US" dirty="0" smtClean="0"/>
-              <a:t>Tests user interface with user </a:t>
-            </a:r>
-          </a:p>
-          <a:p>
+              <a:t>Annoying: balance inquiries</a:t>
+            </a:r>
+          </a:p>
+          <a:p>
+            <a:r>
+              <a:rPr lang="en-US" dirty="0" smtClean="0"/>
+              <a:t>Logarithmic weighting (low = 1, medium = 3, high = 10) </a:t>
+            </a:r>
             <a:endParaRPr lang="en-US" dirty="0"/>
           </a:p>
         </p:txBody>
@@ -14502,31 +14891,25 @@
           <a:bodyPr/>
           <a:lstStyle/>
           <a:p>
-            <a:fld id="{B543A0FD-1CA6-4228-86A2-78061B4844C8}" type="slidenum">
-              <a:rPr lang="en-US" smtClean="0"/>
+            <a:fld id="{B8DACC02-A2BD-4578-8E03-6D891060A695}" type="slidenum">
+              <a:rPr lang="en-US" smtClean="0"/>
+              <a:pPr/>
               <a:t>38</a:t>
             </a:fld>
-            <a:endParaRPr lang="en-US"/>
+            <a:endParaRPr lang="en-US" dirty="0"/>
           </a:p>
         </p:txBody>
       </p:sp>
     </p:spTree>
     <p:extLst>
       <p:ext uri="{BB962C8B-B14F-4D97-AF65-F5344CB8AC3E}">
-        <p14:creationId xmlns:p14="http://schemas.microsoft.com/office/powerpoint/2010/main" val="2727535138"/>
+        <p14:creationId xmlns:p14="http://schemas.microsoft.com/office/powerpoint/2010/main" val="2290822138"/>
       </p:ext>
     </p:extLst>
   </p:cSld>
   <p:clrMapOvr>
     <a:masterClrMapping/>
   </p:clrMapOvr>
-  <p:timing>
-    <p:tnLst>
-      <p:par>
-        <p:cTn id="1" dur="indefinite" restart="never" nodeType="tmRoot"/>
-      </p:par>
-    </p:tnLst>
-  </p:timing>
 </p:sld>
 </file>
 
@@ -14563,15 +14946,16 @@
           <a:lstStyle/>
           <a:p>
             <a:r>
-              <a:rPr lang="en-US" sz="4000" dirty="0"/>
-              <a:t>Test Cases for Performance Testing </a:t>
-            </a:r>
-          </a:p>
-        </p:txBody>
-      </p:sp>
-      <p:sp>
-        <p:nvSpPr>
-          <p:cNvPr id="11" name="Content Placeholder 10"/>
+              <a:rPr lang="en-US" dirty="0" smtClean="0"/>
+              <a:t>Selected Path Risks</a:t>
+            </a:r>
+            <a:endParaRPr lang="en-US" dirty="0"/>
+          </a:p>
+        </p:txBody>
+      </p:sp>
+      <p:sp>
+        <p:nvSpPr>
+          <p:cNvPr id="3" name="Content Placeholder 2"/>
           <p:cNvSpPr>
             <a:spLocks noGrp="1"/>
           </p:cNvSpPr>
@@ -14581,158 +14965,40 @@
         </p:nvSpPr>
         <p:spPr/>
         <p:txBody>
-          <a:bodyPr>
-            <a:normAutofit fontScale="92500" lnSpcReduction="10000"/>
-          </a:bodyPr>
-          <a:lstStyle/>
-          <a:p>
-            <a:r>
-              <a:rPr lang="en-US" dirty="0"/>
-              <a:t>Goal: Try to violate non-functional </a:t>
-            </a:r>
-            <a:r>
-              <a:rPr lang="en-US" dirty="0" smtClean="0"/>
-              <a:t>requirements</a:t>
-            </a:r>
-          </a:p>
-          <a:p>
-            <a:r>
-              <a:rPr lang="en-US" dirty="0" smtClean="0"/>
-              <a:t>Push </a:t>
-            </a:r>
-            <a:r>
-              <a:rPr lang="en-US" dirty="0"/>
-              <a:t>the (integrated) system to its limits. </a:t>
-            </a:r>
-          </a:p>
-          <a:p>
-            <a:r>
-              <a:rPr lang="en-US" dirty="0" smtClean="0"/>
-              <a:t>Goal</a:t>
-            </a:r>
-            <a:r>
-              <a:rPr lang="en-US" dirty="0"/>
-              <a:t>: Try to break the subsystem </a:t>
-            </a:r>
-          </a:p>
-          <a:p>
-            <a:r>
-              <a:rPr lang="en-US" dirty="0" smtClean="0"/>
-              <a:t>Test </a:t>
-            </a:r>
-            <a:r>
-              <a:rPr lang="en-US" dirty="0"/>
-              <a:t>how the system behaves when overloaded</a:t>
-            </a:r>
-            <a:r>
-              <a:rPr lang="en-US" dirty="0" smtClean="0"/>
-              <a:t>.</a:t>
-            </a:r>
-          </a:p>
-          <a:p>
-            <a:pPr lvl="1"/>
-            <a:r>
-              <a:rPr lang="en-US" dirty="0" smtClean="0"/>
-              <a:t>Can </a:t>
-            </a:r>
-            <a:r>
-              <a:rPr lang="en-US" dirty="0"/>
-              <a:t>bottlenecks be identified? (First candidates for redesign in </a:t>
-            </a:r>
-            <a:r>
-              <a:rPr lang="en-US" dirty="0" smtClean="0"/>
-              <a:t>the </a:t>
-            </a:r>
-            <a:r>
-              <a:rPr lang="en-US" dirty="0"/>
-              <a:t>next </a:t>
-            </a:r>
-            <a:r>
-              <a:rPr lang="en-US" dirty="0" smtClean="0"/>
-              <a:t>iteration)</a:t>
-            </a:r>
-          </a:p>
-          <a:p>
-            <a:r>
-              <a:rPr lang="en-US" dirty="0" smtClean="0"/>
-              <a:t>Try </a:t>
-            </a:r>
-            <a:r>
-              <a:rPr lang="en-US" dirty="0"/>
-              <a:t>unusual orders of execution </a:t>
-            </a:r>
-          </a:p>
-          <a:p>
-            <a:pPr lvl="1"/>
-            <a:r>
-              <a:rPr lang="en-US" dirty="0" smtClean="0"/>
-              <a:t>Call a receive</a:t>
-            </a:r>
-            <a:r>
-              <a:rPr lang="en-US" dirty="0"/>
-              <a:t>() </a:t>
-            </a:r>
-            <a:r>
-              <a:rPr lang="en-US" dirty="0" smtClean="0"/>
-              <a:t>before send</a:t>
-            </a:r>
-            <a:r>
-              <a:rPr lang="en-US" dirty="0"/>
-              <a:t>(</a:t>
-            </a:r>
-            <a:r>
-              <a:rPr lang="en-US" dirty="0" smtClean="0"/>
-              <a:t>)</a:t>
-            </a:r>
-            <a:endParaRPr lang="en-US" dirty="0"/>
-          </a:p>
-          <a:p>
-            <a:r>
-              <a:rPr lang="en-US" dirty="0" smtClean="0"/>
-              <a:t>Check </a:t>
-            </a:r>
-            <a:r>
-              <a:rPr lang="en-US" dirty="0"/>
-              <a:t>the system’s response to large volumes of data </a:t>
-            </a:r>
-          </a:p>
-          <a:p>
-            <a:pPr lvl="1"/>
-            <a:r>
-              <a:rPr lang="en-US" dirty="0"/>
-              <a:t>If the system is supposed to handle 1000 items, try it with 1001 items. </a:t>
-            </a:r>
-          </a:p>
-          <a:p>
-            <a:r>
-              <a:rPr lang="en-US" dirty="0" smtClean="0"/>
-              <a:t>What </a:t>
-            </a:r>
-            <a:r>
-              <a:rPr lang="en-US" dirty="0"/>
-              <a:t>is the amount of time spent in different use cases? </a:t>
-            </a:r>
-            <a:endParaRPr lang="en-US" dirty="0" smtClean="0"/>
-          </a:p>
-          <a:p>
-            <a:pPr lvl="1"/>
-            <a:r>
-              <a:rPr lang="en-US" dirty="0" smtClean="0"/>
-              <a:t>Are </a:t>
-            </a:r>
-            <a:r>
-              <a:rPr lang="en-US" dirty="0"/>
-              <a:t>typical cases executed in a timely fashion? </a:t>
-            </a:r>
-          </a:p>
-          <a:p>
-            <a:endParaRPr lang="en-US" dirty="0"/>
-          </a:p>
-        </p:txBody>
-      </p:sp>
-      <p:sp>
-        <p:nvSpPr>
-          <p:cNvPr id="3" name="Slide Number Placeholder 2"/>
+          <a:bodyPr/>
+          <a:lstStyle/>
+          <a:p>
+            <a:endParaRPr lang="en-US" dirty="0"/>
+          </a:p>
+        </p:txBody>
+      </p:sp>
+      <p:pic>
+        <p:nvPicPr>
+          <p:cNvPr id="4" name="Picture 3"/>
+          <p:cNvPicPr>
+            <a:picLocks noChangeAspect="1"/>
+          </p:cNvPicPr>
+          <p:nvPr/>
+        </p:nvPicPr>
+        <p:blipFill>
+          <a:blip r:embed="rId2"/>
+          <a:stretch>
+            <a:fillRect/>
+          </a:stretch>
+        </p:blipFill>
+        <p:spPr>
+          <a:xfrm>
+            <a:off x="2297122" y="1725215"/>
+            <a:ext cx="7226440" cy="3822756"/>
+          </a:xfrm>
+          <a:prstGeom prst="rect">
+            <a:avLst/>
+          </a:prstGeom>
+        </p:spPr>
+      </p:pic>
+      <p:sp>
+        <p:nvSpPr>
+          <p:cNvPr id="5" name="Slide Number Placeholder 4"/>
           <p:cNvSpPr>
             <a:spLocks noGrp="1"/>
           </p:cNvSpPr>
@@ -14745,39 +15011,25 @@
           <a:bodyPr/>
           <a:lstStyle/>
           <a:p>
-            <a:fld id="{B543A0FD-1CA6-4228-86A2-78061B4844C8}" type="slidenum">
-              <a:rPr lang="en-US" smtClean="0"/>
+            <a:fld id="{B8DACC02-A2BD-4578-8E03-6D891060A695}" type="slidenum">
+              <a:rPr lang="en-US" smtClean="0"/>
+              <a:pPr/>
               <a:t>39</a:t>
             </a:fld>
-            <a:endParaRPr lang="en-US"/>
+            <a:endParaRPr lang="en-US" dirty="0"/>
           </a:p>
         </p:txBody>
       </p:sp>
     </p:spTree>
     <p:extLst>
       <p:ext uri="{BB962C8B-B14F-4D97-AF65-F5344CB8AC3E}">
-        <p14:creationId xmlns:p14="http://schemas.microsoft.com/office/powerpoint/2010/main" val="2996060211"/>
+        <p14:creationId xmlns:p14="http://schemas.microsoft.com/office/powerpoint/2010/main" val="382142421"/>
       </p:ext>
     </p:extLst>
   </p:cSld>
   <p:clrMapOvr>
     <a:masterClrMapping/>
   </p:clrMapOvr>
-  <mc:AlternateContent xmlns:mc="http://schemas.openxmlformats.org/markup-compatibility/2006" xmlns:p14="http://schemas.microsoft.com/office/powerpoint/2010/main">
-    <mc:Choice Requires="p14">
-      <p:transition spd="slow" p14:dur="2000"/>
-    </mc:Choice>
-    <mc:Fallback xmlns="">
-      <p:transition xmlns:p14="http://schemas.microsoft.com/office/powerpoint/2010/main" spd="slow"/>
-    </mc:Fallback>
-  </mc:AlternateContent>
-  <p:timing>
-    <p:tnLst>
-      <p:par>
-        <p:cTn id="1" dur="indefinite" restart="never" nodeType="tmRoot"/>
-      </p:par>
-    </p:tnLst>
-  </p:timing>
 </p:sld>
 </file>
 
@@ -15006,6 +15258,728 @@
       </p:grpSpPr>
       <p:sp>
         <p:nvSpPr>
+          <p:cNvPr id="2" name="Title 1"/>
+          <p:cNvSpPr>
+            <a:spLocks noGrp="1"/>
+          </p:cNvSpPr>
+          <p:nvPr>
+            <p:ph type="title"/>
+          </p:nvPr>
+        </p:nvSpPr>
+        <p:spPr/>
+        <p:txBody>
+          <a:bodyPr/>
+          <a:lstStyle/>
+          <a:p>
+            <a:r>
+              <a:rPr lang="en-US" dirty="0" smtClean="0"/>
+              <a:t>Conclusions and Observations</a:t>
+            </a:r>
+            <a:endParaRPr lang="en-US" dirty="0"/>
+          </a:p>
+        </p:txBody>
+      </p:sp>
+      <p:sp>
+        <p:nvSpPr>
+          <p:cNvPr id="3" name="Content Placeholder 2"/>
+          <p:cNvSpPr>
+            <a:spLocks noGrp="1"/>
+          </p:cNvSpPr>
+          <p:nvPr>
+            <p:ph idx="1"/>
+          </p:nvPr>
+        </p:nvSpPr>
+        <p:spPr/>
+        <p:txBody>
+          <a:bodyPr/>
+          <a:lstStyle/>
+          <a:p>
+            <a:r>
+              <a:rPr lang="en-US" dirty="0" smtClean="0"/>
+              <a:t>System testing is based on threads</a:t>
+            </a:r>
+          </a:p>
+          <a:p>
+            <a:pPr lvl="1"/>
+            <a:r>
+              <a:rPr lang="en-US" dirty="0" smtClean="0"/>
+              <a:t>thread identification is the hard part</a:t>
+            </a:r>
+          </a:p>
+          <a:p>
+            <a:pPr lvl="1"/>
+            <a:r>
+              <a:rPr lang="en-US" dirty="0" smtClean="0"/>
+              <a:t>automated thread execution is a good idea</a:t>
+            </a:r>
+          </a:p>
+          <a:p>
+            <a:r>
+              <a:rPr lang="en-US" dirty="0" smtClean="0"/>
+              <a:t>Model-Based system testing works well</a:t>
+            </a:r>
+          </a:p>
+          <a:p>
+            <a:r>
+              <a:rPr lang="en-US" dirty="0" smtClean="0"/>
+              <a:t>Helpful to have system level coverage metrics</a:t>
+            </a:r>
+            <a:endParaRPr lang="en-US" dirty="0"/>
+          </a:p>
+        </p:txBody>
+      </p:sp>
+      <p:sp>
+        <p:nvSpPr>
+          <p:cNvPr id="4" name="Slide Number Placeholder 3"/>
+          <p:cNvSpPr>
+            <a:spLocks noGrp="1"/>
+          </p:cNvSpPr>
+          <p:nvPr>
+            <p:ph type="sldNum" sz="quarter" idx="12"/>
+          </p:nvPr>
+        </p:nvSpPr>
+        <p:spPr/>
+        <p:txBody>
+          <a:bodyPr/>
+          <a:lstStyle/>
+          <a:p>
+            <a:fld id="{B8DACC02-A2BD-4578-8E03-6D891060A695}" type="slidenum">
+              <a:rPr lang="en-US" smtClean="0"/>
+              <a:pPr/>
+              <a:t>40</a:t>
+            </a:fld>
+            <a:endParaRPr lang="en-US" dirty="0"/>
+          </a:p>
+        </p:txBody>
+      </p:sp>
+    </p:spTree>
+    <p:extLst>
+      <p:ext uri="{BB962C8B-B14F-4D97-AF65-F5344CB8AC3E}">
+        <p14:creationId xmlns:p14="http://schemas.microsoft.com/office/powerpoint/2010/main" val="2588309158"/>
+      </p:ext>
+    </p:extLst>
+  </p:cSld>
+  <p:clrMapOvr>
+    <a:masterClrMapping/>
+  </p:clrMapOvr>
+</p:sld>
+</file>
+
+<file path=ppt/slides/slide41.xml><?xml version="1.0" encoding="utf-8"?>
+<p:sld xmlns:a="http://schemas.openxmlformats.org/drawingml/2006/main" xmlns:r="http://schemas.openxmlformats.org/officeDocument/2006/relationships" xmlns:p="http://schemas.openxmlformats.org/presentationml/2006/main">
+  <p:cSld>
+    <p:spTree>
+      <p:nvGrpSpPr>
+        <p:cNvPr id="1" name=""/>
+        <p:cNvGrpSpPr/>
+        <p:nvPr/>
+      </p:nvGrpSpPr>
+      <p:grpSpPr>
+        <a:xfrm>
+          <a:off x="0" y="0"/>
+          <a:ext cx="0" cy="0"/>
+          <a:chOff x="0" y="0"/>
+          <a:chExt cx="0" cy="0"/>
+        </a:xfrm>
+      </p:grpSpPr>
+      <p:sp>
+        <p:nvSpPr>
+          <p:cNvPr id="2" name="Title 1"/>
+          <p:cNvSpPr>
+            <a:spLocks noGrp="1"/>
+          </p:cNvSpPr>
+          <p:nvPr>
+            <p:ph type="title"/>
+          </p:nvPr>
+        </p:nvSpPr>
+        <p:spPr/>
+        <p:txBody>
+          <a:bodyPr/>
+          <a:lstStyle/>
+          <a:p>
+            <a:r>
+              <a:rPr lang="en-US" dirty="0" smtClean="0"/>
+              <a:t>Performance Testing </a:t>
+            </a:r>
+            <a:endParaRPr lang="en-US" dirty="0"/>
+          </a:p>
+        </p:txBody>
+      </p:sp>
+      <p:sp>
+        <p:nvSpPr>
+          <p:cNvPr id="3" name="Content Placeholder 2"/>
+          <p:cNvSpPr>
+            <a:spLocks noGrp="1"/>
+          </p:cNvSpPr>
+          <p:nvPr>
+            <p:ph idx="1"/>
+          </p:nvPr>
+        </p:nvSpPr>
+        <p:spPr/>
+        <p:txBody>
+          <a:bodyPr>
+            <a:normAutofit lnSpcReduction="10000"/>
+          </a:bodyPr>
+          <a:lstStyle/>
+          <a:p>
+            <a:r>
+              <a:rPr lang="en-US" dirty="0" smtClean="0"/>
+              <a:t>Stress Testing </a:t>
+            </a:r>
+          </a:p>
+          <a:p>
+            <a:pPr lvl="1"/>
+            <a:r>
+              <a:rPr lang="en-US" dirty="0" smtClean="0"/>
+              <a:t>Checks if the system can respond to many simultaneous requests</a:t>
+            </a:r>
+            <a:br>
+              <a:rPr lang="en-US" dirty="0" smtClean="0"/>
+            </a:br>
+            <a:r>
+              <a:rPr lang="en-US" dirty="0" smtClean="0"/>
+              <a:t>(maximum # of users, peak demands) </a:t>
+            </a:r>
+          </a:p>
+          <a:p>
+            <a:r>
+              <a:rPr lang="en-US" dirty="0" smtClean="0"/>
+              <a:t>Volume testing</a:t>
+            </a:r>
+          </a:p>
+          <a:p>
+            <a:pPr lvl="1"/>
+            <a:r>
+              <a:rPr lang="en-US" dirty="0" smtClean="0"/>
+              <a:t>Test what happens if large amounts of data are handled</a:t>
+            </a:r>
+          </a:p>
+          <a:p>
+            <a:r>
+              <a:rPr lang="en-US" dirty="0" smtClean="0"/>
+              <a:t>Configuration testing </a:t>
+            </a:r>
+          </a:p>
+          <a:p>
+            <a:pPr lvl="1"/>
+            <a:r>
+              <a:rPr lang="en-US" dirty="0" smtClean="0"/>
+              <a:t>Test the various software and hardware configurations </a:t>
+            </a:r>
+          </a:p>
+          <a:p>
+            <a:r>
+              <a:rPr lang="en-US" dirty="0" smtClean="0"/>
+              <a:t>Compatibility test</a:t>
+            </a:r>
+          </a:p>
+          <a:p>
+            <a:pPr lvl="1"/>
+            <a:r>
+              <a:rPr lang="en-US" dirty="0" smtClean="0"/>
+              <a:t>Test backward compatibility with existing systems </a:t>
+            </a:r>
+          </a:p>
+          <a:p>
+            <a:r>
+              <a:rPr lang="en-US" dirty="0" smtClean="0"/>
+              <a:t>Security testing </a:t>
+            </a:r>
+          </a:p>
+          <a:p>
+            <a:pPr lvl="1"/>
+            <a:r>
+              <a:rPr lang="en-US" dirty="0" smtClean="0"/>
+              <a:t>Try to violate security requirements </a:t>
+            </a:r>
+          </a:p>
+          <a:p>
+            <a:endParaRPr lang="en-US" dirty="0"/>
+          </a:p>
+        </p:txBody>
+      </p:sp>
+      <p:sp>
+        <p:nvSpPr>
+          <p:cNvPr id="4" name="Slide Number Placeholder 3"/>
+          <p:cNvSpPr>
+            <a:spLocks noGrp="1"/>
+          </p:cNvSpPr>
+          <p:nvPr>
+            <p:ph type="sldNum" sz="quarter" idx="12"/>
+          </p:nvPr>
+        </p:nvSpPr>
+        <p:spPr/>
+        <p:txBody>
+          <a:bodyPr/>
+          <a:lstStyle/>
+          <a:p>
+            <a:fld id="{B543A0FD-1CA6-4228-86A2-78061B4844C8}" type="slidenum">
+              <a:rPr lang="en-US" smtClean="0"/>
+              <a:t>41</a:t>
+            </a:fld>
+            <a:endParaRPr lang="en-US"/>
+          </a:p>
+        </p:txBody>
+      </p:sp>
+    </p:spTree>
+    <p:extLst>
+      <p:ext uri="{BB962C8B-B14F-4D97-AF65-F5344CB8AC3E}">
+        <p14:creationId xmlns:p14="http://schemas.microsoft.com/office/powerpoint/2010/main" val="2352415844"/>
+      </p:ext>
+    </p:extLst>
+  </p:cSld>
+  <p:clrMapOvr>
+    <a:masterClrMapping/>
+  </p:clrMapOvr>
+  <p:timing>
+    <p:tnLst>
+      <p:par>
+        <p:cTn id="1" dur="indefinite" restart="never" nodeType="tmRoot"/>
+      </p:par>
+    </p:tnLst>
+  </p:timing>
+</p:sld>
+</file>
+
+<file path=ppt/slides/slide42.xml><?xml version="1.0" encoding="utf-8"?>
+<p:sld xmlns:a="http://schemas.openxmlformats.org/drawingml/2006/main" xmlns:r="http://schemas.openxmlformats.org/officeDocument/2006/relationships" xmlns:p="http://schemas.openxmlformats.org/presentationml/2006/main">
+  <p:cSld>
+    <p:spTree>
+      <p:nvGrpSpPr>
+        <p:cNvPr id="1" name=""/>
+        <p:cNvGrpSpPr/>
+        <p:nvPr/>
+      </p:nvGrpSpPr>
+      <p:grpSpPr>
+        <a:xfrm>
+          <a:off x="0" y="0"/>
+          <a:ext cx="0" cy="0"/>
+          <a:chOff x="0" y="0"/>
+          <a:chExt cx="0" cy="0"/>
+        </a:xfrm>
+      </p:grpSpPr>
+      <p:sp>
+        <p:nvSpPr>
+          <p:cNvPr id="2" name="Title 1"/>
+          <p:cNvSpPr>
+            <a:spLocks noGrp="1"/>
+          </p:cNvSpPr>
+          <p:nvPr>
+            <p:ph type="title"/>
+          </p:nvPr>
+        </p:nvSpPr>
+        <p:spPr/>
+        <p:txBody>
+          <a:bodyPr/>
+          <a:lstStyle/>
+          <a:p>
+            <a:r>
+              <a:rPr lang="en-US" dirty="0" smtClean="0"/>
+              <a:t>Performance Testing </a:t>
+            </a:r>
+            <a:endParaRPr lang="en-US" dirty="0"/>
+          </a:p>
+        </p:txBody>
+      </p:sp>
+      <p:sp>
+        <p:nvSpPr>
+          <p:cNvPr id="3" name="Content Placeholder 2"/>
+          <p:cNvSpPr>
+            <a:spLocks noGrp="1"/>
+          </p:cNvSpPr>
+          <p:nvPr>
+            <p:ph idx="1"/>
+          </p:nvPr>
+        </p:nvSpPr>
+        <p:spPr/>
+        <p:txBody>
+          <a:bodyPr>
+            <a:normAutofit/>
+          </a:bodyPr>
+          <a:lstStyle/>
+          <a:p>
+            <a:r>
+              <a:rPr lang="en-US" dirty="0" smtClean="0"/>
+              <a:t>Timing testing</a:t>
+            </a:r>
+          </a:p>
+          <a:p>
+            <a:pPr lvl="1"/>
+            <a:r>
+              <a:rPr lang="en-US" dirty="0" smtClean="0"/>
+              <a:t>Evaluate response times and time to perform a function </a:t>
+            </a:r>
+          </a:p>
+          <a:p>
+            <a:r>
+              <a:rPr lang="en-US" dirty="0" smtClean="0"/>
+              <a:t>Environmental test </a:t>
+            </a:r>
+          </a:p>
+          <a:p>
+            <a:pPr lvl="1"/>
+            <a:r>
+              <a:rPr lang="en-US" dirty="0" smtClean="0"/>
+              <a:t>Test tolerances for heat, humidity, motion, portability </a:t>
+            </a:r>
+          </a:p>
+          <a:p>
+            <a:r>
+              <a:rPr lang="en-US" dirty="0" smtClean="0"/>
+              <a:t>Quality testing</a:t>
+            </a:r>
+          </a:p>
+          <a:p>
+            <a:pPr lvl="1"/>
+            <a:r>
+              <a:rPr lang="en-US" dirty="0" smtClean="0"/>
+              <a:t>Test reliability, maintainability &amp; availability of the system</a:t>
+            </a:r>
+          </a:p>
+          <a:p>
+            <a:r>
+              <a:rPr lang="en-US" dirty="0" smtClean="0"/>
+              <a:t>Recovery testing </a:t>
+            </a:r>
+          </a:p>
+          <a:p>
+            <a:pPr lvl="1"/>
+            <a:r>
+              <a:rPr lang="en-US" dirty="0" smtClean="0"/>
+              <a:t>Tests system’s response to presence of errors or loss of data. </a:t>
+            </a:r>
+          </a:p>
+          <a:p>
+            <a:r>
+              <a:rPr lang="en-US" dirty="0" smtClean="0"/>
+              <a:t>Human factors testing</a:t>
+            </a:r>
+          </a:p>
+          <a:p>
+            <a:pPr lvl="1"/>
+            <a:r>
+              <a:rPr lang="en-US" dirty="0" smtClean="0"/>
+              <a:t>Tests user interface with user </a:t>
+            </a:r>
+          </a:p>
+          <a:p>
+            <a:endParaRPr lang="en-US" dirty="0"/>
+          </a:p>
+        </p:txBody>
+      </p:sp>
+      <p:sp>
+        <p:nvSpPr>
+          <p:cNvPr id="4" name="Slide Number Placeholder 3"/>
+          <p:cNvSpPr>
+            <a:spLocks noGrp="1"/>
+          </p:cNvSpPr>
+          <p:nvPr>
+            <p:ph type="sldNum" sz="quarter" idx="12"/>
+          </p:nvPr>
+        </p:nvSpPr>
+        <p:spPr/>
+        <p:txBody>
+          <a:bodyPr/>
+          <a:lstStyle/>
+          <a:p>
+            <a:fld id="{B543A0FD-1CA6-4228-86A2-78061B4844C8}" type="slidenum">
+              <a:rPr lang="en-US" smtClean="0"/>
+              <a:t>42</a:t>
+            </a:fld>
+            <a:endParaRPr lang="en-US"/>
+          </a:p>
+        </p:txBody>
+      </p:sp>
+    </p:spTree>
+    <p:extLst>
+      <p:ext uri="{BB962C8B-B14F-4D97-AF65-F5344CB8AC3E}">
+        <p14:creationId xmlns:p14="http://schemas.microsoft.com/office/powerpoint/2010/main" val="2727535138"/>
+      </p:ext>
+    </p:extLst>
+  </p:cSld>
+  <p:clrMapOvr>
+    <a:masterClrMapping/>
+  </p:clrMapOvr>
+  <p:timing>
+    <p:tnLst>
+      <p:par>
+        <p:cTn id="1" dur="indefinite" restart="never" nodeType="tmRoot"/>
+      </p:par>
+    </p:tnLst>
+  </p:timing>
+</p:sld>
+</file>
+
+<file path=ppt/slides/slide43.xml><?xml version="1.0" encoding="utf-8"?>
+<p:sld xmlns:a="http://schemas.openxmlformats.org/drawingml/2006/main" xmlns:r="http://schemas.openxmlformats.org/officeDocument/2006/relationships" xmlns:p="http://schemas.openxmlformats.org/presentationml/2006/main">
+  <p:cSld>
+    <p:spTree>
+      <p:nvGrpSpPr>
+        <p:cNvPr id="1" name=""/>
+        <p:cNvGrpSpPr/>
+        <p:nvPr/>
+      </p:nvGrpSpPr>
+      <p:grpSpPr>
+        <a:xfrm>
+          <a:off x="0" y="0"/>
+          <a:ext cx="0" cy="0"/>
+          <a:chOff x="0" y="0"/>
+          <a:chExt cx="0" cy="0"/>
+        </a:xfrm>
+      </p:grpSpPr>
+      <p:sp>
+        <p:nvSpPr>
+          <p:cNvPr id="2" name="Title 1"/>
+          <p:cNvSpPr>
+            <a:spLocks noGrp="1"/>
+          </p:cNvSpPr>
+          <p:nvPr>
+            <p:ph type="title"/>
+          </p:nvPr>
+        </p:nvSpPr>
+        <p:spPr/>
+        <p:txBody>
+          <a:bodyPr/>
+          <a:lstStyle/>
+          <a:p>
+            <a:r>
+              <a:rPr lang="en-US" sz="4000" dirty="0"/>
+              <a:t>Test Cases for Performance Testing </a:t>
+            </a:r>
+          </a:p>
+        </p:txBody>
+      </p:sp>
+      <p:sp>
+        <p:nvSpPr>
+          <p:cNvPr id="11" name="Content Placeholder 10"/>
+          <p:cNvSpPr>
+            <a:spLocks noGrp="1"/>
+          </p:cNvSpPr>
+          <p:nvPr>
+            <p:ph idx="1"/>
+          </p:nvPr>
+        </p:nvSpPr>
+        <p:spPr/>
+        <p:txBody>
+          <a:bodyPr>
+            <a:normAutofit fontScale="92500" lnSpcReduction="10000"/>
+          </a:bodyPr>
+          <a:lstStyle/>
+          <a:p>
+            <a:r>
+              <a:rPr lang="en-US" dirty="0"/>
+              <a:t>Goal: Try to violate non-functional </a:t>
+            </a:r>
+            <a:r>
+              <a:rPr lang="en-US" dirty="0" smtClean="0"/>
+              <a:t>requirements</a:t>
+            </a:r>
+          </a:p>
+          <a:p>
+            <a:r>
+              <a:rPr lang="en-US" dirty="0" smtClean="0"/>
+              <a:t>Push </a:t>
+            </a:r>
+            <a:r>
+              <a:rPr lang="en-US" dirty="0"/>
+              <a:t>the (integrated) system to its limits. </a:t>
+            </a:r>
+          </a:p>
+          <a:p>
+            <a:r>
+              <a:rPr lang="en-US" dirty="0" smtClean="0"/>
+              <a:t>Goal</a:t>
+            </a:r>
+            <a:r>
+              <a:rPr lang="en-US" dirty="0"/>
+              <a:t>: Try to break the subsystem </a:t>
+            </a:r>
+          </a:p>
+          <a:p>
+            <a:r>
+              <a:rPr lang="en-US" dirty="0" smtClean="0"/>
+              <a:t>Test </a:t>
+            </a:r>
+            <a:r>
+              <a:rPr lang="en-US" dirty="0"/>
+              <a:t>how the system behaves when overloaded</a:t>
+            </a:r>
+            <a:r>
+              <a:rPr lang="en-US" dirty="0" smtClean="0"/>
+              <a:t>.</a:t>
+            </a:r>
+          </a:p>
+          <a:p>
+            <a:pPr lvl="1"/>
+            <a:r>
+              <a:rPr lang="en-US" dirty="0" smtClean="0"/>
+              <a:t>Can </a:t>
+            </a:r>
+            <a:r>
+              <a:rPr lang="en-US" dirty="0"/>
+              <a:t>bottlenecks be identified? (First candidates for redesign in </a:t>
+            </a:r>
+            <a:r>
+              <a:rPr lang="en-US" dirty="0" smtClean="0"/>
+              <a:t>the </a:t>
+            </a:r>
+            <a:r>
+              <a:rPr lang="en-US" dirty="0"/>
+              <a:t>next </a:t>
+            </a:r>
+            <a:r>
+              <a:rPr lang="en-US" dirty="0" smtClean="0"/>
+              <a:t>iteration)</a:t>
+            </a:r>
+          </a:p>
+          <a:p>
+            <a:r>
+              <a:rPr lang="en-US" dirty="0" smtClean="0"/>
+              <a:t>Try </a:t>
+            </a:r>
+            <a:r>
+              <a:rPr lang="en-US" dirty="0"/>
+              <a:t>unusual orders of execution </a:t>
+            </a:r>
+          </a:p>
+          <a:p>
+            <a:pPr lvl="1"/>
+            <a:r>
+              <a:rPr lang="en-US" dirty="0" smtClean="0"/>
+              <a:t>Call a receive</a:t>
+            </a:r>
+            <a:r>
+              <a:rPr lang="en-US" dirty="0"/>
+              <a:t>() </a:t>
+            </a:r>
+            <a:r>
+              <a:rPr lang="en-US" dirty="0" smtClean="0"/>
+              <a:t>before send</a:t>
+            </a:r>
+            <a:r>
+              <a:rPr lang="en-US" dirty="0"/>
+              <a:t>(</a:t>
+            </a:r>
+            <a:r>
+              <a:rPr lang="en-US" dirty="0" smtClean="0"/>
+              <a:t>)</a:t>
+            </a:r>
+            <a:endParaRPr lang="en-US" dirty="0"/>
+          </a:p>
+          <a:p>
+            <a:r>
+              <a:rPr lang="en-US" dirty="0" smtClean="0"/>
+              <a:t>Check </a:t>
+            </a:r>
+            <a:r>
+              <a:rPr lang="en-US" dirty="0"/>
+              <a:t>the system’s response to large volumes of data </a:t>
+            </a:r>
+          </a:p>
+          <a:p>
+            <a:pPr lvl="1"/>
+            <a:r>
+              <a:rPr lang="en-US" dirty="0"/>
+              <a:t>If the system is supposed to handle 1000 items, try it with 1001 items. </a:t>
+            </a:r>
+          </a:p>
+          <a:p>
+            <a:r>
+              <a:rPr lang="en-US" dirty="0" smtClean="0"/>
+              <a:t>What </a:t>
+            </a:r>
+            <a:r>
+              <a:rPr lang="en-US" dirty="0"/>
+              <a:t>is the amount of time spent in different use cases? </a:t>
+            </a:r>
+            <a:endParaRPr lang="en-US" dirty="0" smtClean="0"/>
+          </a:p>
+          <a:p>
+            <a:pPr lvl="1"/>
+            <a:r>
+              <a:rPr lang="en-US" dirty="0" smtClean="0"/>
+              <a:t>Are </a:t>
+            </a:r>
+            <a:r>
+              <a:rPr lang="en-US" dirty="0"/>
+              <a:t>typical cases executed in a timely fashion? </a:t>
+            </a:r>
+          </a:p>
+          <a:p>
+            <a:endParaRPr lang="en-US" dirty="0"/>
+          </a:p>
+        </p:txBody>
+      </p:sp>
+      <p:sp>
+        <p:nvSpPr>
+          <p:cNvPr id="3" name="Slide Number Placeholder 2"/>
+          <p:cNvSpPr>
+            <a:spLocks noGrp="1"/>
+          </p:cNvSpPr>
+          <p:nvPr>
+            <p:ph type="sldNum" sz="quarter" idx="12"/>
+          </p:nvPr>
+        </p:nvSpPr>
+        <p:spPr/>
+        <p:txBody>
+          <a:bodyPr/>
+          <a:lstStyle/>
+          <a:p>
+            <a:fld id="{B543A0FD-1CA6-4228-86A2-78061B4844C8}" type="slidenum">
+              <a:rPr lang="en-US" smtClean="0"/>
+              <a:t>43</a:t>
+            </a:fld>
+            <a:endParaRPr lang="en-US"/>
+          </a:p>
+        </p:txBody>
+      </p:sp>
+    </p:spTree>
+    <p:extLst>
+      <p:ext uri="{BB962C8B-B14F-4D97-AF65-F5344CB8AC3E}">
+        <p14:creationId xmlns:p14="http://schemas.microsoft.com/office/powerpoint/2010/main" val="2996060211"/>
+      </p:ext>
+    </p:extLst>
+  </p:cSld>
+  <p:clrMapOvr>
+    <a:masterClrMapping/>
+  </p:clrMapOvr>
+  <mc:AlternateContent xmlns:mc="http://schemas.openxmlformats.org/markup-compatibility/2006" xmlns:p14="http://schemas.microsoft.com/office/powerpoint/2010/main">
+    <mc:Choice Requires="p14">
+      <p:transition spd="slow" p14:dur="2000"/>
+    </mc:Choice>
+    <mc:Fallback xmlns="">
+      <p:transition xmlns:p14="http://schemas.microsoft.com/office/powerpoint/2010/main" spd="slow"/>
+    </mc:Fallback>
+  </mc:AlternateContent>
+  <p:timing>
+    <p:tnLst>
+      <p:par>
+        <p:cTn id="1" dur="indefinite" restart="never" nodeType="tmRoot"/>
+      </p:par>
+    </p:tnLst>
+  </p:timing>
+</p:sld>
+</file>
+
+<file path=ppt/slides/slide44.xml><?xml version="1.0" encoding="utf-8"?>
+<p:sld xmlns:a="http://schemas.openxmlformats.org/drawingml/2006/main" xmlns:r="http://schemas.openxmlformats.org/officeDocument/2006/relationships" xmlns:p="http://schemas.openxmlformats.org/presentationml/2006/main">
+  <p:cSld>
+    <p:spTree>
+      <p:nvGrpSpPr>
+        <p:cNvPr id="1" name=""/>
+        <p:cNvGrpSpPr/>
+        <p:nvPr/>
+      </p:nvGrpSpPr>
+      <p:grpSpPr>
+        <a:xfrm>
+          <a:off x="0" y="0"/>
+          <a:ext cx="0" cy="0"/>
+          <a:chOff x="0" y="0"/>
+          <a:chExt cx="0" cy="0"/>
+        </a:xfrm>
+      </p:grpSpPr>
+      <p:sp>
+        <p:nvSpPr>
           <p:cNvPr id="4" name="Title 3"/>
           <p:cNvSpPr>
             <a:spLocks noGrp="1"/>
@@ -15063,7 +16037,7 @@
           <a:p>
             <a:fld id="{B543A0FD-1CA6-4228-86A2-78061B4844C8}" type="slidenum">
               <a:rPr lang="en-US" smtClean="0"/>
-              <a:t>40</a:t>
+              <a:t>44</a:t>
             </a:fld>
             <a:endParaRPr lang="en-US"/>
           </a:p>
@@ -15089,7 +16063,7 @@
 </p:sld>
 </file>
 
-<file path=ppt/slides/slide41.xml><?xml version="1.0" encoding="utf-8"?>
+<file path=ppt/slides/slide45.xml><?xml version="1.0" encoding="utf-8"?>
 <p:sld xmlns:a="http://schemas.openxmlformats.org/drawingml/2006/main" xmlns:r="http://schemas.openxmlformats.org/officeDocument/2006/relationships" xmlns:p="http://schemas.openxmlformats.org/presentationml/2006/main">
   <p:cSld>
     <p:spTree>
@@ -15212,7 +16186,7 @@
           <a:p>
             <a:fld id="{B543A0FD-1CA6-4228-86A2-78061B4844C8}" type="slidenum">
               <a:rPr lang="en-US" smtClean="0"/>
-              <a:t>41</a:t>
+              <a:t>45</a:t>
             </a:fld>
             <a:endParaRPr lang="en-US"/>
           </a:p>
@@ -15246,7 +16220,7 @@
 </p:sld>
 </file>
 
-<file path=ppt/slides/slide42.xml><?xml version="1.0" encoding="utf-8"?>
+<file path=ppt/slides/slide46.xml><?xml version="1.0" encoding="utf-8"?>
 <p:sld xmlns:a="http://schemas.openxmlformats.org/drawingml/2006/main" xmlns:r="http://schemas.openxmlformats.org/officeDocument/2006/relationships" xmlns:p="http://schemas.openxmlformats.org/presentationml/2006/main">
   <p:cSld>
     <p:spTree>
@@ -15355,7 +16329,7 @@
           <a:p>
             <a:fld id="{B543A0FD-1CA6-4228-86A2-78061B4844C8}" type="slidenum">
               <a:rPr lang="en-US" smtClean="0"/>
-              <a:t>42</a:t>
+              <a:t>46</a:t>
             </a:fld>
             <a:endParaRPr lang="en-US"/>
           </a:p>
@@ -15389,7 +16363,7 @@
 </p:sld>
 </file>
 
-<file path=ppt/slides/slide43.xml><?xml version="1.0" encoding="utf-8"?>
+<file path=ppt/slides/slide47.xml><?xml version="1.0" encoding="utf-8"?>
 <p:sld xmlns:a="http://schemas.openxmlformats.org/drawingml/2006/main" xmlns:r="http://schemas.openxmlformats.org/officeDocument/2006/relationships" xmlns:p="http://schemas.openxmlformats.org/presentationml/2006/main">
   <p:cSld>
     <p:spTree>
@@ -15438,8 +16412,8 @@
         </p:nvSpPr>
         <p:spPr bwMode="auto">
           <a:xfrm>
-            <a:off x="730124" y="1780858"/>
-            <a:ext cx="5908420" cy="4513262"/>
+            <a:off x="465826" y="1699404"/>
+            <a:ext cx="6172718" cy="4594716"/>
           </a:xfrm>
           <a:prstGeom prst="rect">
             <a:avLst/>
@@ -15450,14 +16424,14 @@
           </a:ln>
           <a:extLst>
             <a:ext uri="{909E8E84-426E-40dd-AFC4-6F175D3DCCD1}">
-              <a14:hiddenFill xmlns="" xmlns:a14="http://schemas.microsoft.com/office/drawing/2010/main">
+              <a14:hiddenFill xmlns:a14="http://schemas.microsoft.com/office/drawing/2010/main" xmlns="">
                 <a:solidFill>
                   <a:srgbClr val="FFFFFF"/>
                 </a:solidFill>
               </a14:hiddenFill>
             </a:ext>
             <a:ext uri="{91240B29-F687-4f45-9708-019B960494DF}">
-              <a14:hiddenLine xmlns="" xmlns:a14="http://schemas.microsoft.com/office/drawing/2010/main" w="9525">
+              <a14:hiddenLine xmlns:a14="http://schemas.microsoft.com/office/drawing/2010/main" xmlns="" w="9525">
                 <a:solidFill>
                   <a:srgbClr val="000000"/>
                 </a:solidFill>
@@ -15467,7 +16441,7 @@
               </a14:hiddenLine>
             </a:ext>
             <a:ext uri="{FAA26D3D-D897-4be2-8F04-BA451C77F1D7}">
-              <ma14:placeholderFlag xmlns="" xmlns:ma14="http://schemas.microsoft.com/office/mac/drawingml/2011/main" val="1"/>
+              <ma14:placeholderFlag xmlns:ma14="http://schemas.microsoft.com/office/mac/drawingml/2011/main" xmlns="" val="1"/>
             </a:ext>
           </a:extLst>
         </p:spPr>
@@ -15667,7 +16641,7 @@
               <a:buFontTx/>
               <a:buNone/>
             </a:pPr>
-            <a:endParaRPr lang="en-US" altLang="en-US" sz="2000" kern="0" dirty="0">
+            <a:endParaRPr lang="en-US" altLang="en-US" sz="2100" kern="0" dirty="0">
               <a:latin typeface="Candara" panose="020E0502030303020204" pitchFamily="34" charset="0"/>
             </a:endParaRPr>
           </a:p>
@@ -15678,7 +16652,7 @@
               </a:buClr>
             </a:pPr>
             <a:r>
-              <a:rPr lang="en-US" altLang="en-US" kern="0" dirty="0">
+              <a:rPr lang="en-US" altLang="en-US" sz="2100" kern="0" dirty="0">
                 <a:latin typeface="Candara" panose="020E0502030303020204" pitchFamily="34" charset="0"/>
               </a:rPr>
               <a:t>Functional Correctness and Completeness</a:t>
@@ -15691,7 +16665,7 @@
               </a:buClr>
             </a:pPr>
             <a:r>
-              <a:rPr lang="en-US" altLang="en-US" kern="0" dirty="0">
+              <a:rPr lang="en-US" altLang="en-US" sz="2100" kern="0" dirty="0">
                 <a:latin typeface="Candara" panose="020E0502030303020204" pitchFamily="34" charset="0"/>
               </a:rPr>
               <a:t>Accuracy</a:t>
@@ -15704,7 +16678,7 @@
               </a:buClr>
             </a:pPr>
             <a:r>
-              <a:rPr lang="en-US" altLang="en-US" kern="0" dirty="0">
+              <a:rPr lang="en-US" altLang="en-US" sz="2100" kern="0" dirty="0">
                 <a:latin typeface="Candara" panose="020E0502030303020204" pitchFamily="34" charset="0"/>
               </a:rPr>
               <a:t>Data Integrity</a:t>
@@ -15717,7 +16691,7 @@
               </a:buClr>
             </a:pPr>
             <a:r>
-              <a:rPr lang="en-US" altLang="en-US" kern="0" dirty="0">
+              <a:rPr lang="en-US" altLang="en-US" sz="2100" kern="0" dirty="0">
                 <a:latin typeface="Candara" panose="020E0502030303020204" pitchFamily="34" charset="0"/>
               </a:rPr>
               <a:t>Data Conversion</a:t>
@@ -15730,7 +16704,7 @@
               </a:buClr>
             </a:pPr>
             <a:r>
-              <a:rPr lang="en-US" altLang="en-US" kern="0" dirty="0">
+              <a:rPr lang="en-US" altLang="en-US" sz="2100" kern="0" dirty="0">
                 <a:latin typeface="Candara" panose="020E0502030303020204" pitchFamily="34" charset="0"/>
               </a:rPr>
               <a:t>Backup and Recovery</a:t>
@@ -15743,7 +16717,7 @@
               </a:buClr>
             </a:pPr>
             <a:r>
-              <a:rPr lang="en-US" altLang="en-US" kern="0" dirty="0">
+              <a:rPr lang="en-US" altLang="en-US" sz="2100" kern="0" dirty="0">
                 <a:latin typeface="Candara" panose="020E0502030303020204" pitchFamily="34" charset="0"/>
               </a:rPr>
               <a:t>Competitive Edge</a:t>
@@ -15756,7 +16730,7 @@
               </a:buClr>
             </a:pPr>
             <a:r>
-              <a:rPr lang="en-US" altLang="en-US" kern="0" dirty="0">
+              <a:rPr lang="en-US" altLang="en-US" sz="2100" kern="0" dirty="0">
                 <a:latin typeface="Candara" panose="020E0502030303020204" pitchFamily="34" charset="0"/>
               </a:rPr>
               <a:t>Usability</a:t>
@@ -15769,7 +16743,7 @@
               </a:buClr>
             </a:pPr>
             <a:r>
-              <a:rPr lang="en-US" altLang="en-US" kern="0" dirty="0">
+              <a:rPr lang="en-US" altLang="en-US" sz="2100" kern="0" dirty="0">
                 <a:latin typeface="Candara" panose="020E0502030303020204" pitchFamily="34" charset="0"/>
               </a:rPr>
               <a:t>Performance</a:t>
@@ -15782,7 +16756,7 @@
               </a:buClr>
             </a:pPr>
             <a:r>
-              <a:rPr lang="en-US" altLang="en-US" kern="0" dirty="0">
+              <a:rPr lang="en-US" altLang="en-US" sz="2100" kern="0" dirty="0">
                 <a:latin typeface="Candara" panose="020E0502030303020204" pitchFamily="34" charset="0"/>
               </a:rPr>
               <a:t>Start-up Time</a:t>
@@ -15795,7 +16769,7 @@
               </a:buClr>
             </a:pPr>
             <a:r>
-              <a:rPr lang="en-US" altLang="en-US" kern="0" dirty="0">
+              <a:rPr lang="en-US" altLang="en-US" sz="2100" kern="0" dirty="0">
                 <a:latin typeface="Candara" panose="020E0502030303020204" pitchFamily="34" charset="0"/>
               </a:rPr>
               <a:t>Stress</a:t>
@@ -15808,7 +16782,7 @@
               </a:buClr>
             </a:pPr>
             <a:r>
-              <a:rPr lang="en-US" altLang="en-US" kern="0" dirty="0">
+              <a:rPr lang="en-US" altLang="en-US" sz="2100" kern="0" dirty="0">
                 <a:latin typeface="Candara" panose="020E0502030303020204" pitchFamily="34" charset="0"/>
               </a:rPr>
               <a:t>Reliability and Availability</a:t>
@@ -15826,8 +16800,8 @@
         </p:nvSpPr>
         <p:spPr bwMode="auto">
           <a:xfrm>
-            <a:off x="6096000" y="1812290"/>
-            <a:ext cx="4885944" cy="4572000"/>
+            <a:off x="6096000" y="1699404"/>
+            <a:ext cx="5256362" cy="4684886"/>
           </a:xfrm>
           <a:prstGeom prst="rect">
             <a:avLst/>
@@ -15838,14 +16812,14 @@
           </a:ln>
           <a:extLst>
             <a:ext uri="{909E8E84-426E-40dd-AFC4-6F175D3DCCD1}">
-              <a14:hiddenFill xmlns="" xmlns:a14="http://schemas.microsoft.com/office/drawing/2010/main">
+              <a14:hiddenFill xmlns:a14="http://schemas.microsoft.com/office/drawing/2010/main" xmlns="">
                 <a:solidFill>
                   <a:srgbClr val="FFFFFF"/>
                 </a:solidFill>
               </a14:hiddenFill>
             </a:ext>
             <a:ext uri="{91240B29-F687-4f45-9708-019B960494DF}">
-              <a14:hiddenLine xmlns="" xmlns:a14="http://schemas.microsoft.com/office/drawing/2010/main" w="9525">
+              <a14:hiddenLine xmlns:a14="http://schemas.microsoft.com/office/drawing/2010/main" xmlns="" w="9525">
                 <a:solidFill>
                   <a:srgbClr val="000000"/>
                 </a:solidFill>
@@ -15855,7 +16829,7 @@
               </a14:hiddenLine>
             </a:ext>
             <a:ext uri="{FAA26D3D-D897-4be2-8F04-BA451C77F1D7}">
-              <ma14:placeholderFlag xmlns="" xmlns:ma14="http://schemas.microsoft.com/office/mac/drawingml/2011/main" val="1"/>
+              <ma14:placeholderFlag xmlns:ma14="http://schemas.microsoft.com/office/mac/drawingml/2011/main" xmlns="" val="1"/>
             </a:ext>
           </a:extLst>
         </p:spPr>
@@ -16052,7 +17026,7 @@
           </a:lstStyle>
           <a:p>
             <a:pPr lvl="1"/>
-            <a:endParaRPr lang="en-US" altLang="en-US" kern="0" dirty="0">
+            <a:endParaRPr lang="en-US" altLang="en-US" sz="2100" kern="0" dirty="0">
               <a:latin typeface="Candara" panose="020E0502030303020204" pitchFamily="34" charset="0"/>
             </a:endParaRPr>
           </a:p>
@@ -16063,7 +17037,7 @@
               </a:buClr>
             </a:pPr>
             <a:r>
-              <a:rPr lang="en-US" altLang="en-US" kern="0" dirty="0">
+              <a:rPr lang="en-US" altLang="en-US" sz="2100" kern="0" dirty="0">
                 <a:latin typeface="Candara" panose="020E0502030303020204" pitchFamily="34" charset="0"/>
               </a:rPr>
               <a:t>Maintainability and Serviceability</a:t>
@@ -16076,7 +17050,7 @@
               </a:buClr>
             </a:pPr>
             <a:r>
-              <a:rPr lang="en-US" altLang="en-US" kern="0" dirty="0">
+              <a:rPr lang="en-US" altLang="en-US" sz="2100" kern="0" dirty="0">
                 <a:latin typeface="Candara" panose="020E0502030303020204" pitchFamily="34" charset="0"/>
               </a:rPr>
               <a:t>Robustness</a:t>
@@ -16089,7 +17063,7 @@
               </a:buClr>
             </a:pPr>
             <a:r>
-              <a:rPr lang="en-US" altLang="en-US" kern="0" dirty="0">
+              <a:rPr lang="en-US" altLang="en-US" sz="2100" kern="0" dirty="0">
                 <a:latin typeface="Candara" panose="020E0502030303020204" pitchFamily="34" charset="0"/>
               </a:rPr>
               <a:t>Timeliness</a:t>
@@ -16102,7 +17076,7 @@
               </a:buClr>
             </a:pPr>
             <a:r>
-              <a:rPr lang="en-US" altLang="en-US" kern="0" dirty="0">
+              <a:rPr lang="en-US" altLang="en-US" sz="2100" kern="0" dirty="0">
                 <a:latin typeface="Candara" panose="020E0502030303020204" pitchFamily="34" charset="0"/>
               </a:rPr>
               <a:t>Confidentiality and Availability</a:t>
@@ -16115,7 +17089,7 @@
               </a:buClr>
             </a:pPr>
             <a:r>
-              <a:rPr lang="en-US" altLang="en-US" kern="0" dirty="0">
+              <a:rPr lang="en-US" altLang="en-US" sz="2100" kern="0" dirty="0">
                 <a:latin typeface="Candara" panose="020E0502030303020204" pitchFamily="34" charset="0"/>
               </a:rPr>
               <a:t>Compliance</a:t>
@@ -16128,13 +17102,13 @@
               </a:buClr>
             </a:pPr>
             <a:r>
-              <a:rPr lang="en-US" altLang="en-US" kern="0" dirty="0" err="1">
+              <a:rPr lang="en-US" altLang="en-US" sz="2100" kern="0" dirty="0" err="1">
                 <a:latin typeface="Candara" panose="020E0502030303020204" pitchFamily="34" charset="0"/>
               </a:rPr>
               <a:t>Installability</a:t>
             </a:r>
             <a:r>
-              <a:rPr lang="en-US" altLang="en-US" kern="0" dirty="0">
+              <a:rPr lang="en-US" altLang="en-US" sz="2100" kern="0" dirty="0">
                 <a:latin typeface="Candara" panose="020E0502030303020204" pitchFamily="34" charset="0"/>
               </a:rPr>
               <a:t> and Upgradability</a:t>
@@ -16147,7 +17121,7 @@
               </a:buClr>
             </a:pPr>
             <a:r>
-              <a:rPr lang="en-US" altLang="en-US" kern="0" dirty="0">
+              <a:rPr lang="en-US" altLang="en-US" sz="2100" kern="0" dirty="0">
                 <a:latin typeface="Candara" panose="020E0502030303020204" pitchFamily="34" charset="0"/>
               </a:rPr>
               <a:t>Scalability</a:t>
@@ -16160,7 +17134,7 @@
               </a:buClr>
             </a:pPr>
             <a:r>
-              <a:rPr lang="en-US" altLang="en-US" kern="0" dirty="0">
+              <a:rPr lang="en-US" altLang="en-US" sz="2100" kern="0" dirty="0">
                 <a:latin typeface="Candara" panose="020E0502030303020204" pitchFamily="34" charset="0"/>
               </a:rPr>
               <a:t>Documentation</a:t>
@@ -16168,7 +17142,7 @@
           </a:p>
           <a:p>
             <a:pPr lvl="1"/>
-            <a:endParaRPr lang="en-US" altLang="en-US" kern="0" dirty="0">
+            <a:endParaRPr lang="en-US" altLang="en-US" sz="2100" kern="0" dirty="0">
               <a:latin typeface="Candara" panose="020E0502030303020204" pitchFamily="34" charset="0"/>
             </a:endParaRPr>
           </a:p>
@@ -16184,8 +17158,8 @@
         </p:nvSpPr>
         <p:spPr bwMode="auto">
           <a:xfrm>
-            <a:off x="838200" y="1491734"/>
-            <a:ext cx="9430512" cy="400110"/>
+            <a:off x="534838" y="1423358"/>
+            <a:ext cx="10274060" cy="461665"/>
           </a:xfrm>
           <a:prstGeom prst="rect">
             <a:avLst/>
@@ -16197,14 +17171,14 @@
           <a:effectLst/>
           <a:extLst>
             <a:ext uri="{909E8E84-426E-40dd-AFC4-6F175D3DCCD1}">
-              <a14:hiddenFill xmlns="" xmlns:a14="http://schemas.microsoft.com/office/drawing/2010/main">
+              <a14:hiddenFill xmlns:a14="http://schemas.microsoft.com/office/drawing/2010/main" xmlns="">
                 <a:solidFill>
                   <a:schemeClr val="accent1"/>
                 </a:solidFill>
               </a14:hiddenFill>
             </a:ext>
             <a:ext uri="{91240B29-F687-4f45-9708-019B960494DF}">
-              <a14:hiddenLine xmlns="" xmlns:a14="http://schemas.microsoft.com/office/drawing/2010/main" w="12700">
+              <a14:hiddenLine xmlns:a14="http://schemas.microsoft.com/office/drawing/2010/main" xmlns="" w="12700">
                 <a:solidFill>
                   <a:schemeClr val="tx1"/>
                 </a:solidFill>
@@ -16214,7 +17188,7 @@
               </a14:hiddenLine>
             </a:ext>
             <a:ext uri="{AF507438-7753-43e0-B8FC-AC1667EBCBE1}">
-              <a14:hiddenEffects xmlns="" xmlns:a14="http://schemas.microsoft.com/office/drawing/2010/main">
+              <a14:hiddenEffects xmlns:a14="http://schemas.microsoft.com/office/drawing/2010/main" xmlns="">
                 <a:effectLst>
                   <a:outerShdw dist="35921" dir="2700000" algn="ctr" rotWithShape="0">
                     <a:schemeClr val="bg2"/>
@@ -16238,7 +17212,7 @@
               <a:buChar char="•"/>
             </a:pPr>
             <a:r>
-              <a:rPr lang="en-US" altLang="en-US" sz="2000" dirty="0">
+              <a:rPr lang="en-US" altLang="en-US" sz="2400" dirty="0">
                 <a:solidFill>
                   <a:srgbClr val="000000"/>
                 </a:solidFill>
@@ -16266,7 +17240,7 @@
           <a:p>
             <a:fld id="{B543A0FD-1CA6-4228-86A2-78061B4844C8}" type="slidenum">
               <a:rPr lang="en-US" smtClean="0"/>
-              <a:t>43</a:t>
+              <a:t>47</a:t>
             </a:fld>
             <a:endParaRPr lang="en-US"/>
           </a:p>
@@ -16300,7 +17274,7 @@
 </p:sld>
 </file>
 
-<file path=ppt/slides/slide44.xml><?xml version="1.0" encoding="utf-8"?>
+<file path=ppt/slides/slide48.xml><?xml version="1.0" encoding="utf-8"?>
 <p:sld xmlns:a="http://schemas.openxmlformats.org/drawingml/2006/main" xmlns:r="http://schemas.openxmlformats.org/officeDocument/2006/relationships" xmlns:p="http://schemas.openxmlformats.org/presentationml/2006/main">
   <p:cSld>
     <p:spTree>
@@ -16349,8 +17323,8 @@
         </p:nvSpPr>
         <p:spPr bwMode="auto">
           <a:xfrm>
-            <a:off x="838200" y="1657304"/>
-            <a:ext cx="10244328" cy="4699046"/>
+            <a:off x="457199" y="1466491"/>
+            <a:ext cx="10834777" cy="4942935"/>
           </a:xfrm>
           <a:prstGeom prst="rect">
             <a:avLst/>
@@ -16361,14 +17335,14 @@
           </a:ln>
           <a:extLst>
             <a:ext uri="{909E8E84-426E-40dd-AFC4-6F175D3DCCD1}">
-              <a14:hiddenFill xmlns="" xmlns:a14="http://schemas.microsoft.com/office/drawing/2010/main">
+              <a14:hiddenFill xmlns:a14="http://schemas.microsoft.com/office/drawing/2010/main" xmlns="">
                 <a:solidFill>
                   <a:srgbClr val="FFFFFF"/>
                 </a:solidFill>
               </a14:hiddenFill>
             </a:ext>
             <a:ext uri="{91240B29-F687-4f45-9708-019B960494DF}">
-              <a14:hiddenLine xmlns="" xmlns:a14="http://schemas.microsoft.com/office/drawing/2010/main" w="9525">
+              <a14:hiddenLine xmlns:a14="http://schemas.microsoft.com/office/drawing/2010/main" xmlns="" w="9525">
                 <a:solidFill>
                   <a:srgbClr val="000000"/>
                 </a:solidFill>
@@ -16378,7 +17352,7 @@
               </a14:hiddenLine>
             </a:ext>
             <a:ext uri="{FAA26D3D-D897-4be2-8F04-BA451C77F1D7}">
-              <ma14:placeholderFlag xmlns="" xmlns:ma14="http://schemas.microsoft.com/office/mac/drawingml/2011/main" val="1"/>
+              <ma14:placeholderFlag xmlns:ma14="http://schemas.microsoft.com/office/mac/drawingml/2011/main" xmlns="" val="1"/>
             </a:ext>
           </a:extLst>
         </p:spPr>
@@ -16768,7 +17742,7 @@
           <a:p>
             <a:fld id="{B543A0FD-1CA6-4228-86A2-78061B4844C8}" type="slidenum">
               <a:rPr lang="en-US" smtClean="0"/>
-              <a:t>44</a:t>
+              <a:t>48</a:t>
             </a:fld>
             <a:endParaRPr lang="en-US"/>
           </a:p>
@@ -16802,7 +17776,7 @@
 </p:sld>
 </file>
 
-<file path=ppt/slides/slide45.xml><?xml version="1.0" encoding="utf-8"?>
+<file path=ppt/slides/slide49.xml><?xml version="1.0" encoding="utf-8"?>
 <p:sld xmlns:a="http://schemas.openxmlformats.org/drawingml/2006/main" xmlns:r="http://schemas.openxmlformats.org/officeDocument/2006/relationships" xmlns:p="http://schemas.openxmlformats.org/presentationml/2006/main">
   <p:cSld>
     <p:spTree>
@@ -16854,13 +17828,13 @@
         </p:nvSpPr>
         <p:spPr>
           <a:xfrm>
-            <a:off x="838200" y="1690688"/>
-            <a:ext cx="10515600" cy="4444936"/>
+            <a:off x="347527" y="1492370"/>
+            <a:ext cx="11006273" cy="4643254"/>
           </a:xfrm>
         </p:spPr>
         <p:txBody>
           <a:bodyPr>
-            <a:normAutofit fontScale="92500"/>
+            <a:normAutofit/>
           </a:bodyPr>
           <a:lstStyle/>
           <a:p>
@@ -16955,7 +17929,7 @@
           <a:p>
             <a:fld id="{B543A0FD-1CA6-4228-86A2-78061B4844C8}" type="slidenum">
               <a:rPr lang="en-US" smtClean="0"/>
-              <a:t>45</a:t>
+              <a:t>49</a:t>
             </a:fld>
             <a:endParaRPr lang="en-US"/>
           </a:p>
@@ -16981,7 +17955,7 @@
 </p:sld>
 </file>
 
-<file path=ppt/slides/slide46.xml><?xml version="1.0" encoding="utf-8"?>
+<file path=ppt/slides/slide5.xml><?xml version="1.0" encoding="utf-8"?>
 <p:sld xmlns:a="http://schemas.openxmlformats.org/drawingml/2006/main" xmlns:r="http://schemas.openxmlformats.org/officeDocument/2006/relationships" xmlns:p="http://schemas.openxmlformats.org/presentationml/2006/main">
   <p:cSld>
     <p:spTree>
@@ -17000,6 +17974,147 @@
       </p:grpSpPr>
       <p:sp>
         <p:nvSpPr>
+          <p:cNvPr id="2" name="Title 1"/>
+          <p:cNvSpPr>
+            <a:spLocks noGrp="1"/>
+          </p:cNvSpPr>
+          <p:nvPr>
+            <p:ph type="title"/>
+          </p:nvPr>
+        </p:nvSpPr>
+        <p:spPr/>
+        <p:txBody>
+          <a:bodyPr/>
+          <a:lstStyle/>
+          <a:p>
+            <a:r>
+              <a:rPr lang="en-US" dirty="0" smtClean="0"/>
+              <a:t>Functional Testing </a:t>
+            </a:r>
+            <a:endParaRPr lang="en-US" dirty="0"/>
+          </a:p>
+        </p:txBody>
+      </p:sp>
+      <p:sp>
+        <p:nvSpPr>
+          <p:cNvPr id="3" name="Content Placeholder 2"/>
+          <p:cNvSpPr>
+            <a:spLocks noGrp="1"/>
+          </p:cNvSpPr>
+          <p:nvPr>
+            <p:ph idx="1"/>
+          </p:nvPr>
+        </p:nvSpPr>
+        <p:spPr/>
+        <p:txBody>
+          <a:bodyPr>
+            <a:normAutofit/>
+          </a:bodyPr>
+          <a:lstStyle/>
+          <a:p>
+            <a:r>
+              <a:rPr lang="en-US" dirty="0" smtClean="0"/>
+              <a:t>Functional testing finds differences between functional requirements and the implemented system </a:t>
+            </a:r>
+          </a:p>
+          <a:p>
+            <a:r>
+              <a:rPr lang="en-US" dirty="0" smtClean="0"/>
+              <a:t>Essentially the same as black box testing </a:t>
+            </a:r>
+          </a:p>
+          <a:p>
+            <a:r>
+              <a:rPr lang="en-US" dirty="0" smtClean="0"/>
+              <a:t>Goal: Test functionality of system </a:t>
+            </a:r>
+          </a:p>
+          <a:p>
+            <a:r>
+              <a:rPr lang="en-US" dirty="0" smtClean="0"/>
+              <a:t>Test cases are designed from the requirements analysis document (better: user manual) and centered around requirements and key functions (use cases) </a:t>
+            </a:r>
+          </a:p>
+          <a:p>
+            <a:r>
+              <a:rPr lang="en-US" dirty="0" smtClean="0"/>
+              <a:t>Select tests that are relevant to the user and have a high probability of uncovering a failure </a:t>
+            </a:r>
+          </a:p>
+          <a:p>
+            <a:pPr lvl="1"/>
+            <a:r>
+              <a:rPr lang="en-US" dirty="0" smtClean="0"/>
+              <a:t>Use techniques like equivalence tests </a:t>
+            </a:r>
+          </a:p>
+          <a:p>
+            <a:endParaRPr lang="en-US" dirty="0"/>
+          </a:p>
+        </p:txBody>
+      </p:sp>
+      <p:sp>
+        <p:nvSpPr>
+          <p:cNvPr id="4" name="Slide Number Placeholder 3"/>
+          <p:cNvSpPr>
+            <a:spLocks noGrp="1"/>
+          </p:cNvSpPr>
+          <p:nvPr>
+            <p:ph type="sldNum" sz="quarter" idx="12"/>
+          </p:nvPr>
+        </p:nvSpPr>
+        <p:spPr/>
+        <p:txBody>
+          <a:bodyPr/>
+          <a:lstStyle/>
+          <a:p>
+            <a:fld id="{B543A0FD-1CA6-4228-86A2-78061B4844C8}" type="slidenum">
+              <a:rPr lang="en-US" smtClean="0"/>
+              <a:t>5</a:t>
+            </a:fld>
+            <a:endParaRPr lang="en-US"/>
+          </a:p>
+        </p:txBody>
+      </p:sp>
+    </p:spTree>
+    <p:extLst>
+      <p:ext uri="{BB962C8B-B14F-4D97-AF65-F5344CB8AC3E}">
+        <p14:creationId xmlns:p14="http://schemas.microsoft.com/office/powerpoint/2010/main" val="1598015589"/>
+      </p:ext>
+    </p:extLst>
+  </p:cSld>
+  <p:clrMapOvr>
+    <a:masterClrMapping/>
+  </p:clrMapOvr>
+  <p:timing>
+    <p:tnLst>
+      <p:par>
+        <p:cTn id="1" dur="indefinite" restart="never" nodeType="tmRoot"/>
+      </p:par>
+    </p:tnLst>
+  </p:timing>
+</p:sld>
+</file>
+
+<file path=ppt/slides/slide50.xml><?xml version="1.0" encoding="utf-8"?>
+<p:sld xmlns:a="http://schemas.openxmlformats.org/drawingml/2006/main" xmlns:r="http://schemas.openxmlformats.org/officeDocument/2006/relationships" xmlns:p="http://schemas.openxmlformats.org/presentationml/2006/main">
+  <p:cSld>
+    <p:spTree>
+      <p:nvGrpSpPr>
+        <p:cNvPr id="1" name=""/>
+        <p:cNvGrpSpPr/>
+        <p:nvPr/>
+      </p:nvGrpSpPr>
+      <p:grpSpPr>
+        <a:xfrm>
+          <a:off x="0" y="0"/>
+          <a:ext cx="0" cy="0"/>
+          <a:chOff x="0" y="0"/>
+          <a:chExt cx="0" cy="0"/>
+        </a:xfrm>
+      </p:grpSpPr>
+      <p:sp>
+        <p:nvSpPr>
           <p:cNvPr id="4" name="Title 3"/>
           <p:cNvSpPr>
             <a:spLocks noGrp="1"/>
@@ -17057,7 +18172,7 @@
           <a:p>
             <a:fld id="{B543A0FD-1CA6-4228-86A2-78061B4844C8}" type="slidenum">
               <a:rPr lang="en-US" smtClean="0"/>
-              <a:t>46</a:t>
+              <a:t>50</a:t>
             </a:fld>
             <a:endParaRPr lang="en-US"/>
           </a:p>
@@ -17083,7 +18198,7 @@
 </p:sld>
 </file>
 
-<file path=ppt/slides/slide47.xml><?xml version="1.0" encoding="utf-8"?>
+<file path=ppt/slides/slide51.xml><?xml version="1.0" encoding="utf-8"?>
 <p:sld xmlns:a="http://schemas.openxmlformats.org/drawingml/2006/main" xmlns:r="http://schemas.openxmlformats.org/officeDocument/2006/relationships" xmlns:p="http://schemas.openxmlformats.org/presentationml/2006/main">
   <p:cSld>
     <p:spTree>
@@ -17198,7 +18313,7 @@
           <a:p>
             <a:fld id="{B543A0FD-1CA6-4228-86A2-78061B4844C8}" type="slidenum">
               <a:rPr lang="en-US" smtClean="0"/>
-              <a:t>47</a:t>
+              <a:t>51</a:t>
             </a:fld>
             <a:endParaRPr lang="en-US"/>
           </a:p>
@@ -17224,7 +18339,7 @@
 </p:sld>
 </file>
 
-<file path=ppt/slides/slide48.xml><?xml version="1.0" encoding="utf-8"?>
+<file path=ppt/slides/slide52.xml><?xml version="1.0" encoding="utf-8"?>
 <p:sld xmlns:a="http://schemas.openxmlformats.org/drawingml/2006/main" xmlns:r="http://schemas.openxmlformats.org/officeDocument/2006/relationships" xmlns:p="http://schemas.openxmlformats.org/presentationml/2006/main">
   <p:cSld>
     <p:spTree>
@@ -18723,14 +19838,14 @@
           </a:ln>
           <a:extLst>
             <a:ext uri="{909E8E84-426E-40dd-AFC4-6F175D3DCCD1}">
-              <a14:hiddenFill xmlns="" xmlns:a14="http://schemas.microsoft.com/office/drawing/2010/main">
+              <a14:hiddenFill xmlns:a14="http://schemas.microsoft.com/office/drawing/2010/main" xmlns="">
                 <a:solidFill>
                   <a:srgbClr val="FFFFFF"/>
                 </a:solidFill>
               </a14:hiddenFill>
             </a:ext>
             <a:ext uri="{91240B29-F687-4f45-9708-019B960494DF}">
-              <a14:hiddenLine xmlns="" xmlns:a14="http://schemas.microsoft.com/office/drawing/2010/main" w="9525">
+              <a14:hiddenLine xmlns:a14="http://schemas.microsoft.com/office/drawing/2010/main" xmlns="" w="9525">
                 <a:solidFill>
                   <a:srgbClr val="000000"/>
                 </a:solidFill>
@@ -18771,7 +19886,7 @@
           <a:p>
             <a:fld id="{B543A0FD-1CA6-4228-86A2-78061B4844C8}" type="slidenum">
               <a:rPr lang="en-US" smtClean="0"/>
-              <a:t>48</a:t>
+              <a:t>52</a:t>
             </a:fld>
             <a:endParaRPr lang="en-US"/>
           </a:p>
@@ -18787,829 +19902,6 @@
   <p:clrMapOvr>
     <a:masterClrMapping/>
   </p:clrMapOvr>
-  <p:timing>
-    <p:tnLst>
-      <p:par>
-        <p:cTn id="1" dur="indefinite" restart="never" nodeType="tmRoot"/>
-      </p:par>
-    </p:tnLst>
-  </p:timing>
-</p:sld>
-</file>
-
-<file path=ppt/slides/slide49.xml><?xml version="1.0" encoding="utf-8"?>
-<p:sld xmlns:a="http://schemas.openxmlformats.org/drawingml/2006/main" xmlns:r="http://schemas.openxmlformats.org/officeDocument/2006/relationships" xmlns:p="http://schemas.openxmlformats.org/presentationml/2006/main">
-  <p:cSld>
-    <p:spTree>
-      <p:nvGrpSpPr>
-        <p:cNvPr id="1" name=""/>
-        <p:cNvGrpSpPr/>
-        <p:nvPr/>
-      </p:nvGrpSpPr>
-      <p:grpSpPr>
-        <a:xfrm>
-          <a:off x="0" y="0"/>
-          <a:ext cx="0" cy="0"/>
-          <a:chOff x="0" y="0"/>
-          <a:chExt cx="0" cy="0"/>
-        </a:xfrm>
-      </p:grpSpPr>
-      <p:sp>
-        <p:nvSpPr>
-          <p:cNvPr id="22532" name="Title 1"/>
-          <p:cNvSpPr>
-            <a:spLocks noGrp="1"/>
-          </p:cNvSpPr>
-          <p:nvPr>
-            <p:ph type="title"/>
-          </p:nvPr>
-        </p:nvSpPr>
-        <p:spPr/>
-        <p:txBody>
-          <a:bodyPr/>
-          <a:lstStyle/>
-          <a:p>
-            <a:r>
-              <a:rPr lang="en-US" dirty="0" smtClean="0"/>
-              <a:t>Independent V&amp;V</a:t>
-            </a:r>
-            <a:endParaRPr lang="en-US" dirty="0"/>
-          </a:p>
-        </p:txBody>
-      </p:sp>
-      <p:sp>
-        <p:nvSpPr>
-          <p:cNvPr id="22533" name="Content Placeholder 2"/>
-          <p:cNvSpPr>
-            <a:spLocks noGrp="1"/>
-          </p:cNvSpPr>
-          <p:nvPr>
-            <p:ph idx="1"/>
-          </p:nvPr>
-        </p:nvSpPr>
-        <p:spPr/>
-        <p:txBody>
-          <a:bodyPr>
-            <a:normAutofit/>
-          </a:bodyPr>
-          <a:lstStyle/>
-          <a:p>
-            <a:r>
-              <a:rPr lang="en-US" dirty="0" smtClean="0"/>
-              <a:t>One strategy for maximizing independence: </a:t>
-            </a:r>
-          </a:p>
-          <a:p>
-            <a:pPr lvl="1"/>
-            <a:r>
-              <a:rPr lang="en-US" dirty="0" smtClean="0"/>
-              <a:t>System (and acceptance) test performed by a different organization</a:t>
-            </a:r>
-          </a:p>
-          <a:p>
-            <a:r>
-              <a:rPr lang="en-US" dirty="0" smtClean="0"/>
-              <a:t>Organizationally isolated from developers </a:t>
-            </a:r>
-          </a:p>
-          <a:p>
-            <a:pPr lvl="1"/>
-            <a:r>
-              <a:rPr lang="en-US" dirty="0" smtClean="0"/>
-              <a:t>no pressure to say </a:t>
-            </a:r>
-            <a:r>
-              <a:rPr lang="ja-JP" altLang="en-US" smtClean="0"/>
-              <a:t>“</a:t>
-            </a:r>
-            <a:r>
-              <a:rPr lang="en-US" altLang="ja-JP" dirty="0" smtClean="0"/>
-              <a:t>ok</a:t>
-            </a:r>
-            <a:r>
-              <a:rPr lang="ja-JP" altLang="en-US" smtClean="0"/>
-              <a:t>”</a:t>
-            </a:r>
-            <a:endParaRPr lang="en-US" altLang="ja-JP" dirty="0" smtClean="0"/>
-          </a:p>
-          <a:p>
-            <a:r>
-              <a:rPr lang="en-US" dirty="0" smtClean="0"/>
-              <a:t>Sometimes outsourced to another company or agency</a:t>
-            </a:r>
-          </a:p>
-          <a:p>
-            <a:pPr lvl="1"/>
-            <a:r>
-              <a:rPr lang="en-US" dirty="0" smtClean="0"/>
-              <a:t>Especially for critical systems</a:t>
-            </a:r>
-          </a:p>
-          <a:p>
-            <a:pPr lvl="1"/>
-            <a:r>
-              <a:rPr lang="en-US" dirty="0" smtClean="0"/>
-              <a:t>Outsourcing for independent judgment, not to save money</a:t>
-            </a:r>
-          </a:p>
-          <a:p>
-            <a:pPr lvl="1"/>
-            <a:r>
-              <a:rPr lang="en-US" dirty="0" smtClean="0"/>
-              <a:t>May be additional system test, not replacing internal V&amp;V</a:t>
-            </a:r>
-          </a:p>
-          <a:p>
-            <a:r>
-              <a:rPr lang="en-US" dirty="0" smtClean="0"/>
-              <a:t>Not all outsourced testing is IV&amp;V</a:t>
-            </a:r>
-          </a:p>
-          <a:p>
-            <a:pPr lvl="1"/>
-            <a:r>
-              <a:rPr lang="en-US" dirty="0" smtClean="0"/>
-              <a:t>Not independent if controlled by development organization</a:t>
-            </a:r>
-            <a:endParaRPr lang="en-US" dirty="0"/>
-          </a:p>
-        </p:txBody>
-      </p:sp>
-      <p:sp>
-        <p:nvSpPr>
-          <p:cNvPr id="2" name="Slide Number Placeholder 1"/>
-          <p:cNvSpPr>
-            <a:spLocks noGrp="1"/>
-          </p:cNvSpPr>
-          <p:nvPr>
-            <p:ph type="sldNum" sz="quarter" idx="12"/>
-          </p:nvPr>
-        </p:nvSpPr>
-        <p:spPr/>
-        <p:txBody>
-          <a:bodyPr/>
-          <a:lstStyle/>
-          <a:p>
-            <a:fld id="{B543A0FD-1CA6-4228-86A2-78061B4844C8}" type="slidenum">
-              <a:rPr lang="en-US" smtClean="0"/>
-              <a:t>49</a:t>
-            </a:fld>
-            <a:endParaRPr lang="en-US"/>
-          </a:p>
-        </p:txBody>
-      </p:sp>
-    </p:spTree>
-    <p:extLst>
-      <p:ext uri="{BB962C8B-B14F-4D97-AF65-F5344CB8AC3E}">
-        <p14:creationId xmlns:p14="http://schemas.microsoft.com/office/powerpoint/2010/main" val="1563042516"/>
-      </p:ext>
-    </p:extLst>
-  </p:cSld>
-  <p:clrMapOvr>
-    <a:masterClrMapping/>
-  </p:clrMapOvr>
-  <mc:AlternateContent xmlns:mc="http://schemas.openxmlformats.org/markup-compatibility/2006" xmlns:p14="http://schemas.microsoft.com/office/powerpoint/2010/main">
-    <mc:Choice Requires="p14">
-      <p:transition spd="slow" p14:dur="2000"/>
-    </mc:Choice>
-    <mc:Fallback xmlns="">
-      <p:transition spd="slow"/>
-    </mc:Fallback>
-  </mc:AlternateContent>
-  <p:timing>
-    <p:tnLst>
-      <p:par>
-        <p:cTn id="1" dur="indefinite" restart="never" nodeType="tmRoot"/>
-      </p:par>
-    </p:tnLst>
-  </p:timing>
-</p:sld>
-</file>
-
-<file path=ppt/slides/slide5.xml><?xml version="1.0" encoding="utf-8"?>
-<p:sld xmlns:a="http://schemas.openxmlformats.org/drawingml/2006/main" xmlns:r="http://schemas.openxmlformats.org/officeDocument/2006/relationships" xmlns:p="http://schemas.openxmlformats.org/presentationml/2006/main">
-  <p:cSld>
-    <p:spTree>
-      <p:nvGrpSpPr>
-        <p:cNvPr id="1" name=""/>
-        <p:cNvGrpSpPr/>
-        <p:nvPr/>
-      </p:nvGrpSpPr>
-      <p:grpSpPr>
-        <a:xfrm>
-          <a:off x="0" y="0"/>
-          <a:ext cx="0" cy="0"/>
-          <a:chOff x="0" y="0"/>
-          <a:chExt cx="0" cy="0"/>
-        </a:xfrm>
-      </p:grpSpPr>
-      <p:sp>
-        <p:nvSpPr>
-          <p:cNvPr id="2" name="Title 1"/>
-          <p:cNvSpPr>
-            <a:spLocks noGrp="1"/>
-          </p:cNvSpPr>
-          <p:nvPr>
-            <p:ph type="title"/>
-          </p:nvPr>
-        </p:nvSpPr>
-        <p:spPr/>
-        <p:txBody>
-          <a:bodyPr/>
-          <a:lstStyle/>
-          <a:p>
-            <a:r>
-              <a:rPr lang="en-US" dirty="0" smtClean="0"/>
-              <a:t>Functional Testing </a:t>
-            </a:r>
-            <a:endParaRPr lang="en-US" dirty="0"/>
-          </a:p>
-        </p:txBody>
-      </p:sp>
-      <p:sp>
-        <p:nvSpPr>
-          <p:cNvPr id="3" name="Content Placeholder 2"/>
-          <p:cNvSpPr>
-            <a:spLocks noGrp="1"/>
-          </p:cNvSpPr>
-          <p:nvPr>
-            <p:ph idx="1"/>
-          </p:nvPr>
-        </p:nvSpPr>
-        <p:spPr/>
-        <p:txBody>
-          <a:bodyPr>
-            <a:normAutofit/>
-          </a:bodyPr>
-          <a:lstStyle/>
-          <a:p>
-            <a:r>
-              <a:rPr lang="en-US" dirty="0" smtClean="0"/>
-              <a:t>Functional testing finds differences between functional requirements and the implemented system </a:t>
-            </a:r>
-          </a:p>
-          <a:p>
-            <a:r>
-              <a:rPr lang="en-US" dirty="0" smtClean="0"/>
-              <a:t>Essentially the same as black box testing </a:t>
-            </a:r>
-          </a:p>
-          <a:p>
-            <a:r>
-              <a:rPr lang="en-US" dirty="0" smtClean="0"/>
-              <a:t>Goal: Test functionality of system </a:t>
-            </a:r>
-          </a:p>
-          <a:p>
-            <a:r>
-              <a:rPr lang="en-US" dirty="0" smtClean="0"/>
-              <a:t>Test cases are designed from the requirements analysis document (better: user manual) and centered around requirements and key functions (use cases) </a:t>
-            </a:r>
-          </a:p>
-          <a:p>
-            <a:r>
-              <a:rPr lang="en-US" dirty="0" smtClean="0"/>
-              <a:t>Select tests that are relevant to the user and have a high probability of uncovering a failure </a:t>
-            </a:r>
-          </a:p>
-          <a:p>
-            <a:pPr lvl="1"/>
-            <a:r>
-              <a:rPr lang="en-US" dirty="0" smtClean="0"/>
-              <a:t>Use techniques like equivalence tests </a:t>
-            </a:r>
-          </a:p>
-          <a:p>
-            <a:endParaRPr lang="en-US" dirty="0"/>
-          </a:p>
-        </p:txBody>
-      </p:sp>
-      <p:sp>
-        <p:nvSpPr>
-          <p:cNvPr id="4" name="Slide Number Placeholder 3"/>
-          <p:cNvSpPr>
-            <a:spLocks noGrp="1"/>
-          </p:cNvSpPr>
-          <p:nvPr>
-            <p:ph type="sldNum" sz="quarter" idx="12"/>
-          </p:nvPr>
-        </p:nvSpPr>
-        <p:spPr/>
-        <p:txBody>
-          <a:bodyPr/>
-          <a:lstStyle/>
-          <a:p>
-            <a:fld id="{B543A0FD-1CA6-4228-86A2-78061B4844C8}" type="slidenum">
-              <a:rPr lang="en-US" smtClean="0"/>
-              <a:t>5</a:t>
-            </a:fld>
-            <a:endParaRPr lang="en-US"/>
-          </a:p>
-        </p:txBody>
-      </p:sp>
-    </p:spTree>
-    <p:extLst>
-      <p:ext uri="{BB962C8B-B14F-4D97-AF65-F5344CB8AC3E}">
-        <p14:creationId xmlns:p14="http://schemas.microsoft.com/office/powerpoint/2010/main" val="1598015589"/>
-      </p:ext>
-    </p:extLst>
-  </p:cSld>
-  <p:clrMapOvr>
-    <a:masterClrMapping/>
-  </p:clrMapOvr>
-  <p:timing>
-    <p:tnLst>
-      <p:par>
-        <p:cTn id="1" dur="indefinite" restart="never" nodeType="tmRoot"/>
-      </p:par>
-    </p:tnLst>
-  </p:timing>
-</p:sld>
-</file>
-
-<file path=ppt/slides/slide50.xml><?xml version="1.0" encoding="utf-8"?>
-<p:sld xmlns:a="http://schemas.openxmlformats.org/drawingml/2006/main" xmlns:r="http://schemas.openxmlformats.org/officeDocument/2006/relationships" xmlns:p="http://schemas.openxmlformats.org/presentationml/2006/main">
-  <p:cSld>
-    <p:spTree>
-      <p:nvGrpSpPr>
-        <p:cNvPr id="1" name=""/>
-        <p:cNvGrpSpPr/>
-        <p:nvPr/>
-      </p:nvGrpSpPr>
-      <p:grpSpPr>
-        <a:xfrm>
-          <a:off x="0" y="0"/>
-          <a:ext cx="0" cy="0"/>
-          <a:chOff x="0" y="0"/>
-          <a:chExt cx="0" cy="0"/>
-        </a:xfrm>
-      </p:grpSpPr>
-      <p:sp>
-        <p:nvSpPr>
-          <p:cNvPr id="23556" name="Title 1"/>
-          <p:cNvSpPr>
-            <a:spLocks noGrp="1"/>
-          </p:cNvSpPr>
-          <p:nvPr>
-            <p:ph type="title"/>
-          </p:nvPr>
-        </p:nvSpPr>
-        <p:spPr/>
-        <p:txBody>
-          <a:bodyPr anchor="ctr"/>
-          <a:lstStyle/>
-          <a:p>
-            <a:pPr eaLnBrk="1" hangingPunct="1"/>
-            <a:r>
-              <a:rPr lang="en-US" sz="3200" dirty="0"/>
-              <a:t>Achieving Independence Without Changing Staff</a:t>
-            </a:r>
-          </a:p>
-        </p:txBody>
-      </p:sp>
-      <p:sp>
-        <p:nvSpPr>
-          <p:cNvPr id="23557" name="Content Placeholder 2"/>
-          <p:cNvSpPr>
-            <a:spLocks noGrp="1"/>
-          </p:cNvSpPr>
-          <p:nvPr>
-            <p:ph idx="1"/>
-          </p:nvPr>
-        </p:nvSpPr>
-        <p:spPr/>
-        <p:txBody>
-          <a:bodyPr>
-            <a:normAutofit/>
-          </a:bodyPr>
-          <a:lstStyle/>
-          <a:p>
-            <a:pPr marL="342900" indent="-342900"/>
-            <a:r>
-              <a:rPr lang="en-US" sz="3200" dirty="0"/>
-              <a:t>If the development organization controls system testing ...</a:t>
-            </a:r>
-          </a:p>
-          <a:p>
-            <a:pPr marL="742950" lvl="1" indent="-285750"/>
-            <a:r>
-              <a:rPr lang="en-US" sz="2800" dirty="0"/>
-              <a:t>Perfect independence may be unattainable, but we can reduce undue influence</a:t>
-            </a:r>
-          </a:p>
-          <a:p>
-            <a:pPr marL="342900" indent="-342900"/>
-            <a:r>
-              <a:rPr lang="en-US" sz="3200" dirty="0"/>
-              <a:t>Develop system test cases early</a:t>
-            </a:r>
-          </a:p>
-          <a:p>
-            <a:pPr marL="742950" lvl="1" indent="-285750"/>
-            <a:r>
-              <a:rPr lang="en-US" sz="2800" dirty="0"/>
-              <a:t>As part of requirements specification, before major design decisions have been made</a:t>
-            </a:r>
-          </a:p>
-          <a:p>
-            <a:pPr lvl="2"/>
-            <a:r>
-              <a:rPr lang="en-US" sz="2400" dirty="0"/>
-              <a:t>Agile </a:t>
-            </a:r>
-            <a:r>
-              <a:rPr lang="ja-JP" altLang="en-US" sz="2400" dirty="0"/>
-              <a:t>“</a:t>
-            </a:r>
-            <a:r>
-              <a:rPr lang="en-US" altLang="ja-JP" sz="2400" dirty="0"/>
-              <a:t>test first</a:t>
-            </a:r>
-            <a:r>
-              <a:rPr lang="ja-JP" altLang="en-US" sz="2400" dirty="0"/>
-              <a:t>”</a:t>
-            </a:r>
-            <a:r>
-              <a:rPr lang="en-US" altLang="ja-JP" sz="2400" dirty="0"/>
-              <a:t> </a:t>
-            </a:r>
-          </a:p>
-          <a:p>
-            <a:pPr lvl="2"/>
-            <a:r>
-              <a:rPr lang="en-US" altLang="ja-JP" sz="2400" dirty="0"/>
-              <a:t>Conventional </a:t>
-            </a:r>
-            <a:r>
-              <a:rPr lang="ja-JP" altLang="en-US" sz="2400" dirty="0"/>
-              <a:t>“</a:t>
-            </a:r>
-            <a:r>
-              <a:rPr lang="en-US" altLang="ja-JP" sz="2400" dirty="0"/>
-              <a:t>V model</a:t>
-            </a:r>
-            <a:r>
-              <a:rPr lang="ja-JP" altLang="en-US" sz="2400" dirty="0"/>
-              <a:t>”</a:t>
-            </a:r>
-            <a:endParaRPr lang="en-US" altLang="ja-JP" sz="2400" dirty="0"/>
-          </a:p>
-          <a:p>
-            <a:pPr lvl="2"/>
-            <a:r>
-              <a:rPr lang="en-US" altLang="ja-JP" sz="2400" dirty="0"/>
-              <a:t>Critical system testing early in project</a:t>
-            </a:r>
-            <a:endParaRPr lang="en-US" sz="2400" dirty="0"/>
-          </a:p>
-        </p:txBody>
-      </p:sp>
-      <p:sp>
-        <p:nvSpPr>
-          <p:cNvPr id="2" name="Slide Number Placeholder 1"/>
-          <p:cNvSpPr>
-            <a:spLocks noGrp="1"/>
-          </p:cNvSpPr>
-          <p:nvPr>
-            <p:ph type="sldNum" sz="quarter" idx="12"/>
-          </p:nvPr>
-        </p:nvSpPr>
-        <p:spPr/>
-        <p:txBody>
-          <a:bodyPr/>
-          <a:lstStyle/>
-          <a:p>
-            <a:fld id="{B543A0FD-1CA6-4228-86A2-78061B4844C8}" type="slidenum">
-              <a:rPr lang="en-US" smtClean="0"/>
-              <a:t>50</a:t>
-            </a:fld>
-            <a:endParaRPr lang="en-US"/>
-          </a:p>
-        </p:txBody>
-      </p:sp>
-    </p:spTree>
-    <p:extLst>
-      <p:ext uri="{BB962C8B-B14F-4D97-AF65-F5344CB8AC3E}">
-        <p14:creationId xmlns:p14="http://schemas.microsoft.com/office/powerpoint/2010/main" val="2063763688"/>
-      </p:ext>
-    </p:extLst>
-  </p:cSld>
-  <p:clrMapOvr>
-    <a:masterClrMapping/>
-  </p:clrMapOvr>
-  <mc:AlternateContent xmlns:mc="http://schemas.openxmlformats.org/markup-compatibility/2006" xmlns:p14="http://schemas.microsoft.com/office/powerpoint/2010/main">
-    <mc:Choice Requires="p14">
-      <p:transition spd="slow" p14:dur="2000"/>
-    </mc:Choice>
-    <mc:Fallback xmlns="">
-      <p:transition spd="slow"/>
-    </mc:Fallback>
-  </mc:AlternateContent>
-  <p:timing>
-    <p:tnLst>
-      <p:par>
-        <p:cTn id="1" dur="indefinite" restart="never" nodeType="tmRoot"/>
-      </p:par>
-    </p:tnLst>
-  </p:timing>
-</p:sld>
-</file>
-
-<file path=ppt/slides/slide51.xml><?xml version="1.0" encoding="utf-8"?>
-<p:sld xmlns:a="http://schemas.openxmlformats.org/drawingml/2006/main" xmlns:r="http://schemas.openxmlformats.org/officeDocument/2006/relationships" xmlns:p="http://schemas.openxmlformats.org/presentationml/2006/main">
-  <p:cSld>
-    <p:spTree>
-      <p:nvGrpSpPr>
-        <p:cNvPr id="1" name=""/>
-        <p:cNvGrpSpPr/>
-        <p:nvPr/>
-      </p:nvGrpSpPr>
-      <p:grpSpPr>
-        <a:xfrm>
-          <a:off x="0" y="0"/>
-          <a:ext cx="0" cy="0"/>
-          <a:chOff x="0" y="0"/>
-          <a:chExt cx="0" cy="0"/>
-        </a:xfrm>
-      </p:grpSpPr>
-      <p:sp>
-        <p:nvSpPr>
-          <p:cNvPr id="24580" name="Title 1"/>
-          <p:cNvSpPr>
-            <a:spLocks noGrp="1"/>
-          </p:cNvSpPr>
-          <p:nvPr>
-            <p:ph type="title"/>
-          </p:nvPr>
-        </p:nvSpPr>
-        <p:spPr/>
-        <p:txBody>
-          <a:bodyPr/>
-          <a:lstStyle/>
-          <a:p>
-            <a:r>
-              <a:rPr lang="en-US" dirty="0" smtClean="0"/>
-              <a:t>Incremental System Testing</a:t>
-            </a:r>
-            <a:endParaRPr lang="en-US" dirty="0"/>
-          </a:p>
-        </p:txBody>
-      </p:sp>
-      <p:sp>
-        <p:nvSpPr>
-          <p:cNvPr id="24581" name="Content Placeholder 2"/>
-          <p:cNvSpPr>
-            <a:spLocks noGrp="1"/>
-          </p:cNvSpPr>
-          <p:nvPr>
-            <p:ph type="body" idx="1"/>
-          </p:nvPr>
-        </p:nvSpPr>
-        <p:spPr/>
-        <p:txBody>
-          <a:bodyPr/>
-          <a:lstStyle/>
-          <a:p>
-            <a:r>
-              <a:rPr lang="en-US" dirty="0" smtClean="0"/>
-              <a:t>System tests are often used to measure progress</a:t>
-            </a:r>
-          </a:p>
-          <a:p>
-            <a:pPr lvl="1"/>
-            <a:r>
-              <a:rPr lang="en-US" dirty="0" smtClean="0"/>
-              <a:t>System test suite covers all features and scenarios of use</a:t>
-            </a:r>
-          </a:p>
-          <a:p>
-            <a:pPr lvl="1"/>
-            <a:r>
-              <a:rPr lang="en-US" dirty="0" smtClean="0"/>
-              <a:t>As project progresses, the system passes more and more system tests</a:t>
-            </a:r>
-          </a:p>
-          <a:p>
-            <a:r>
-              <a:rPr lang="en-US" dirty="0" smtClean="0"/>
-              <a:t>Assumes a </a:t>
-            </a:r>
-            <a:r>
-              <a:rPr lang="ja-JP" altLang="en-US" smtClean="0"/>
-              <a:t>“</a:t>
-            </a:r>
-            <a:r>
-              <a:rPr lang="en-US" altLang="ja-JP" dirty="0" smtClean="0"/>
-              <a:t>threaded</a:t>
-            </a:r>
-            <a:r>
-              <a:rPr lang="ja-JP" altLang="en-US" smtClean="0"/>
-              <a:t>”</a:t>
-            </a:r>
-            <a:r>
-              <a:rPr lang="en-US" altLang="ja-JP" dirty="0" smtClean="0"/>
-              <a:t> incremental build plan: </a:t>
-            </a:r>
-          </a:p>
-          <a:p>
-            <a:pPr lvl="1"/>
-            <a:r>
-              <a:rPr lang="en-US" dirty="0" smtClean="0"/>
-              <a:t>Features exposed at top level as they are developed</a:t>
-            </a:r>
-            <a:endParaRPr lang="en-US" dirty="0"/>
-          </a:p>
-        </p:txBody>
-      </p:sp>
-      <p:sp>
-        <p:nvSpPr>
-          <p:cNvPr id="2" name="Slide Number Placeholder 1"/>
-          <p:cNvSpPr>
-            <a:spLocks noGrp="1"/>
-          </p:cNvSpPr>
-          <p:nvPr>
-            <p:ph type="sldNum" sz="quarter" idx="12"/>
-          </p:nvPr>
-        </p:nvSpPr>
-        <p:spPr/>
-        <p:txBody>
-          <a:bodyPr/>
-          <a:lstStyle/>
-          <a:p>
-            <a:fld id="{B543A0FD-1CA6-4228-86A2-78061B4844C8}" type="slidenum">
-              <a:rPr lang="en-US" smtClean="0"/>
-              <a:t>51</a:t>
-            </a:fld>
-            <a:endParaRPr lang="en-US"/>
-          </a:p>
-        </p:txBody>
-      </p:sp>
-    </p:spTree>
-    <p:extLst>
-      <p:ext uri="{BB962C8B-B14F-4D97-AF65-F5344CB8AC3E}">
-        <p14:creationId xmlns:p14="http://schemas.microsoft.com/office/powerpoint/2010/main" val="1657944189"/>
-      </p:ext>
-    </p:extLst>
-  </p:cSld>
-  <p:clrMapOvr>
-    <a:masterClrMapping/>
-  </p:clrMapOvr>
-  <mc:AlternateContent xmlns:mc="http://schemas.openxmlformats.org/markup-compatibility/2006" xmlns:p14="http://schemas.microsoft.com/office/powerpoint/2010/main">
-    <mc:Choice Requires="p14">
-      <p:transition spd="slow" p14:dur="2000"/>
-    </mc:Choice>
-    <mc:Fallback xmlns="">
-      <p:transition spd="slow"/>
-    </mc:Fallback>
-  </mc:AlternateContent>
-  <p:timing>
-    <p:tnLst>
-      <p:par>
-        <p:cTn id="1" dur="indefinite" restart="never" nodeType="tmRoot"/>
-      </p:par>
-    </p:tnLst>
-  </p:timing>
-</p:sld>
-</file>
-
-<file path=ppt/slides/slide52.xml><?xml version="1.0" encoding="utf-8"?>
-<p:sld xmlns:a="http://schemas.openxmlformats.org/drawingml/2006/main" xmlns:r="http://schemas.openxmlformats.org/officeDocument/2006/relationships" xmlns:p="http://schemas.openxmlformats.org/presentationml/2006/main">
-  <p:cSld>
-    <p:spTree>
-      <p:nvGrpSpPr>
-        <p:cNvPr id="1" name=""/>
-        <p:cNvGrpSpPr/>
-        <p:nvPr/>
-      </p:nvGrpSpPr>
-      <p:grpSpPr>
-        <a:xfrm>
-          <a:off x="0" y="0"/>
-          <a:ext cx="0" cy="0"/>
-          <a:chOff x="0" y="0"/>
-          <a:chExt cx="0" cy="0"/>
-        </a:xfrm>
-      </p:grpSpPr>
-      <p:sp>
-        <p:nvSpPr>
-          <p:cNvPr id="25604" name="Title 1"/>
-          <p:cNvSpPr>
-            <a:spLocks noGrp="1"/>
-          </p:cNvSpPr>
-          <p:nvPr>
-            <p:ph type="title"/>
-          </p:nvPr>
-        </p:nvSpPr>
-        <p:spPr/>
-        <p:txBody>
-          <a:bodyPr/>
-          <a:lstStyle/>
-          <a:p>
-            <a:r>
-              <a:rPr lang="en-US" dirty="0" smtClean="0"/>
-              <a:t>Global Properties</a:t>
-            </a:r>
-            <a:endParaRPr lang="en-US" dirty="0"/>
-          </a:p>
-        </p:txBody>
-      </p:sp>
-      <p:sp>
-        <p:nvSpPr>
-          <p:cNvPr id="25605" name="Content Placeholder 2"/>
-          <p:cNvSpPr>
-            <a:spLocks noGrp="1"/>
-          </p:cNvSpPr>
-          <p:nvPr>
-            <p:ph type="body" idx="1"/>
-          </p:nvPr>
-        </p:nvSpPr>
-        <p:spPr/>
-        <p:txBody>
-          <a:bodyPr/>
-          <a:lstStyle/>
-          <a:p>
-            <a:r>
-              <a:rPr lang="en-US" dirty="0" smtClean="0"/>
-              <a:t>Some system properties are inherently global</a:t>
-            </a:r>
-          </a:p>
-          <a:p>
-            <a:pPr lvl="1"/>
-            <a:r>
-              <a:rPr lang="en-US" dirty="0" smtClean="0"/>
-              <a:t>Performance, latency, reliability, ... </a:t>
-            </a:r>
-          </a:p>
-          <a:p>
-            <a:pPr lvl="1"/>
-            <a:r>
-              <a:rPr lang="en-US" dirty="0" smtClean="0"/>
-              <a:t>Early and incremental testing is still necessary, but provide only estimates</a:t>
-            </a:r>
-          </a:p>
-          <a:p>
-            <a:r>
-              <a:rPr lang="en-US" dirty="0" smtClean="0"/>
-              <a:t>A major focus of system testing</a:t>
-            </a:r>
-          </a:p>
-          <a:p>
-            <a:pPr lvl="1"/>
-            <a:r>
-              <a:rPr lang="en-US" dirty="0" smtClean="0"/>
-              <a:t>The only opportunity to verify global properties against actual system specifications</a:t>
-            </a:r>
-          </a:p>
-          <a:p>
-            <a:pPr lvl="1"/>
-            <a:r>
-              <a:rPr lang="en-US" dirty="0" smtClean="0"/>
-              <a:t>Especially to find unanticipated effects, e.g., an unexpected performance bottleneck</a:t>
-            </a:r>
-            <a:endParaRPr lang="en-US" dirty="0"/>
-          </a:p>
-        </p:txBody>
-      </p:sp>
-      <p:sp>
-        <p:nvSpPr>
-          <p:cNvPr id="2" name="Slide Number Placeholder 1"/>
-          <p:cNvSpPr>
-            <a:spLocks noGrp="1"/>
-          </p:cNvSpPr>
-          <p:nvPr>
-            <p:ph type="sldNum" sz="quarter" idx="12"/>
-          </p:nvPr>
-        </p:nvSpPr>
-        <p:spPr/>
-        <p:txBody>
-          <a:bodyPr/>
-          <a:lstStyle/>
-          <a:p>
-            <a:fld id="{B543A0FD-1CA6-4228-86A2-78061B4844C8}" type="slidenum">
-              <a:rPr lang="en-US" smtClean="0"/>
-              <a:t>52</a:t>
-            </a:fld>
-            <a:endParaRPr lang="en-US"/>
-          </a:p>
-        </p:txBody>
-      </p:sp>
-    </p:spTree>
-    <p:extLst>
-      <p:ext uri="{BB962C8B-B14F-4D97-AF65-F5344CB8AC3E}">
-        <p14:creationId xmlns:p14="http://schemas.microsoft.com/office/powerpoint/2010/main" val="997684010"/>
-      </p:ext>
-    </p:extLst>
-  </p:cSld>
-  <p:clrMapOvr>
-    <a:masterClrMapping/>
-  </p:clrMapOvr>
-  <mc:AlternateContent xmlns:mc="http://schemas.openxmlformats.org/markup-compatibility/2006" xmlns:p14="http://schemas.microsoft.com/office/powerpoint/2010/main">
-    <mc:Choice Requires="p14">
-      <p:transition spd="slow" p14:dur="2000"/>
-    </mc:Choice>
-    <mc:Fallback xmlns="">
-      <p:transition spd="slow"/>
-    </mc:Fallback>
-  </mc:AlternateContent>
   <p:timing>
     <p:tnLst>
       <p:par>
@@ -19639,7 +19931,7 @@
       </p:grpSpPr>
       <p:sp>
         <p:nvSpPr>
-          <p:cNvPr id="26628" name="Title 1"/>
+          <p:cNvPr id="22532" name="Title 1"/>
           <p:cNvSpPr>
             <a:spLocks noGrp="1"/>
           </p:cNvSpPr>
@@ -19654,71 +19946,105 @@
           <a:p>
             <a:r>
               <a:rPr lang="en-US" dirty="0" smtClean="0"/>
-              <a:t>Context-Dependent Properties</a:t>
-            </a:r>
-            <a:endParaRPr lang="en-US" dirty="0"/>
-          </a:p>
-        </p:txBody>
-      </p:sp>
-      <p:sp>
-        <p:nvSpPr>
-          <p:cNvPr id="26629" name="Content Placeholder 2"/>
-          <p:cNvSpPr>
-            <a:spLocks noGrp="1"/>
-          </p:cNvSpPr>
-          <p:nvPr>
-            <p:ph type="body" idx="1"/>
-          </p:nvPr>
-        </p:nvSpPr>
-        <p:spPr/>
-        <p:txBody>
-          <a:bodyPr/>
-          <a:lstStyle/>
-          <a:p>
-            <a:r>
-              <a:rPr lang="en-US" dirty="0" smtClean="0"/>
-              <a:t>Beyond system-global: Some properties depend on the system context and use</a:t>
+              <a:t>Independent V&amp;V</a:t>
+            </a:r>
+            <a:endParaRPr lang="en-US" dirty="0"/>
+          </a:p>
+        </p:txBody>
+      </p:sp>
+      <p:sp>
+        <p:nvSpPr>
+          <p:cNvPr id="22533" name="Content Placeholder 2"/>
+          <p:cNvSpPr>
+            <a:spLocks noGrp="1"/>
+          </p:cNvSpPr>
+          <p:nvPr>
+            <p:ph idx="1"/>
+          </p:nvPr>
+        </p:nvSpPr>
+        <p:spPr/>
+        <p:txBody>
+          <a:bodyPr>
+            <a:normAutofit/>
+          </a:bodyPr>
+          <a:lstStyle/>
+          <a:p>
+            <a:r>
+              <a:rPr lang="en-US" dirty="0" smtClean="0"/>
+              <a:t>One strategy for maximizing independence: </a:t>
             </a:r>
           </a:p>
           <a:p>
             <a:pPr lvl="1"/>
             <a:r>
               <a:rPr lang="en-US" dirty="0" smtClean="0"/>
-              <a:t>Example: Performance properties depend on environment and configuration </a:t>
+              <a:t>System (and acceptance) test performed by a different organization</a:t>
+            </a:r>
+          </a:p>
+          <a:p>
+            <a:r>
+              <a:rPr lang="en-US" dirty="0" smtClean="0"/>
+              <a:t>Organizationally isolated from developers </a:t>
             </a:r>
           </a:p>
           <a:p>
             <a:pPr lvl="1"/>
             <a:r>
               <a:rPr lang="en-US" dirty="0" smtClean="0"/>
-              <a:t>Example: Privacy depends both on system and how it is used</a:t>
-            </a:r>
-          </a:p>
-          <a:p>
-            <a:pPr lvl="2"/>
-            <a:r>
-              <a:rPr lang="en-US" dirty="0" smtClean="0"/>
-              <a:t>Medical records system must protect against unauthorized use, and authorization must be provided only as needed</a:t>
+              <a:t>no pressure to say </a:t>
+            </a:r>
+            <a:r>
+              <a:rPr lang="ja-JP" altLang="en-US" smtClean="0"/>
+              <a:t>“</a:t>
+            </a:r>
+            <a:r>
+              <a:rPr lang="en-US" altLang="ja-JP" dirty="0" smtClean="0"/>
+              <a:t>ok</a:t>
+            </a:r>
+            <a:r>
+              <a:rPr lang="ja-JP" altLang="en-US" smtClean="0"/>
+              <a:t>”</a:t>
+            </a:r>
+            <a:endParaRPr lang="en-US" altLang="ja-JP" dirty="0" smtClean="0"/>
+          </a:p>
+          <a:p>
+            <a:r>
+              <a:rPr lang="en-US" dirty="0" smtClean="0"/>
+              <a:t>Sometimes outsourced to another company or agency</a:t>
             </a:r>
           </a:p>
           <a:p>
             <a:pPr lvl="1"/>
             <a:r>
               <a:rPr lang="en-US" dirty="0" smtClean="0"/>
-              <a:t>Example: Security depends on threat profiles</a:t>
-            </a:r>
-          </a:p>
-          <a:p>
-            <a:pPr lvl="2"/>
-            <a:r>
-              <a:rPr lang="en-US" dirty="0" smtClean="0"/>
-              <a:t>And threats change! </a:t>
-            </a:r>
-          </a:p>
-          <a:p>
-            <a:r>
-              <a:rPr lang="en-US" dirty="0" smtClean="0"/>
-              <a:t>Testing is just one part of the approach </a:t>
+              <a:t>Especially for critical systems</a:t>
+            </a:r>
+          </a:p>
+          <a:p>
+            <a:pPr lvl="1"/>
+            <a:r>
+              <a:rPr lang="en-US" dirty="0" smtClean="0"/>
+              <a:t>Outsourcing for independent judgment, not to save money</a:t>
+            </a:r>
+          </a:p>
+          <a:p>
+            <a:pPr lvl="1"/>
+            <a:r>
+              <a:rPr lang="en-US" dirty="0" smtClean="0"/>
+              <a:t>May be additional system test, not replacing internal V&amp;V</a:t>
+            </a:r>
+          </a:p>
+          <a:p>
+            <a:r>
+              <a:rPr lang="en-US" dirty="0" smtClean="0"/>
+              <a:t>Not all outsourced testing is IV&amp;V</a:t>
+            </a:r>
+          </a:p>
+          <a:p>
+            <a:pPr lvl="1"/>
+            <a:r>
+              <a:rPr lang="en-US" dirty="0" smtClean="0"/>
+              <a:t>Not independent if controlled by development organization</a:t>
             </a:r>
             <a:endParaRPr lang="en-US" dirty="0"/>
           </a:p>
@@ -19750,7 +20076,7 @@
     </p:spTree>
     <p:extLst>
       <p:ext uri="{BB962C8B-B14F-4D97-AF65-F5344CB8AC3E}">
-        <p14:creationId xmlns:p14="http://schemas.microsoft.com/office/powerpoint/2010/main" val="541612105"/>
+        <p14:creationId xmlns:p14="http://schemas.microsoft.com/office/powerpoint/2010/main" val="1563042516"/>
       </p:ext>
     </p:extLst>
   </p:cSld>
@@ -19794,7 +20120,7 @@
       </p:grpSpPr>
       <p:sp>
         <p:nvSpPr>
-          <p:cNvPr id="27652" name="Title 1"/>
+          <p:cNvPr id="23556" name="Title 1"/>
           <p:cNvSpPr>
             <a:spLocks noGrp="1"/>
           </p:cNvSpPr>
@@ -19809,15 +20135,15 @@
           <a:p>
             <a:pPr eaLnBrk="1" hangingPunct="1"/>
             <a:r>
-              <a:rPr lang="en-US" sz="4000" dirty="0"/>
-              <a:t>Establishing an Operational Envelope</a:t>
-            </a:r>
-          </a:p>
-        </p:txBody>
-      </p:sp>
-      <p:sp>
-        <p:nvSpPr>
-          <p:cNvPr id="27653" name="Content Placeholder 2"/>
+              <a:rPr lang="en-US" sz="3200" dirty="0"/>
+              <a:t>Achieving Independence Without Changing Staff</a:t>
+            </a:r>
+          </a:p>
+        </p:txBody>
+      </p:sp>
+      <p:sp>
+        <p:nvSpPr>
+          <p:cNvPr id="23557" name="Content Placeholder 2"/>
           <p:cNvSpPr>
             <a:spLocks noGrp="1"/>
           </p:cNvSpPr>
@@ -19827,79 +20153,88 @@
         </p:nvSpPr>
         <p:spPr/>
         <p:txBody>
-          <a:bodyPr/>
+          <a:bodyPr>
+            <a:normAutofit/>
+          </a:bodyPr>
           <a:lstStyle/>
           <a:p>
             <a:pPr marL="342900" indent="-342900"/>
             <a:r>
-              <a:rPr lang="en-US" dirty="0"/>
-              <a:t>When a property (e.g., performance or real-time response) is parameterized by use ... </a:t>
+              <a:rPr lang="en-US" sz="3200" dirty="0"/>
+              <a:t>If the development organization controls system testing ...</a:t>
             </a:r>
           </a:p>
           <a:p>
             <a:pPr marL="742950" lvl="1" indent="-285750"/>
             <a:r>
-              <a:rPr lang="en-US" dirty="0"/>
-              <a:t>requests per second, size of database, ... </a:t>
+              <a:rPr lang="en-US" sz="2800" dirty="0"/>
+              <a:t>Perfect independence may be unattainable, but we can reduce undue influence</a:t>
             </a:r>
           </a:p>
           <a:p>
             <a:pPr marL="342900" indent="-342900"/>
             <a:r>
-              <a:rPr lang="en-US" dirty="0"/>
-              <a:t>Extensive stress testing is required</a:t>
+              <a:rPr lang="en-US" sz="3200" dirty="0"/>
+              <a:t>Develop system test cases early</a:t>
             </a:r>
           </a:p>
           <a:p>
             <a:pPr marL="742950" lvl="1" indent="-285750"/>
             <a:r>
-              <a:rPr lang="en-US" dirty="0"/>
-              <a:t>varying parameters within the envelope, near the bounds, and beyond</a:t>
-            </a:r>
-          </a:p>
-          <a:p>
-            <a:pPr marL="342900" indent="-342900"/>
-            <a:r>
-              <a:rPr lang="en-US" dirty="0"/>
-              <a:t>Goal: A well-understood model of how the property varies with the parameter</a:t>
-            </a:r>
-          </a:p>
-          <a:p>
-            <a:pPr marL="742950" lvl="1" indent="-285750"/>
-            <a:r>
-              <a:rPr lang="en-US" dirty="0"/>
-              <a:t>How sensitive is the property to the parameter?</a:t>
-            </a:r>
-          </a:p>
-          <a:p>
-            <a:pPr marL="742950" lvl="1" indent="-285750"/>
-            <a:r>
-              <a:rPr lang="en-US" dirty="0"/>
-              <a:t>Where is the </a:t>
-            </a:r>
-            <a:r>
-              <a:rPr lang="ja-JP" altLang="en-US" dirty="0"/>
+              <a:rPr lang="en-US" sz="2800" dirty="0"/>
+              <a:t>As part of requirements specification, before major design decisions have been made</a:t>
+            </a:r>
+          </a:p>
+          <a:p>
+            <a:pPr lvl="2"/>
+            <a:r>
+              <a:rPr lang="en-US" sz="2400" dirty="0"/>
+              <a:t>Agile </a:t>
+            </a:r>
+            <a:r>
+              <a:rPr lang="ja-JP" altLang="en-US" sz="2400" dirty="0"/>
               <a:t>“</a:t>
             </a:r>
             <a:r>
-              <a:rPr lang="en-US" altLang="ja-JP" dirty="0"/>
-              <a:t>edge of the envelope</a:t>
-            </a:r>
-            <a:r>
-              <a:rPr lang="ja-JP" altLang="en-US" dirty="0"/>
+              <a:rPr lang="en-US" altLang="ja-JP" sz="2400" dirty="0"/>
+              <a:t>test first</a:t>
+            </a:r>
+            <a:r>
+              <a:rPr lang="ja-JP" altLang="en-US" sz="2400" dirty="0"/>
               <a:t>”</a:t>
             </a:r>
             <a:r>
-              <a:rPr lang="en-US" altLang="ja-JP" dirty="0"/>
-              <a:t>? </a:t>
-            </a:r>
-          </a:p>
-          <a:p>
-            <a:pPr marL="742950" lvl="1" indent="-285750"/>
-            <a:r>
-              <a:rPr lang="en-US" dirty="0"/>
-              <a:t>What can we expect when the envelope is exceeded?</a:t>
-            </a:r>
+              <a:rPr lang="en-US" altLang="ja-JP" sz="2400" dirty="0"/>
+              <a:t> </a:t>
+            </a:r>
+          </a:p>
+          <a:p>
+            <a:pPr lvl="2"/>
+            <a:r>
+              <a:rPr lang="en-US" altLang="ja-JP" sz="2400" dirty="0"/>
+              <a:t>Conventional </a:t>
+            </a:r>
+            <a:r>
+              <a:rPr lang="ja-JP" altLang="en-US" sz="2400" dirty="0"/>
+              <a:t>“</a:t>
+            </a:r>
+            <a:r>
+              <a:rPr lang="en-US" altLang="ja-JP" sz="2400" dirty="0"/>
+              <a:t>V model</a:t>
+            </a:r>
+            <a:r>
+              <a:rPr lang="ja-JP" altLang="en-US" sz="2400" dirty="0"/>
+              <a:t>”</a:t>
+            </a:r>
+            <a:endParaRPr lang="en-US" altLang="ja-JP" sz="2400" dirty="0"/>
+          </a:p>
+          <a:p>
+            <a:pPr lvl="2"/>
+            <a:r>
+              <a:rPr lang="en-US" altLang="ja-JP" sz="2400" dirty="0"/>
+              <a:t>Critical system testing early in project</a:t>
+            </a:r>
+            <a:endParaRPr lang="en-US" sz="2400" dirty="0"/>
           </a:p>
         </p:txBody>
       </p:sp>
@@ -19929,7 +20264,7 @@
     </p:spTree>
     <p:extLst>
       <p:ext uri="{BB962C8B-B14F-4D97-AF65-F5344CB8AC3E}">
-        <p14:creationId xmlns:p14="http://schemas.microsoft.com/office/powerpoint/2010/main" val="3083699472"/>
+        <p14:creationId xmlns:p14="http://schemas.microsoft.com/office/powerpoint/2010/main" val="2063763688"/>
       </p:ext>
     </p:extLst>
   </p:cSld>
@@ -19973,7 +20308,7 @@
       </p:grpSpPr>
       <p:sp>
         <p:nvSpPr>
-          <p:cNvPr id="28676" name="Title 1"/>
+          <p:cNvPr id="24580" name="Title 1"/>
           <p:cNvSpPr>
             <a:spLocks noGrp="1"/>
           </p:cNvSpPr>
@@ -19988,15 +20323,15 @@
           <a:p>
             <a:r>
               <a:rPr lang="en-US" dirty="0" smtClean="0"/>
-              <a:t>Stress Testing</a:t>
-            </a:r>
-            <a:endParaRPr lang="en-US" dirty="0"/>
-          </a:p>
-        </p:txBody>
-      </p:sp>
-      <p:sp>
-        <p:nvSpPr>
-          <p:cNvPr id="28677" name="Content Placeholder 2"/>
+              <a:t>Incremental System Testing</a:t>
+            </a:r>
+            <a:endParaRPr lang="en-US" dirty="0"/>
+          </a:p>
+        </p:txBody>
+      </p:sp>
+      <p:sp>
+        <p:nvSpPr>
+          <p:cNvPr id="24581" name="Content Placeholder 2"/>
           <p:cNvSpPr>
             <a:spLocks noGrp="1"/>
           </p:cNvSpPr>
@@ -20011,48 +20346,50 @@
           <a:p>
             <a:r>
               <a:rPr lang="en-US" dirty="0" smtClean="0"/>
-              <a:t>Often requires extensive simulation of the execution environment</a:t>
+              <a:t>System tests are often used to measure progress</a:t>
             </a:r>
           </a:p>
           <a:p>
             <a:pPr lvl="1"/>
             <a:r>
               <a:rPr lang="en-US" dirty="0" smtClean="0"/>
-              <a:t>With systematic variation:  What happens when we push the parameters?  What if the number of users or requests is 10 times more, or 1000 times more?</a:t>
-            </a:r>
-          </a:p>
-          <a:p>
-            <a:r>
-              <a:rPr lang="en-US" dirty="0" smtClean="0"/>
-              <a:t>Often requires more resources (human and machine) than typical test cases</a:t>
+              <a:t>System test suite covers all features and scenarios of use</a:t>
             </a:r>
           </a:p>
           <a:p>
             <a:pPr lvl="1"/>
             <a:r>
               <a:rPr lang="en-US" dirty="0" smtClean="0"/>
-              <a:t>Separate from regular feature tests</a:t>
+              <a:t>As project progresses, the system passes more and more system tests</a:t>
+            </a:r>
+          </a:p>
+          <a:p>
+            <a:r>
+              <a:rPr lang="en-US" dirty="0" smtClean="0"/>
+              <a:t>Assumes a </a:t>
+            </a:r>
+            <a:r>
+              <a:rPr lang="ja-JP" altLang="en-US" smtClean="0"/>
+              <a:t>“</a:t>
+            </a:r>
+            <a:r>
+              <a:rPr lang="en-US" altLang="ja-JP" dirty="0" smtClean="0"/>
+              <a:t>threaded</a:t>
+            </a:r>
+            <a:r>
+              <a:rPr lang="ja-JP" altLang="en-US" smtClean="0"/>
+              <a:t>”</a:t>
+            </a:r>
+            <a:r>
+              <a:rPr lang="en-US" altLang="ja-JP" dirty="0" smtClean="0"/>
+              <a:t> incremental build plan: </a:t>
             </a:r>
           </a:p>
           <a:p>
             <a:pPr lvl="1"/>
             <a:r>
               <a:rPr lang="en-US" dirty="0" smtClean="0"/>
-              <a:t>Run less often, with more manual control</a:t>
-            </a:r>
-          </a:p>
-          <a:p>
-            <a:pPr lvl="1"/>
-            <a:r>
-              <a:rPr lang="en-US" dirty="0" smtClean="0"/>
-              <a:t>Diagnose deviations from expectation</a:t>
-            </a:r>
-          </a:p>
-          <a:p>
-            <a:pPr lvl="2"/>
-            <a:r>
-              <a:rPr lang="en-US" dirty="0" smtClean="0"/>
-              <a:t>Which may include difficult debugging of latent faults! </a:t>
+              <a:t>Features exposed at top level as they are developed</a:t>
             </a:r>
             <a:endParaRPr lang="en-US" dirty="0"/>
           </a:p>
@@ -20084,7 +20421,7 @@
     </p:spTree>
     <p:extLst>
       <p:ext uri="{BB962C8B-B14F-4D97-AF65-F5344CB8AC3E}">
-        <p14:creationId xmlns:p14="http://schemas.microsoft.com/office/powerpoint/2010/main" val="1119821780"/>
+        <p14:creationId xmlns:p14="http://schemas.microsoft.com/office/powerpoint/2010/main" val="1657944189"/>
       </p:ext>
     </p:extLst>
   </p:cSld>
@@ -20128,7 +20465,7 @@
       </p:grpSpPr>
       <p:sp>
         <p:nvSpPr>
-          <p:cNvPr id="29700" name="Title 5"/>
+          <p:cNvPr id="25604" name="Title 1"/>
           <p:cNvSpPr>
             <a:spLocks noGrp="1"/>
           </p:cNvSpPr>
@@ -20143,15 +20480,15 @@
           <a:p>
             <a:r>
               <a:rPr lang="en-US" dirty="0" smtClean="0"/>
-              <a:t>Acceptance Testing</a:t>
-            </a:r>
-            <a:endParaRPr lang="en-US" dirty="0"/>
-          </a:p>
-        </p:txBody>
-      </p:sp>
-      <p:sp>
-        <p:nvSpPr>
-          <p:cNvPr id="29701" name="Content Placeholder 6"/>
+              <a:t>Global Properties</a:t>
+            </a:r>
+            <a:endParaRPr lang="en-US" dirty="0"/>
+          </a:p>
+        </p:txBody>
+      </p:sp>
+      <p:sp>
+        <p:nvSpPr>
+          <p:cNvPr id="25605" name="Content Placeholder 2"/>
           <p:cNvSpPr>
             <a:spLocks noGrp="1"/>
           </p:cNvSpPr>
@@ -20161,74 +20498,46 @@
         </p:nvSpPr>
         <p:spPr/>
         <p:txBody>
-          <a:bodyPr>
-            <a:normAutofit/>
-          </a:bodyPr>
-          <a:lstStyle/>
-          <a:p>
-            <a:r>
-              <a:rPr lang="en-US" dirty="0" smtClean="0"/>
-              <a:t>Estimating dependability</a:t>
-            </a:r>
-          </a:p>
-          <a:p>
-            <a:r>
-              <a:rPr lang="en-US" dirty="0" smtClean="0"/>
-              <a:t>Measuring quality, not searching for faults</a:t>
+          <a:bodyPr/>
+          <a:lstStyle/>
+          <a:p>
+            <a:r>
+              <a:rPr lang="en-US" dirty="0" smtClean="0"/>
+              <a:t>Some system properties are inherently global</a:t>
             </a:r>
           </a:p>
           <a:p>
             <a:pPr lvl="1"/>
             <a:r>
               <a:rPr lang="en-US" dirty="0" smtClean="0"/>
-              <a:t>Fundamentally different goal than systematic testing</a:t>
-            </a:r>
-          </a:p>
-          <a:p>
-            <a:r>
-              <a:rPr lang="en-US" dirty="0" smtClean="0"/>
-              <a:t>Quantitative dependability goals are statistical</a:t>
+              <a:t>Performance, latency, reliability, ... </a:t>
             </a:r>
           </a:p>
           <a:p>
             <a:pPr lvl="1"/>
             <a:r>
               <a:rPr lang="en-US" dirty="0" smtClean="0"/>
-              <a:t>Reliability</a:t>
+              <a:t>Early and incremental testing is still necessary, but provide only estimates</a:t>
+            </a:r>
+          </a:p>
+          <a:p>
+            <a:r>
+              <a:rPr lang="en-US" dirty="0" smtClean="0"/>
+              <a:t>A major focus of system testing</a:t>
             </a:r>
           </a:p>
           <a:p>
             <a:pPr lvl="1"/>
             <a:r>
               <a:rPr lang="en-US" dirty="0" smtClean="0"/>
-              <a:t>Availability</a:t>
+              <a:t>The only opportunity to verify global properties against actual system specifications</a:t>
             </a:r>
           </a:p>
           <a:p>
             <a:pPr lvl="1"/>
             <a:r>
               <a:rPr lang="en-US" dirty="0" smtClean="0"/>
-              <a:t>Mean time to failure</a:t>
-            </a:r>
-          </a:p>
-          <a:p>
-            <a:pPr lvl="1"/>
-            <a:r>
-              <a:rPr lang="en-US" dirty="0" smtClean="0"/>
-              <a:t>...</a:t>
-            </a:r>
-          </a:p>
-          <a:p>
-            <a:r>
-              <a:rPr lang="en-US" dirty="0" smtClean="0"/>
-              <a:t>Requires valid statistical samples from operational profile</a:t>
-            </a:r>
-          </a:p>
-          <a:p>
-            <a:pPr lvl="1"/>
-            <a:r>
-              <a:rPr lang="en-US" dirty="0" smtClean="0"/>
-              <a:t>Fundamentally different from systematic testing</a:t>
+              <a:t>Especially to find unanticipated effects, e.g., an unexpected performance bottleneck</a:t>
             </a:r>
             <a:endParaRPr lang="en-US" dirty="0"/>
           </a:p>
@@ -20260,7 +20569,7 @@
     </p:spTree>
     <p:extLst>
       <p:ext uri="{BB962C8B-B14F-4D97-AF65-F5344CB8AC3E}">
-        <p14:creationId xmlns:p14="http://schemas.microsoft.com/office/powerpoint/2010/main" val="209779941"/>
+        <p14:creationId xmlns:p14="http://schemas.microsoft.com/office/powerpoint/2010/main" val="997684010"/>
       </p:ext>
     </p:extLst>
   </p:cSld>
@@ -20304,7 +20613,7 @@
       </p:grpSpPr>
       <p:sp>
         <p:nvSpPr>
-          <p:cNvPr id="31748" name="Title 1"/>
+          <p:cNvPr id="26628" name="Title 1"/>
           <p:cNvSpPr>
             <a:spLocks noGrp="1"/>
           </p:cNvSpPr>
@@ -20319,82 +20628,71 @@
           <a:p>
             <a:r>
               <a:rPr lang="en-US" dirty="0" smtClean="0"/>
-              <a:t>Statistical Sampling</a:t>
-            </a:r>
-            <a:endParaRPr lang="en-US" dirty="0"/>
-          </a:p>
-        </p:txBody>
-      </p:sp>
-      <p:sp>
-        <p:nvSpPr>
-          <p:cNvPr id="31749" name="Content Placeholder 2"/>
-          <p:cNvSpPr>
-            <a:spLocks noGrp="1"/>
-          </p:cNvSpPr>
-          <p:nvPr>
-            <p:ph idx="1"/>
-          </p:nvPr>
-        </p:nvSpPr>
-        <p:spPr>
-          <a:xfrm>
-            <a:off x="838200" y="1825625"/>
-            <a:ext cx="10610088" cy="4351338"/>
-          </a:xfrm>
-        </p:spPr>
-        <p:txBody>
-          <a:bodyPr/>
-          <a:lstStyle/>
-          <a:p>
-            <a:r>
-              <a:rPr lang="en-US" dirty="0" smtClean="0"/>
-              <a:t>We need a valid operational profile (model)</a:t>
+              <a:t>Context-Dependent Properties</a:t>
+            </a:r>
+            <a:endParaRPr lang="en-US" dirty="0"/>
+          </a:p>
+        </p:txBody>
+      </p:sp>
+      <p:sp>
+        <p:nvSpPr>
+          <p:cNvPr id="26629" name="Content Placeholder 2"/>
+          <p:cNvSpPr>
+            <a:spLocks noGrp="1"/>
+          </p:cNvSpPr>
+          <p:nvPr>
+            <p:ph type="body" idx="1"/>
+          </p:nvPr>
+        </p:nvSpPr>
+        <p:spPr/>
+        <p:txBody>
+          <a:bodyPr/>
+          <a:lstStyle/>
+          <a:p>
+            <a:r>
+              <a:rPr lang="en-US" dirty="0" smtClean="0"/>
+              <a:t>Beyond system-global: Some properties depend on the system context and use</a:t>
             </a:r>
           </a:p>
           <a:p>
             <a:pPr lvl="1"/>
             <a:r>
               <a:rPr lang="en-US" dirty="0" smtClean="0"/>
-              <a:t>Sometimes from an older version of the system</a:t>
+              <a:t>Example: Performance properties depend on environment and configuration </a:t>
             </a:r>
           </a:p>
           <a:p>
             <a:pPr lvl="1"/>
             <a:r>
               <a:rPr lang="en-US" dirty="0" smtClean="0"/>
-              <a:t>Sometimes from operational environment (e.g., for an embedded controller)</a:t>
+              <a:t>Example: Privacy depends both on system and how it is used</a:t>
+            </a:r>
+          </a:p>
+          <a:p>
+            <a:pPr lvl="2"/>
+            <a:r>
+              <a:rPr lang="en-US" dirty="0" smtClean="0"/>
+              <a:t>Medical records system must protect against unauthorized use, and authorization must be provided only as needed</a:t>
             </a:r>
           </a:p>
           <a:p>
             <a:pPr lvl="1"/>
             <a:r>
               <a:rPr lang="en-US" dirty="0" smtClean="0"/>
-              <a:t>Sensitivity testing reveals which parameters are most important, and which can be rough guesses</a:t>
-            </a:r>
-          </a:p>
-          <a:p>
-            <a:r>
-              <a:rPr lang="en-US" dirty="0" smtClean="0"/>
-              <a:t>And a clear, precise definition of what is being measured</a:t>
-            </a:r>
-          </a:p>
-          <a:p>
-            <a:pPr lvl="1"/>
-            <a:r>
-              <a:rPr lang="en-US" dirty="0" smtClean="0"/>
-              <a:t>Failure rate?  Per session, per hour, per operation?</a:t>
-            </a:r>
-          </a:p>
-          <a:p>
-            <a:r>
-              <a:rPr lang="en-US" dirty="0" smtClean="0"/>
-              <a:t>And many, many random samples</a:t>
-            </a:r>
-          </a:p>
-          <a:p>
-            <a:pPr lvl="1"/>
-            <a:r>
-              <a:rPr lang="en-US" dirty="0" smtClean="0"/>
-              <a:t>Especially for high reliability measures</a:t>
+              <a:t>Example: Security depends on threat profiles</a:t>
+            </a:r>
+          </a:p>
+          <a:p>
+            <a:pPr lvl="2"/>
+            <a:r>
+              <a:rPr lang="en-US" dirty="0" smtClean="0"/>
+              <a:t>And threats change! </a:t>
+            </a:r>
+          </a:p>
+          <a:p>
+            <a:r>
+              <a:rPr lang="en-US" dirty="0" smtClean="0"/>
+              <a:t>Testing is just one part of the approach </a:t>
             </a:r>
             <a:endParaRPr lang="en-US" dirty="0"/>
           </a:p>
@@ -20426,7 +20724,7 @@
     </p:spTree>
     <p:extLst>
       <p:ext uri="{BB962C8B-B14F-4D97-AF65-F5344CB8AC3E}">
-        <p14:creationId xmlns:p14="http://schemas.microsoft.com/office/powerpoint/2010/main" val="3380872978"/>
+        <p14:creationId xmlns:p14="http://schemas.microsoft.com/office/powerpoint/2010/main" val="541612105"/>
       </p:ext>
     </p:extLst>
   </p:cSld>
@@ -20470,7 +20768,7 @@
       </p:grpSpPr>
       <p:sp>
         <p:nvSpPr>
-          <p:cNvPr id="32772" name="Title 1"/>
+          <p:cNvPr id="27652" name="Title 1"/>
           <p:cNvSpPr>
             <a:spLocks noGrp="1"/>
           </p:cNvSpPr>
@@ -20480,20 +20778,20 @@
         </p:nvSpPr>
         <p:spPr/>
         <p:txBody>
-          <a:bodyPr/>
-          <a:lstStyle/>
-          <a:p>
-            <a:r>
-              <a:rPr lang="en-US" dirty="0" smtClean="0"/>
-              <a:t>Is Statistical Testing Worthwhile?</a:t>
-            </a:r>
-            <a:endParaRPr lang="en-US" dirty="0"/>
-          </a:p>
-        </p:txBody>
-      </p:sp>
-      <p:sp>
-        <p:nvSpPr>
-          <p:cNvPr id="32773" name="Content Placeholder 2"/>
+          <a:bodyPr anchor="ctr"/>
+          <a:lstStyle/>
+          <a:p>
+            <a:pPr eaLnBrk="1" hangingPunct="1"/>
+            <a:r>
+              <a:rPr lang="en-US" sz="4000" dirty="0"/>
+              <a:t>Establishing an Operational Envelope</a:t>
+            </a:r>
+          </a:p>
+        </p:txBody>
+      </p:sp>
+      <p:sp>
+        <p:nvSpPr>
+          <p:cNvPr id="27653" name="Content Placeholder 2"/>
           <p:cNvSpPr>
             <a:spLocks noGrp="1"/>
           </p:cNvSpPr>
@@ -20501,76 +20799,81 @@
             <p:ph idx="1"/>
           </p:nvPr>
         </p:nvSpPr>
-        <p:spPr>
-          <a:xfrm>
-            <a:off x="838200" y="1690688"/>
-            <a:ext cx="10515600" cy="4665661"/>
-          </a:xfrm>
-        </p:spPr>
-        <p:txBody>
-          <a:bodyPr/>
-          <a:lstStyle/>
-          <a:p>
-            <a:r>
-              <a:rPr lang="en-US" dirty="0" smtClean="0"/>
-              <a:t>Necessary for ... </a:t>
-            </a:r>
-          </a:p>
-          <a:p>
-            <a:pPr lvl="1"/>
-            <a:r>
-              <a:rPr lang="en-US" dirty="0" smtClean="0"/>
-              <a:t>Critical systems (safety critical, infrastructure, ...)</a:t>
-            </a:r>
-          </a:p>
-          <a:p>
-            <a:r>
-              <a:rPr lang="en-US" dirty="0" smtClean="0"/>
-              <a:t>But difficult or impossible when ... </a:t>
-            </a:r>
-          </a:p>
-          <a:p>
-            <a:pPr lvl="1"/>
-            <a:r>
-              <a:rPr lang="en-US" dirty="0" smtClean="0"/>
-              <a:t>Operational profile is unavailable or just a guess</a:t>
-            </a:r>
-          </a:p>
-          <a:p>
-            <a:pPr lvl="2"/>
-            <a:r>
-              <a:rPr lang="en-US" dirty="0" smtClean="0"/>
-              <a:t>Often for new functionality involving human interaction</a:t>
-            </a:r>
-          </a:p>
-          <a:p>
-            <a:pPr lvl="3"/>
-            <a:r>
-              <a:rPr lang="en-US" dirty="0" smtClean="0"/>
-              <a:t>But we may factor critical functions from overall use to obtain a good model of only the critical properties</a:t>
-            </a:r>
-          </a:p>
-          <a:p>
-            <a:pPr lvl="1"/>
-            <a:r>
-              <a:rPr lang="en-US" dirty="0" smtClean="0"/>
-              <a:t>Reliability requirement is very high</a:t>
-            </a:r>
-          </a:p>
-          <a:p>
-            <a:pPr lvl="2"/>
-            <a:r>
-              <a:rPr lang="en-US" dirty="0" smtClean="0"/>
-              <a:t>Required sample size (number of test cases) might require years of test execution</a:t>
-            </a:r>
-          </a:p>
-          <a:p>
-            <a:pPr lvl="2"/>
-            <a:r>
-              <a:rPr lang="en-US" dirty="0" smtClean="0"/>
-              <a:t>Ultra-reliability can seldom be demonstrated by testing</a:t>
-            </a:r>
-            <a:endParaRPr lang="en-US" dirty="0"/>
+        <p:spPr/>
+        <p:txBody>
+          <a:bodyPr/>
+          <a:lstStyle/>
+          <a:p>
+            <a:pPr marL="342900" indent="-342900"/>
+            <a:r>
+              <a:rPr lang="en-US" dirty="0"/>
+              <a:t>When a property (e.g., performance or real-time response) is parameterized by use ... </a:t>
+            </a:r>
+          </a:p>
+          <a:p>
+            <a:pPr marL="742950" lvl="1" indent="-285750"/>
+            <a:r>
+              <a:rPr lang="en-US" dirty="0"/>
+              <a:t>requests per second, size of database, ... </a:t>
+            </a:r>
+          </a:p>
+          <a:p>
+            <a:pPr marL="342900" indent="-342900"/>
+            <a:r>
+              <a:rPr lang="en-US" dirty="0"/>
+              <a:t>Extensive stress testing is required</a:t>
+            </a:r>
+          </a:p>
+          <a:p>
+            <a:pPr marL="742950" lvl="1" indent="-285750"/>
+            <a:r>
+              <a:rPr lang="en-US" dirty="0"/>
+              <a:t>varying parameters within the envelope, near the bounds, and beyond</a:t>
+            </a:r>
+          </a:p>
+          <a:p>
+            <a:pPr marL="342900" indent="-342900"/>
+            <a:r>
+              <a:rPr lang="en-US" dirty="0"/>
+              <a:t>Goal: A well-understood model of how the property varies with the parameter</a:t>
+            </a:r>
+          </a:p>
+          <a:p>
+            <a:pPr marL="742950" lvl="1" indent="-285750"/>
+            <a:r>
+              <a:rPr lang="en-US" dirty="0"/>
+              <a:t>How sensitive is the property to the parameter?</a:t>
+            </a:r>
+          </a:p>
+          <a:p>
+            <a:pPr marL="742950" lvl="1" indent="-285750"/>
+            <a:r>
+              <a:rPr lang="en-US" dirty="0"/>
+              <a:t>Where is the </a:t>
+            </a:r>
+            <a:r>
+              <a:rPr lang="ja-JP" altLang="en-US" dirty="0"/>
+              <a:t>“</a:t>
+            </a:r>
+            <a:r>
+              <a:rPr lang="en-US" altLang="ja-JP" dirty="0"/>
+              <a:t>edge of the envelope</a:t>
+            </a:r>
+            <a:r>
+              <a:rPr lang="ja-JP" altLang="en-US" dirty="0"/>
+              <a:t>”</a:t>
+            </a:r>
+            <a:r>
+              <a:rPr lang="en-US" altLang="ja-JP" dirty="0"/>
+              <a:t>? </a:t>
+            </a:r>
+          </a:p>
+          <a:p>
+            <a:pPr marL="742950" lvl="1" indent="-285750"/>
+            <a:r>
+              <a:rPr lang="en-US" dirty="0"/>
+              <a:t>What can we expect when the envelope is exceeded?</a:t>
+            </a:r>
           </a:p>
         </p:txBody>
       </p:sp>
@@ -20600,7 +20903,7 @@
     </p:spTree>
     <p:extLst>
       <p:ext uri="{BB962C8B-B14F-4D97-AF65-F5344CB8AC3E}">
-        <p14:creationId xmlns:p14="http://schemas.microsoft.com/office/powerpoint/2010/main" val="1150511739"/>
+        <p14:creationId xmlns:p14="http://schemas.microsoft.com/office/powerpoint/2010/main" val="3083699472"/>
       </p:ext>
     </p:extLst>
   </p:cSld>
@@ -20644,7 +20947,7 @@
       </p:grpSpPr>
       <p:sp>
         <p:nvSpPr>
-          <p:cNvPr id="33796" name="Title 1"/>
+          <p:cNvPr id="28676" name="Title 1"/>
           <p:cNvSpPr>
             <a:spLocks noGrp="1"/>
           </p:cNvSpPr>
@@ -20659,84 +20962,71 @@
           <a:p>
             <a:r>
               <a:rPr lang="en-US" dirty="0" smtClean="0"/>
-              <a:t>Process-Based Measures</a:t>
-            </a:r>
-            <a:endParaRPr lang="en-US" dirty="0"/>
-          </a:p>
-        </p:txBody>
-      </p:sp>
-      <p:sp>
-        <p:nvSpPr>
-          <p:cNvPr id="33797" name="Content Placeholder 2"/>
-          <p:cNvSpPr>
-            <a:spLocks noGrp="1"/>
-          </p:cNvSpPr>
-          <p:nvPr>
-            <p:ph idx="1"/>
-          </p:nvPr>
-        </p:nvSpPr>
-        <p:spPr/>
-        <p:txBody>
-          <a:bodyPr/>
-          <a:lstStyle/>
-          <a:p>
-            <a:r>
-              <a:rPr lang="en-US" dirty="0" smtClean="0"/>
-              <a:t>Less rigorous than statistical testing</a:t>
+              <a:t>Stress Testing</a:t>
+            </a:r>
+            <a:endParaRPr lang="en-US" dirty="0"/>
+          </a:p>
+        </p:txBody>
+      </p:sp>
+      <p:sp>
+        <p:nvSpPr>
+          <p:cNvPr id="28677" name="Content Placeholder 2"/>
+          <p:cNvSpPr>
+            <a:spLocks noGrp="1"/>
+          </p:cNvSpPr>
+          <p:nvPr>
+            <p:ph type="body" idx="1"/>
+          </p:nvPr>
+        </p:nvSpPr>
+        <p:spPr/>
+        <p:txBody>
+          <a:bodyPr/>
+          <a:lstStyle/>
+          <a:p>
+            <a:r>
+              <a:rPr lang="en-US" dirty="0" smtClean="0"/>
+              <a:t>Often requires extensive simulation of the execution environment</a:t>
             </a:r>
           </a:p>
           <a:p>
             <a:pPr lvl="1"/>
             <a:r>
               <a:rPr lang="en-US" dirty="0" smtClean="0"/>
-              <a:t>Based on similarity with prior projects</a:t>
-            </a:r>
-          </a:p>
-          <a:p>
-            <a:r>
-              <a:rPr lang="en-US" dirty="0" smtClean="0"/>
-              <a:t>System testing process</a:t>
+              <a:t>With systematic variation:  What happens when we push the parameters?  What if the number of users or requests is 10 times more, or 1000 times more?</a:t>
+            </a:r>
+          </a:p>
+          <a:p>
+            <a:r>
+              <a:rPr lang="en-US" dirty="0" smtClean="0"/>
+              <a:t>Often requires more resources (human and machine) than typical test cases</a:t>
             </a:r>
           </a:p>
           <a:p>
             <a:pPr lvl="1"/>
             <a:r>
               <a:rPr lang="en-US" dirty="0" smtClean="0"/>
-              <a:t>Expected history of bugs found and resolved</a:t>
-            </a:r>
-          </a:p>
-          <a:p>
-            <a:r>
-              <a:rPr lang="en-US" dirty="0" smtClean="0"/>
-              <a:t>Alpha, beta testing</a:t>
+              <a:t>Separate from regular feature tests</a:t>
             </a:r>
           </a:p>
           <a:p>
             <a:pPr lvl="1"/>
             <a:r>
               <a:rPr lang="en-US" dirty="0" smtClean="0"/>
-              <a:t>Alpha testing:  Real users, controlled environment</a:t>
+              <a:t>Run less often, with more manual control</a:t>
             </a:r>
           </a:p>
           <a:p>
             <a:pPr lvl="1"/>
             <a:r>
               <a:rPr lang="en-US" dirty="0" smtClean="0"/>
-              <a:t>Beta testing: Real users, real (uncontrolled) environment</a:t>
-            </a:r>
-          </a:p>
-          <a:p>
-            <a:pPr lvl="1"/>
-            <a:r>
-              <a:rPr lang="en-US" dirty="0" smtClean="0"/>
-              <a:t>May statistically sample users rather than uses</a:t>
-            </a:r>
-          </a:p>
-          <a:p>
-            <a:pPr lvl="1"/>
-            <a:r>
-              <a:rPr lang="en-US" dirty="0" smtClean="0"/>
-              <a:t>Expected history of bug reports</a:t>
+              <a:t>Diagnose deviations from expectation</a:t>
+            </a:r>
+          </a:p>
+          <a:p>
+            <a:pPr lvl="2"/>
+            <a:r>
+              <a:rPr lang="en-US" dirty="0" smtClean="0"/>
+              <a:t>Which may include difficult debugging of latent faults! </a:t>
             </a:r>
             <a:endParaRPr lang="en-US" dirty="0"/>
           </a:p>
@@ -20768,7 +21058,7 @@
     </p:spTree>
     <p:extLst>
       <p:ext uri="{BB962C8B-B14F-4D97-AF65-F5344CB8AC3E}">
-        <p14:creationId xmlns:p14="http://schemas.microsoft.com/office/powerpoint/2010/main" val="3791604836"/>
+        <p14:creationId xmlns:p14="http://schemas.microsoft.com/office/powerpoint/2010/main" val="1119821780"/>
       </p:ext>
     </p:extLst>
   </p:cSld>
@@ -20974,9 +21264,9 @@
       </p:grpSpPr>
       <p:sp>
         <p:nvSpPr>
-          <p:cNvPr id="1608706" name="Rectangle 2"/>
-          <p:cNvSpPr>
-            <a:spLocks noGrp="1" noChangeArrowheads="1"/>
+          <p:cNvPr id="29700" name="Title 5"/>
+          <p:cNvSpPr>
+            <a:spLocks noGrp="1"/>
           </p:cNvSpPr>
           <p:nvPr>
             <p:ph type="title"/>
@@ -20989,80 +21279,93 @@
           <a:p>
             <a:r>
               <a:rPr lang="en-US" dirty="0" smtClean="0"/>
-              <a:t>UI testing ("acceptance")</a:t>
-            </a:r>
-            <a:endParaRPr lang="en-US" dirty="0"/>
-          </a:p>
-        </p:txBody>
-      </p:sp>
-      <p:sp>
-        <p:nvSpPr>
-          <p:cNvPr id="1608707" name="Rectangle 3"/>
-          <p:cNvSpPr>
-            <a:spLocks noGrp="1" noChangeArrowheads="1"/>
-          </p:cNvSpPr>
-          <p:nvPr>
-            <p:ph idx="1"/>
-          </p:nvPr>
-        </p:nvSpPr>
-        <p:spPr/>
-        <p:txBody>
-          <a:bodyPr/>
-          <a:lstStyle/>
-          <a:p>
-            <a:r>
-              <a:rPr lang="en-US" dirty="0" smtClean="0"/>
-              <a:t>Automated UI testing ("automation")</a:t>
+              <a:t>Acceptance Testing</a:t>
+            </a:r>
+            <a:endParaRPr lang="en-US" dirty="0"/>
+          </a:p>
+        </p:txBody>
+      </p:sp>
+      <p:sp>
+        <p:nvSpPr>
+          <p:cNvPr id="29701" name="Content Placeholder 6"/>
+          <p:cNvSpPr>
+            <a:spLocks noGrp="1"/>
+          </p:cNvSpPr>
+          <p:nvPr>
+            <p:ph type="body" idx="1"/>
+          </p:nvPr>
+        </p:nvSpPr>
+        <p:spPr/>
+        <p:txBody>
+          <a:bodyPr>
+            <a:normAutofit/>
+          </a:bodyPr>
+          <a:lstStyle/>
+          <a:p>
+            <a:r>
+              <a:rPr lang="en-US" dirty="0" smtClean="0"/>
+              <a:t>Estimating dependability</a:t>
+            </a:r>
+          </a:p>
+          <a:p>
+            <a:r>
+              <a:rPr lang="en-US" dirty="0" smtClean="0"/>
+              <a:t>Measuring quality, not searching for faults</a:t>
             </a:r>
           </a:p>
           <a:p>
             <a:pPr lvl="1"/>
             <a:r>
               <a:rPr lang="en-US" dirty="0" smtClean="0"/>
-              <a:t>Scripts and such that use your app and look for failures</a:t>
+              <a:t>Fundamentally different goal than systematic testing</a:t>
+            </a:r>
+          </a:p>
+          <a:p>
+            <a:r>
+              <a:rPr lang="en-US" dirty="0" smtClean="0"/>
+              <a:t>Quantitative dependability goals are statistical</a:t>
             </a:r>
           </a:p>
           <a:p>
             <a:pPr lvl="1"/>
             <a:r>
               <a:rPr lang="en-US" dirty="0" smtClean="0"/>
-              <a:t>A black-box system test</a:t>
-            </a:r>
-          </a:p>
-          <a:p>
-            <a:r>
-              <a:rPr lang="en-US" dirty="0" smtClean="0"/>
-              <a:t>Manual tests</a:t>
+              <a:t>Reliability</a:t>
             </a:r>
           </a:p>
           <a:p>
             <a:pPr lvl="1"/>
             <a:r>
               <a:rPr lang="en-US" dirty="0" smtClean="0"/>
-              <a:t>Human beings click through predetermined paths</a:t>
+              <a:t>Availability</a:t>
             </a:r>
           </a:p>
           <a:p>
             <a:pPr lvl="1"/>
             <a:r>
               <a:rPr lang="en-US" dirty="0" smtClean="0"/>
-              <a:t>Need to write down the specific tests each time</a:t>
-            </a:r>
-          </a:p>
-          <a:p>
-            <a:r>
-              <a:rPr lang="en-US" dirty="0" smtClean="0"/>
-              <a:t>Ad-hoc tests</a:t>
+              <a:t>Mean time to failure</a:t>
             </a:r>
           </a:p>
           <a:p>
             <a:pPr lvl="1"/>
             <a:r>
               <a:rPr lang="en-US" dirty="0" smtClean="0"/>
-              <a:t>Human beings are "turned loose" on the app to see if they can break it</a:t>
-            </a:r>
-          </a:p>
-          <a:p>
+              <a:t>...</a:t>
+            </a:r>
+          </a:p>
+          <a:p>
+            <a:r>
+              <a:rPr lang="en-US" dirty="0" smtClean="0"/>
+              <a:t>Requires valid statistical samples from operational profile</a:t>
+            </a:r>
+          </a:p>
+          <a:p>
+            <a:pPr lvl="1"/>
+            <a:r>
+              <a:rPr lang="en-US" dirty="0" smtClean="0"/>
+              <a:t>Fundamentally different from systematic testing</a:t>
+            </a:r>
             <a:endParaRPr lang="en-US" dirty="0"/>
           </a:p>
         </p:txBody>
@@ -21093,7 +21396,7 @@
     </p:spTree>
     <p:extLst>
       <p:ext uri="{BB962C8B-B14F-4D97-AF65-F5344CB8AC3E}">
-        <p14:creationId xmlns:p14="http://schemas.microsoft.com/office/powerpoint/2010/main" val="2046200215"/>
+        <p14:creationId xmlns:p14="http://schemas.microsoft.com/office/powerpoint/2010/main" val="209779941"/>
       </p:ext>
     </p:extLst>
   </p:cSld>
@@ -21108,6 +21411,13 @@
       <p:transition spd="slow"/>
     </mc:Fallback>
   </mc:AlternateContent>
+  <p:timing>
+    <p:tnLst>
+      <p:par>
+        <p:cTn id="1" dur="indefinite" restart="never" nodeType="tmRoot"/>
+      </p:par>
+    </p:tnLst>
+  </p:timing>
 </p:sld>
 </file>
 
@@ -21130,7 +21440,7 @@
       </p:grpSpPr>
       <p:sp>
         <p:nvSpPr>
-          <p:cNvPr id="35844" name="Rectangle 6"/>
+          <p:cNvPr id="31748" name="Title 1"/>
           <p:cNvSpPr>
             <a:spLocks noGrp="1"/>
           </p:cNvSpPr>
@@ -21145,15 +21455,15 @@
           <a:p>
             <a:r>
               <a:rPr lang="en-US" dirty="0" smtClean="0"/>
-              <a:t>Usability Test</a:t>
-            </a:r>
-            <a:endParaRPr lang="en-US" dirty="0"/>
-          </a:p>
-        </p:txBody>
-      </p:sp>
-      <p:sp>
-        <p:nvSpPr>
-          <p:cNvPr id="35845" name="Rectangle 7"/>
+              <a:t>Statistical Sampling</a:t>
+            </a:r>
+            <a:endParaRPr lang="en-US" dirty="0"/>
+          </a:p>
+        </p:txBody>
+      </p:sp>
+      <p:sp>
+        <p:nvSpPr>
+          <p:cNvPr id="31749" name="Content Placeholder 2"/>
           <p:cNvSpPr>
             <a:spLocks noGrp="1"/>
           </p:cNvSpPr>
@@ -21161,61 +21471,66 @@
             <p:ph idx="1"/>
           </p:nvPr>
         </p:nvSpPr>
-        <p:spPr/>
-        <p:txBody>
-          <a:bodyPr/>
-          <a:lstStyle/>
-          <a:p>
-            <a:r>
-              <a:rPr lang="en-US" dirty="0" smtClean="0"/>
-              <a:t>A usable product </a:t>
+        <p:spPr>
+          <a:xfrm>
+            <a:off x="526211" y="1492370"/>
+            <a:ext cx="10922077" cy="4684593"/>
+          </a:xfrm>
+        </p:spPr>
+        <p:txBody>
+          <a:bodyPr/>
+          <a:lstStyle/>
+          <a:p>
+            <a:r>
+              <a:rPr lang="en-US" dirty="0" smtClean="0"/>
+              <a:t>We need a valid operational profile (model)</a:t>
             </a:r>
           </a:p>
           <a:p>
             <a:pPr lvl="1"/>
             <a:r>
               <a:rPr lang="en-US" dirty="0" smtClean="0"/>
-              <a:t>is quickly learned</a:t>
+              <a:t>Sometimes from an older version of the system</a:t>
             </a:r>
           </a:p>
           <a:p>
             <a:pPr lvl="1"/>
             <a:r>
               <a:rPr lang="en-US" dirty="0" smtClean="0"/>
-              <a:t>allows users to work efficiently</a:t>
+              <a:t>Sometimes from operational environment (e.g., for an embedded controller)</a:t>
             </a:r>
           </a:p>
           <a:p>
             <a:pPr lvl="1"/>
             <a:r>
               <a:rPr lang="en-US" dirty="0" smtClean="0"/>
-              <a:t>is pleasant to use </a:t>
-            </a:r>
-          </a:p>
-          <a:p>
-            <a:r>
-              <a:rPr lang="en-US" dirty="0" smtClean="0"/>
-              <a:t>Objective criteria</a:t>
+              <a:t>Sensitivity testing reveals which parameters are most important, and which can be rough guesses</a:t>
+            </a:r>
+          </a:p>
+          <a:p>
+            <a:r>
+              <a:rPr lang="en-US" dirty="0" smtClean="0"/>
+              <a:t>And a clear, precise definition of what is being measured</a:t>
             </a:r>
           </a:p>
           <a:p>
             <a:pPr lvl="1"/>
             <a:r>
               <a:rPr lang="en-US" dirty="0" smtClean="0"/>
-              <a:t>Time and number of operations to perform a task</a:t>
+              <a:t>Failure rate?  Per session, per hour, per operation?</a:t>
+            </a:r>
+          </a:p>
+          <a:p>
+            <a:r>
+              <a:rPr lang="en-US" dirty="0" smtClean="0"/>
+              <a:t>And many, many random samples</a:t>
             </a:r>
           </a:p>
           <a:p>
             <a:pPr lvl="1"/>
             <a:r>
               <a:rPr lang="en-US" dirty="0" smtClean="0"/>
-              <a:t>Frequency of user error</a:t>
-            </a:r>
-          </a:p>
-          <a:p>
-            <a:r>
-              <a:rPr lang="en-US" dirty="0" smtClean="0"/>
-              <a:t>Plus overall, subjective satisfaction</a:t>
+              <a:t>Especially for high reliability measures</a:t>
             </a:r>
             <a:endParaRPr lang="en-US" dirty="0"/>
           </a:p>
@@ -21247,7 +21562,7 @@
     </p:spTree>
     <p:extLst>
       <p:ext uri="{BB962C8B-B14F-4D97-AF65-F5344CB8AC3E}">
-        <p14:creationId xmlns:p14="http://schemas.microsoft.com/office/powerpoint/2010/main" val="365870530"/>
+        <p14:creationId xmlns:p14="http://schemas.microsoft.com/office/powerpoint/2010/main" val="3380872978"/>
       </p:ext>
     </p:extLst>
   </p:cSld>
@@ -21291,9 +21606,9 @@
       </p:grpSpPr>
       <p:sp>
         <p:nvSpPr>
-          <p:cNvPr id="1605634" name="Rectangle 2"/>
-          <p:cNvSpPr>
-            <a:spLocks noGrp="1" noChangeArrowheads="1"/>
+          <p:cNvPr id="32772" name="Title 1"/>
+          <p:cNvSpPr>
+            <a:spLocks noGrp="1"/>
           </p:cNvSpPr>
           <p:nvPr>
             <p:ph type="title"/>
@@ -21305,48 +21620,91 @@
           <a:lstStyle/>
           <a:p>
             <a:r>
-              <a:rPr lang="en-US" dirty="0"/>
-              <a:t>Load testing</a:t>
-            </a:r>
-          </a:p>
-        </p:txBody>
-      </p:sp>
-      <p:sp>
-        <p:nvSpPr>
-          <p:cNvPr id="1605635" name="Rectangle 3"/>
-          <p:cNvSpPr>
-            <a:spLocks noGrp="1" noChangeArrowheads="1"/>
-          </p:cNvSpPr>
-          <p:nvPr>
-            <p:ph type="body" idx="1"/>
-          </p:nvPr>
-        </p:nvSpPr>
-        <p:spPr/>
-        <p:txBody>
-          <a:bodyPr/>
-          <a:lstStyle/>
-          <a:p>
-            <a:r>
-              <a:rPr lang="en-US" dirty="0"/>
-              <a:t>load testing</a:t>
+              <a:rPr lang="en-US" dirty="0" smtClean="0"/>
+              <a:t>Is Statistical Testing Worthwhile?</a:t>
+            </a:r>
+            <a:endParaRPr lang="en-US" dirty="0"/>
+          </a:p>
+        </p:txBody>
+      </p:sp>
+      <p:sp>
+        <p:nvSpPr>
+          <p:cNvPr id="32773" name="Content Placeholder 2"/>
+          <p:cNvSpPr>
+            <a:spLocks noGrp="1"/>
+          </p:cNvSpPr>
+          <p:nvPr>
+            <p:ph idx="1"/>
+          </p:nvPr>
+        </p:nvSpPr>
+        <p:spPr>
+          <a:xfrm>
+            <a:off x="838200" y="1690688"/>
+            <a:ext cx="10515600" cy="4665661"/>
+          </a:xfrm>
+        </p:spPr>
+        <p:txBody>
+          <a:bodyPr/>
+          <a:lstStyle/>
+          <a:p>
+            <a:r>
+              <a:rPr lang="en-US" dirty="0" smtClean="0"/>
+              <a:t>Necessary for ... </a:t>
             </a:r>
           </a:p>
           <a:p>
             <a:pPr lvl="1"/>
             <a:r>
-              <a:rPr lang="en-US" dirty="0"/>
-              <a:t>How many hits/requests should the system be able to handle?</a:t>
+              <a:rPr lang="en-US" dirty="0" smtClean="0"/>
+              <a:t>Critical systems (safety critical, infrastructure, ...)</a:t>
+            </a:r>
+          </a:p>
+          <a:p>
+            <a:r>
+              <a:rPr lang="en-US" dirty="0" smtClean="0"/>
+              <a:t>But difficult or impossible when ... </a:t>
             </a:r>
           </a:p>
           <a:p>
             <a:pPr lvl="1"/>
             <a:r>
-              <a:rPr lang="en-US" dirty="0"/>
-              <a:t>What should be its performance under these circumstances</a:t>
-            </a:r>
-            <a:r>
-              <a:rPr lang="en-US" dirty="0" smtClean="0"/>
-              <a:t>?</a:t>
+              <a:rPr lang="en-US" dirty="0" smtClean="0"/>
+              <a:t>Operational profile is unavailable or just a guess</a:t>
+            </a:r>
+          </a:p>
+          <a:p>
+            <a:pPr lvl="2"/>
+            <a:r>
+              <a:rPr lang="en-US" dirty="0" smtClean="0"/>
+              <a:t>Often for new functionality involving human interaction</a:t>
+            </a:r>
+          </a:p>
+          <a:p>
+            <a:pPr lvl="3"/>
+            <a:r>
+              <a:rPr lang="en-US" dirty="0" smtClean="0"/>
+              <a:t>But we may factor critical functions from overall use to obtain a good model of only the critical properties</a:t>
+            </a:r>
+          </a:p>
+          <a:p>
+            <a:pPr lvl="1"/>
+            <a:r>
+              <a:rPr lang="en-US" dirty="0" smtClean="0"/>
+              <a:t>Reliability requirement is very high</a:t>
+            </a:r>
+          </a:p>
+          <a:p>
+            <a:pPr lvl="2"/>
+            <a:r>
+              <a:rPr lang="en-US" dirty="0" smtClean="0"/>
+              <a:t>Required sample size (number of test cases) might require years of test execution</a:t>
+            </a:r>
+          </a:p>
+          <a:p>
+            <a:pPr lvl="2"/>
+            <a:r>
+              <a:rPr lang="en-US" dirty="0" smtClean="0"/>
+              <a:t>Ultra-reliability can seldom be demonstrated by testing</a:t>
             </a:r>
             <a:endParaRPr lang="en-US" dirty="0"/>
           </a:p>
@@ -21378,7 +21736,7 @@
     </p:spTree>
     <p:extLst>
       <p:ext uri="{BB962C8B-B14F-4D97-AF65-F5344CB8AC3E}">
-        <p14:creationId xmlns:p14="http://schemas.microsoft.com/office/powerpoint/2010/main" val="2406556066"/>
+        <p14:creationId xmlns:p14="http://schemas.microsoft.com/office/powerpoint/2010/main" val="1150511739"/>
       </p:ext>
     </p:extLst>
   </p:cSld>
@@ -21393,6 +21751,13 @@
       <p:transition spd="slow"/>
     </mc:Fallback>
   </mc:AlternateContent>
+  <p:timing>
+    <p:tnLst>
+      <p:par>
+        <p:cTn id="1" dur="indefinite" restart="never" nodeType="tmRoot"/>
+      </p:par>
+    </p:tnLst>
+  </p:timing>
 </p:sld>
 </file>
 
@@ -21415,7 +21780,7 @@
       </p:grpSpPr>
       <p:sp>
         <p:nvSpPr>
-          <p:cNvPr id="36868" name="Title 1"/>
+          <p:cNvPr id="33796" name="Title 1"/>
           <p:cNvSpPr>
             <a:spLocks noGrp="1"/>
           </p:cNvSpPr>
@@ -21430,93 +21795,84 @@
           <a:p>
             <a:r>
               <a:rPr lang="en-US" dirty="0" smtClean="0"/>
-              <a:t>Accessibility Testing</a:t>
-            </a:r>
-            <a:endParaRPr lang="en-US" dirty="0"/>
-          </a:p>
-        </p:txBody>
-      </p:sp>
-      <p:sp>
-        <p:nvSpPr>
-          <p:cNvPr id="36869" name="Content Placeholder 2"/>
-          <p:cNvSpPr>
-            <a:spLocks noGrp="1"/>
-          </p:cNvSpPr>
-          <p:nvPr>
-            <p:ph type="body" idx="1"/>
-          </p:nvPr>
-        </p:nvSpPr>
-        <p:spPr/>
-        <p:txBody>
-          <a:bodyPr/>
-          <a:lstStyle/>
-          <a:p>
-            <a:r>
-              <a:rPr lang="en-US" dirty="0" smtClean="0"/>
-              <a:t>Check usability by people with disabilities</a:t>
+              <a:t>Process-Based Measures</a:t>
+            </a:r>
+            <a:endParaRPr lang="en-US" dirty="0"/>
+          </a:p>
+        </p:txBody>
+      </p:sp>
+      <p:sp>
+        <p:nvSpPr>
+          <p:cNvPr id="33797" name="Content Placeholder 2"/>
+          <p:cNvSpPr>
+            <a:spLocks noGrp="1"/>
+          </p:cNvSpPr>
+          <p:nvPr>
+            <p:ph idx="1"/>
+          </p:nvPr>
+        </p:nvSpPr>
+        <p:spPr/>
+        <p:txBody>
+          <a:bodyPr/>
+          <a:lstStyle/>
+          <a:p>
+            <a:r>
+              <a:rPr lang="en-US" dirty="0" smtClean="0"/>
+              <a:t>Less rigorous than statistical testing</a:t>
             </a:r>
           </a:p>
           <a:p>
             <a:pPr lvl="1"/>
             <a:r>
               <a:rPr lang="en-US" dirty="0" smtClean="0"/>
-              <a:t>Blind and low vision, deaf, color-blind, ...</a:t>
-            </a:r>
-          </a:p>
-          <a:p>
-            <a:r>
-              <a:rPr lang="en-US" dirty="0" smtClean="0"/>
-              <a:t>Use accessibility guidelines</a:t>
+              <a:t>Based on similarity with prior projects</a:t>
+            </a:r>
+          </a:p>
+          <a:p>
+            <a:r>
+              <a:rPr lang="en-US" dirty="0" smtClean="0"/>
+              <a:t>System testing process</a:t>
             </a:r>
           </a:p>
           <a:p>
             <a:pPr lvl="1"/>
             <a:r>
               <a:rPr lang="en-US" dirty="0" smtClean="0"/>
-              <a:t>Direct usability testing with all relevant groups is usually impractical; checking compliance to guidelines is practical and often reveals problems</a:t>
-            </a:r>
-          </a:p>
-          <a:p>
-            <a:r>
-              <a:rPr lang="en-US" dirty="0" smtClean="0"/>
-              <a:t>Example: W3C Web Content Accessibility Guidelines</a:t>
+              <a:t>Expected history of bugs found and resolved</a:t>
+            </a:r>
+          </a:p>
+          <a:p>
+            <a:r>
+              <a:rPr lang="en-US" dirty="0" smtClean="0"/>
+              <a:t>Alpha, beta testing</a:t>
             </a:r>
           </a:p>
           <a:p>
             <a:pPr lvl="1"/>
             <a:r>
               <a:rPr lang="en-US" dirty="0" smtClean="0"/>
-              <a:t>Parts can be checked automatically</a:t>
+              <a:t>Alpha testing:  Real users, controlled environment</a:t>
             </a:r>
           </a:p>
           <a:p>
             <a:pPr lvl="1"/>
             <a:r>
               <a:rPr lang="en-US" dirty="0" smtClean="0"/>
-              <a:t>but manual check is still required</a:t>
-            </a:r>
-          </a:p>
-          <a:p>
-            <a:pPr lvl="2"/>
-            <a:r>
-              <a:rPr lang="en-US" dirty="0" smtClean="0"/>
-              <a:t>e.g., is the </a:t>
-            </a:r>
-            <a:r>
-              <a:rPr lang="ja-JP" altLang="en-US" dirty="0" smtClean="0"/>
-              <a:t>“</a:t>
-            </a:r>
-            <a:r>
-              <a:rPr lang="en-US" altLang="ja-JP" dirty="0" smtClean="0"/>
-              <a:t>alt</a:t>
-            </a:r>
-            <a:r>
-              <a:rPr lang="ja-JP" altLang="en-US" dirty="0" smtClean="0"/>
-              <a:t>”</a:t>
-            </a:r>
-            <a:r>
-              <a:rPr lang="en-US" altLang="ja-JP" dirty="0" smtClean="0"/>
-              <a:t> tag of the image meaningful? </a:t>
+              <a:t>Beta testing: Real users, real (uncontrolled) environment</a:t>
+            </a:r>
+          </a:p>
+          <a:p>
+            <a:pPr lvl="1"/>
+            <a:r>
+              <a:rPr lang="en-US" dirty="0" smtClean="0"/>
+              <a:t>May statistically sample users rather than uses</a:t>
+            </a:r>
+          </a:p>
+          <a:p>
+            <a:pPr lvl="1"/>
+            <a:r>
+              <a:rPr lang="en-US" dirty="0" smtClean="0"/>
+              <a:t>Expected history of bug reports</a:t>
             </a:r>
             <a:endParaRPr lang="en-US" dirty="0"/>
           </a:p>
@@ -21548,7 +21904,7 @@
     </p:spTree>
     <p:extLst>
       <p:ext uri="{BB962C8B-B14F-4D97-AF65-F5344CB8AC3E}">
-        <p14:creationId xmlns:p14="http://schemas.microsoft.com/office/powerpoint/2010/main" val="2107403634"/>
+        <p14:creationId xmlns:p14="http://schemas.microsoft.com/office/powerpoint/2010/main" val="3791604836"/>
       </p:ext>
     </p:extLst>
   </p:cSld>
@@ -21592,6 +21948,624 @@
       </p:grpSpPr>
       <p:sp>
         <p:nvSpPr>
+          <p:cNvPr id="1608706" name="Rectangle 2"/>
+          <p:cNvSpPr>
+            <a:spLocks noGrp="1" noChangeArrowheads="1"/>
+          </p:cNvSpPr>
+          <p:nvPr>
+            <p:ph type="title"/>
+          </p:nvPr>
+        </p:nvSpPr>
+        <p:spPr/>
+        <p:txBody>
+          <a:bodyPr/>
+          <a:lstStyle/>
+          <a:p>
+            <a:r>
+              <a:rPr lang="en-US" dirty="0" smtClean="0"/>
+              <a:t>UI testing ("acceptance")</a:t>
+            </a:r>
+            <a:endParaRPr lang="en-US" dirty="0"/>
+          </a:p>
+        </p:txBody>
+      </p:sp>
+      <p:sp>
+        <p:nvSpPr>
+          <p:cNvPr id="1608707" name="Rectangle 3"/>
+          <p:cNvSpPr>
+            <a:spLocks noGrp="1" noChangeArrowheads="1"/>
+          </p:cNvSpPr>
+          <p:nvPr>
+            <p:ph idx="1"/>
+          </p:nvPr>
+        </p:nvSpPr>
+        <p:spPr/>
+        <p:txBody>
+          <a:bodyPr/>
+          <a:lstStyle/>
+          <a:p>
+            <a:r>
+              <a:rPr lang="en-US" dirty="0" smtClean="0"/>
+              <a:t>Automated UI testing ("automation")</a:t>
+            </a:r>
+          </a:p>
+          <a:p>
+            <a:pPr lvl="1"/>
+            <a:r>
+              <a:rPr lang="en-US" dirty="0" smtClean="0"/>
+              <a:t>Scripts and such that use your app and look for failures</a:t>
+            </a:r>
+          </a:p>
+          <a:p>
+            <a:pPr lvl="1"/>
+            <a:r>
+              <a:rPr lang="en-US" dirty="0" smtClean="0"/>
+              <a:t>A black-box system test</a:t>
+            </a:r>
+          </a:p>
+          <a:p>
+            <a:r>
+              <a:rPr lang="en-US" dirty="0" smtClean="0"/>
+              <a:t>Manual tests</a:t>
+            </a:r>
+          </a:p>
+          <a:p>
+            <a:pPr lvl="1"/>
+            <a:r>
+              <a:rPr lang="en-US" dirty="0" smtClean="0"/>
+              <a:t>Human beings click through predetermined paths</a:t>
+            </a:r>
+          </a:p>
+          <a:p>
+            <a:pPr lvl="1"/>
+            <a:r>
+              <a:rPr lang="en-US" dirty="0" smtClean="0"/>
+              <a:t>Need to write down the specific tests each time</a:t>
+            </a:r>
+          </a:p>
+          <a:p>
+            <a:r>
+              <a:rPr lang="en-US" dirty="0" smtClean="0"/>
+              <a:t>Ad-hoc tests</a:t>
+            </a:r>
+          </a:p>
+          <a:p>
+            <a:pPr lvl="1"/>
+            <a:r>
+              <a:rPr lang="en-US" dirty="0" smtClean="0"/>
+              <a:t>Human beings are "turned loose" on the app to see if they can break it</a:t>
+            </a:r>
+          </a:p>
+          <a:p>
+            <a:endParaRPr lang="en-US" dirty="0"/>
+          </a:p>
+        </p:txBody>
+      </p:sp>
+      <p:sp>
+        <p:nvSpPr>
+          <p:cNvPr id="2" name="Slide Number Placeholder 1"/>
+          <p:cNvSpPr>
+            <a:spLocks noGrp="1"/>
+          </p:cNvSpPr>
+          <p:nvPr>
+            <p:ph type="sldNum" sz="quarter" idx="12"/>
+          </p:nvPr>
+        </p:nvSpPr>
+        <p:spPr/>
+        <p:txBody>
+          <a:bodyPr/>
+          <a:lstStyle/>
+          <a:p>
+            <a:fld id="{B543A0FD-1CA6-4228-86A2-78061B4844C8}" type="slidenum">
+              <a:rPr lang="en-US" smtClean="0"/>
+              <a:t>64</a:t>
+            </a:fld>
+            <a:endParaRPr lang="en-US"/>
+          </a:p>
+        </p:txBody>
+      </p:sp>
+    </p:spTree>
+    <p:extLst>
+      <p:ext uri="{BB962C8B-B14F-4D97-AF65-F5344CB8AC3E}">
+        <p14:creationId xmlns:p14="http://schemas.microsoft.com/office/powerpoint/2010/main" val="2046200215"/>
+      </p:ext>
+    </p:extLst>
+  </p:cSld>
+  <p:clrMapOvr>
+    <a:masterClrMapping/>
+  </p:clrMapOvr>
+  <mc:AlternateContent xmlns:mc="http://schemas.openxmlformats.org/markup-compatibility/2006" xmlns:p14="http://schemas.microsoft.com/office/powerpoint/2010/main">
+    <mc:Choice Requires="p14">
+      <p:transition spd="slow" p14:dur="2000"/>
+    </mc:Choice>
+    <mc:Fallback xmlns="">
+      <p:transition spd="slow"/>
+    </mc:Fallback>
+  </mc:AlternateContent>
+</p:sld>
+</file>
+
+<file path=ppt/slides/slide65.xml><?xml version="1.0" encoding="utf-8"?>
+<p:sld xmlns:a="http://schemas.openxmlformats.org/drawingml/2006/main" xmlns:r="http://schemas.openxmlformats.org/officeDocument/2006/relationships" xmlns:p="http://schemas.openxmlformats.org/presentationml/2006/main">
+  <p:cSld>
+    <p:spTree>
+      <p:nvGrpSpPr>
+        <p:cNvPr id="1" name=""/>
+        <p:cNvGrpSpPr/>
+        <p:nvPr/>
+      </p:nvGrpSpPr>
+      <p:grpSpPr>
+        <a:xfrm>
+          <a:off x="0" y="0"/>
+          <a:ext cx="0" cy="0"/>
+          <a:chOff x="0" y="0"/>
+          <a:chExt cx="0" cy="0"/>
+        </a:xfrm>
+      </p:grpSpPr>
+      <p:sp>
+        <p:nvSpPr>
+          <p:cNvPr id="35844" name="Rectangle 6"/>
+          <p:cNvSpPr>
+            <a:spLocks noGrp="1"/>
+          </p:cNvSpPr>
+          <p:nvPr>
+            <p:ph type="title"/>
+          </p:nvPr>
+        </p:nvSpPr>
+        <p:spPr/>
+        <p:txBody>
+          <a:bodyPr/>
+          <a:lstStyle/>
+          <a:p>
+            <a:r>
+              <a:rPr lang="en-US" dirty="0" smtClean="0"/>
+              <a:t>Usability Test</a:t>
+            </a:r>
+            <a:endParaRPr lang="en-US" dirty="0"/>
+          </a:p>
+        </p:txBody>
+      </p:sp>
+      <p:sp>
+        <p:nvSpPr>
+          <p:cNvPr id="35845" name="Rectangle 7"/>
+          <p:cNvSpPr>
+            <a:spLocks noGrp="1"/>
+          </p:cNvSpPr>
+          <p:nvPr>
+            <p:ph idx="1"/>
+          </p:nvPr>
+        </p:nvSpPr>
+        <p:spPr/>
+        <p:txBody>
+          <a:bodyPr/>
+          <a:lstStyle/>
+          <a:p>
+            <a:r>
+              <a:rPr lang="en-US" dirty="0" smtClean="0"/>
+              <a:t>A usable product </a:t>
+            </a:r>
+          </a:p>
+          <a:p>
+            <a:pPr lvl="1"/>
+            <a:r>
+              <a:rPr lang="en-US" dirty="0" smtClean="0"/>
+              <a:t>is quickly learned</a:t>
+            </a:r>
+          </a:p>
+          <a:p>
+            <a:pPr lvl="1"/>
+            <a:r>
+              <a:rPr lang="en-US" dirty="0" smtClean="0"/>
+              <a:t>allows users to work efficiently</a:t>
+            </a:r>
+          </a:p>
+          <a:p>
+            <a:pPr lvl="1"/>
+            <a:r>
+              <a:rPr lang="en-US" dirty="0" smtClean="0"/>
+              <a:t>is pleasant to use </a:t>
+            </a:r>
+          </a:p>
+          <a:p>
+            <a:r>
+              <a:rPr lang="en-US" dirty="0" smtClean="0"/>
+              <a:t>Objective criteria</a:t>
+            </a:r>
+          </a:p>
+          <a:p>
+            <a:pPr lvl="1"/>
+            <a:r>
+              <a:rPr lang="en-US" dirty="0" smtClean="0"/>
+              <a:t>Time and number of operations to perform a task</a:t>
+            </a:r>
+          </a:p>
+          <a:p>
+            <a:pPr lvl="1"/>
+            <a:r>
+              <a:rPr lang="en-US" dirty="0" smtClean="0"/>
+              <a:t>Frequency of user error</a:t>
+            </a:r>
+          </a:p>
+          <a:p>
+            <a:r>
+              <a:rPr lang="en-US" dirty="0" smtClean="0"/>
+              <a:t>Plus overall, subjective satisfaction</a:t>
+            </a:r>
+            <a:endParaRPr lang="en-US" dirty="0"/>
+          </a:p>
+        </p:txBody>
+      </p:sp>
+      <p:sp>
+        <p:nvSpPr>
+          <p:cNvPr id="2" name="Slide Number Placeholder 1"/>
+          <p:cNvSpPr>
+            <a:spLocks noGrp="1"/>
+          </p:cNvSpPr>
+          <p:nvPr>
+            <p:ph type="sldNum" sz="quarter" idx="12"/>
+          </p:nvPr>
+        </p:nvSpPr>
+        <p:spPr/>
+        <p:txBody>
+          <a:bodyPr/>
+          <a:lstStyle/>
+          <a:p>
+            <a:fld id="{B543A0FD-1CA6-4228-86A2-78061B4844C8}" type="slidenum">
+              <a:rPr lang="en-US" smtClean="0"/>
+              <a:t>65</a:t>
+            </a:fld>
+            <a:endParaRPr lang="en-US"/>
+          </a:p>
+        </p:txBody>
+      </p:sp>
+    </p:spTree>
+    <p:extLst>
+      <p:ext uri="{BB962C8B-B14F-4D97-AF65-F5344CB8AC3E}">
+        <p14:creationId xmlns:p14="http://schemas.microsoft.com/office/powerpoint/2010/main" val="365870530"/>
+      </p:ext>
+    </p:extLst>
+  </p:cSld>
+  <p:clrMapOvr>
+    <a:masterClrMapping/>
+  </p:clrMapOvr>
+  <mc:AlternateContent xmlns:mc="http://schemas.openxmlformats.org/markup-compatibility/2006" xmlns:p14="http://schemas.microsoft.com/office/powerpoint/2010/main">
+    <mc:Choice Requires="p14">
+      <p:transition spd="slow" p14:dur="2000"/>
+    </mc:Choice>
+    <mc:Fallback xmlns="">
+      <p:transition spd="slow"/>
+    </mc:Fallback>
+  </mc:AlternateContent>
+  <p:timing>
+    <p:tnLst>
+      <p:par>
+        <p:cTn id="1" dur="indefinite" restart="never" nodeType="tmRoot"/>
+      </p:par>
+    </p:tnLst>
+  </p:timing>
+</p:sld>
+</file>
+
+<file path=ppt/slides/slide66.xml><?xml version="1.0" encoding="utf-8"?>
+<p:sld xmlns:a="http://schemas.openxmlformats.org/drawingml/2006/main" xmlns:r="http://schemas.openxmlformats.org/officeDocument/2006/relationships" xmlns:p="http://schemas.openxmlformats.org/presentationml/2006/main">
+  <p:cSld>
+    <p:spTree>
+      <p:nvGrpSpPr>
+        <p:cNvPr id="1" name=""/>
+        <p:cNvGrpSpPr/>
+        <p:nvPr/>
+      </p:nvGrpSpPr>
+      <p:grpSpPr>
+        <a:xfrm>
+          <a:off x="0" y="0"/>
+          <a:ext cx="0" cy="0"/>
+          <a:chOff x="0" y="0"/>
+          <a:chExt cx="0" cy="0"/>
+        </a:xfrm>
+      </p:grpSpPr>
+      <p:sp>
+        <p:nvSpPr>
+          <p:cNvPr id="1605634" name="Rectangle 2"/>
+          <p:cNvSpPr>
+            <a:spLocks noGrp="1" noChangeArrowheads="1"/>
+          </p:cNvSpPr>
+          <p:nvPr>
+            <p:ph type="title"/>
+          </p:nvPr>
+        </p:nvSpPr>
+        <p:spPr/>
+        <p:txBody>
+          <a:bodyPr/>
+          <a:lstStyle/>
+          <a:p>
+            <a:r>
+              <a:rPr lang="en-US" dirty="0"/>
+              <a:t>Load testing</a:t>
+            </a:r>
+          </a:p>
+        </p:txBody>
+      </p:sp>
+      <p:sp>
+        <p:nvSpPr>
+          <p:cNvPr id="1605635" name="Rectangle 3"/>
+          <p:cNvSpPr>
+            <a:spLocks noGrp="1" noChangeArrowheads="1"/>
+          </p:cNvSpPr>
+          <p:nvPr>
+            <p:ph type="body" idx="1"/>
+          </p:nvPr>
+        </p:nvSpPr>
+        <p:spPr/>
+        <p:txBody>
+          <a:bodyPr/>
+          <a:lstStyle/>
+          <a:p>
+            <a:r>
+              <a:rPr lang="en-US" dirty="0"/>
+              <a:t>load testing</a:t>
+            </a:r>
+          </a:p>
+          <a:p>
+            <a:pPr lvl="1"/>
+            <a:r>
+              <a:rPr lang="en-US" dirty="0"/>
+              <a:t>How many hits/requests should the system be able to handle?</a:t>
+            </a:r>
+          </a:p>
+          <a:p>
+            <a:pPr lvl="1"/>
+            <a:r>
+              <a:rPr lang="en-US" dirty="0"/>
+              <a:t>What should be its performance under these circumstances</a:t>
+            </a:r>
+            <a:r>
+              <a:rPr lang="en-US" dirty="0" smtClean="0"/>
+              <a:t>?</a:t>
+            </a:r>
+            <a:endParaRPr lang="en-US" dirty="0"/>
+          </a:p>
+        </p:txBody>
+      </p:sp>
+      <p:sp>
+        <p:nvSpPr>
+          <p:cNvPr id="2" name="Slide Number Placeholder 1"/>
+          <p:cNvSpPr>
+            <a:spLocks noGrp="1"/>
+          </p:cNvSpPr>
+          <p:nvPr>
+            <p:ph type="sldNum" sz="quarter" idx="12"/>
+          </p:nvPr>
+        </p:nvSpPr>
+        <p:spPr/>
+        <p:txBody>
+          <a:bodyPr/>
+          <a:lstStyle/>
+          <a:p>
+            <a:fld id="{B543A0FD-1CA6-4228-86A2-78061B4844C8}" type="slidenum">
+              <a:rPr lang="en-US" smtClean="0"/>
+              <a:t>66</a:t>
+            </a:fld>
+            <a:endParaRPr lang="en-US"/>
+          </a:p>
+        </p:txBody>
+      </p:sp>
+    </p:spTree>
+    <p:extLst>
+      <p:ext uri="{BB962C8B-B14F-4D97-AF65-F5344CB8AC3E}">
+        <p14:creationId xmlns:p14="http://schemas.microsoft.com/office/powerpoint/2010/main" val="2406556066"/>
+      </p:ext>
+    </p:extLst>
+  </p:cSld>
+  <p:clrMapOvr>
+    <a:masterClrMapping/>
+  </p:clrMapOvr>
+  <mc:AlternateContent xmlns:mc="http://schemas.openxmlformats.org/markup-compatibility/2006" xmlns:p14="http://schemas.microsoft.com/office/powerpoint/2010/main">
+    <mc:Choice Requires="p14">
+      <p:transition spd="slow" p14:dur="2000"/>
+    </mc:Choice>
+    <mc:Fallback xmlns="">
+      <p:transition spd="slow"/>
+    </mc:Fallback>
+  </mc:AlternateContent>
+</p:sld>
+</file>
+
+<file path=ppt/slides/slide67.xml><?xml version="1.0" encoding="utf-8"?>
+<p:sld xmlns:a="http://schemas.openxmlformats.org/drawingml/2006/main" xmlns:r="http://schemas.openxmlformats.org/officeDocument/2006/relationships" xmlns:p="http://schemas.openxmlformats.org/presentationml/2006/main">
+  <p:cSld>
+    <p:spTree>
+      <p:nvGrpSpPr>
+        <p:cNvPr id="1" name=""/>
+        <p:cNvGrpSpPr/>
+        <p:nvPr/>
+      </p:nvGrpSpPr>
+      <p:grpSpPr>
+        <a:xfrm>
+          <a:off x="0" y="0"/>
+          <a:ext cx="0" cy="0"/>
+          <a:chOff x="0" y="0"/>
+          <a:chExt cx="0" cy="0"/>
+        </a:xfrm>
+      </p:grpSpPr>
+      <p:sp>
+        <p:nvSpPr>
+          <p:cNvPr id="36868" name="Title 1"/>
+          <p:cNvSpPr>
+            <a:spLocks noGrp="1"/>
+          </p:cNvSpPr>
+          <p:nvPr>
+            <p:ph type="title"/>
+          </p:nvPr>
+        </p:nvSpPr>
+        <p:spPr/>
+        <p:txBody>
+          <a:bodyPr/>
+          <a:lstStyle/>
+          <a:p>
+            <a:r>
+              <a:rPr lang="en-US" dirty="0" smtClean="0"/>
+              <a:t>Accessibility Testing</a:t>
+            </a:r>
+            <a:endParaRPr lang="en-US" dirty="0"/>
+          </a:p>
+        </p:txBody>
+      </p:sp>
+      <p:sp>
+        <p:nvSpPr>
+          <p:cNvPr id="36869" name="Content Placeholder 2"/>
+          <p:cNvSpPr>
+            <a:spLocks noGrp="1"/>
+          </p:cNvSpPr>
+          <p:nvPr>
+            <p:ph type="body" idx="1"/>
+          </p:nvPr>
+        </p:nvSpPr>
+        <p:spPr/>
+        <p:txBody>
+          <a:bodyPr/>
+          <a:lstStyle/>
+          <a:p>
+            <a:r>
+              <a:rPr lang="en-US" dirty="0" smtClean="0"/>
+              <a:t>Check usability by people with disabilities</a:t>
+            </a:r>
+          </a:p>
+          <a:p>
+            <a:pPr lvl="1"/>
+            <a:r>
+              <a:rPr lang="en-US" dirty="0" smtClean="0"/>
+              <a:t>Blind and low vision, deaf, color-blind, ...</a:t>
+            </a:r>
+          </a:p>
+          <a:p>
+            <a:r>
+              <a:rPr lang="en-US" dirty="0" smtClean="0"/>
+              <a:t>Use accessibility guidelines</a:t>
+            </a:r>
+          </a:p>
+          <a:p>
+            <a:pPr lvl="1"/>
+            <a:r>
+              <a:rPr lang="en-US" dirty="0" smtClean="0"/>
+              <a:t>Direct usability testing with all relevant groups is usually impractical; checking compliance to guidelines is practical and often reveals problems</a:t>
+            </a:r>
+          </a:p>
+          <a:p>
+            <a:r>
+              <a:rPr lang="en-US" dirty="0" smtClean="0"/>
+              <a:t>Example: W3C Web Content Accessibility Guidelines</a:t>
+            </a:r>
+          </a:p>
+          <a:p>
+            <a:pPr lvl="1"/>
+            <a:r>
+              <a:rPr lang="en-US" dirty="0" smtClean="0"/>
+              <a:t>Parts can be checked automatically</a:t>
+            </a:r>
+          </a:p>
+          <a:p>
+            <a:pPr lvl="1"/>
+            <a:r>
+              <a:rPr lang="en-US" dirty="0" smtClean="0"/>
+              <a:t>but manual check is still required</a:t>
+            </a:r>
+          </a:p>
+          <a:p>
+            <a:pPr lvl="2"/>
+            <a:r>
+              <a:rPr lang="en-US" dirty="0" smtClean="0"/>
+              <a:t>e.g., is the </a:t>
+            </a:r>
+            <a:r>
+              <a:rPr lang="ja-JP" altLang="en-US" dirty="0" smtClean="0"/>
+              <a:t>“</a:t>
+            </a:r>
+            <a:r>
+              <a:rPr lang="en-US" altLang="ja-JP" dirty="0" smtClean="0"/>
+              <a:t>alt</a:t>
+            </a:r>
+            <a:r>
+              <a:rPr lang="ja-JP" altLang="en-US" dirty="0" smtClean="0"/>
+              <a:t>”</a:t>
+            </a:r>
+            <a:r>
+              <a:rPr lang="en-US" altLang="ja-JP" dirty="0" smtClean="0"/>
+              <a:t> tag of the image meaningful? </a:t>
+            </a:r>
+            <a:endParaRPr lang="en-US" dirty="0"/>
+          </a:p>
+        </p:txBody>
+      </p:sp>
+      <p:sp>
+        <p:nvSpPr>
+          <p:cNvPr id="2" name="Slide Number Placeholder 1"/>
+          <p:cNvSpPr>
+            <a:spLocks noGrp="1"/>
+          </p:cNvSpPr>
+          <p:nvPr>
+            <p:ph type="sldNum" sz="quarter" idx="12"/>
+          </p:nvPr>
+        </p:nvSpPr>
+        <p:spPr/>
+        <p:txBody>
+          <a:bodyPr/>
+          <a:lstStyle/>
+          <a:p>
+            <a:fld id="{B543A0FD-1CA6-4228-86A2-78061B4844C8}" type="slidenum">
+              <a:rPr lang="en-US" smtClean="0"/>
+              <a:t>67</a:t>
+            </a:fld>
+            <a:endParaRPr lang="en-US"/>
+          </a:p>
+        </p:txBody>
+      </p:sp>
+    </p:spTree>
+    <p:extLst>
+      <p:ext uri="{BB962C8B-B14F-4D97-AF65-F5344CB8AC3E}">
+        <p14:creationId xmlns:p14="http://schemas.microsoft.com/office/powerpoint/2010/main" val="2107403634"/>
+      </p:ext>
+    </p:extLst>
+  </p:cSld>
+  <p:clrMapOvr>
+    <a:masterClrMapping/>
+  </p:clrMapOvr>
+  <mc:AlternateContent xmlns:mc="http://schemas.openxmlformats.org/markup-compatibility/2006" xmlns:p14="http://schemas.microsoft.com/office/powerpoint/2010/main">
+    <mc:Choice Requires="p14">
+      <p:transition spd="slow" p14:dur="2000"/>
+    </mc:Choice>
+    <mc:Fallback xmlns="">
+      <p:transition spd="slow"/>
+    </mc:Fallback>
+  </mc:AlternateContent>
+  <p:timing>
+    <p:tnLst>
+      <p:par>
+        <p:cTn id="1" dur="indefinite" restart="never" nodeType="tmRoot"/>
+      </p:par>
+    </p:tnLst>
+  </p:timing>
+</p:sld>
+</file>
+
+<file path=ppt/slides/slide68.xml><?xml version="1.0" encoding="utf-8"?>
+<p:sld xmlns:a="http://schemas.openxmlformats.org/drawingml/2006/main" xmlns:r="http://schemas.openxmlformats.org/officeDocument/2006/relationships" xmlns:p="http://schemas.openxmlformats.org/presentationml/2006/main">
+  <p:cSld>
+    <p:spTree>
+      <p:nvGrpSpPr>
+        <p:cNvPr id="1" name=""/>
+        <p:cNvGrpSpPr/>
+        <p:nvPr/>
+      </p:nvGrpSpPr>
+      <p:grpSpPr>
+        <a:xfrm>
+          <a:off x="0" y="0"/>
+          <a:ext cx="0" cy="0"/>
+          <a:chOff x="0" y="0"/>
+          <a:chExt cx="0" cy="0"/>
+        </a:xfrm>
+      </p:grpSpPr>
+      <p:sp>
+        <p:nvSpPr>
           <p:cNvPr id="4" name="Title 3"/>
           <p:cNvSpPr>
             <a:spLocks noGrp="1"/>
@@ -21689,7 +22663,7 @@
           <a:p>
             <a:fld id="{B543A0FD-1CA6-4228-86A2-78061B4844C8}" type="slidenum">
               <a:rPr lang="en-US" smtClean="0"/>
-              <a:t>64</a:t>
+              <a:t>68</a:t>
             </a:fld>
             <a:endParaRPr lang="en-US"/>
           </a:p>
@@ -21736,7 +22710,7 @@
 </p:sld>
 </file>
 
-<file path=ppt/slides/slide65.xml><?xml version="1.0" encoding="utf-8"?>
+<file path=ppt/slides/slide69.xml><?xml version="1.0" encoding="utf-8"?>
 <p:sld xmlns:a="http://schemas.openxmlformats.org/drawingml/2006/main" xmlns:r="http://schemas.openxmlformats.org/officeDocument/2006/relationships" xmlns:p="http://schemas.openxmlformats.org/presentationml/2006/main">
   <p:cSld>
     <p:spTree>
@@ -21770,7 +22744,7 @@
           <a:p>
             <a:fld id="{B543A0FD-1CA6-4228-86A2-78061B4844C8}" type="slidenum">
               <a:rPr lang="en-US" smtClean="0"/>
-              <a:t>65</a:t>
+              <a:t>69</a:t>
             </a:fld>
             <a:endParaRPr lang="en-US"/>
           </a:p>
@@ -21813,7 +22787,7 @@
 </p:sld>
 </file>
 
-<file path=ppt/slides/slide66.xml><?xml version="1.0" encoding="utf-8"?>
+<file path=ppt/slides/slide7.xml><?xml version="1.0" encoding="utf-8"?>
 <p:sld xmlns:a="http://schemas.openxmlformats.org/drawingml/2006/main" xmlns:r="http://schemas.openxmlformats.org/officeDocument/2006/relationships" xmlns:p="http://schemas.openxmlformats.org/presentationml/2006/main">
   <p:cSld>
     <p:spTree>
@@ -21832,6 +22806,146 @@
       </p:grpSpPr>
       <p:sp>
         <p:nvSpPr>
+          <p:cNvPr id="2" name="Title 1"/>
+          <p:cNvSpPr>
+            <a:spLocks noGrp="1"/>
+          </p:cNvSpPr>
+          <p:nvPr>
+            <p:ph type="title"/>
+          </p:nvPr>
+        </p:nvSpPr>
+        <p:spPr/>
+        <p:txBody>
+          <a:bodyPr/>
+          <a:lstStyle/>
+          <a:p>
+            <a:r>
+              <a:rPr lang="en-US" dirty="0" smtClean="0"/>
+              <a:t>Threads...</a:t>
+            </a:r>
+            <a:endParaRPr lang="en-US" dirty="0"/>
+          </a:p>
+        </p:txBody>
+      </p:sp>
+      <p:sp>
+        <p:nvSpPr>
+          <p:cNvPr id="3" name="Content Placeholder 2"/>
+          <p:cNvSpPr>
+            <a:spLocks noGrp="1"/>
+          </p:cNvSpPr>
+          <p:nvPr>
+            <p:ph idx="1"/>
+          </p:nvPr>
+        </p:nvSpPr>
+        <p:spPr/>
+        <p:txBody>
+          <a:bodyPr>
+            <a:normAutofit/>
+          </a:bodyPr>
+          <a:lstStyle/>
+          <a:p>
+            <a:r>
+              <a:rPr lang="en-US" dirty="0" smtClean="0"/>
+              <a:t>An execution time concept</a:t>
+            </a:r>
+          </a:p>
+          <a:p>
+            <a:r>
+              <a:rPr lang="en-US" dirty="0" smtClean="0"/>
+              <a:t>Per the definition, a thread can be understood as a sequence of atomic system functions.</a:t>
+            </a:r>
+          </a:p>
+          <a:p>
+            <a:r>
+              <a:rPr lang="en-US" dirty="0" smtClean="0"/>
+              <a:t>When a system test case executes</a:t>
+            </a:r>
+          </a:p>
+          <a:p>
+            <a:pPr lvl="1"/>
+            <a:r>
+              <a:rPr lang="en-US" dirty="0" smtClean="0"/>
+              <a:t>a thread occurs, and</a:t>
+            </a:r>
+          </a:p>
+          <a:p>
+            <a:pPr lvl="1"/>
+            <a:r>
+              <a:rPr lang="en-US" dirty="0" smtClean="0"/>
+              <a:t>can be observed at the port boundary of the system</a:t>
+            </a:r>
+          </a:p>
+          <a:p>
+            <a:r>
+              <a:rPr lang="en-US" dirty="0" smtClean="0"/>
+              <a:t>The BIG Question: where do we find (or how do we identify) threads?</a:t>
+            </a:r>
+          </a:p>
+          <a:p>
+            <a:r>
+              <a:rPr lang="en-US" dirty="0" smtClean="0"/>
+              <a:t>Our approach—Model-Based Testing</a:t>
+            </a:r>
+            <a:endParaRPr lang="en-US" dirty="0"/>
+          </a:p>
+        </p:txBody>
+      </p:sp>
+      <p:sp>
+        <p:nvSpPr>
+          <p:cNvPr id="4" name="Slide Number Placeholder 3"/>
+          <p:cNvSpPr>
+            <a:spLocks noGrp="1"/>
+          </p:cNvSpPr>
+          <p:nvPr>
+            <p:ph type="sldNum" sz="quarter" idx="12"/>
+          </p:nvPr>
+        </p:nvSpPr>
+        <p:spPr/>
+        <p:txBody>
+          <a:bodyPr/>
+          <a:lstStyle/>
+          <a:p>
+            <a:fld id="{B8DACC02-A2BD-4578-8E03-6D891060A695}" type="slidenum">
+              <a:rPr lang="en-US" smtClean="0"/>
+              <a:pPr/>
+              <a:t>7</a:t>
+            </a:fld>
+            <a:endParaRPr lang="en-US" dirty="0"/>
+          </a:p>
+        </p:txBody>
+      </p:sp>
+    </p:spTree>
+    <p:extLst>
+      <p:ext uri="{BB962C8B-B14F-4D97-AF65-F5344CB8AC3E}">
+        <p14:creationId xmlns:p14="http://schemas.microsoft.com/office/powerpoint/2010/main" val="18994359"/>
+      </p:ext>
+    </p:extLst>
+  </p:cSld>
+  <p:clrMapOvr>
+    <a:masterClrMapping/>
+  </p:clrMapOvr>
+</p:sld>
+</file>
+
+<file path=ppt/slides/slide70.xml><?xml version="1.0" encoding="utf-8"?>
+<p:sld xmlns:a="http://schemas.openxmlformats.org/drawingml/2006/main" xmlns:r="http://schemas.openxmlformats.org/officeDocument/2006/relationships" xmlns:p="http://schemas.openxmlformats.org/presentationml/2006/main">
+  <p:cSld>
+    <p:spTree>
+      <p:nvGrpSpPr>
+        <p:cNvPr id="1" name=""/>
+        <p:cNvGrpSpPr/>
+        <p:nvPr/>
+      </p:nvGrpSpPr>
+      <p:grpSpPr>
+        <a:xfrm>
+          <a:off x="0" y="0"/>
+          <a:ext cx="0" cy="0"/>
+          <a:chOff x="0" y="0"/>
+          <a:chExt cx="0" cy="0"/>
+        </a:xfrm>
+      </p:grpSpPr>
+      <p:sp>
+        <p:nvSpPr>
           <p:cNvPr id="47108" name="Rectangle 6"/>
           <p:cNvSpPr>
             <a:spLocks noGrp="1" noChangeArrowheads="1"/>
@@ -21937,7 +23051,7 @@
           <a:p>
             <a:fld id="{B543A0FD-1CA6-4228-86A2-78061B4844C8}" type="slidenum">
               <a:rPr lang="en-US" smtClean="0"/>
-              <a:t>66</a:t>
+              <a:t>70</a:t>
             </a:fld>
             <a:endParaRPr lang="en-US"/>
           </a:p>
@@ -21960,146 +23074,6 @@
       </p:par>
     </p:tnLst>
   </p:timing>
-</p:sld>
-</file>
-
-<file path=ppt/slides/slide7.xml><?xml version="1.0" encoding="utf-8"?>
-<p:sld xmlns:a="http://schemas.openxmlformats.org/drawingml/2006/main" xmlns:r="http://schemas.openxmlformats.org/officeDocument/2006/relationships" xmlns:p="http://schemas.openxmlformats.org/presentationml/2006/main">
-  <p:cSld>
-    <p:spTree>
-      <p:nvGrpSpPr>
-        <p:cNvPr id="1" name=""/>
-        <p:cNvGrpSpPr/>
-        <p:nvPr/>
-      </p:nvGrpSpPr>
-      <p:grpSpPr>
-        <a:xfrm>
-          <a:off x="0" y="0"/>
-          <a:ext cx="0" cy="0"/>
-          <a:chOff x="0" y="0"/>
-          <a:chExt cx="0" cy="0"/>
-        </a:xfrm>
-      </p:grpSpPr>
-      <p:sp>
-        <p:nvSpPr>
-          <p:cNvPr id="2" name="Title 1"/>
-          <p:cNvSpPr>
-            <a:spLocks noGrp="1"/>
-          </p:cNvSpPr>
-          <p:nvPr>
-            <p:ph type="title"/>
-          </p:nvPr>
-        </p:nvSpPr>
-        <p:spPr/>
-        <p:txBody>
-          <a:bodyPr/>
-          <a:lstStyle/>
-          <a:p>
-            <a:r>
-              <a:rPr lang="en-US" dirty="0" smtClean="0"/>
-              <a:t>Threads...</a:t>
-            </a:r>
-            <a:endParaRPr lang="en-US" dirty="0"/>
-          </a:p>
-        </p:txBody>
-      </p:sp>
-      <p:sp>
-        <p:nvSpPr>
-          <p:cNvPr id="3" name="Content Placeholder 2"/>
-          <p:cNvSpPr>
-            <a:spLocks noGrp="1"/>
-          </p:cNvSpPr>
-          <p:nvPr>
-            <p:ph idx="1"/>
-          </p:nvPr>
-        </p:nvSpPr>
-        <p:spPr/>
-        <p:txBody>
-          <a:bodyPr>
-            <a:normAutofit/>
-          </a:bodyPr>
-          <a:lstStyle/>
-          <a:p>
-            <a:r>
-              <a:rPr lang="en-US" dirty="0" smtClean="0"/>
-              <a:t>An execution time concept</a:t>
-            </a:r>
-          </a:p>
-          <a:p>
-            <a:r>
-              <a:rPr lang="en-US" dirty="0" smtClean="0"/>
-              <a:t>Per the definition, a thread can be understood as a sequence of atomic system functions.</a:t>
-            </a:r>
-          </a:p>
-          <a:p>
-            <a:r>
-              <a:rPr lang="en-US" dirty="0" smtClean="0"/>
-              <a:t>When a system test case executes</a:t>
-            </a:r>
-          </a:p>
-          <a:p>
-            <a:pPr lvl="1"/>
-            <a:r>
-              <a:rPr lang="en-US" dirty="0" smtClean="0"/>
-              <a:t>a thread occurs, and</a:t>
-            </a:r>
-          </a:p>
-          <a:p>
-            <a:pPr lvl="1"/>
-            <a:r>
-              <a:rPr lang="en-US" dirty="0" smtClean="0"/>
-              <a:t>can be observed at the port boundary of the system</a:t>
-            </a:r>
-          </a:p>
-          <a:p>
-            <a:r>
-              <a:rPr lang="en-US" dirty="0" smtClean="0"/>
-              <a:t>The BIG Question: where do we find (or how do we identify) threads?</a:t>
-            </a:r>
-          </a:p>
-          <a:p>
-            <a:r>
-              <a:rPr lang="en-US" dirty="0" smtClean="0"/>
-              <a:t>Our approach—Model-Based Testing</a:t>
-            </a:r>
-            <a:endParaRPr lang="en-US" dirty="0"/>
-          </a:p>
-        </p:txBody>
-      </p:sp>
-      <p:sp>
-        <p:nvSpPr>
-          <p:cNvPr id="4" name="Slide Number Placeholder 3"/>
-          <p:cNvSpPr>
-            <a:spLocks noGrp="1"/>
-          </p:cNvSpPr>
-          <p:nvPr>
-            <p:ph type="sldNum" sz="quarter" idx="12"/>
-          </p:nvPr>
-        </p:nvSpPr>
-        <p:spPr/>
-        <p:txBody>
-          <a:bodyPr/>
-          <a:lstStyle/>
-          <a:p>
-            <a:fld id="{B8DACC02-A2BD-4578-8E03-6D891060A695}" type="slidenum">
-              <a:rPr lang="en-US" smtClean="0"/>
-              <a:pPr/>
-              <a:t>7</a:t>
-            </a:fld>
-            <a:endParaRPr lang="en-US" dirty="0"/>
-          </a:p>
-        </p:txBody>
-      </p:sp>
-    </p:spTree>
-    <p:extLst>
-      <p:ext uri="{BB962C8B-B14F-4D97-AF65-F5344CB8AC3E}">
-        <p14:creationId xmlns:p14="http://schemas.microsoft.com/office/powerpoint/2010/main" val="18994359"/>
-      </p:ext>
-    </p:extLst>
-  </p:cSld>
-  <p:clrMapOvr>
-    <a:masterClrMapping/>
-  </p:clrMapOvr>
 </p:sld>
 </file>
 
@@ -22143,7 +23117,7 @@
         </p:blipFill>
         <p:spPr bwMode="auto">
           <a:xfrm>
-            <a:off x="2133600" y="1828800"/>
+            <a:off x="2133600" y="1656274"/>
             <a:ext cx="5295900" cy="4279900"/>
           </a:xfrm>
           <a:prstGeom prst="rect">
@@ -22155,14 +23129,14 @@
           </a:ln>
           <a:extLst>
             <a:ext uri="{909E8E84-426E-40dd-AFC4-6F175D3DCCD1}">
-              <a14:hiddenFill xmlns="" xmlns:a14="http://schemas.microsoft.com/office/drawing/2010/main">
+              <a14:hiddenFill xmlns:a14="http://schemas.microsoft.com/office/drawing/2010/main" xmlns="">
                 <a:solidFill>
                   <a:srgbClr val="FFFFFF"/>
                 </a:solidFill>
               </a14:hiddenFill>
             </a:ext>
             <a:ext uri="{91240B29-F687-4f45-9708-019B960494DF}">
-              <a14:hiddenLine xmlns="" xmlns:a14="http://schemas.microsoft.com/office/drawing/2010/main" w="9525">
+              <a14:hiddenLine xmlns:a14="http://schemas.microsoft.com/office/drawing/2010/main" xmlns="" w="9525">
                 <a:solidFill>
                   <a:srgbClr val="000000"/>
                 </a:solidFill>
@@ -22186,12 +23160,12 @@
         </p:nvSpPr>
         <p:spPr>
           <a:xfrm>
-            <a:off x="415506" y="97706"/>
+            <a:off x="381000" y="0"/>
             <a:ext cx="10515600" cy="1325563"/>
           </a:xfrm>
         </p:spPr>
         <p:txBody>
-          <a:bodyPr anchor="ctr" anchorCtr="0">
+          <a:bodyPr vert="horz" lIns="91440" tIns="45720" rIns="91440" bIns="45720" rtlCol="0" anchor="ctr">
             <a:normAutofit/>
           </a:bodyPr>
           <a:lstStyle/>
@@ -22205,6 +23179,12 @@
               </a:rPr>
               <a:t>Threads</a:t>
             </a:r>
+            <a:endParaRPr lang="en-US" b="1" dirty="0">
+              <a:solidFill>
+                <a:schemeClr val="bg1"/>
+              </a:solidFill>
+              <a:latin typeface="Candara" panose="020E0502030303020204" pitchFamily="34" charset="0"/>
+            </a:endParaRPr>
           </a:p>
         </p:txBody>
       </p:sp>
@@ -22218,7 +23198,7 @@
         </p:nvSpPr>
         <p:spPr bwMode="auto">
           <a:xfrm>
-            <a:off x="4572000" y="4648200"/>
+            <a:off x="4572000" y="4475674"/>
             <a:ext cx="5394960" cy="1384995"/>
           </a:xfrm>
           <a:prstGeom prst="rect">
@@ -22230,14 +23210,14 @@
           </a:ln>
           <a:extLst>
             <a:ext uri="{909E8E84-426E-40dd-AFC4-6F175D3DCCD1}">
-              <a14:hiddenFill xmlns="" xmlns:a14="http://schemas.microsoft.com/office/drawing/2010/main">
+              <a14:hiddenFill xmlns:a14="http://schemas.microsoft.com/office/drawing/2010/main" xmlns="">
                 <a:solidFill>
                   <a:srgbClr val="FFFFFF"/>
                 </a:solidFill>
               </a14:hiddenFill>
             </a:ext>
             <a:ext uri="{91240B29-F687-4f45-9708-019B960494DF}">
-              <a14:hiddenLine xmlns="" xmlns:a14="http://schemas.microsoft.com/office/drawing/2010/main" w="9525">
+              <a14:hiddenLine xmlns:a14="http://schemas.microsoft.com/office/drawing/2010/main" xmlns="" w="9525">
                 <a:solidFill>
                   <a:srgbClr val="000000"/>
                 </a:solidFill>
@@ -22431,7 +23411,7 @@
     </p:spTree>
     <p:extLst>
       <p:ext uri="{BB962C8B-B14F-4D97-AF65-F5344CB8AC3E}">
-        <p14:creationId xmlns:p14="http://schemas.microsoft.com/office/powerpoint/2010/main" val="3057147839"/>
+        <p14:creationId xmlns:p14="http://schemas.microsoft.com/office/powerpoint/2010/main" val="507164891"/>
       </p:ext>
     </p:extLst>
   </p:cSld>
@@ -22595,7 +23575,7 @@
     </p:spTree>
     <p:extLst>
       <p:ext uri="{BB962C8B-B14F-4D97-AF65-F5344CB8AC3E}">
-        <p14:creationId xmlns:p14="http://schemas.microsoft.com/office/powerpoint/2010/main" val="329225196"/>
+        <p14:creationId xmlns:p14="http://schemas.microsoft.com/office/powerpoint/2010/main" val="2562622193"/>
       </p:ext>
     </p:extLst>
   </p:cSld>

--- a/new_SE401/Lectures/8-Integration, System and Regression Testing/System Testing.pptx
+++ b/new_SE401/Lectures/8-Integration, System and Regression Testing/System Testing.pptx
@@ -266,7 +266,7 @@
           <a:p>
             <a:fld id="{F3B0ED5F-57F7-41A3-9ACC-D2FCCFA7696D}" type="datetimeFigureOut">
               <a:rPr lang="en-US" smtClean="0"/>
-              <a:t>11/15/2021</a:t>
+              <a:t>11/16/2021</a:t>
             </a:fld>
             <a:endParaRPr lang="en-US"/>
           </a:p>
@@ -2477,14 +2477,14 @@
           </a:ln>
           <a:extLst>
             <a:ext uri="{909E8E84-426E-40dd-AFC4-6F175D3DCCD1}">
-              <a14:hiddenFill xmlns:a14="http://schemas.microsoft.com/office/drawing/2010/main" xmlns="">
+              <a14:hiddenFill xmlns="" xmlns:a14="http://schemas.microsoft.com/office/drawing/2010/main">
                 <a:solidFill>
                   <a:srgbClr val="FFFFFF"/>
                 </a:solidFill>
               </a14:hiddenFill>
             </a:ext>
             <a:ext uri="{91240B29-F687-4f45-9708-019B960494DF}">
-              <a14:hiddenLine xmlns:a14="http://schemas.microsoft.com/office/drawing/2010/main" xmlns="" w="9525">
+              <a14:hiddenLine xmlns="" xmlns:a14="http://schemas.microsoft.com/office/drawing/2010/main" w="9525">
                 <a:solidFill>
                   <a:srgbClr val="000000"/>
                 </a:solidFill>
@@ -2660,14 +2660,14 @@
           </a:ln>
           <a:extLst>
             <a:ext uri="{909E8E84-426E-40dd-AFC4-6F175D3DCCD1}">
-              <a14:hiddenFill xmlns:a14="http://schemas.microsoft.com/office/drawing/2010/main" xmlns="">
+              <a14:hiddenFill xmlns="" xmlns:a14="http://schemas.microsoft.com/office/drawing/2010/main">
                 <a:solidFill>
                   <a:srgbClr val="FFFFFF"/>
                 </a:solidFill>
               </a14:hiddenFill>
             </a:ext>
             <a:ext uri="{FAA26D3D-D897-4be2-8F04-BA451C77F1D7}">
-              <ma14:placeholderFlag xmlns:ma14="http://schemas.microsoft.com/office/mac/drawingml/2011/main" xmlns="" val="1"/>
+              <ma14:placeholderFlag xmlns="" xmlns:ma14="http://schemas.microsoft.com/office/mac/drawingml/2011/main" val="1"/>
             </a:ext>
           </a:extLst>
         </p:spPr>
@@ -3379,7 +3379,7 @@
           </a:ln>
           <a:extLst>
             <a:ext uri="{909E8E84-426E-40dd-AFC4-6F175D3DCCD1}">
-              <a14:hiddenFill xmlns:a14="http://schemas.microsoft.com/office/drawing/2010/main" xmlns="">
+              <a14:hiddenFill xmlns="" xmlns:a14="http://schemas.microsoft.com/office/drawing/2010/main">
                 <a:solidFill>
                   <a:srgbClr val="FFFFFF"/>
                 </a:solidFill>
@@ -3985,7 +3985,7 @@
           </a:ln>
           <a:extLst>
             <a:ext uri="{909E8E84-426E-40dd-AFC4-6F175D3DCCD1}">
-              <a14:hiddenFill xmlns:a14="http://schemas.microsoft.com/office/drawing/2010/main" xmlns="">
+              <a14:hiddenFill xmlns="" xmlns:a14="http://schemas.microsoft.com/office/drawing/2010/main">
                 <a:solidFill>
                   <a:srgbClr val="FFFFFF"/>
                 </a:solidFill>
@@ -4279,7 +4279,7 @@
           </a:ln>
           <a:extLst>
             <a:ext uri="{AF507438-7753-43e0-B8FC-AC1667EBCBE1}">
-              <a14:hiddenEffects xmlns:a14="http://schemas.microsoft.com/office/drawing/2010/main" xmlns="">
+              <a14:hiddenEffects xmlns="" xmlns:a14="http://schemas.microsoft.com/office/drawing/2010/main">
                 <a:effectLst>
                   <a:outerShdw blurRad="63500" dist="38099" dir="2700000" algn="ctr" rotWithShape="0">
                     <a:srgbClr val="000000">
@@ -4314,14 +4314,14 @@
           <a:ln/>
           <a:extLst>
             <a:ext uri="{909E8E84-426E-40dd-AFC4-6F175D3DCCD1}">
-              <a14:hiddenFill xmlns:a14="http://schemas.microsoft.com/office/drawing/2010/main" xmlns="">
+              <a14:hiddenFill xmlns="" xmlns:a14="http://schemas.microsoft.com/office/drawing/2010/main">
                 <a:solidFill>
                   <a:srgbClr val="FFFFFF"/>
                 </a:solidFill>
               </a14:hiddenFill>
             </a:ext>
             <a:ext uri="{91240B29-F687-4f45-9708-019B960494DF}">
-              <a14:hiddenLine xmlns:a14="http://schemas.microsoft.com/office/drawing/2010/main" xmlns="" w="9525">
+              <a14:hiddenLine xmlns="" xmlns:a14="http://schemas.microsoft.com/office/drawing/2010/main" w="9525">
                 <a:solidFill>
                   <a:srgbClr val="000000"/>
                 </a:solidFill>
@@ -4331,7 +4331,7 @@
               </a14:hiddenLine>
             </a:ext>
             <a:ext uri="{AF507438-7753-43e0-B8FC-AC1667EBCBE1}">
-              <a14:hiddenEffects xmlns:a14="http://schemas.microsoft.com/office/drawing/2010/main" xmlns="">
+              <a14:hiddenEffects xmlns="" xmlns:a14="http://schemas.microsoft.com/office/drawing/2010/main">
                 <a:effectLst>
                   <a:outerShdw blurRad="63500" dist="38099" dir="2700000" algn="ctr" rotWithShape="0">
                     <a:srgbClr val="000000">
@@ -4777,14 +4777,14 @@
           </a:ln>
           <a:extLst>
             <a:ext uri="{909E8E84-426E-40dd-AFC4-6F175D3DCCD1}">
-              <a14:hiddenFill xmlns:a14="http://schemas.microsoft.com/office/drawing/2010/main" xmlns="">
+              <a14:hiddenFill xmlns="" xmlns:a14="http://schemas.microsoft.com/office/drawing/2010/main">
                 <a:solidFill>
                   <a:srgbClr val="FFFFFF"/>
                 </a:solidFill>
               </a14:hiddenFill>
             </a:ext>
             <a:ext uri="{91240B29-F687-4f45-9708-019B960494DF}">
-              <a14:hiddenLine xmlns:a14="http://schemas.microsoft.com/office/drawing/2010/main" xmlns="" w="9525">
+              <a14:hiddenLine xmlns="" xmlns:a14="http://schemas.microsoft.com/office/drawing/2010/main" w="9525">
                 <a:solidFill>
                   <a:srgbClr val="000000"/>
                 </a:solidFill>
@@ -4960,14 +4960,14 @@
           </a:ln>
           <a:extLst>
             <a:ext uri="{909E8E84-426E-40dd-AFC4-6F175D3DCCD1}">
-              <a14:hiddenFill xmlns:a14="http://schemas.microsoft.com/office/drawing/2010/main" xmlns="">
+              <a14:hiddenFill xmlns="" xmlns:a14="http://schemas.microsoft.com/office/drawing/2010/main">
                 <a:solidFill>
                   <a:srgbClr val="FFFFFF"/>
                 </a:solidFill>
               </a14:hiddenFill>
             </a:ext>
             <a:ext uri="{FAA26D3D-D897-4be2-8F04-BA451C77F1D7}">
-              <ma14:placeholderFlag xmlns:ma14="http://schemas.microsoft.com/office/mac/drawingml/2011/main" xmlns="" val="1"/>
+              <ma14:placeholderFlag xmlns="" xmlns:ma14="http://schemas.microsoft.com/office/mac/drawingml/2011/main" val="1"/>
             </a:ext>
           </a:extLst>
         </p:spPr>
@@ -6526,7 +6526,7 @@
           <a:p>
             <a:fld id="{3893B2B2-4038-4C27-BE41-FFDF97FE67FC}" type="datetime1">
               <a:rPr lang="en-US" smtClean="0"/>
-              <a:t>11/15/2021</a:t>
+              <a:t>11/16/2021</a:t>
             </a:fld>
             <a:endParaRPr lang="en-US"/>
           </a:p>
@@ -6777,7 +6777,7 @@
           <a:p>
             <a:fld id="{2EDF292E-3C7B-493C-991E-4764593041FC}" type="datetime1">
               <a:rPr lang="en-US" smtClean="0"/>
-              <a:t>11/15/2021</a:t>
+              <a:t>11/16/2021</a:t>
             </a:fld>
             <a:endParaRPr lang="en-US"/>
           </a:p>
@@ -6957,7 +6957,7 @@
           <a:p>
             <a:fld id="{A341C04D-32BA-4347-8086-08E5C96208D0}" type="datetime1">
               <a:rPr lang="en-US" smtClean="0"/>
-              <a:t>11/15/2021</a:t>
+              <a:t>11/16/2021</a:t>
             </a:fld>
             <a:endParaRPr lang="en-US"/>
           </a:p>
@@ -7213,7 +7213,7 @@
           <a:p>
             <a:fld id="{B8FFB4ED-58E4-4CD8-9B4A-0077E7AD499F}" type="datetime1">
               <a:rPr lang="en-US" smtClean="0"/>
-              <a:t>11/15/2021</a:t>
+              <a:t>11/16/2021</a:t>
             </a:fld>
             <a:endParaRPr lang="en-US"/>
           </a:p>
@@ -7558,7 +7558,7 @@
           <a:p>
             <a:fld id="{B5285AD8-C0BB-43A5-BAD8-F615BA524505}" type="datetime1">
               <a:rPr lang="en-US" smtClean="0"/>
-              <a:t>11/15/2021</a:t>
+              <a:t>11/16/2021</a:t>
             </a:fld>
             <a:endParaRPr lang="en-US"/>
           </a:p>
@@ -7790,7 +7790,7 @@
           <a:p>
             <a:fld id="{C8242BE0-A2F3-4D8F-98B8-3926370542E4}" type="datetime1">
               <a:rPr lang="en-US" smtClean="0"/>
-              <a:t>11/15/2021</a:t>
+              <a:t>11/16/2021</a:t>
             </a:fld>
             <a:endParaRPr lang="en-US"/>
           </a:p>
@@ -8157,7 +8157,7 @@
           <a:p>
             <a:fld id="{C22EE46A-9004-4F68-B3E2-F78F67F33509}" type="datetime1">
               <a:rPr lang="en-US" smtClean="0"/>
-              <a:t>11/15/2021</a:t>
+              <a:t>11/16/2021</a:t>
             </a:fld>
             <a:endParaRPr lang="en-US"/>
           </a:p>
@@ -8252,7 +8252,7 @@
           <a:p>
             <a:fld id="{22A62ABF-3675-4388-AADF-6054960CB9C0}" type="datetime1">
               <a:rPr lang="en-US" smtClean="0"/>
-              <a:t>11/15/2021</a:t>
+              <a:t>11/16/2021</a:t>
             </a:fld>
             <a:endParaRPr lang="en-US"/>
           </a:p>
@@ -8475,7 +8475,7 @@
             <a:fld id="{B2F5E2FA-C428-4CE7-95B0-168D3259A5BB}" type="datetimeFigureOut">
               <a:rPr lang="en-US" smtClean="0"/>
               <a:pPr/>
-              <a:t>11/15/2021</a:t>
+              <a:t>11/16/2021</a:t>
             </a:fld>
             <a:endParaRPr lang="en-US"/>
           </a:p>
@@ -8646,7 +8646,7 @@
           <a:p>
             <a:fld id="{4BDD0A2E-A557-4EE7-9BF2-43C017C04ED5}" type="datetime1">
               <a:rPr lang="en-US" smtClean="0"/>
-              <a:t>11/15/2021</a:t>
+              <a:t>11/16/2021</a:t>
             </a:fld>
             <a:endParaRPr lang="en-US"/>
           </a:p>
@@ -8923,7 +8923,7 @@
           <a:p>
             <a:fld id="{FF90B3B6-75C1-43BC-B878-000D55F17770}" type="datetime1">
               <a:rPr lang="en-US" smtClean="0"/>
-              <a:t>11/15/2021</a:t>
+              <a:t>11/16/2021</a:t>
             </a:fld>
             <a:endParaRPr lang="en-US"/>
           </a:p>
@@ -9176,7 +9176,7 @@
           <a:p>
             <a:fld id="{821D8A8D-1A52-45F9-B193-4918DD22A7FD}" type="datetime1">
               <a:rPr lang="en-US" smtClean="0"/>
-              <a:t>11/15/2021</a:t>
+              <a:t>11/16/2021</a:t>
             </a:fld>
             <a:endParaRPr lang="en-US"/>
           </a:p>
@@ -9389,7 +9389,7 @@
           <a:p>
             <a:fld id="{F4F599D2-0BF1-4196-9BBF-D566F2610F29}" type="datetime1">
               <a:rPr lang="en-US" smtClean="0"/>
-              <a:t>11/15/2021</a:t>
+              <a:t>11/16/2021</a:t>
             </a:fld>
             <a:endParaRPr lang="en-US"/>
           </a:p>
@@ -11813,12 +11813,6 @@
               </a:rPr>
               <a:t>Uppermost level SAT M finite state machine.</a:t>
             </a:r>
-            <a:endParaRPr lang="en-US" dirty="0">
-              <a:solidFill>
-                <a:schemeClr val="tx1"/>
-              </a:solidFill>
-              <a:latin typeface="Candara" panose="020E0502030303020204" pitchFamily="34" charset="0"/>
-            </a:endParaRPr>
           </a:p>
         </p:txBody>
       </p:sp>
@@ -11927,9 +11921,6 @@
               </a:rPr>
               <a:t>Decomposition of PIN entry state.</a:t>
             </a:r>
-            <a:endParaRPr lang="en-US" dirty="0">
-              <a:latin typeface="Candara" panose="020E0502030303020204" pitchFamily="34" charset="0"/>
-            </a:endParaRPr>
           </a:p>
         </p:txBody>
       </p:sp>
@@ -12038,9 +12029,6 @@
               </a:rPr>
               <a:t>Decomposition of transaction processing state</a:t>
             </a:r>
-            <a:endParaRPr lang="en-US" dirty="0">
-              <a:latin typeface="Candara" panose="020E0502030303020204" pitchFamily="34" charset="0"/>
-            </a:endParaRPr>
           </a:p>
         </p:txBody>
       </p:sp>
@@ -13023,7 +13011,7 @@
           <a:graphicData uri="http://schemas.openxmlformats.org/presentationml/2006/ole">
             <mc:AlternateContent xmlns:mc="http://schemas.openxmlformats.org/markup-compatibility/2006">
               <mc:Choice xmlns:v="urn:schemas-microsoft-com:vml" Requires="v">
-                <p:oleObj spid="_x0000_s1028" name="Visio" r:id="rId3" imgW="2206211" imgH="764469" progId="Visio.Drawing.11">
+                <p:oleObj spid="_x0000_s1029" name="Visio" r:id="rId3" imgW="2206211" imgH="764469" progId="Visio.Drawing.11">
                   <p:embed/>
                 </p:oleObj>
               </mc:Choice>
@@ -14536,19 +14524,13 @@
             <a:pPr lvl="1"/>
             <a:r>
               <a:rPr lang="en-US" dirty="0" smtClean="0"/>
-              <a:t>from short use cases</a:t>
-            </a:r>
-          </a:p>
-          <a:p>
-            <a:r>
-              <a:rPr lang="en-US" dirty="0" smtClean="0"/>
-              <a:t>Example: the integration version of </a:t>
-            </a:r>
-            <a:r>
-              <a:rPr lang="en-US" dirty="0" err="1" smtClean="0"/>
-              <a:t>NextDate</a:t>
-            </a:r>
-            <a:endParaRPr lang="en-US" dirty="0"/>
+              <a:t>from short use </a:t>
+            </a:r>
+            <a:r>
+              <a:rPr lang="en-US" dirty="0" smtClean="0"/>
+              <a:t>cases</a:t>
+            </a:r>
+            <a:endParaRPr lang="en-US" dirty="0" smtClean="0"/>
           </a:p>
         </p:txBody>
       </p:sp>
@@ -16424,14 +16406,14 @@
           </a:ln>
           <a:extLst>
             <a:ext uri="{909E8E84-426E-40dd-AFC4-6F175D3DCCD1}">
-              <a14:hiddenFill xmlns:a14="http://schemas.microsoft.com/office/drawing/2010/main" xmlns="">
+              <a14:hiddenFill xmlns="" xmlns:a14="http://schemas.microsoft.com/office/drawing/2010/main">
                 <a:solidFill>
                   <a:srgbClr val="FFFFFF"/>
                 </a:solidFill>
               </a14:hiddenFill>
             </a:ext>
             <a:ext uri="{91240B29-F687-4f45-9708-019B960494DF}">
-              <a14:hiddenLine xmlns:a14="http://schemas.microsoft.com/office/drawing/2010/main" xmlns="" w="9525">
+              <a14:hiddenLine xmlns="" xmlns:a14="http://schemas.microsoft.com/office/drawing/2010/main" w="9525">
                 <a:solidFill>
                   <a:srgbClr val="000000"/>
                 </a:solidFill>
@@ -16441,7 +16423,7 @@
               </a14:hiddenLine>
             </a:ext>
             <a:ext uri="{FAA26D3D-D897-4be2-8F04-BA451C77F1D7}">
-              <ma14:placeholderFlag xmlns:ma14="http://schemas.microsoft.com/office/mac/drawingml/2011/main" xmlns="" val="1"/>
+              <ma14:placeholderFlag xmlns="" xmlns:ma14="http://schemas.microsoft.com/office/mac/drawingml/2011/main" val="1"/>
             </a:ext>
           </a:extLst>
         </p:spPr>
@@ -16812,14 +16794,14 @@
           </a:ln>
           <a:extLst>
             <a:ext uri="{909E8E84-426E-40dd-AFC4-6F175D3DCCD1}">
-              <a14:hiddenFill xmlns:a14="http://schemas.microsoft.com/office/drawing/2010/main" xmlns="">
+              <a14:hiddenFill xmlns="" xmlns:a14="http://schemas.microsoft.com/office/drawing/2010/main">
                 <a:solidFill>
                   <a:srgbClr val="FFFFFF"/>
                 </a:solidFill>
               </a14:hiddenFill>
             </a:ext>
             <a:ext uri="{91240B29-F687-4f45-9708-019B960494DF}">
-              <a14:hiddenLine xmlns:a14="http://schemas.microsoft.com/office/drawing/2010/main" xmlns="" w="9525">
+              <a14:hiddenLine xmlns="" xmlns:a14="http://schemas.microsoft.com/office/drawing/2010/main" w="9525">
                 <a:solidFill>
                   <a:srgbClr val="000000"/>
                 </a:solidFill>
@@ -16829,7 +16811,7 @@
               </a14:hiddenLine>
             </a:ext>
             <a:ext uri="{FAA26D3D-D897-4be2-8F04-BA451C77F1D7}">
-              <ma14:placeholderFlag xmlns:ma14="http://schemas.microsoft.com/office/mac/drawingml/2011/main" xmlns="" val="1"/>
+              <ma14:placeholderFlag xmlns="" xmlns:ma14="http://schemas.microsoft.com/office/mac/drawingml/2011/main" val="1"/>
             </a:ext>
           </a:extLst>
         </p:spPr>
@@ -17171,14 +17153,14 @@
           <a:effectLst/>
           <a:extLst>
             <a:ext uri="{909E8E84-426E-40dd-AFC4-6F175D3DCCD1}">
-              <a14:hiddenFill xmlns:a14="http://schemas.microsoft.com/office/drawing/2010/main" xmlns="">
+              <a14:hiddenFill xmlns="" xmlns:a14="http://schemas.microsoft.com/office/drawing/2010/main">
                 <a:solidFill>
                   <a:schemeClr val="accent1"/>
                 </a:solidFill>
               </a14:hiddenFill>
             </a:ext>
             <a:ext uri="{91240B29-F687-4f45-9708-019B960494DF}">
-              <a14:hiddenLine xmlns:a14="http://schemas.microsoft.com/office/drawing/2010/main" xmlns="" w="12700">
+              <a14:hiddenLine xmlns="" xmlns:a14="http://schemas.microsoft.com/office/drawing/2010/main" w="12700">
                 <a:solidFill>
                   <a:schemeClr val="tx1"/>
                 </a:solidFill>
@@ -17188,7 +17170,7 @@
               </a14:hiddenLine>
             </a:ext>
             <a:ext uri="{AF507438-7753-43e0-B8FC-AC1667EBCBE1}">
-              <a14:hiddenEffects xmlns:a14="http://schemas.microsoft.com/office/drawing/2010/main" xmlns="">
+              <a14:hiddenEffects xmlns="" xmlns:a14="http://schemas.microsoft.com/office/drawing/2010/main">
                 <a:effectLst>
                   <a:outerShdw dist="35921" dir="2700000" algn="ctr" rotWithShape="0">
                     <a:schemeClr val="bg2"/>
@@ -17335,14 +17317,14 @@
           </a:ln>
           <a:extLst>
             <a:ext uri="{909E8E84-426E-40dd-AFC4-6F175D3DCCD1}">
-              <a14:hiddenFill xmlns:a14="http://schemas.microsoft.com/office/drawing/2010/main" xmlns="">
+              <a14:hiddenFill xmlns="" xmlns:a14="http://schemas.microsoft.com/office/drawing/2010/main">
                 <a:solidFill>
                   <a:srgbClr val="FFFFFF"/>
                 </a:solidFill>
               </a14:hiddenFill>
             </a:ext>
             <a:ext uri="{91240B29-F687-4f45-9708-019B960494DF}">
-              <a14:hiddenLine xmlns:a14="http://schemas.microsoft.com/office/drawing/2010/main" xmlns="" w="9525">
+              <a14:hiddenLine xmlns="" xmlns:a14="http://schemas.microsoft.com/office/drawing/2010/main" w="9525">
                 <a:solidFill>
                   <a:srgbClr val="000000"/>
                 </a:solidFill>
@@ -17352,7 +17334,7 @@
               </a14:hiddenLine>
             </a:ext>
             <a:ext uri="{FAA26D3D-D897-4be2-8F04-BA451C77F1D7}">
-              <ma14:placeholderFlag xmlns:ma14="http://schemas.microsoft.com/office/mac/drawingml/2011/main" xmlns="" val="1"/>
+              <ma14:placeholderFlag xmlns="" xmlns:ma14="http://schemas.microsoft.com/office/mac/drawingml/2011/main" val="1"/>
             </a:ext>
           </a:extLst>
         </p:spPr>
@@ -19838,14 +19820,14 @@
           </a:ln>
           <a:extLst>
             <a:ext uri="{909E8E84-426E-40dd-AFC4-6F175D3DCCD1}">
-              <a14:hiddenFill xmlns:a14="http://schemas.microsoft.com/office/drawing/2010/main" xmlns="">
+              <a14:hiddenFill xmlns="" xmlns:a14="http://schemas.microsoft.com/office/drawing/2010/main">
                 <a:solidFill>
                   <a:srgbClr val="FFFFFF"/>
                 </a:solidFill>
               </a14:hiddenFill>
             </a:ext>
             <a:ext uri="{91240B29-F687-4f45-9708-019B960494DF}">
-              <a14:hiddenLine xmlns:a14="http://schemas.microsoft.com/office/drawing/2010/main" xmlns="" w="9525">
+              <a14:hiddenLine xmlns="" xmlns:a14="http://schemas.microsoft.com/office/drawing/2010/main" w="9525">
                 <a:solidFill>
                   <a:srgbClr val="000000"/>
                 </a:solidFill>
@@ -23129,14 +23111,14 @@
           </a:ln>
           <a:extLst>
             <a:ext uri="{909E8E84-426E-40dd-AFC4-6F175D3DCCD1}">
-              <a14:hiddenFill xmlns:a14="http://schemas.microsoft.com/office/drawing/2010/main" xmlns="">
+              <a14:hiddenFill xmlns="" xmlns:a14="http://schemas.microsoft.com/office/drawing/2010/main">
                 <a:solidFill>
                   <a:srgbClr val="FFFFFF"/>
                 </a:solidFill>
               </a14:hiddenFill>
             </a:ext>
             <a:ext uri="{91240B29-F687-4f45-9708-019B960494DF}">
-              <a14:hiddenLine xmlns:a14="http://schemas.microsoft.com/office/drawing/2010/main" xmlns="" w="9525">
+              <a14:hiddenLine xmlns="" xmlns:a14="http://schemas.microsoft.com/office/drawing/2010/main" w="9525">
                 <a:solidFill>
                   <a:srgbClr val="000000"/>
                 </a:solidFill>
@@ -23179,12 +23161,6 @@
               </a:rPr>
               <a:t>Threads</a:t>
             </a:r>
-            <a:endParaRPr lang="en-US" b="1" dirty="0">
-              <a:solidFill>
-                <a:schemeClr val="bg1"/>
-              </a:solidFill>
-              <a:latin typeface="Candara" panose="020E0502030303020204" pitchFamily="34" charset="0"/>
-            </a:endParaRPr>
           </a:p>
         </p:txBody>
       </p:sp>
@@ -23210,14 +23186,14 @@
           </a:ln>
           <a:extLst>
             <a:ext uri="{909E8E84-426E-40dd-AFC4-6F175D3DCCD1}">
-              <a14:hiddenFill xmlns:a14="http://schemas.microsoft.com/office/drawing/2010/main" xmlns="">
+              <a14:hiddenFill xmlns="" xmlns:a14="http://schemas.microsoft.com/office/drawing/2010/main">
                 <a:solidFill>
                   <a:srgbClr val="FFFFFF"/>
                 </a:solidFill>
               </a14:hiddenFill>
             </a:ext>
             <a:ext uri="{91240B29-F687-4f45-9708-019B960494DF}">
-              <a14:hiddenLine xmlns:a14="http://schemas.microsoft.com/office/drawing/2010/main" xmlns="" w="9525">
+              <a14:hiddenLine xmlns="" xmlns:a14="http://schemas.microsoft.com/office/drawing/2010/main" w="9525">
                 <a:solidFill>
                   <a:srgbClr val="000000"/>
                 </a:solidFill>

--- a/new_SE401/Lectures/8-Integration, System and Regression Testing/System Testing.pptx
+++ b/new_SE401/Lectures/8-Integration, System and Regression Testing/System Testing.pptx
@@ -266,7 +266,7 @@
           <a:p>
             <a:fld id="{F3B0ED5F-57F7-41A3-9ACC-D2FCCFA7696D}" type="datetimeFigureOut">
               <a:rPr lang="en-US" smtClean="0"/>
-              <a:t>11/16/2021</a:t>
+              <a:t>11/28/2021</a:t>
             </a:fld>
             <a:endParaRPr lang="en-US"/>
           </a:p>
@@ -2139,7 +2139,7 @@
           </a:ln>
           <a:extLst>
             <a:ext uri="{909E8E84-426E-40dd-AFC4-6F175D3DCCD1}">
-              <a14:hiddenFill xmlns:a14="http://schemas.microsoft.com/office/drawing/2010/main" xmlns="">
+              <a14:hiddenFill xmlns="" xmlns:a14="http://schemas.microsoft.com/office/drawing/2010/main">
                 <a:solidFill>
                   <a:srgbClr val="FFFFFF"/>
                 </a:solidFill>
@@ -2555,14 +2555,14 @@
           </a:ln>
           <a:extLst>
             <a:ext uri="{909E8E84-426E-40dd-AFC4-6F175D3DCCD1}">
-              <a14:hiddenFill xmlns:a14="http://schemas.microsoft.com/office/drawing/2010/main" xmlns="">
+              <a14:hiddenFill xmlns="" xmlns:a14="http://schemas.microsoft.com/office/drawing/2010/main">
                 <a:solidFill>
                   <a:srgbClr val="FFFFFF"/>
                 </a:solidFill>
               </a14:hiddenFill>
             </a:ext>
             <a:ext uri="{91240B29-F687-4f45-9708-019B960494DF}">
-              <a14:hiddenLine xmlns:a14="http://schemas.microsoft.com/office/drawing/2010/main" xmlns="" w="9525">
+              <a14:hiddenLine xmlns="" xmlns:a14="http://schemas.microsoft.com/office/drawing/2010/main" w="9525">
                 <a:solidFill>
                   <a:srgbClr val="000000"/>
                 </a:solidFill>
@@ -2738,14 +2738,14 @@
           </a:ln>
           <a:extLst>
             <a:ext uri="{909E8E84-426E-40dd-AFC4-6F175D3DCCD1}">
-              <a14:hiddenFill xmlns:a14="http://schemas.microsoft.com/office/drawing/2010/main" xmlns="">
+              <a14:hiddenFill xmlns="" xmlns:a14="http://schemas.microsoft.com/office/drawing/2010/main">
                 <a:solidFill>
                   <a:srgbClr val="FFFFFF"/>
                 </a:solidFill>
               </a14:hiddenFill>
             </a:ext>
             <a:ext uri="{FAA26D3D-D897-4be2-8F04-BA451C77F1D7}">
-              <ma14:placeholderFlag xmlns:ma14="http://schemas.microsoft.com/office/mac/drawingml/2011/main" xmlns="" val="1"/>
+              <ma14:placeholderFlag xmlns="" xmlns:ma14="http://schemas.microsoft.com/office/mac/drawingml/2011/main" val="1"/>
             </a:ext>
           </a:extLst>
         </p:spPr>
@@ -3113,7 +3113,7 @@
           </a:ln>
           <a:extLst>
             <a:ext uri="{909E8E84-426E-40dd-AFC4-6F175D3DCCD1}">
-              <a14:hiddenFill xmlns:a14="http://schemas.microsoft.com/office/drawing/2010/main" xmlns="">
+              <a14:hiddenFill xmlns="" xmlns:a14="http://schemas.microsoft.com/office/drawing/2010/main">
                 <a:solidFill>
                   <a:srgbClr val="FFFFFF"/>
                 </a:solidFill>
@@ -3407,7 +3407,7 @@
           </a:ln>
           <a:extLst>
             <a:ext uri="{AF507438-7753-43e0-B8FC-AC1667EBCBE1}">
-              <a14:hiddenEffects xmlns:a14="http://schemas.microsoft.com/office/drawing/2010/main" xmlns="">
+              <a14:hiddenEffects xmlns="" xmlns:a14="http://schemas.microsoft.com/office/drawing/2010/main">
                 <a:effectLst>
                   <a:outerShdw blurRad="63500" dist="38099" dir="2700000" algn="ctr" rotWithShape="0">
                     <a:srgbClr val="000000">
@@ -3442,14 +3442,14 @@
           <a:ln/>
           <a:extLst>
             <a:ext uri="{909E8E84-426E-40dd-AFC4-6F175D3DCCD1}">
-              <a14:hiddenFill xmlns:a14="http://schemas.microsoft.com/office/drawing/2010/main" xmlns="">
+              <a14:hiddenFill xmlns="" xmlns:a14="http://schemas.microsoft.com/office/drawing/2010/main">
                 <a:solidFill>
                   <a:srgbClr val="FFFFFF"/>
                 </a:solidFill>
               </a14:hiddenFill>
             </a:ext>
             <a:ext uri="{91240B29-F687-4f45-9708-019B960494DF}">
-              <a14:hiddenLine xmlns:a14="http://schemas.microsoft.com/office/drawing/2010/main" xmlns="" w="9525">
+              <a14:hiddenLine xmlns="" xmlns:a14="http://schemas.microsoft.com/office/drawing/2010/main" w="9525">
                 <a:solidFill>
                   <a:srgbClr val="000000"/>
                 </a:solidFill>
@@ -3459,7 +3459,7 @@
               </a14:hiddenLine>
             </a:ext>
             <a:ext uri="{AF507438-7753-43e0-B8FC-AC1667EBCBE1}">
-              <a14:hiddenEffects xmlns:a14="http://schemas.microsoft.com/office/drawing/2010/main" xmlns="">
+              <a14:hiddenEffects xmlns="" xmlns:a14="http://schemas.microsoft.com/office/drawing/2010/main">
                 <a:effectLst>
                   <a:outerShdw blurRad="63500" dist="38099" dir="2700000" algn="ctr" rotWithShape="0">
                     <a:srgbClr val="000000">
@@ -4781,14 +4781,14 @@
           </a:ln>
           <a:extLst>
             <a:ext uri="{909E8E84-426E-40dd-AFC4-6F175D3DCCD1}">
-              <a14:hiddenFill xmlns:a14="http://schemas.microsoft.com/office/drawing/2010/main" xmlns="">
+              <a14:hiddenFill xmlns="" xmlns:a14="http://schemas.microsoft.com/office/drawing/2010/main">
                 <a:solidFill>
                   <a:srgbClr val="FFFFFF"/>
                 </a:solidFill>
               </a14:hiddenFill>
             </a:ext>
             <a:ext uri="{91240B29-F687-4f45-9708-019B960494DF}">
-              <a14:hiddenLine xmlns:a14="http://schemas.microsoft.com/office/drawing/2010/main" xmlns="" w="9525">
+              <a14:hiddenLine xmlns="" xmlns:a14="http://schemas.microsoft.com/office/drawing/2010/main" w="9525">
                 <a:solidFill>
                   <a:srgbClr val="000000"/>
                 </a:solidFill>
@@ -4964,14 +4964,14 @@
           </a:ln>
           <a:extLst>
             <a:ext uri="{909E8E84-426E-40dd-AFC4-6F175D3DCCD1}">
-              <a14:hiddenFill xmlns:a14="http://schemas.microsoft.com/office/drawing/2010/main" xmlns="">
+              <a14:hiddenFill xmlns="" xmlns:a14="http://schemas.microsoft.com/office/drawing/2010/main">
                 <a:solidFill>
                   <a:srgbClr val="FFFFFF"/>
                 </a:solidFill>
               </a14:hiddenFill>
             </a:ext>
             <a:ext uri="{FAA26D3D-D897-4be2-8F04-BA451C77F1D7}">
-              <ma14:placeholderFlag xmlns:ma14="http://schemas.microsoft.com/office/mac/drawingml/2011/main" xmlns="" val="1"/>
+              <ma14:placeholderFlag xmlns="" xmlns:ma14="http://schemas.microsoft.com/office/mac/drawingml/2011/main" val="1"/>
             </a:ext>
           </a:extLst>
         </p:spPr>
@@ -6526,7 +6526,7 @@
           <a:p>
             <a:fld id="{3893B2B2-4038-4C27-BE41-FFDF97FE67FC}" type="datetime1">
               <a:rPr lang="en-US" smtClean="0"/>
-              <a:t>11/16/2021</a:t>
+              <a:t>11/28/2021</a:t>
             </a:fld>
             <a:endParaRPr lang="en-US"/>
           </a:p>
@@ -6777,7 +6777,7 @@
           <a:p>
             <a:fld id="{2EDF292E-3C7B-493C-991E-4764593041FC}" type="datetime1">
               <a:rPr lang="en-US" smtClean="0"/>
-              <a:t>11/16/2021</a:t>
+              <a:t>11/28/2021</a:t>
             </a:fld>
             <a:endParaRPr lang="en-US"/>
           </a:p>
@@ -6957,7 +6957,7 @@
           <a:p>
             <a:fld id="{A341C04D-32BA-4347-8086-08E5C96208D0}" type="datetime1">
               <a:rPr lang="en-US" smtClean="0"/>
-              <a:t>11/16/2021</a:t>
+              <a:t>11/28/2021</a:t>
             </a:fld>
             <a:endParaRPr lang="en-US"/>
           </a:p>
@@ -7213,7 +7213,7 @@
           <a:p>
             <a:fld id="{B8FFB4ED-58E4-4CD8-9B4A-0077E7AD499F}" type="datetime1">
               <a:rPr lang="en-US" smtClean="0"/>
-              <a:t>11/16/2021</a:t>
+              <a:t>11/28/2021</a:t>
             </a:fld>
             <a:endParaRPr lang="en-US"/>
           </a:p>
@@ -7558,7 +7558,7 @@
           <a:p>
             <a:fld id="{B5285AD8-C0BB-43A5-BAD8-F615BA524505}" type="datetime1">
               <a:rPr lang="en-US" smtClean="0"/>
-              <a:t>11/16/2021</a:t>
+              <a:t>11/28/2021</a:t>
             </a:fld>
             <a:endParaRPr lang="en-US"/>
           </a:p>
@@ -7790,7 +7790,7 @@
           <a:p>
             <a:fld id="{C8242BE0-A2F3-4D8F-98B8-3926370542E4}" type="datetime1">
               <a:rPr lang="en-US" smtClean="0"/>
-              <a:t>11/16/2021</a:t>
+              <a:t>11/28/2021</a:t>
             </a:fld>
             <a:endParaRPr lang="en-US"/>
           </a:p>
@@ -8157,7 +8157,7 @@
           <a:p>
             <a:fld id="{C22EE46A-9004-4F68-B3E2-F78F67F33509}" type="datetime1">
               <a:rPr lang="en-US" smtClean="0"/>
-              <a:t>11/16/2021</a:t>
+              <a:t>11/28/2021</a:t>
             </a:fld>
             <a:endParaRPr lang="en-US"/>
           </a:p>
@@ -8252,7 +8252,7 @@
           <a:p>
             <a:fld id="{22A62ABF-3675-4388-AADF-6054960CB9C0}" type="datetime1">
               <a:rPr lang="en-US" smtClean="0"/>
-              <a:t>11/16/2021</a:t>
+              <a:t>11/28/2021</a:t>
             </a:fld>
             <a:endParaRPr lang="en-US"/>
           </a:p>
@@ -8475,7 +8475,7 @@
             <a:fld id="{B2F5E2FA-C428-4CE7-95B0-168D3259A5BB}" type="datetimeFigureOut">
               <a:rPr lang="en-US" smtClean="0"/>
               <a:pPr/>
-              <a:t>11/16/2021</a:t>
+              <a:t>11/28/2021</a:t>
             </a:fld>
             <a:endParaRPr lang="en-US"/>
           </a:p>
@@ -8646,7 +8646,7 @@
           <a:p>
             <a:fld id="{4BDD0A2E-A557-4EE7-9BF2-43C017C04ED5}" type="datetime1">
               <a:rPr lang="en-US" smtClean="0"/>
-              <a:t>11/16/2021</a:t>
+              <a:t>11/28/2021</a:t>
             </a:fld>
             <a:endParaRPr lang="en-US"/>
           </a:p>
@@ -8923,7 +8923,7 @@
           <a:p>
             <a:fld id="{FF90B3B6-75C1-43BC-B878-000D55F17770}" type="datetime1">
               <a:rPr lang="en-US" smtClean="0"/>
-              <a:t>11/16/2021</a:t>
+              <a:t>11/28/2021</a:t>
             </a:fld>
             <a:endParaRPr lang="en-US"/>
           </a:p>
@@ -9176,7 +9176,7 @@
           <a:p>
             <a:fld id="{821D8A8D-1A52-45F9-B193-4918DD22A7FD}" type="datetime1">
               <a:rPr lang="en-US" smtClean="0"/>
-              <a:t>11/16/2021</a:t>
+              <a:t>11/28/2021</a:t>
             </a:fld>
             <a:endParaRPr lang="en-US"/>
           </a:p>
@@ -9389,7 +9389,7 @@
           <a:p>
             <a:fld id="{F4F599D2-0BF1-4196-9BBF-D566F2610F29}" type="datetime1">
               <a:rPr lang="en-US" smtClean="0"/>
-              <a:t>11/16/2021</a:t>
+              <a:t>11/28/2021</a:t>
             </a:fld>
             <a:endParaRPr lang="en-US"/>
           </a:p>
@@ -9832,6 +9832,10 @@
           <a:bodyPr/>
           <a:lstStyle/>
           <a:p>
+            <a:r>
+              <a:rPr lang="en-US"/>
+              <a:t>SE401: Software Quality Assurance and Testing</a:t>
+            </a:r>
             <a:endParaRPr lang="en-US"/>
           </a:p>
         </p:txBody>
@@ -13011,7 +13015,7 @@
           <a:graphicData uri="http://schemas.openxmlformats.org/presentationml/2006/ole">
             <mc:AlternateContent xmlns:mc="http://schemas.openxmlformats.org/markup-compatibility/2006">
               <mc:Choice xmlns:v="urn:schemas-microsoft-com:vml" Requires="v">
-                <p:oleObj spid="_x0000_s1031" name="Visio" r:id="rId3" imgW="2206211" imgH="764469" progId="Visio.Drawing.11">
+                <p:oleObj spid="_x0000_s1033" name="Visio" r:id="rId3" imgW="2206211" imgH="764469" progId="Visio.Drawing.11">
                   <p:embed/>
                 </p:oleObj>
               </mc:Choice>
@@ -17680,14 +17684,14 @@
           </a:ln>
           <a:extLst>
             <a:ext uri="{909E8E84-426E-40dd-AFC4-6F175D3DCCD1}">
-              <a14:hiddenFill xmlns:a14="http://schemas.microsoft.com/office/drawing/2010/main" xmlns="">
+              <a14:hiddenFill xmlns="" xmlns:a14="http://schemas.microsoft.com/office/drawing/2010/main">
                 <a:solidFill>
                   <a:srgbClr val="FFFFFF"/>
                 </a:solidFill>
               </a14:hiddenFill>
             </a:ext>
             <a:ext uri="{91240B29-F687-4f45-9708-019B960494DF}">
-              <a14:hiddenLine xmlns:a14="http://schemas.microsoft.com/office/drawing/2010/main" xmlns="" w="9525">
+              <a14:hiddenLine xmlns="" xmlns:a14="http://schemas.microsoft.com/office/drawing/2010/main" w="9525">
                 <a:solidFill>
                   <a:srgbClr val="000000"/>
                 </a:solidFill>
@@ -21156,14 +21160,14 @@
           </a:ln>
           <a:extLst>
             <a:ext uri="{909E8E84-426E-40dd-AFC4-6F175D3DCCD1}">
-              <a14:hiddenFill xmlns:a14="http://schemas.microsoft.com/office/drawing/2010/main" xmlns="">
+              <a14:hiddenFill xmlns="" xmlns:a14="http://schemas.microsoft.com/office/drawing/2010/main">
                 <a:solidFill>
                   <a:srgbClr val="FFFFFF"/>
                 </a:solidFill>
               </a14:hiddenFill>
             </a:ext>
             <a:ext uri="{91240B29-F687-4f45-9708-019B960494DF}">
-              <a14:hiddenLine xmlns:a14="http://schemas.microsoft.com/office/drawing/2010/main" xmlns="" w="9525">
+              <a14:hiddenLine xmlns="" xmlns:a14="http://schemas.microsoft.com/office/drawing/2010/main" w="9525">
                 <a:solidFill>
                   <a:srgbClr val="000000"/>
                 </a:solidFill>
@@ -21173,7 +21177,7 @@
               </a14:hiddenLine>
             </a:ext>
             <a:ext uri="{FAA26D3D-D897-4be2-8F04-BA451C77F1D7}">
-              <ma14:placeholderFlag xmlns:ma14="http://schemas.microsoft.com/office/mac/drawingml/2011/main" xmlns="" val="1"/>
+              <ma14:placeholderFlag xmlns="" xmlns:ma14="http://schemas.microsoft.com/office/mac/drawingml/2011/main" val="1"/>
             </a:ext>
           </a:extLst>
         </p:spPr>
@@ -21544,14 +21548,14 @@
           </a:ln>
           <a:extLst>
             <a:ext uri="{909E8E84-426E-40dd-AFC4-6F175D3DCCD1}">
-              <a14:hiddenFill xmlns:a14="http://schemas.microsoft.com/office/drawing/2010/main" xmlns="">
+              <a14:hiddenFill xmlns="" xmlns:a14="http://schemas.microsoft.com/office/drawing/2010/main">
                 <a:solidFill>
                   <a:srgbClr val="FFFFFF"/>
                 </a:solidFill>
               </a14:hiddenFill>
             </a:ext>
             <a:ext uri="{91240B29-F687-4f45-9708-019B960494DF}">
-              <a14:hiddenLine xmlns:a14="http://schemas.microsoft.com/office/drawing/2010/main" xmlns="" w="9525">
+              <a14:hiddenLine xmlns="" xmlns:a14="http://schemas.microsoft.com/office/drawing/2010/main" w="9525">
                 <a:solidFill>
                   <a:srgbClr val="000000"/>
                 </a:solidFill>
@@ -21561,7 +21565,7 @@
               </a14:hiddenLine>
             </a:ext>
             <a:ext uri="{FAA26D3D-D897-4be2-8F04-BA451C77F1D7}">
-              <ma14:placeholderFlag xmlns:ma14="http://schemas.microsoft.com/office/mac/drawingml/2011/main" xmlns="" val="1"/>
+              <ma14:placeholderFlag xmlns="" xmlns:ma14="http://schemas.microsoft.com/office/mac/drawingml/2011/main" val="1"/>
             </a:ext>
           </a:extLst>
         </p:spPr>
@@ -21903,14 +21907,14 @@
           <a:effectLst/>
           <a:extLst>
             <a:ext uri="{909E8E84-426E-40dd-AFC4-6F175D3DCCD1}">
-              <a14:hiddenFill xmlns:a14="http://schemas.microsoft.com/office/drawing/2010/main" xmlns="">
+              <a14:hiddenFill xmlns="" xmlns:a14="http://schemas.microsoft.com/office/drawing/2010/main">
                 <a:solidFill>
                   <a:schemeClr val="accent1"/>
                 </a:solidFill>
               </a14:hiddenFill>
             </a:ext>
             <a:ext uri="{91240B29-F687-4f45-9708-019B960494DF}">
-              <a14:hiddenLine xmlns:a14="http://schemas.microsoft.com/office/drawing/2010/main" xmlns="" w="12700">
+              <a14:hiddenLine xmlns="" xmlns:a14="http://schemas.microsoft.com/office/drawing/2010/main" w="12700">
                 <a:solidFill>
                   <a:schemeClr val="tx1"/>
                 </a:solidFill>
@@ -21920,7 +21924,7 @@
               </a14:hiddenLine>
             </a:ext>
             <a:ext uri="{AF507438-7753-43e0-B8FC-AC1667EBCBE1}">
-              <a14:hiddenEffects xmlns:a14="http://schemas.microsoft.com/office/drawing/2010/main" xmlns="">
+              <a14:hiddenEffects xmlns="" xmlns:a14="http://schemas.microsoft.com/office/drawing/2010/main">
                 <a:effectLst>
                   <a:outerShdw dist="35921" dir="2700000" algn="ctr" rotWithShape="0">
                     <a:schemeClr val="bg2"/>
@@ -22067,14 +22071,14 @@
           </a:ln>
           <a:extLst>
             <a:ext uri="{909E8E84-426E-40dd-AFC4-6F175D3DCCD1}">
-              <a14:hiddenFill xmlns:a14="http://schemas.microsoft.com/office/drawing/2010/main" xmlns="">
+              <a14:hiddenFill xmlns="" xmlns:a14="http://schemas.microsoft.com/office/drawing/2010/main">
                 <a:solidFill>
                   <a:srgbClr val="FFFFFF"/>
                 </a:solidFill>
               </a14:hiddenFill>
             </a:ext>
             <a:ext uri="{91240B29-F687-4f45-9708-019B960494DF}">
-              <a14:hiddenLine xmlns:a14="http://schemas.microsoft.com/office/drawing/2010/main" xmlns="" w="9525">
+              <a14:hiddenLine xmlns="" xmlns:a14="http://schemas.microsoft.com/office/drawing/2010/main" w="9525">
                 <a:solidFill>
                   <a:srgbClr val="000000"/>
                 </a:solidFill>
@@ -22084,7 +22088,7 @@
               </a14:hiddenLine>
             </a:ext>
             <a:ext uri="{FAA26D3D-D897-4be2-8F04-BA451C77F1D7}">
-              <ma14:placeholderFlag xmlns:ma14="http://schemas.microsoft.com/office/mac/drawingml/2011/main" xmlns="" val="1"/>
+              <ma14:placeholderFlag xmlns="" xmlns:ma14="http://schemas.microsoft.com/office/mac/drawingml/2011/main" val="1"/>
             </a:ext>
           </a:extLst>
         </p:spPr>
@@ -23106,14 +23110,14 @@
           </a:ln>
           <a:extLst>
             <a:ext uri="{909E8E84-426E-40dd-AFC4-6F175D3DCCD1}">
-              <a14:hiddenFill xmlns:a14="http://schemas.microsoft.com/office/drawing/2010/main" xmlns="">
+              <a14:hiddenFill xmlns="" xmlns:a14="http://schemas.microsoft.com/office/drawing/2010/main">
                 <a:solidFill>
                   <a:srgbClr val="FFFFFF"/>
                 </a:solidFill>
               </a14:hiddenFill>
             </a:ext>
             <a:ext uri="{91240B29-F687-4f45-9708-019B960494DF}">
-              <a14:hiddenLine xmlns:a14="http://schemas.microsoft.com/office/drawing/2010/main" xmlns="" w="9525">
+              <a14:hiddenLine xmlns="" xmlns:a14="http://schemas.microsoft.com/office/drawing/2010/main" w="9525">
                 <a:solidFill>
                   <a:srgbClr val="000000"/>
                 </a:solidFill>
@@ -23181,14 +23185,14 @@
           </a:ln>
           <a:extLst>
             <a:ext uri="{909E8E84-426E-40dd-AFC4-6F175D3DCCD1}">
-              <a14:hiddenFill xmlns:a14="http://schemas.microsoft.com/office/drawing/2010/main" xmlns="">
+              <a14:hiddenFill xmlns="" xmlns:a14="http://schemas.microsoft.com/office/drawing/2010/main">
                 <a:solidFill>
                   <a:srgbClr val="FFFFFF"/>
                 </a:solidFill>
               </a14:hiddenFill>
             </a:ext>
             <a:ext uri="{91240B29-F687-4f45-9708-019B960494DF}">
-              <a14:hiddenLine xmlns:a14="http://schemas.microsoft.com/office/drawing/2010/main" xmlns="" w="9525">
+              <a14:hiddenLine xmlns="" xmlns:a14="http://schemas.microsoft.com/office/drawing/2010/main" w="9525">
                 <a:solidFill>
                   <a:srgbClr val="000000"/>
                 </a:solidFill>
